--- a/semi_project_data.pptx
+++ b/semi_project_data.pptx
@@ -3,28 +3,30 @@
 <p:presentation xmlns:a="http://schemas.openxmlformats.org/drawingml/2006/main" xmlns:r="http://schemas.openxmlformats.org/officeDocument/2006/relationships" xmlns:p="http://schemas.openxmlformats.org/presentationml/2006/main" saveSubsetFonts="1">
   <p:sldMasterIdLst>
     <p:sldMasterId id="2147483648" r:id="rId1"/>
+    <p:sldMasterId id="2147483660" r:id="rId2"/>
   </p:sldMasterIdLst>
   <p:sldIdLst>
-    <p:sldId id="256" r:id="rId2"/>
-    <p:sldId id="257" r:id="rId3"/>
-    <p:sldId id="258" r:id="rId4"/>
-    <p:sldId id="260" r:id="rId5"/>
-    <p:sldId id="259" r:id="rId6"/>
-    <p:sldId id="261" r:id="rId7"/>
-    <p:sldId id="262" r:id="rId8"/>
-    <p:sldId id="263" r:id="rId9"/>
-    <p:sldId id="264" r:id="rId10"/>
-    <p:sldId id="265" r:id="rId11"/>
-    <p:sldId id="266" r:id="rId12"/>
-    <p:sldId id="283" r:id="rId13"/>
-    <p:sldId id="284" r:id="rId14"/>
-    <p:sldId id="285" r:id="rId15"/>
-    <p:sldId id="286" r:id="rId16"/>
-    <p:sldId id="287" r:id="rId17"/>
-    <p:sldId id="288" r:id="rId18"/>
-    <p:sldId id="289" r:id="rId19"/>
-    <p:sldId id="290" r:id="rId20"/>
-    <p:sldId id="291" r:id="rId21"/>
+    <p:sldId id="256" r:id="rId3"/>
+    <p:sldId id="293" r:id="rId4"/>
+    <p:sldId id="294" r:id="rId5"/>
+    <p:sldId id="296" r:id="rId6"/>
+    <p:sldId id="297" r:id="rId7"/>
+    <p:sldId id="298" r:id="rId8"/>
+    <p:sldId id="299" r:id="rId9"/>
+    <p:sldId id="300" r:id="rId10"/>
+    <p:sldId id="301" r:id="rId11"/>
+    <p:sldId id="302" r:id="rId12"/>
+    <p:sldId id="303" r:id="rId13"/>
+    <p:sldId id="305" r:id="rId14"/>
+    <p:sldId id="307" r:id="rId15"/>
+    <p:sldId id="304" r:id="rId16"/>
+    <p:sldId id="306" r:id="rId17"/>
+    <p:sldId id="313" r:id="rId18"/>
+    <p:sldId id="308" r:id="rId19"/>
+    <p:sldId id="309" r:id="rId20"/>
+    <p:sldId id="310" r:id="rId21"/>
+    <p:sldId id="311" r:id="rId22"/>
+    <p:sldId id="312" r:id="rId23"/>
   </p:sldIdLst>
   <p:sldSz cx="12192000" cy="6858000"/>
   <p:notesSz cx="6858000" cy="9144000"/>
@@ -123,6 +125,11 @@
       </a:defRPr>
     </a:lvl9pPr>
   </p:defaultTextStyle>
+  <p:extLst>
+    <p:ext uri="{EFAFB233-063F-42B5-8137-9DF3F51BA10A}">
+      <p15:sldGuideLst xmlns:p15="http://schemas.microsoft.com/office/powerpoint/2012/main"/>
+    </p:ext>
+  </p:extLst>
 </p:presentation>
 </file>
 
@@ -743,6 +750,428 @@
     <p:extLst>
       <p:ext uri="{BB962C8B-B14F-4D97-AF65-F5344CB8AC3E}">
         <p14:creationId xmlns:p14="http://schemas.microsoft.com/office/powerpoint/2010/main" val="1823144639"/>
+      </p:ext>
+    </p:extLst>
+  </p:cSld>
+  <p:clrMapOvr>
+    <a:masterClrMapping/>
+  </p:clrMapOvr>
+</p:sldLayout>
+</file>
+
+<file path=ppt/slideLayouts/slideLayout12.xml><?xml version="1.0" encoding="utf-8"?>
+<p:sldLayout xmlns:a="http://schemas.openxmlformats.org/drawingml/2006/main" xmlns:r="http://schemas.openxmlformats.org/officeDocument/2006/relationships" xmlns:p="http://schemas.openxmlformats.org/presentationml/2006/main" type="blank" preserve="1">
+  <p:cSld name="빈 화면">
+    <p:spTree>
+      <p:nvGrpSpPr>
+        <p:cNvPr id="1" name=""/>
+        <p:cNvGrpSpPr/>
+        <p:nvPr/>
+      </p:nvGrpSpPr>
+      <p:grpSpPr>
+        <a:xfrm>
+          <a:off x="0" y="0"/>
+          <a:ext cx="0" cy="0"/>
+          <a:chOff x="0" y="0"/>
+          <a:chExt cx="0" cy="0"/>
+        </a:xfrm>
+      </p:grpSpPr>
+      <p:sp>
+        <p:nvSpPr>
+          <p:cNvPr id="2" name="날짜 개체 틀 1">
+            <a:extLst>
+              <a:ext uri="{FF2B5EF4-FFF2-40B4-BE49-F238E27FC236}">
+                <a16:creationId xmlns:a16="http://schemas.microsoft.com/office/drawing/2014/main" id="{7E7A7131-ED47-1C2E-2386-E73F1CE5F682}"/>
+              </a:ext>
+            </a:extLst>
+          </p:cNvPr>
+          <p:cNvSpPr>
+            <a:spLocks noGrp="1"/>
+          </p:cNvSpPr>
+          <p:nvPr>
+            <p:ph type="dt" sz="half" idx="10"/>
+          </p:nvPr>
+        </p:nvSpPr>
+        <p:spPr/>
+        <p:txBody>
+          <a:bodyPr/>
+          <a:lstStyle/>
+          <a:p>
+            <a:fld id="{ECDD8559-E00F-4929-B36E-6AED35091A08}" type="datetimeFigureOut">
+              <a:rPr lang="ko-KR" altLang="en-US" smtClean="0"/>
+              <a:t>2023-05-18</a:t>
+            </a:fld>
+            <a:endParaRPr lang="ko-KR" altLang="en-US"/>
+          </a:p>
+        </p:txBody>
+      </p:sp>
+      <p:sp>
+        <p:nvSpPr>
+          <p:cNvPr id="3" name="바닥글 개체 틀 2">
+            <a:extLst>
+              <a:ext uri="{FF2B5EF4-FFF2-40B4-BE49-F238E27FC236}">
+                <a16:creationId xmlns:a16="http://schemas.microsoft.com/office/drawing/2014/main" id="{102C9626-2ACE-72CB-5BE5-8CAEBF0CDD14}"/>
+              </a:ext>
+            </a:extLst>
+          </p:cNvPr>
+          <p:cNvSpPr>
+            <a:spLocks noGrp="1"/>
+          </p:cNvSpPr>
+          <p:nvPr>
+            <p:ph type="ftr" sz="quarter" idx="11"/>
+          </p:nvPr>
+        </p:nvSpPr>
+        <p:spPr/>
+        <p:txBody>
+          <a:bodyPr/>
+          <a:lstStyle/>
+          <a:p>
+            <a:endParaRPr lang="ko-KR" altLang="en-US"/>
+          </a:p>
+        </p:txBody>
+      </p:sp>
+      <p:sp>
+        <p:nvSpPr>
+          <p:cNvPr id="4" name="슬라이드 번호 개체 틀 3">
+            <a:extLst>
+              <a:ext uri="{FF2B5EF4-FFF2-40B4-BE49-F238E27FC236}">
+                <a16:creationId xmlns:a16="http://schemas.microsoft.com/office/drawing/2014/main" id="{9BCA4714-B766-9BBC-FE3C-213EC49AB7EF}"/>
+              </a:ext>
+            </a:extLst>
+          </p:cNvPr>
+          <p:cNvSpPr>
+            <a:spLocks noGrp="1"/>
+          </p:cNvSpPr>
+          <p:nvPr>
+            <p:ph type="sldNum" sz="quarter" idx="12"/>
+          </p:nvPr>
+        </p:nvSpPr>
+        <p:spPr/>
+        <p:txBody>
+          <a:bodyPr/>
+          <a:lstStyle/>
+          <a:p>
+            <a:fld id="{C3DBC79A-962B-4A02-A00F-80DED52B5E2D}" type="slidenum">
+              <a:rPr lang="ko-KR" altLang="en-US" smtClean="0"/>
+              <a:t>‹#›</a:t>
+            </a:fld>
+            <a:endParaRPr lang="ko-KR" altLang="en-US"/>
+          </a:p>
+        </p:txBody>
+      </p:sp>
+      <p:sp>
+        <p:nvSpPr>
+          <p:cNvPr id="5" name="TextBox 4">
+            <a:extLst>
+              <a:ext uri="{FF2B5EF4-FFF2-40B4-BE49-F238E27FC236}">
+                <a16:creationId xmlns:a16="http://schemas.microsoft.com/office/drawing/2014/main" id="{2C2DFE07-FEC1-3412-5F6C-75AD2C214E8B}"/>
+              </a:ext>
+            </a:extLst>
+          </p:cNvPr>
+          <p:cNvSpPr txBox="1"/>
+          <p:nvPr userDrawn="1"/>
+        </p:nvSpPr>
+        <p:spPr>
+          <a:xfrm>
+            <a:off x="9987228" y="6602223"/>
+            <a:ext cx="2194833" cy="230832"/>
+          </a:xfrm>
+          <a:prstGeom prst="rect">
+            <a:avLst/>
+          </a:prstGeom>
+          <a:noFill/>
+        </p:spPr>
+        <p:txBody>
+          <a:bodyPr wrap="none" rtlCol="0">
+            <a:spAutoFit/>
+          </a:bodyPr>
+          <a:lstStyle/>
+          <a:p>
+            <a:pPr algn="r"/>
+            <a:r>
+              <a:rPr lang="en-US" altLang="ko-KR" sz="900" dirty="0">
+                <a:solidFill>
+                  <a:schemeClr val="tx1">
+                    <a:lumMod val="85000"/>
+                    <a:lumOff val="15000"/>
+                  </a:schemeClr>
+                </a:solidFill>
+                <a:latin typeface="Arial" panose="020B0604020202020204" pitchFamily="34" charset="0"/>
+                <a:cs typeface="Arial" panose="020B0604020202020204" pitchFamily="34" charset="0"/>
+              </a:rPr>
+              <a:t>ⓒSaebyeol Yu.</a:t>
+            </a:r>
+            <a:r>
+              <a:rPr lang="ko-KR" altLang="en-US" sz="900" dirty="0">
+                <a:solidFill>
+                  <a:schemeClr val="tx1">
+                    <a:lumMod val="85000"/>
+                    <a:lumOff val="15000"/>
+                  </a:schemeClr>
+                </a:solidFill>
+                <a:latin typeface="Arial" panose="020B0604020202020204" pitchFamily="34" charset="0"/>
+                <a:cs typeface="Arial" panose="020B0604020202020204" pitchFamily="34" charset="0"/>
+              </a:rPr>
+              <a:t> </a:t>
+            </a:r>
+            <a:r>
+              <a:rPr lang="en-US" altLang="ko-KR" sz="900" dirty="0" err="1">
+                <a:solidFill>
+                  <a:schemeClr val="tx1">
+                    <a:lumMod val="85000"/>
+                    <a:lumOff val="15000"/>
+                  </a:schemeClr>
+                </a:solidFill>
+                <a:latin typeface="Arial" panose="020B0604020202020204" pitchFamily="34" charset="0"/>
+                <a:cs typeface="Arial" panose="020B0604020202020204" pitchFamily="34" charset="0"/>
+              </a:rPr>
+              <a:t>Saebyeol’s</a:t>
+            </a:r>
+            <a:r>
+              <a:rPr lang="ko-KR" altLang="en-US" sz="900" dirty="0">
+                <a:solidFill>
+                  <a:schemeClr val="tx1">
+                    <a:lumMod val="85000"/>
+                    <a:lumOff val="15000"/>
+                  </a:schemeClr>
+                </a:solidFill>
+                <a:latin typeface="Arial" panose="020B0604020202020204" pitchFamily="34" charset="0"/>
+                <a:cs typeface="Arial" panose="020B0604020202020204" pitchFamily="34" charset="0"/>
+              </a:rPr>
+              <a:t> </a:t>
+            </a:r>
+            <a:r>
+              <a:rPr lang="en-US" altLang="ko-KR" sz="900" dirty="0">
+                <a:solidFill>
+                  <a:schemeClr val="tx1">
+                    <a:lumMod val="85000"/>
+                    <a:lumOff val="15000"/>
+                  </a:schemeClr>
+                </a:solidFill>
+                <a:latin typeface="Arial" panose="020B0604020202020204" pitchFamily="34" charset="0"/>
+                <a:cs typeface="Arial" panose="020B0604020202020204" pitchFamily="34" charset="0"/>
+              </a:rPr>
+              <a:t>PowerPoint</a:t>
+            </a:r>
+            <a:endParaRPr lang="ko-KR" altLang="en-US" sz="900" dirty="0">
+              <a:solidFill>
+                <a:schemeClr val="tx1">
+                  <a:lumMod val="85000"/>
+                  <a:lumOff val="15000"/>
+                </a:schemeClr>
+              </a:solidFill>
+              <a:latin typeface="Arial" panose="020B0604020202020204" pitchFamily="34" charset="0"/>
+              <a:cs typeface="Arial" panose="020B0604020202020204" pitchFamily="34" charset="0"/>
+            </a:endParaRPr>
+          </a:p>
+        </p:txBody>
+      </p:sp>
+    </p:spTree>
+    <p:extLst>
+      <p:ext uri="{BB962C8B-B14F-4D97-AF65-F5344CB8AC3E}">
+        <p14:creationId xmlns:p14="http://schemas.microsoft.com/office/powerpoint/2010/main" val="2737381774"/>
+      </p:ext>
+    </p:extLst>
+  </p:cSld>
+  <p:clrMapOvr>
+    <a:masterClrMapping/>
+  </p:clrMapOvr>
+</p:sldLayout>
+</file>
+
+<file path=ppt/slideLayouts/slideLayout13.xml><?xml version="1.0" encoding="utf-8"?>
+<p:sldLayout xmlns:a="http://schemas.openxmlformats.org/drawingml/2006/main" xmlns:r="http://schemas.openxmlformats.org/officeDocument/2006/relationships" xmlns:p="http://schemas.openxmlformats.org/presentationml/2006/main" type="blank" preserve="1">
+  <p:cSld name="1_빈 화면">
+    <p:spTree>
+      <p:nvGrpSpPr>
+        <p:cNvPr id="1" name=""/>
+        <p:cNvGrpSpPr/>
+        <p:nvPr/>
+      </p:nvGrpSpPr>
+      <p:grpSpPr>
+        <a:xfrm>
+          <a:off x="0" y="0"/>
+          <a:ext cx="0" cy="0"/>
+          <a:chOff x="0" y="0"/>
+          <a:chExt cx="0" cy="0"/>
+        </a:xfrm>
+      </p:grpSpPr>
+      <p:sp>
+        <p:nvSpPr>
+          <p:cNvPr id="2" name="날짜 개체 틀 1">
+            <a:extLst>
+              <a:ext uri="{FF2B5EF4-FFF2-40B4-BE49-F238E27FC236}">
+                <a16:creationId xmlns:a16="http://schemas.microsoft.com/office/drawing/2014/main" id="{7E7A7131-ED47-1C2E-2386-E73F1CE5F682}"/>
+              </a:ext>
+            </a:extLst>
+          </p:cNvPr>
+          <p:cNvSpPr>
+            <a:spLocks noGrp="1"/>
+          </p:cNvSpPr>
+          <p:nvPr>
+            <p:ph type="dt" sz="half" idx="10"/>
+          </p:nvPr>
+        </p:nvSpPr>
+        <p:spPr/>
+        <p:txBody>
+          <a:bodyPr/>
+          <a:lstStyle/>
+          <a:p>
+            <a:fld id="{ECDD8559-E00F-4929-B36E-6AED35091A08}" type="datetimeFigureOut">
+              <a:rPr lang="ko-KR" altLang="en-US" smtClean="0"/>
+              <a:t>2023-05-18</a:t>
+            </a:fld>
+            <a:endParaRPr lang="ko-KR" altLang="en-US"/>
+          </a:p>
+        </p:txBody>
+      </p:sp>
+      <p:sp>
+        <p:nvSpPr>
+          <p:cNvPr id="3" name="바닥글 개체 틀 2">
+            <a:extLst>
+              <a:ext uri="{FF2B5EF4-FFF2-40B4-BE49-F238E27FC236}">
+                <a16:creationId xmlns:a16="http://schemas.microsoft.com/office/drawing/2014/main" id="{102C9626-2ACE-72CB-5BE5-8CAEBF0CDD14}"/>
+              </a:ext>
+            </a:extLst>
+          </p:cNvPr>
+          <p:cNvSpPr>
+            <a:spLocks noGrp="1"/>
+          </p:cNvSpPr>
+          <p:nvPr>
+            <p:ph type="ftr" sz="quarter" idx="11"/>
+          </p:nvPr>
+        </p:nvSpPr>
+        <p:spPr/>
+        <p:txBody>
+          <a:bodyPr/>
+          <a:lstStyle/>
+          <a:p>
+            <a:endParaRPr lang="ko-KR" altLang="en-US"/>
+          </a:p>
+        </p:txBody>
+      </p:sp>
+      <p:sp>
+        <p:nvSpPr>
+          <p:cNvPr id="4" name="슬라이드 번호 개체 틀 3">
+            <a:extLst>
+              <a:ext uri="{FF2B5EF4-FFF2-40B4-BE49-F238E27FC236}">
+                <a16:creationId xmlns:a16="http://schemas.microsoft.com/office/drawing/2014/main" id="{9BCA4714-B766-9BBC-FE3C-213EC49AB7EF}"/>
+              </a:ext>
+            </a:extLst>
+          </p:cNvPr>
+          <p:cNvSpPr>
+            <a:spLocks noGrp="1"/>
+          </p:cNvSpPr>
+          <p:nvPr>
+            <p:ph type="sldNum" sz="quarter" idx="12"/>
+          </p:nvPr>
+        </p:nvSpPr>
+        <p:spPr/>
+        <p:txBody>
+          <a:bodyPr/>
+          <a:lstStyle/>
+          <a:p>
+            <a:fld id="{C3DBC79A-962B-4A02-A00F-80DED52B5E2D}" type="slidenum">
+              <a:rPr lang="ko-KR" altLang="en-US" smtClean="0"/>
+              <a:t>‹#›</a:t>
+            </a:fld>
+            <a:endParaRPr lang="ko-KR" altLang="en-US"/>
+          </a:p>
+        </p:txBody>
+      </p:sp>
+      <p:sp>
+        <p:nvSpPr>
+          <p:cNvPr id="5" name="TextBox 4">
+            <a:extLst>
+              <a:ext uri="{FF2B5EF4-FFF2-40B4-BE49-F238E27FC236}">
+                <a16:creationId xmlns:a16="http://schemas.microsoft.com/office/drawing/2014/main" id="{2C2DFE07-FEC1-3412-5F6C-75AD2C214E8B}"/>
+              </a:ext>
+            </a:extLst>
+          </p:cNvPr>
+          <p:cNvSpPr txBox="1"/>
+          <p:nvPr userDrawn="1"/>
+        </p:nvSpPr>
+        <p:spPr>
+          <a:xfrm>
+            <a:off x="9987228" y="6602223"/>
+            <a:ext cx="2194833" cy="230832"/>
+          </a:xfrm>
+          <a:prstGeom prst="rect">
+            <a:avLst/>
+          </a:prstGeom>
+          <a:noFill/>
+        </p:spPr>
+        <p:txBody>
+          <a:bodyPr wrap="none" rtlCol="0">
+            <a:spAutoFit/>
+          </a:bodyPr>
+          <a:lstStyle/>
+          <a:p>
+            <a:pPr algn="r"/>
+            <a:r>
+              <a:rPr lang="en-US" altLang="ko-KR" sz="900" dirty="0">
+                <a:solidFill>
+                  <a:schemeClr val="bg1"/>
+                </a:solidFill>
+                <a:latin typeface="Arial" panose="020B0604020202020204" pitchFamily="34" charset="0"/>
+                <a:cs typeface="Arial" panose="020B0604020202020204" pitchFamily="34" charset="0"/>
+              </a:rPr>
+              <a:t>ⓒSaebyeol Yu.</a:t>
+            </a:r>
+            <a:r>
+              <a:rPr lang="ko-KR" altLang="en-US" sz="900" dirty="0">
+                <a:solidFill>
+                  <a:schemeClr val="bg1"/>
+                </a:solidFill>
+                <a:latin typeface="Arial" panose="020B0604020202020204" pitchFamily="34" charset="0"/>
+                <a:cs typeface="Arial" panose="020B0604020202020204" pitchFamily="34" charset="0"/>
+              </a:rPr>
+              <a:t> </a:t>
+            </a:r>
+            <a:r>
+              <a:rPr lang="en-US" altLang="ko-KR" sz="900" dirty="0" err="1">
+                <a:solidFill>
+                  <a:schemeClr val="bg1"/>
+                </a:solidFill>
+                <a:latin typeface="Arial" panose="020B0604020202020204" pitchFamily="34" charset="0"/>
+                <a:cs typeface="Arial" panose="020B0604020202020204" pitchFamily="34" charset="0"/>
+              </a:rPr>
+              <a:t>Saebyeol’s</a:t>
+            </a:r>
+            <a:r>
+              <a:rPr lang="ko-KR" altLang="en-US" sz="900" dirty="0">
+                <a:solidFill>
+                  <a:schemeClr val="bg1"/>
+                </a:solidFill>
+                <a:latin typeface="Arial" panose="020B0604020202020204" pitchFamily="34" charset="0"/>
+                <a:cs typeface="Arial" panose="020B0604020202020204" pitchFamily="34" charset="0"/>
+              </a:rPr>
+              <a:t> </a:t>
+            </a:r>
+            <a:r>
+              <a:rPr lang="en-US" altLang="ko-KR" sz="900" dirty="0">
+                <a:solidFill>
+                  <a:schemeClr val="bg1"/>
+                </a:solidFill>
+                <a:latin typeface="Arial" panose="020B0604020202020204" pitchFamily="34" charset="0"/>
+                <a:cs typeface="Arial" panose="020B0604020202020204" pitchFamily="34" charset="0"/>
+              </a:rPr>
+              <a:t>PowerPoint</a:t>
+            </a:r>
+            <a:endParaRPr lang="ko-KR" altLang="en-US" sz="900" dirty="0">
+              <a:solidFill>
+                <a:schemeClr val="bg1"/>
+              </a:solidFill>
+              <a:latin typeface="Arial" panose="020B0604020202020204" pitchFamily="34" charset="0"/>
+              <a:cs typeface="Arial" panose="020B0604020202020204" pitchFamily="34" charset="0"/>
+            </a:endParaRPr>
+          </a:p>
+        </p:txBody>
+      </p:sp>
+    </p:spTree>
+    <p:extLst>
+      <p:ext uri="{BB962C8B-B14F-4D97-AF65-F5344CB8AC3E}">
+        <p14:creationId xmlns:p14="http://schemas.microsoft.com/office/powerpoint/2010/main" val="658712254"/>
       </p:ext>
     </p:extLst>
   </p:cSld>
@@ -3323,6 +3752,570 @@
 </p:sldMaster>
 </file>
 
+<file path=ppt/slideMasters/slideMaster2.xml><?xml version="1.0" encoding="utf-8"?>
+<p:sldMaster xmlns:a="http://schemas.openxmlformats.org/drawingml/2006/main" xmlns:r="http://schemas.openxmlformats.org/officeDocument/2006/relationships" xmlns:p="http://schemas.openxmlformats.org/presentationml/2006/main">
+  <p:cSld>
+    <p:bg>
+      <p:bgPr>
+        <a:solidFill>
+          <a:schemeClr val="accent4">
+            <a:lumMod val="90000"/>
+          </a:schemeClr>
+        </a:solidFill>
+        <a:effectLst/>
+      </p:bgPr>
+    </p:bg>
+    <p:spTree>
+      <p:nvGrpSpPr>
+        <p:cNvPr id="1" name=""/>
+        <p:cNvGrpSpPr/>
+        <p:nvPr/>
+      </p:nvGrpSpPr>
+      <p:grpSpPr>
+        <a:xfrm>
+          <a:off x="0" y="0"/>
+          <a:ext cx="0" cy="0"/>
+          <a:chOff x="0" y="0"/>
+          <a:chExt cx="0" cy="0"/>
+        </a:xfrm>
+      </p:grpSpPr>
+      <p:sp>
+        <p:nvSpPr>
+          <p:cNvPr id="2" name="제목 개체 틀 1">
+            <a:extLst>
+              <a:ext uri="{FF2B5EF4-FFF2-40B4-BE49-F238E27FC236}">
+                <a16:creationId xmlns:a16="http://schemas.microsoft.com/office/drawing/2014/main" id="{D53ADF62-798E-66E2-6BC7-AEFF0BC266BA}"/>
+              </a:ext>
+            </a:extLst>
+          </p:cNvPr>
+          <p:cNvSpPr>
+            <a:spLocks noGrp="1"/>
+          </p:cNvSpPr>
+          <p:nvPr>
+            <p:ph type="title"/>
+          </p:nvPr>
+        </p:nvSpPr>
+        <p:spPr>
+          <a:xfrm>
+            <a:off x="838200" y="365125"/>
+            <a:ext cx="10515600" cy="1325563"/>
+          </a:xfrm>
+          <a:prstGeom prst="rect">
+            <a:avLst/>
+          </a:prstGeom>
+        </p:spPr>
+        <p:txBody>
+          <a:bodyPr vert="horz" lIns="91440" tIns="45720" rIns="91440" bIns="45720" rtlCol="0" anchor="ctr">
+            <a:normAutofit/>
+          </a:bodyPr>
+          <a:lstStyle/>
+          <a:p>
+            <a:r>
+              <a:rPr lang="ko-KR" altLang="en-US"/>
+              <a:t>마스터 제목 스타일 편집</a:t>
+            </a:r>
+          </a:p>
+        </p:txBody>
+      </p:sp>
+      <p:sp>
+        <p:nvSpPr>
+          <p:cNvPr id="3" name="텍스트 개체 틀 2">
+            <a:extLst>
+              <a:ext uri="{FF2B5EF4-FFF2-40B4-BE49-F238E27FC236}">
+                <a16:creationId xmlns:a16="http://schemas.microsoft.com/office/drawing/2014/main" id="{6AEC3072-BBA6-E2E2-BDAA-B3E9CC66FB43}"/>
+              </a:ext>
+            </a:extLst>
+          </p:cNvPr>
+          <p:cNvSpPr>
+            <a:spLocks noGrp="1"/>
+          </p:cNvSpPr>
+          <p:nvPr>
+            <p:ph type="body" idx="1"/>
+          </p:nvPr>
+        </p:nvSpPr>
+        <p:spPr>
+          <a:xfrm>
+            <a:off x="838200" y="1825625"/>
+            <a:ext cx="10515600" cy="4351338"/>
+          </a:xfrm>
+          <a:prstGeom prst="rect">
+            <a:avLst/>
+          </a:prstGeom>
+        </p:spPr>
+        <p:txBody>
+          <a:bodyPr vert="horz" lIns="91440" tIns="45720" rIns="91440" bIns="45720" rtlCol="0">
+            <a:normAutofit/>
+          </a:bodyPr>
+          <a:lstStyle/>
+          <a:p>
+            <a:pPr lvl="0"/>
+            <a:r>
+              <a:rPr lang="ko-KR" altLang="en-US"/>
+              <a:t>마스터 텍스트 스타일을 편집하려면 클릭</a:t>
+            </a:r>
+          </a:p>
+          <a:p>
+            <a:pPr lvl="1"/>
+            <a:r>
+              <a:rPr lang="ko-KR" altLang="en-US"/>
+              <a:t>두 번째 수준</a:t>
+            </a:r>
+          </a:p>
+          <a:p>
+            <a:pPr lvl="2"/>
+            <a:r>
+              <a:rPr lang="ko-KR" altLang="en-US"/>
+              <a:t>세 번째 수준</a:t>
+            </a:r>
+          </a:p>
+          <a:p>
+            <a:pPr lvl="3"/>
+            <a:r>
+              <a:rPr lang="ko-KR" altLang="en-US"/>
+              <a:t>네 번째 수준</a:t>
+            </a:r>
+          </a:p>
+          <a:p>
+            <a:pPr lvl="4"/>
+            <a:r>
+              <a:rPr lang="ko-KR" altLang="en-US"/>
+              <a:t>다섯 번째 수준</a:t>
+            </a:r>
+          </a:p>
+        </p:txBody>
+      </p:sp>
+      <p:sp>
+        <p:nvSpPr>
+          <p:cNvPr id="4" name="날짜 개체 틀 3">
+            <a:extLst>
+              <a:ext uri="{FF2B5EF4-FFF2-40B4-BE49-F238E27FC236}">
+                <a16:creationId xmlns:a16="http://schemas.microsoft.com/office/drawing/2014/main" id="{0FB37B54-FABB-D1AC-AD00-D8967EA1B3FD}"/>
+              </a:ext>
+            </a:extLst>
+          </p:cNvPr>
+          <p:cNvSpPr>
+            <a:spLocks noGrp="1"/>
+          </p:cNvSpPr>
+          <p:nvPr>
+            <p:ph type="dt" sz="half" idx="2"/>
+          </p:nvPr>
+        </p:nvSpPr>
+        <p:spPr>
+          <a:xfrm>
+            <a:off x="838200" y="6356350"/>
+            <a:ext cx="2743200" cy="365125"/>
+          </a:xfrm>
+          <a:prstGeom prst="rect">
+            <a:avLst/>
+          </a:prstGeom>
+        </p:spPr>
+        <p:txBody>
+          <a:bodyPr vert="horz" lIns="91440" tIns="45720" rIns="91440" bIns="45720" rtlCol="0" anchor="ctr"/>
+          <a:lstStyle>
+            <a:lvl1pPr algn="l">
+              <a:defRPr sz="1200">
+                <a:solidFill>
+                  <a:schemeClr val="tx1">
+                    <a:tint val="75000"/>
+                  </a:schemeClr>
+                </a:solidFill>
+              </a:defRPr>
+            </a:lvl1pPr>
+          </a:lstStyle>
+          <a:p>
+            <a:fld id="{ECDD8559-E00F-4929-B36E-6AED35091A08}" type="datetimeFigureOut">
+              <a:rPr lang="ko-KR" altLang="en-US" smtClean="0"/>
+              <a:t>2023-05-18</a:t>
+            </a:fld>
+            <a:endParaRPr lang="ko-KR" altLang="en-US"/>
+          </a:p>
+        </p:txBody>
+      </p:sp>
+      <p:sp>
+        <p:nvSpPr>
+          <p:cNvPr id="5" name="바닥글 개체 틀 4">
+            <a:extLst>
+              <a:ext uri="{FF2B5EF4-FFF2-40B4-BE49-F238E27FC236}">
+                <a16:creationId xmlns:a16="http://schemas.microsoft.com/office/drawing/2014/main" id="{33B2931F-8878-05DC-7009-D79214306599}"/>
+              </a:ext>
+            </a:extLst>
+          </p:cNvPr>
+          <p:cNvSpPr>
+            <a:spLocks noGrp="1"/>
+          </p:cNvSpPr>
+          <p:nvPr>
+            <p:ph type="ftr" sz="quarter" idx="3"/>
+          </p:nvPr>
+        </p:nvSpPr>
+        <p:spPr>
+          <a:xfrm>
+            <a:off x="4038600" y="6356350"/>
+            <a:ext cx="4114800" cy="365125"/>
+          </a:xfrm>
+          <a:prstGeom prst="rect">
+            <a:avLst/>
+          </a:prstGeom>
+        </p:spPr>
+        <p:txBody>
+          <a:bodyPr vert="horz" lIns="91440" tIns="45720" rIns="91440" bIns="45720" rtlCol="0" anchor="ctr"/>
+          <a:lstStyle>
+            <a:lvl1pPr algn="ctr">
+              <a:defRPr sz="1200">
+                <a:solidFill>
+                  <a:schemeClr val="tx1">
+                    <a:tint val="75000"/>
+                  </a:schemeClr>
+                </a:solidFill>
+              </a:defRPr>
+            </a:lvl1pPr>
+          </a:lstStyle>
+          <a:p>
+            <a:endParaRPr lang="ko-KR" altLang="en-US"/>
+          </a:p>
+        </p:txBody>
+      </p:sp>
+      <p:sp>
+        <p:nvSpPr>
+          <p:cNvPr id="6" name="슬라이드 번호 개체 틀 5">
+            <a:extLst>
+              <a:ext uri="{FF2B5EF4-FFF2-40B4-BE49-F238E27FC236}">
+                <a16:creationId xmlns:a16="http://schemas.microsoft.com/office/drawing/2014/main" id="{A1E530E2-A7C9-8227-1506-F93FCEA75B68}"/>
+              </a:ext>
+            </a:extLst>
+          </p:cNvPr>
+          <p:cNvSpPr>
+            <a:spLocks noGrp="1"/>
+          </p:cNvSpPr>
+          <p:nvPr>
+            <p:ph type="sldNum" sz="quarter" idx="4"/>
+          </p:nvPr>
+        </p:nvSpPr>
+        <p:spPr>
+          <a:xfrm>
+            <a:off x="8610600" y="6356350"/>
+            <a:ext cx="2743200" cy="365125"/>
+          </a:xfrm>
+          <a:prstGeom prst="rect">
+            <a:avLst/>
+          </a:prstGeom>
+        </p:spPr>
+        <p:txBody>
+          <a:bodyPr vert="horz" lIns="91440" tIns="45720" rIns="91440" bIns="45720" rtlCol="0" anchor="ctr"/>
+          <a:lstStyle>
+            <a:lvl1pPr algn="r">
+              <a:defRPr sz="1200">
+                <a:solidFill>
+                  <a:schemeClr val="tx1">
+                    <a:tint val="75000"/>
+                  </a:schemeClr>
+                </a:solidFill>
+              </a:defRPr>
+            </a:lvl1pPr>
+          </a:lstStyle>
+          <a:p>
+            <a:fld id="{C3DBC79A-962B-4A02-A00F-80DED52B5E2D}" type="slidenum">
+              <a:rPr lang="ko-KR" altLang="en-US" smtClean="0"/>
+              <a:t>‹#›</a:t>
+            </a:fld>
+            <a:endParaRPr lang="ko-KR" altLang="en-US"/>
+          </a:p>
+        </p:txBody>
+      </p:sp>
+    </p:spTree>
+    <p:extLst>
+      <p:ext uri="{BB962C8B-B14F-4D97-AF65-F5344CB8AC3E}">
+        <p14:creationId xmlns:p14="http://schemas.microsoft.com/office/powerpoint/2010/main" val="1066218555"/>
+      </p:ext>
+    </p:extLst>
+  </p:cSld>
+  <p:clrMap bg1="lt1" tx1="dk1" bg2="lt2" tx2="dk2" accent1="accent1" accent2="accent2" accent3="accent3" accent4="accent4" accent5="accent5" accent6="accent6" hlink="hlink" folHlink="folHlink"/>
+  <p:sldLayoutIdLst>
+    <p:sldLayoutId id="2147483661" r:id="rId1"/>
+    <p:sldLayoutId id="2147483662" r:id="rId2"/>
+  </p:sldLayoutIdLst>
+  <p:txStyles>
+    <p:titleStyle>
+      <a:lvl1pPr algn="l" defTabSz="914400" rtl="0" eaLnBrk="1" latinLnBrk="1" hangingPunct="1">
+        <a:lnSpc>
+          <a:spcPct val="90000"/>
+        </a:lnSpc>
+        <a:spcBef>
+          <a:spcPct val="0"/>
+        </a:spcBef>
+        <a:buNone/>
+        <a:defRPr sz="4400" kern="1200">
+          <a:solidFill>
+            <a:schemeClr val="tx1"/>
+          </a:solidFill>
+          <a:latin typeface="+mj-lt"/>
+          <a:ea typeface="+mj-ea"/>
+          <a:cs typeface="+mj-cs"/>
+        </a:defRPr>
+      </a:lvl1pPr>
+    </p:titleStyle>
+    <p:bodyStyle>
+      <a:lvl1pPr marL="228600" indent="-228600" algn="l" defTabSz="914400" rtl="0" eaLnBrk="1" latinLnBrk="1" hangingPunct="1">
+        <a:lnSpc>
+          <a:spcPct val="90000"/>
+        </a:lnSpc>
+        <a:spcBef>
+          <a:spcPts val="1000"/>
+        </a:spcBef>
+        <a:buFont typeface="Arial" panose="020B0604020202020204" pitchFamily="34" charset="0"/>
+        <a:buChar char="•"/>
+        <a:defRPr sz="2800" kern="1200">
+          <a:solidFill>
+            <a:schemeClr val="tx1"/>
+          </a:solidFill>
+          <a:latin typeface="+mn-lt"/>
+          <a:ea typeface="+mn-ea"/>
+          <a:cs typeface="+mn-cs"/>
+        </a:defRPr>
+      </a:lvl1pPr>
+      <a:lvl2pPr marL="685800" indent="-228600" algn="l" defTabSz="914400" rtl="0" eaLnBrk="1" latinLnBrk="1" hangingPunct="1">
+        <a:lnSpc>
+          <a:spcPct val="90000"/>
+        </a:lnSpc>
+        <a:spcBef>
+          <a:spcPts val="500"/>
+        </a:spcBef>
+        <a:buFont typeface="Arial" panose="020B0604020202020204" pitchFamily="34" charset="0"/>
+        <a:buChar char="•"/>
+        <a:defRPr sz="2400" kern="1200">
+          <a:solidFill>
+            <a:schemeClr val="tx1"/>
+          </a:solidFill>
+          <a:latin typeface="+mn-lt"/>
+          <a:ea typeface="+mn-ea"/>
+          <a:cs typeface="+mn-cs"/>
+        </a:defRPr>
+      </a:lvl2pPr>
+      <a:lvl3pPr marL="1143000" indent="-228600" algn="l" defTabSz="914400" rtl="0" eaLnBrk="1" latinLnBrk="1" hangingPunct="1">
+        <a:lnSpc>
+          <a:spcPct val="90000"/>
+        </a:lnSpc>
+        <a:spcBef>
+          <a:spcPts val="500"/>
+        </a:spcBef>
+        <a:buFont typeface="Arial" panose="020B0604020202020204" pitchFamily="34" charset="0"/>
+        <a:buChar char="•"/>
+        <a:defRPr sz="2000" kern="1200">
+          <a:solidFill>
+            <a:schemeClr val="tx1"/>
+          </a:solidFill>
+          <a:latin typeface="+mn-lt"/>
+          <a:ea typeface="+mn-ea"/>
+          <a:cs typeface="+mn-cs"/>
+        </a:defRPr>
+      </a:lvl3pPr>
+      <a:lvl4pPr marL="1600200" indent="-228600" algn="l" defTabSz="914400" rtl="0" eaLnBrk="1" latinLnBrk="1" hangingPunct="1">
+        <a:lnSpc>
+          <a:spcPct val="90000"/>
+        </a:lnSpc>
+        <a:spcBef>
+          <a:spcPts val="500"/>
+        </a:spcBef>
+        <a:buFont typeface="Arial" panose="020B0604020202020204" pitchFamily="34" charset="0"/>
+        <a:buChar char="•"/>
+        <a:defRPr sz="1800" kern="1200">
+          <a:solidFill>
+            <a:schemeClr val="tx1"/>
+          </a:solidFill>
+          <a:latin typeface="+mn-lt"/>
+          <a:ea typeface="+mn-ea"/>
+          <a:cs typeface="+mn-cs"/>
+        </a:defRPr>
+      </a:lvl4pPr>
+      <a:lvl5pPr marL="2057400" indent="-228600" algn="l" defTabSz="914400" rtl="0" eaLnBrk="1" latinLnBrk="1" hangingPunct="1">
+        <a:lnSpc>
+          <a:spcPct val="90000"/>
+        </a:lnSpc>
+        <a:spcBef>
+          <a:spcPts val="500"/>
+        </a:spcBef>
+        <a:buFont typeface="Arial" panose="020B0604020202020204" pitchFamily="34" charset="0"/>
+        <a:buChar char="•"/>
+        <a:defRPr sz="1800" kern="1200">
+          <a:solidFill>
+            <a:schemeClr val="tx1"/>
+          </a:solidFill>
+          <a:latin typeface="+mn-lt"/>
+          <a:ea typeface="+mn-ea"/>
+          <a:cs typeface="+mn-cs"/>
+        </a:defRPr>
+      </a:lvl5pPr>
+      <a:lvl6pPr marL="2514600" indent="-228600" algn="l" defTabSz="914400" rtl="0" eaLnBrk="1" latinLnBrk="1" hangingPunct="1">
+        <a:lnSpc>
+          <a:spcPct val="90000"/>
+        </a:lnSpc>
+        <a:spcBef>
+          <a:spcPts val="500"/>
+        </a:spcBef>
+        <a:buFont typeface="Arial" panose="020B0604020202020204" pitchFamily="34" charset="0"/>
+        <a:buChar char="•"/>
+        <a:defRPr sz="1800" kern="1200">
+          <a:solidFill>
+            <a:schemeClr val="tx1"/>
+          </a:solidFill>
+          <a:latin typeface="+mn-lt"/>
+          <a:ea typeface="+mn-ea"/>
+          <a:cs typeface="+mn-cs"/>
+        </a:defRPr>
+      </a:lvl6pPr>
+      <a:lvl7pPr marL="2971800" indent="-228600" algn="l" defTabSz="914400" rtl="0" eaLnBrk="1" latinLnBrk="1" hangingPunct="1">
+        <a:lnSpc>
+          <a:spcPct val="90000"/>
+        </a:lnSpc>
+        <a:spcBef>
+          <a:spcPts val="500"/>
+        </a:spcBef>
+        <a:buFont typeface="Arial" panose="020B0604020202020204" pitchFamily="34" charset="0"/>
+        <a:buChar char="•"/>
+        <a:defRPr sz="1800" kern="1200">
+          <a:solidFill>
+            <a:schemeClr val="tx1"/>
+          </a:solidFill>
+          <a:latin typeface="+mn-lt"/>
+          <a:ea typeface="+mn-ea"/>
+          <a:cs typeface="+mn-cs"/>
+        </a:defRPr>
+      </a:lvl7pPr>
+      <a:lvl8pPr marL="3429000" indent="-228600" algn="l" defTabSz="914400" rtl="0" eaLnBrk="1" latinLnBrk="1" hangingPunct="1">
+        <a:lnSpc>
+          <a:spcPct val="90000"/>
+        </a:lnSpc>
+        <a:spcBef>
+          <a:spcPts val="500"/>
+        </a:spcBef>
+        <a:buFont typeface="Arial" panose="020B0604020202020204" pitchFamily="34" charset="0"/>
+        <a:buChar char="•"/>
+        <a:defRPr sz="1800" kern="1200">
+          <a:solidFill>
+            <a:schemeClr val="tx1"/>
+          </a:solidFill>
+          <a:latin typeface="+mn-lt"/>
+          <a:ea typeface="+mn-ea"/>
+          <a:cs typeface="+mn-cs"/>
+        </a:defRPr>
+      </a:lvl8pPr>
+      <a:lvl9pPr marL="3886200" indent="-228600" algn="l" defTabSz="914400" rtl="0" eaLnBrk="1" latinLnBrk="1" hangingPunct="1">
+        <a:lnSpc>
+          <a:spcPct val="90000"/>
+        </a:lnSpc>
+        <a:spcBef>
+          <a:spcPts val="500"/>
+        </a:spcBef>
+        <a:buFont typeface="Arial" panose="020B0604020202020204" pitchFamily="34" charset="0"/>
+        <a:buChar char="•"/>
+        <a:defRPr sz="1800" kern="1200">
+          <a:solidFill>
+            <a:schemeClr val="tx1"/>
+          </a:solidFill>
+          <a:latin typeface="+mn-lt"/>
+          <a:ea typeface="+mn-ea"/>
+          <a:cs typeface="+mn-cs"/>
+        </a:defRPr>
+      </a:lvl9pPr>
+    </p:bodyStyle>
+    <p:otherStyle>
+      <a:defPPr>
+        <a:defRPr lang="ko-KR"/>
+      </a:defPPr>
+      <a:lvl1pPr marL="0" algn="l" defTabSz="914400" rtl="0" eaLnBrk="1" latinLnBrk="1" hangingPunct="1">
+        <a:defRPr sz="1800" kern="1200">
+          <a:solidFill>
+            <a:schemeClr val="tx1"/>
+          </a:solidFill>
+          <a:latin typeface="+mn-lt"/>
+          <a:ea typeface="+mn-ea"/>
+          <a:cs typeface="+mn-cs"/>
+        </a:defRPr>
+      </a:lvl1pPr>
+      <a:lvl2pPr marL="457200" algn="l" defTabSz="914400" rtl="0" eaLnBrk="1" latinLnBrk="1" hangingPunct="1">
+        <a:defRPr sz="1800" kern="1200">
+          <a:solidFill>
+            <a:schemeClr val="tx1"/>
+          </a:solidFill>
+          <a:latin typeface="+mn-lt"/>
+          <a:ea typeface="+mn-ea"/>
+          <a:cs typeface="+mn-cs"/>
+        </a:defRPr>
+      </a:lvl2pPr>
+      <a:lvl3pPr marL="914400" algn="l" defTabSz="914400" rtl="0" eaLnBrk="1" latinLnBrk="1" hangingPunct="1">
+        <a:defRPr sz="1800" kern="1200">
+          <a:solidFill>
+            <a:schemeClr val="tx1"/>
+          </a:solidFill>
+          <a:latin typeface="+mn-lt"/>
+          <a:ea typeface="+mn-ea"/>
+          <a:cs typeface="+mn-cs"/>
+        </a:defRPr>
+      </a:lvl3pPr>
+      <a:lvl4pPr marL="1371600" algn="l" defTabSz="914400" rtl="0" eaLnBrk="1" latinLnBrk="1" hangingPunct="1">
+        <a:defRPr sz="1800" kern="1200">
+          <a:solidFill>
+            <a:schemeClr val="tx1"/>
+          </a:solidFill>
+          <a:latin typeface="+mn-lt"/>
+          <a:ea typeface="+mn-ea"/>
+          <a:cs typeface="+mn-cs"/>
+        </a:defRPr>
+      </a:lvl4pPr>
+      <a:lvl5pPr marL="1828800" algn="l" defTabSz="914400" rtl="0" eaLnBrk="1" latinLnBrk="1" hangingPunct="1">
+        <a:defRPr sz="1800" kern="1200">
+          <a:solidFill>
+            <a:schemeClr val="tx1"/>
+          </a:solidFill>
+          <a:latin typeface="+mn-lt"/>
+          <a:ea typeface="+mn-ea"/>
+          <a:cs typeface="+mn-cs"/>
+        </a:defRPr>
+      </a:lvl5pPr>
+      <a:lvl6pPr marL="2286000" algn="l" defTabSz="914400" rtl="0" eaLnBrk="1" latinLnBrk="1" hangingPunct="1">
+        <a:defRPr sz="1800" kern="1200">
+          <a:solidFill>
+            <a:schemeClr val="tx1"/>
+          </a:solidFill>
+          <a:latin typeface="+mn-lt"/>
+          <a:ea typeface="+mn-ea"/>
+          <a:cs typeface="+mn-cs"/>
+        </a:defRPr>
+      </a:lvl6pPr>
+      <a:lvl7pPr marL="2743200" algn="l" defTabSz="914400" rtl="0" eaLnBrk="1" latinLnBrk="1" hangingPunct="1">
+        <a:defRPr sz="1800" kern="1200">
+          <a:solidFill>
+            <a:schemeClr val="tx1"/>
+          </a:solidFill>
+          <a:latin typeface="+mn-lt"/>
+          <a:ea typeface="+mn-ea"/>
+          <a:cs typeface="+mn-cs"/>
+        </a:defRPr>
+      </a:lvl7pPr>
+      <a:lvl8pPr marL="3200400" algn="l" defTabSz="914400" rtl="0" eaLnBrk="1" latinLnBrk="1" hangingPunct="1">
+        <a:defRPr sz="1800" kern="1200">
+          <a:solidFill>
+            <a:schemeClr val="tx1"/>
+          </a:solidFill>
+          <a:latin typeface="+mn-lt"/>
+          <a:ea typeface="+mn-ea"/>
+          <a:cs typeface="+mn-cs"/>
+        </a:defRPr>
+      </a:lvl8pPr>
+      <a:lvl9pPr marL="3657600" algn="l" defTabSz="914400" rtl="0" eaLnBrk="1" latinLnBrk="1" hangingPunct="1">
+        <a:defRPr sz="1800" kern="1200">
+          <a:solidFill>
+            <a:schemeClr val="tx1"/>
+          </a:solidFill>
+          <a:latin typeface="+mn-lt"/>
+          <a:ea typeface="+mn-ea"/>
+          <a:cs typeface="+mn-cs"/>
+        </a:defRPr>
+      </a:lvl9pPr>
+    </p:otherStyle>
+  </p:txStyles>
+</p:sldMaster>
+</file>
+
 <file path=ppt/slides/slide1.xml><?xml version="1.0" encoding="utf-8"?>
 <p:sld xmlns:a="http://schemas.openxmlformats.org/drawingml/2006/main" xmlns:r="http://schemas.openxmlformats.org/officeDocument/2006/relationships" xmlns:p="http://schemas.openxmlformats.org/presentationml/2006/main">
   <p:cSld>
@@ -3423,54 +4416,185 @@
           <a:chExt cx="0" cy="0"/>
         </a:xfrm>
       </p:grpSpPr>
+      <p:cxnSp>
+        <p:nvCxnSpPr>
+          <p:cNvPr id="3" name="직선 연결선 2">
+            <a:extLst>
+              <a:ext uri="{FF2B5EF4-FFF2-40B4-BE49-F238E27FC236}">
+                <a16:creationId xmlns:a16="http://schemas.microsoft.com/office/drawing/2014/main" id="{E3FBA607-E7FC-B7F8-2868-BC448F31F790}"/>
+              </a:ext>
+            </a:extLst>
+          </p:cNvPr>
+          <p:cNvCxnSpPr/>
+          <p:nvPr/>
+        </p:nvCxnSpPr>
+        <p:spPr>
+          <a:xfrm>
+            <a:off x="144378" y="160422"/>
+            <a:ext cx="12060000" cy="0"/>
+          </a:xfrm>
+          <a:prstGeom prst="line">
+            <a:avLst/>
+          </a:prstGeom>
+          <a:ln w="76200">
+            <a:solidFill>
+              <a:schemeClr val="accent1"/>
+            </a:solidFill>
+          </a:ln>
+        </p:spPr>
+        <p:style>
+          <a:lnRef idx="1">
+            <a:schemeClr val="accent1"/>
+          </a:lnRef>
+          <a:fillRef idx="0">
+            <a:schemeClr val="accent1"/>
+          </a:fillRef>
+          <a:effectRef idx="0">
+            <a:schemeClr val="accent1"/>
+          </a:effectRef>
+          <a:fontRef idx="minor">
+            <a:schemeClr val="tx1"/>
+          </a:fontRef>
+        </p:style>
+      </p:cxnSp>
       <p:sp>
         <p:nvSpPr>
-          <p:cNvPr id="2" name="제목 1">
-            <a:extLst>
-              <a:ext uri="{FF2B5EF4-FFF2-40B4-BE49-F238E27FC236}">
-                <a16:creationId xmlns:a16="http://schemas.microsoft.com/office/drawing/2014/main" id="{F7025355-108F-4BF0-A493-2C9AC5D34AA4}"/>
-              </a:ext>
-            </a:extLst>
-          </p:cNvPr>
-          <p:cNvSpPr>
-            <a:spLocks noGrp="1"/>
-          </p:cNvSpPr>
-          <p:nvPr>
-            <p:ph type="title"/>
-          </p:nvPr>
+          <p:cNvPr id="5" name="TextBox 4">
+            <a:extLst>
+              <a:ext uri="{FF2B5EF4-FFF2-40B4-BE49-F238E27FC236}">
+                <a16:creationId xmlns:a16="http://schemas.microsoft.com/office/drawing/2014/main" id="{3251639B-29EB-6E9D-733B-6F917838F571}"/>
+              </a:ext>
+            </a:extLst>
+          </p:cNvPr>
+          <p:cNvSpPr txBox="1"/>
+          <p:nvPr/>
         </p:nvSpPr>
-        <p:spPr/>
+        <p:spPr>
+          <a:xfrm>
+            <a:off x="1163052" y="272716"/>
+            <a:ext cx="8483413" cy="523220"/>
+          </a:xfrm>
+          <a:prstGeom prst="rect">
+            <a:avLst/>
+          </a:prstGeom>
+          <a:noFill/>
+        </p:spPr>
         <p:txBody>
-          <a:bodyPr/>
+          <a:bodyPr wrap="none" rtlCol="0">
+            <a:spAutoFit/>
+          </a:bodyPr>
           <a:lstStyle/>
           <a:p>
             <a:r>
-              <a:rPr lang="ko-KR" altLang="en-US" dirty="0"/>
-              <a:t>데이터 </a:t>
-            </a:r>
-            <a:r>
-              <a:rPr lang="ko-KR" altLang="en-US" dirty="0" err="1"/>
+              <a:rPr lang="ko-KR" altLang="en-US" sz="2800" b="1" spc="-300" dirty="0" err="1">
+                <a:solidFill>
+                  <a:schemeClr val="accent1"/>
+                </a:solidFill>
+              </a:rPr>
               <a:t>전처리</a:t>
             </a:r>
-            <a:endParaRPr lang="ko-KR" altLang="en-US" dirty="0"/>
+            <a:r>
+              <a:rPr lang="ko-KR" altLang="en-US" sz="2800" b="1" spc="-300" dirty="0">
+                <a:solidFill>
+                  <a:schemeClr val="accent1"/>
+                </a:solidFill>
+              </a:rPr>
+              <a:t> 작업 </a:t>
+            </a:r>
+            <a:r>
+              <a:rPr lang="en-US" altLang="ko-KR" sz="2800" b="1" spc="-300" dirty="0">
+                <a:solidFill>
+                  <a:schemeClr val="accent1"/>
+                </a:solidFill>
+              </a:rPr>
+              <a:t>&gt; </a:t>
+            </a:r>
+            <a:r>
+              <a:rPr lang="ko-KR" altLang="en-US" sz="2800" b="1" spc="-300" dirty="0" err="1">
+                <a:solidFill>
+                  <a:schemeClr val="accent1"/>
+                </a:solidFill>
+              </a:rPr>
+              <a:t>년도별</a:t>
+            </a:r>
+            <a:r>
+              <a:rPr lang="ko-KR" altLang="en-US" sz="2800" b="1" spc="-300" dirty="0">
+                <a:solidFill>
+                  <a:schemeClr val="accent1"/>
+                </a:solidFill>
+              </a:rPr>
+              <a:t> 인구대비 장애인 비율 데이터 </a:t>
+            </a:r>
+            <a:r>
+              <a:rPr lang="ko-KR" altLang="en-US" sz="2800" b="1" spc="-300" dirty="0" err="1">
+                <a:solidFill>
+                  <a:schemeClr val="accent1"/>
+                </a:solidFill>
+              </a:rPr>
+              <a:t>전처리</a:t>
+            </a:r>
+            <a:endParaRPr lang="ko-KR" altLang="en-US" sz="2800" b="1" spc="-300" dirty="0">
+              <a:solidFill>
+                <a:schemeClr val="accent1"/>
+              </a:solidFill>
+            </a:endParaRPr>
           </a:p>
         </p:txBody>
       </p:sp>
+      <p:cxnSp>
+        <p:nvCxnSpPr>
+          <p:cNvPr id="6" name="직선 연결선 5">
+            <a:extLst>
+              <a:ext uri="{FF2B5EF4-FFF2-40B4-BE49-F238E27FC236}">
+                <a16:creationId xmlns:a16="http://schemas.microsoft.com/office/drawing/2014/main" id="{227D3D02-66A7-B0C0-2CF2-A0900C18861C}"/>
+              </a:ext>
+            </a:extLst>
+          </p:cNvPr>
+          <p:cNvCxnSpPr/>
+          <p:nvPr/>
+        </p:nvCxnSpPr>
+        <p:spPr>
+          <a:xfrm>
+            <a:off x="144378" y="6737685"/>
+            <a:ext cx="12060000" cy="0"/>
+          </a:xfrm>
+          <a:prstGeom prst="line">
+            <a:avLst/>
+          </a:prstGeom>
+          <a:ln w="3175">
+            <a:solidFill>
+              <a:schemeClr val="accent1"/>
+            </a:solidFill>
+          </a:ln>
+        </p:spPr>
+        <p:style>
+          <a:lnRef idx="1">
+            <a:schemeClr val="accent1"/>
+          </a:lnRef>
+          <a:fillRef idx="0">
+            <a:schemeClr val="accent1"/>
+          </a:fillRef>
+          <a:effectRef idx="0">
+            <a:schemeClr val="accent1"/>
+          </a:effectRef>
+          <a:fontRef idx="minor">
+            <a:schemeClr val="tx1"/>
+          </a:fontRef>
+        </p:style>
+      </p:cxnSp>
       <p:pic>
         <p:nvPicPr>
-          <p:cNvPr id="7" name="내용 개체 틀 6">
-            <a:extLst>
-              <a:ext uri="{FF2B5EF4-FFF2-40B4-BE49-F238E27FC236}">
-                <a16:creationId xmlns:a16="http://schemas.microsoft.com/office/drawing/2014/main" id="{10EA83D5-16A6-1AC8-52C3-F0DA79419FDC}"/>
+          <p:cNvPr id="4" name="내용 개체 틀 6">
+            <a:extLst>
+              <a:ext uri="{FF2B5EF4-FFF2-40B4-BE49-F238E27FC236}">
+                <a16:creationId xmlns:a16="http://schemas.microsoft.com/office/drawing/2014/main" id="{A2A64339-F0DE-FC9B-150C-164C25B7EEFE}"/>
               </a:ext>
             </a:extLst>
           </p:cNvPr>
           <p:cNvPicPr>
-            <a:picLocks noGrp="1" noChangeAspect="1"/>
+            <a:picLocks noChangeAspect="1"/>
           </p:cNvPicPr>
-          <p:nvPr>
-            <p:ph idx="1"/>
-          </p:nvPr>
+          <p:nvPr/>
         </p:nvPicPr>
         <p:blipFill>
           <a:blip r:embed="rId2"/>
@@ -3480,15 +4604,18 @@
         </p:blipFill>
         <p:spPr>
           <a:xfrm>
-            <a:off x="4422863" y="1825625"/>
-            <a:ext cx="3346273" cy="4351338"/>
-          </a:xfrm>
+            <a:off x="3909679" y="1176494"/>
+            <a:ext cx="3984019" cy="5180633"/>
+          </a:xfrm>
+          <a:prstGeom prst="rect">
+            <a:avLst/>
+          </a:prstGeom>
         </p:spPr>
       </p:pic>
     </p:spTree>
     <p:extLst>
       <p:ext uri="{BB962C8B-B14F-4D97-AF65-F5344CB8AC3E}">
-        <p14:creationId xmlns:p14="http://schemas.microsoft.com/office/powerpoint/2010/main" val="3837541839"/>
+        <p14:creationId xmlns:p14="http://schemas.microsoft.com/office/powerpoint/2010/main" val="1728742314"/>
       </p:ext>
     </p:extLst>
   </p:cSld>
@@ -3515,49 +4642,156 @@
           <a:chExt cx="0" cy="0"/>
         </a:xfrm>
       </p:grpSpPr>
+      <p:cxnSp>
+        <p:nvCxnSpPr>
+          <p:cNvPr id="3" name="직선 연결선 2">
+            <a:extLst>
+              <a:ext uri="{FF2B5EF4-FFF2-40B4-BE49-F238E27FC236}">
+                <a16:creationId xmlns:a16="http://schemas.microsoft.com/office/drawing/2014/main" id="{E3FBA607-E7FC-B7F8-2868-BC448F31F790}"/>
+              </a:ext>
+            </a:extLst>
+          </p:cNvPr>
+          <p:cNvCxnSpPr/>
+          <p:nvPr/>
+        </p:nvCxnSpPr>
+        <p:spPr>
+          <a:xfrm>
+            <a:off x="144378" y="160422"/>
+            <a:ext cx="12060000" cy="0"/>
+          </a:xfrm>
+          <a:prstGeom prst="line">
+            <a:avLst/>
+          </a:prstGeom>
+          <a:ln w="76200">
+            <a:solidFill>
+              <a:schemeClr val="accent1"/>
+            </a:solidFill>
+          </a:ln>
+        </p:spPr>
+        <p:style>
+          <a:lnRef idx="1">
+            <a:schemeClr val="accent1"/>
+          </a:lnRef>
+          <a:fillRef idx="0">
+            <a:schemeClr val="accent1"/>
+          </a:fillRef>
+          <a:effectRef idx="0">
+            <a:schemeClr val="accent1"/>
+          </a:effectRef>
+          <a:fontRef idx="minor">
+            <a:schemeClr val="tx1"/>
+          </a:fontRef>
+        </p:style>
+      </p:cxnSp>
       <p:sp>
         <p:nvSpPr>
-          <p:cNvPr id="2" name="제목 1">
-            <a:extLst>
-              <a:ext uri="{FF2B5EF4-FFF2-40B4-BE49-F238E27FC236}">
-                <a16:creationId xmlns:a16="http://schemas.microsoft.com/office/drawing/2014/main" id="{F7025355-108F-4BF0-A493-2C9AC5D34AA4}"/>
-              </a:ext>
-            </a:extLst>
-          </p:cNvPr>
-          <p:cNvSpPr>
-            <a:spLocks noGrp="1"/>
-          </p:cNvSpPr>
-          <p:nvPr>
-            <p:ph type="title"/>
-          </p:nvPr>
+          <p:cNvPr id="5" name="TextBox 4">
+            <a:extLst>
+              <a:ext uri="{FF2B5EF4-FFF2-40B4-BE49-F238E27FC236}">
+                <a16:creationId xmlns:a16="http://schemas.microsoft.com/office/drawing/2014/main" id="{3251639B-29EB-6E9D-733B-6F917838F571}"/>
+              </a:ext>
+            </a:extLst>
+          </p:cNvPr>
+          <p:cNvSpPr txBox="1"/>
+          <p:nvPr/>
         </p:nvSpPr>
-        <p:spPr/>
+        <p:spPr>
+          <a:xfrm>
+            <a:off x="1163052" y="272716"/>
+            <a:ext cx="4604146" cy="523220"/>
+          </a:xfrm>
+          <a:prstGeom prst="rect">
+            <a:avLst/>
+          </a:prstGeom>
+          <a:noFill/>
+        </p:spPr>
         <p:txBody>
-          <a:bodyPr/>
+          <a:bodyPr wrap="none" rtlCol="0">
+            <a:spAutoFit/>
+          </a:bodyPr>
           <a:lstStyle/>
           <a:p>
             <a:r>
-              <a:rPr lang="ko-KR" altLang="en-US" dirty="0"/>
+              <a:rPr lang="ko-KR" altLang="en-US" sz="2800" b="1" spc="-300" dirty="0">
+                <a:solidFill>
+                  <a:schemeClr val="accent1"/>
+                </a:solidFill>
+              </a:rPr>
+              <a:t>상관관계 확인 </a:t>
+            </a:r>
+            <a:r>
+              <a:rPr lang="en-US" altLang="ko-KR" sz="2800" b="1" spc="-300" dirty="0">
+                <a:solidFill>
+                  <a:schemeClr val="accent1"/>
+                </a:solidFill>
+              </a:rPr>
+              <a:t>&gt; </a:t>
+            </a:r>
+            <a:r>
+              <a:rPr lang="ko-KR" altLang="en-US" sz="2800" b="1" spc="-300" dirty="0">
+                <a:solidFill>
+                  <a:schemeClr val="accent1"/>
+                </a:solidFill>
+              </a:rPr>
               <a:t>데이터 시각화</a:t>
             </a:r>
           </a:p>
         </p:txBody>
       </p:sp>
+      <p:cxnSp>
+        <p:nvCxnSpPr>
+          <p:cNvPr id="6" name="직선 연결선 5">
+            <a:extLst>
+              <a:ext uri="{FF2B5EF4-FFF2-40B4-BE49-F238E27FC236}">
+                <a16:creationId xmlns:a16="http://schemas.microsoft.com/office/drawing/2014/main" id="{227D3D02-66A7-B0C0-2CF2-A0900C18861C}"/>
+              </a:ext>
+            </a:extLst>
+          </p:cNvPr>
+          <p:cNvCxnSpPr/>
+          <p:nvPr/>
+        </p:nvCxnSpPr>
+        <p:spPr>
+          <a:xfrm>
+            <a:off x="144378" y="6737685"/>
+            <a:ext cx="12060000" cy="0"/>
+          </a:xfrm>
+          <a:prstGeom prst="line">
+            <a:avLst/>
+          </a:prstGeom>
+          <a:ln w="3175">
+            <a:solidFill>
+              <a:schemeClr val="accent1"/>
+            </a:solidFill>
+          </a:ln>
+        </p:spPr>
+        <p:style>
+          <a:lnRef idx="1">
+            <a:schemeClr val="accent1"/>
+          </a:lnRef>
+          <a:fillRef idx="0">
+            <a:schemeClr val="accent1"/>
+          </a:fillRef>
+          <a:effectRef idx="0">
+            <a:schemeClr val="accent1"/>
+          </a:effectRef>
+          <a:fontRef idx="minor">
+            <a:schemeClr val="tx1"/>
+          </a:fontRef>
+        </p:style>
+      </p:cxnSp>
       <p:pic>
         <p:nvPicPr>
-          <p:cNvPr id="7" name="내용 개체 틀 6">
-            <a:extLst>
-              <a:ext uri="{FF2B5EF4-FFF2-40B4-BE49-F238E27FC236}">
-                <a16:creationId xmlns:a16="http://schemas.microsoft.com/office/drawing/2014/main" id="{8E8F9832-FD27-FB37-9A34-7DE5E6C3C0B6}"/>
+          <p:cNvPr id="2" name="내용 개체 틀 6">
+            <a:extLst>
+              <a:ext uri="{FF2B5EF4-FFF2-40B4-BE49-F238E27FC236}">
+                <a16:creationId xmlns:a16="http://schemas.microsoft.com/office/drawing/2014/main" id="{88DDF4DA-39C5-AEE3-0402-AD709D3B360E}"/>
               </a:ext>
             </a:extLst>
           </p:cNvPr>
           <p:cNvPicPr>
-            <a:picLocks noGrp="1" noChangeAspect="1"/>
+            <a:picLocks noChangeAspect="1"/>
           </p:cNvPicPr>
-          <p:nvPr>
-            <p:ph idx="1"/>
-          </p:nvPr>
+          <p:nvPr/>
         </p:nvPicPr>
         <p:blipFill>
           <a:blip r:embed="rId2"/>
@@ -3567,17 +4801,20 @@
         </p:blipFill>
         <p:spPr>
           <a:xfrm>
-            <a:off x="1282094" y="1690688"/>
+            <a:off x="1543708" y="1591141"/>
             <a:ext cx="3842833" cy="4351338"/>
           </a:xfrm>
+          <a:prstGeom prst="rect">
+            <a:avLst/>
+          </a:prstGeom>
         </p:spPr>
       </p:pic>
       <p:pic>
         <p:nvPicPr>
-          <p:cNvPr id="9" name="그림 8">
-            <a:extLst>
-              <a:ext uri="{FF2B5EF4-FFF2-40B4-BE49-F238E27FC236}">
-                <a16:creationId xmlns:a16="http://schemas.microsoft.com/office/drawing/2014/main" id="{021F5BF0-8745-24BD-BB2D-1C239ED747DA}"/>
+          <p:cNvPr id="7" name="그림 6">
+            <a:extLst>
+              <a:ext uri="{FF2B5EF4-FFF2-40B4-BE49-F238E27FC236}">
+                <a16:creationId xmlns:a16="http://schemas.microsoft.com/office/drawing/2014/main" id="{A8930F9D-0096-2E28-CDA8-8A00F571BA7A}"/>
               </a:ext>
             </a:extLst>
           </p:cNvPr>
@@ -3594,7 +4831,7 @@
         </p:blipFill>
         <p:spPr>
           <a:xfrm>
-            <a:off x="6096000" y="987277"/>
+            <a:off x="5974839" y="873611"/>
             <a:ext cx="4673453" cy="5150885"/>
           </a:xfrm>
           <a:prstGeom prst="rect">
@@ -3605,7 +4842,7 @@
     </p:spTree>
     <p:extLst>
       <p:ext uri="{BB962C8B-B14F-4D97-AF65-F5344CB8AC3E}">
-        <p14:creationId xmlns:p14="http://schemas.microsoft.com/office/powerpoint/2010/main" val="1247264522"/>
+        <p14:creationId xmlns:p14="http://schemas.microsoft.com/office/powerpoint/2010/main" val="3059007052"/>
       </p:ext>
     </p:extLst>
   </p:cSld>
@@ -3632,49 +4869,156 @@
           <a:chExt cx="0" cy="0"/>
         </a:xfrm>
       </p:grpSpPr>
+      <p:cxnSp>
+        <p:nvCxnSpPr>
+          <p:cNvPr id="3" name="직선 연결선 2">
+            <a:extLst>
+              <a:ext uri="{FF2B5EF4-FFF2-40B4-BE49-F238E27FC236}">
+                <a16:creationId xmlns:a16="http://schemas.microsoft.com/office/drawing/2014/main" id="{E3FBA607-E7FC-B7F8-2868-BC448F31F790}"/>
+              </a:ext>
+            </a:extLst>
+          </p:cNvPr>
+          <p:cNvCxnSpPr/>
+          <p:nvPr/>
+        </p:nvCxnSpPr>
+        <p:spPr>
+          <a:xfrm>
+            <a:off x="144378" y="160422"/>
+            <a:ext cx="12060000" cy="0"/>
+          </a:xfrm>
+          <a:prstGeom prst="line">
+            <a:avLst/>
+          </a:prstGeom>
+          <a:ln w="76200">
+            <a:solidFill>
+              <a:schemeClr val="accent1"/>
+            </a:solidFill>
+          </a:ln>
+        </p:spPr>
+        <p:style>
+          <a:lnRef idx="1">
+            <a:schemeClr val="accent1"/>
+          </a:lnRef>
+          <a:fillRef idx="0">
+            <a:schemeClr val="accent1"/>
+          </a:fillRef>
+          <a:effectRef idx="0">
+            <a:schemeClr val="accent1"/>
+          </a:effectRef>
+          <a:fontRef idx="minor">
+            <a:schemeClr val="tx1"/>
+          </a:fontRef>
+        </p:style>
+      </p:cxnSp>
       <p:sp>
         <p:nvSpPr>
-          <p:cNvPr id="2" name="제목 1">
-            <a:extLst>
-              <a:ext uri="{FF2B5EF4-FFF2-40B4-BE49-F238E27FC236}">
-                <a16:creationId xmlns:a16="http://schemas.microsoft.com/office/drawing/2014/main" id="{F7025355-108F-4BF0-A493-2C9AC5D34AA4}"/>
-              </a:ext>
-            </a:extLst>
-          </p:cNvPr>
-          <p:cNvSpPr>
-            <a:spLocks noGrp="1"/>
-          </p:cNvSpPr>
-          <p:nvPr>
-            <p:ph type="title"/>
-          </p:nvPr>
+          <p:cNvPr id="5" name="TextBox 4">
+            <a:extLst>
+              <a:ext uri="{FF2B5EF4-FFF2-40B4-BE49-F238E27FC236}">
+                <a16:creationId xmlns:a16="http://schemas.microsoft.com/office/drawing/2014/main" id="{3251639B-29EB-6E9D-733B-6F917838F571}"/>
+              </a:ext>
+            </a:extLst>
+          </p:cNvPr>
+          <p:cNvSpPr txBox="1"/>
+          <p:nvPr/>
         </p:nvSpPr>
-        <p:spPr/>
+        <p:spPr>
+          <a:xfrm>
+            <a:off x="1163052" y="272716"/>
+            <a:ext cx="4604146" cy="523220"/>
+          </a:xfrm>
+          <a:prstGeom prst="rect">
+            <a:avLst/>
+          </a:prstGeom>
+          <a:noFill/>
+        </p:spPr>
         <p:txBody>
-          <a:bodyPr/>
+          <a:bodyPr wrap="none" rtlCol="0">
+            <a:spAutoFit/>
+          </a:bodyPr>
           <a:lstStyle/>
           <a:p>
             <a:r>
-              <a:rPr lang="ko-KR" altLang="en-US" dirty="0"/>
+              <a:rPr lang="ko-KR" altLang="en-US" sz="2800" b="1" spc="-300" dirty="0">
+                <a:solidFill>
+                  <a:schemeClr val="accent1"/>
+                </a:solidFill>
+              </a:rPr>
+              <a:t>상관관계 확인 </a:t>
+            </a:r>
+            <a:r>
+              <a:rPr lang="en-US" altLang="ko-KR" sz="2800" b="1" spc="-300" dirty="0">
+                <a:solidFill>
+                  <a:schemeClr val="accent1"/>
+                </a:solidFill>
+              </a:rPr>
+              <a:t>&gt; </a:t>
+            </a:r>
+            <a:r>
+              <a:rPr lang="ko-KR" altLang="en-US" sz="2800" b="1" spc="-300" dirty="0">
+                <a:solidFill>
+                  <a:schemeClr val="accent1"/>
+                </a:solidFill>
+              </a:rPr>
               <a:t>데이터 시각화</a:t>
             </a:r>
           </a:p>
         </p:txBody>
       </p:sp>
+      <p:cxnSp>
+        <p:nvCxnSpPr>
+          <p:cNvPr id="6" name="직선 연결선 5">
+            <a:extLst>
+              <a:ext uri="{FF2B5EF4-FFF2-40B4-BE49-F238E27FC236}">
+                <a16:creationId xmlns:a16="http://schemas.microsoft.com/office/drawing/2014/main" id="{227D3D02-66A7-B0C0-2CF2-A0900C18861C}"/>
+              </a:ext>
+            </a:extLst>
+          </p:cNvPr>
+          <p:cNvCxnSpPr/>
+          <p:nvPr/>
+        </p:nvCxnSpPr>
+        <p:spPr>
+          <a:xfrm>
+            <a:off x="144378" y="6737685"/>
+            <a:ext cx="12060000" cy="0"/>
+          </a:xfrm>
+          <a:prstGeom prst="line">
+            <a:avLst/>
+          </a:prstGeom>
+          <a:ln w="3175">
+            <a:solidFill>
+              <a:schemeClr val="accent1"/>
+            </a:solidFill>
+          </a:ln>
+        </p:spPr>
+        <p:style>
+          <a:lnRef idx="1">
+            <a:schemeClr val="accent1"/>
+          </a:lnRef>
+          <a:fillRef idx="0">
+            <a:schemeClr val="accent1"/>
+          </a:fillRef>
+          <a:effectRef idx="0">
+            <a:schemeClr val="accent1"/>
+          </a:effectRef>
+          <a:fontRef idx="minor">
+            <a:schemeClr val="tx1"/>
+          </a:fontRef>
+        </p:style>
+      </p:cxnSp>
       <p:pic>
         <p:nvPicPr>
-          <p:cNvPr id="6" name="내용 개체 틀 5">
-            <a:extLst>
-              <a:ext uri="{FF2B5EF4-FFF2-40B4-BE49-F238E27FC236}">
-                <a16:creationId xmlns:a16="http://schemas.microsoft.com/office/drawing/2014/main" id="{FC1AFF8D-E6F6-98B7-46D1-99430CABD5D9}"/>
+          <p:cNvPr id="2" name="그림 1">
+            <a:extLst>
+              <a:ext uri="{FF2B5EF4-FFF2-40B4-BE49-F238E27FC236}">
+                <a16:creationId xmlns:a16="http://schemas.microsoft.com/office/drawing/2014/main" id="{2ACB093D-E604-735F-71A5-E2166B94C398}"/>
               </a:ext>
             </a:extLst>
           </p:cNvPr>
           <p:cNvPicPr>
-            <a:picLocks noGrp="1" noChangeAspect="1"/>
+            <a:picLocks noChangeAspect="1"/>
           </p:cNvPicPr>
-          <p:nvPr>
-            <p:ph idx="1"/>
-          </p:nvPr>
+          <p:nvPr/>
         </p:nvPicPr>
         <p:blipFill>
           <a:blip r:embed="rId2"/>
@@ -3684,15 +5028,48 @@
         </p:blipFill>
         <p:spPr>
           <a:xfrm>
-            <a:off x="2243756" y="2077077"/>
-            <a:ext cx="7704488" cy="3848433"/>
-          </a:xfrm>
+            <a:off x="1163052" y="1762577"/>
+            <a:ext cx="4054191" cy="4008467"/>
+          </a:xfrm>
+          <a:prstGeom prst="rect">
+            <a:avLst/>
+          </a:prstGeom>
+        </p:spPr>
+      </p:pic>
+      <p:pic>
+        <p:nvPicPr>
+          <p:cNvPr id="7" name="내용 개체 틀 8">
+            <a:extLst>
+              <a:ext uri="{FF2B5EF4-FFF2-40B4-BE49-F238E27FC236}">
+                <a16:creationId xmlns:a16="http://schemas.microsoft.com/office/drawing/2014/main" id="{9707D545-5547-B001-886B-1EA4CFB5956D}"/>
+              </a:ext>
+            </a:extLst>
+          </p:cNvPr>
+          <p:cNvPicPr>
+            <a:picLocks noChangeAspect="1"/>
+          </p:cNvPicPr>
+          <p:nvPr/>
+        </p:nvPicPr>
+        <p:blipFill>
+          <a:blip r:embed="rId3"/>
+          <a:stretch>
+            <a:fillRect/>
+          </a:stretch>
+        </p:blipFill>
+        <p:spPr>
+          <a:xfrm>
+            <a:off x="6096000" y="1296712"/>
+            <a:ext cx="3942690" cy="4351338"/>
+          </a:xfrm>
+          <a:prstGeom prst="rect">
+            <a:avLst/>
+          </a:prstGeom>
         </p:spPr>
       </p:pic>
     </p:spTree>
     <p:extLst>
       <p:ext uri="{BB962C8B-B14F-4D97-AF65-F5344CB8AC3E}">
-        <p14:creationId xmlns:p14="http://schemas.microsoft.com/office/powerpoint/2010/main" val="1909234926"/>
+        <p14:creationId xmlns:p14="http://schemas.microsoft.com/office/powerpoint/2010/main" val="2512086875"/>
       </p:ext>
     </p:extLst>
   </p:cSld>
@@ -3719,40 +5096,149 @@
           <a:chExt cx="0" cy="0"/>
         </a:xfrm>
       </p:grpSpPr>
+      <p:cxnSp>
+        <p:nvCxnSpPr>
+          <p:cNvPr id="3" name="직선 연결선 2">
+            <a:extLst>
+              <a:ext uri="{FF2B5EF4-FFF2-40B4-BE49-F238E27FC236}">
+                <a16:creationId xmlns:a16="http://schemas.microsoft.com/office/drawing/2014/main" id="{E3FBA607-E7FC-B7F8-2868-BC448F31F790}"/>
+              </a:ext>
+            </a:extLst>
+          </p:cNvPr>
+          <p:cNvCxnSpPr/>
+          <p:nvPr/>
+        </p:nvCxnSpPr>
+        <p:spPr>
+          <a:xfrm>
+            <a:off x="144378" y="160422"/>
+            <a:ext cx="12060000" cy="0"/>
+          </a:xfrm>
+          <a:prstGeom prst="line">
+            <a:avLst/>
+          </a:prstGeom>
+          <a:ln w="76200">
+            <a:solidFill>
+              <a:schemeClr val="accent1"/>
+            </a:solidFill>
+          </a:ln>
+        </p:spPr>
+        <p:style>
+          <a:lnRef idx="1">
+            <a:schemeClr val="accent1"/>
+          </a:lnRef>
+          <a:fillRef idx="0">
+            <a:schemeClr val="accent1"/>
+          </a:fillRef>
+          <a:effectRef idx="0">
+            <a:schemeClr val="accent1"/>
+          </a:effectRef>
+          <a:fontRef idx="minor">
+            <a:schemeClr val="tx1"/>
+          </a:fontRef>
+        </p:style>
+      </p:cxnSp>
       <p:sp>
         <p:nvSpPr>
-          <p:cNvPr id="2" name="제목 1">
-            <a:extLst>
-              <a:ext uri="{FF2B5EF4-FFF2-40B4-BE49-F238E27FC236}">
-                <a16:creationId xmlns:a16="http://schemas.microsoft.com/office/drawing/2014/main" id="{F7025355-108F-4BF0-A493-2C9AC5D34AA4}"/>
-              </a:ext>
-            </a:extLst>
-          </p:cNvPr>
-          <p:cNvSpPr>
-            <a:spLocks noGrp="1"/>
-          </p:cNvSpPr>
-          <p:nvPr>
-            <p:ph type="title"/>
-          </p:nvPr>
+          <p:cNvPr id="5" name="TextBox 4">
+            <a:extLst>
+              <a:ext uri="{FF2B5EF4-FFF2-40B4-BE49-F238E27FC236}">
+                <a16:creationId xmlns:a16="http://schemas.microsoft.com/office/drawing/2014/main" id="{3251639B-29EB-6E9D-733B-6F917838F571}"/>
+              </a:ext>
+            </a:extLst>
+          </p:cNvPr>
+          <p:cNvSpPr txBox="1"/>
+          <p:nvPr/>
         </p:nvSpPr>
-        <p:spPr/>
+        <p:spPr>
+          <a:xfrm>
+            <a:off x="1163052" y="272716"/>
+            <a:ext cx="4604146" cy="523220"/>
+          </a:xfrm>
+          <a:prstGeom prst="rect">
+            <a:avLst/>
+          </a:prstGeom>
+          <a:noFill/>
+        </p:spPr>
         <p:txBody>
-          <a:bodyPr/>
+          <a:bodyPr wrap="none" rtlCol="0">
+            <a:spAutoFit/>
+          </a:bodyPr>
           <a:lstStyle/>
           <a:p>
             <a:r>
-              <a:rPr lang="ko-KR" altLang="en-US" dirty="0"/>
+              <a:rPr lang="ko-KR" altLang="en-US" sz="2800" b="1" spc="-300" dirty="0">
+                <a:solidFill>
+                  <a:schemeClr val="accent1"/>
+                </a:solidFill>
+              </a:rPr>
+              <a:t>상관관계 확인 </a:t>
+            </a:r>
+            <a:r>
+              <a:rPr lang="en-US" altLang="ko-KR" sz="2800" b="1" spc="-300" dirty="0">
+                <a:solidFill>
+                  <a:schemeClr val="accent1"/>
+                </a:solidFill>
+              </a:rPr>
+              <a:t>&gt; </a:t>
+            </a:r>
+            <a:r>
+              <a:rPr lang="ko-KR" altLang="en-US" sz="2800" b="1" spc="-300" dirty="0">
+                <a:solidFill>
+                  <a:schemeClr val="accent1"/>
+                </a:solidFill>
+              </a:rPr>
               <a:t>데이터 시각화</a:t>
             </a:r>
           </a:p>
         </p:txBody>
       </p:sp>
+      <p:cxnSp>
+        <p:nvCxnSpPr>
+          <p:cNvPr id="6" name="직선 연결선 5">
+            <a:extLst>
+              <a:ext uri="{FF2B5EF4-FFF2-40B4-BE49-F238E27FC236}">
+                <a16:creationId xmlns:a16="http://schemas.microsoft.com/office/drawing/2014/main" id="{227D3D02-66A7-B0C0-2CF2-A0900C18861C}"/>
+              </a:ext>
+            </a:extLst>
+          </p:cNvPr>
+          <p:cNvCxnSpPr/>
+          <p:nvPr/>
+        </p:nvCxnSpPr>
+        <p:spPr>
+          <a:xfrm>
+            <a:off x="144378" y="6737685"/>
+            <a:ext cx="12060000" cy="0"/>
+          </a:xfrm>
+          <a:prstGeom prst="line">
+            <a:avLst/>
+          </a:prstGeom>
+          <a:ln w="3175">
+            <a:solidFill>
+              <a:schemeClr val="accent1"/>
+            </a:solidFill>
+          </a:ln>
+        </p:spPr>
+        <p:style>
+          <a:lnRef idx="1">
+            <a:schemeClr val="accent1"/>
+          </a:lnRef>
+          <a:fillRef idx="0">
+            <a:schemeClr val="accent1"/>
+          </a:fillRef>
+          <a:effectRef idx="0">
+            <a:schemeClr val="accent1"/>
+          </a:effectRef>
+          <a:fontRef idx="minor">
+            <a:schemeClr val="tx1"/>
+          </a:fontRef>
+        </p:style>
+      </p:cxnSp>
       <p:pic>
         <p:nvPicPr>
-          <p:cNvPr id="4" name="그림 3">
-            <a:extLst>
-              <a:ext uri="{FF2B5EF4-FFF2-40B4-BE49-F238E27FC236}">
-                <a16:creationId xmlns:a16="http://schemas.microsoft.com/office/drawing/2014/main" id="{A92668AB-41A2-1529-E831-D156132E304E}"/>
+          <p:cNvPr id="4" name="내용 개체 틀 6">
+            <a:extLst>
+              <a:ext uri="{FF2B5EF4-FFF2-40B4-BE49-F238E27FC236}">
+                <a16:creationId xmlns:a16="http://schemas.microsoft.com/office/drawing/2014/main" id="{8C593A8A-95BD-D8B2-B08F-E8AD95051B70}"/>
               </a:ext>
             </a:extLst>
           </p:cNvPr>
@@ -3769,47 +5255,18 @@
         </p:blipFill>
         <p:spPr>
           <a:xfrm>
-            <a:off x="1070259" y="1825625"/>
-            <a:ext cx="4054191" cy="4008467"/>
+            <a:off x="2712638" y="908229"/>
+            <a:ext cx="6766723" cy="5197921"/>
           </a:xfrm>
           <a:prstGeom prst="rect">
             <a:avLst/>
           </a:prstGeom>
-        </p:spPr>
-      </p:pic>
-      <p:pic>
-        <p:nvPicPr>
-          <p:cNvPr id="9" name="내용 개체 틀 8">
-            <a:extLst>
-              <a:ext uri="{FF2B5EF4-FFF2-40B4-BE49-F238E27FC236}">
-                <a16:creationId xmlns:a16="http://schemas.microsoft.com/office/drawing/2014/main" id="{6B1509F3-0376-4217-1D7B-01146DA9CE36}"/>
-              </a:ext>
-            </a:extLst>
-          </p:cNvPr>
-          <p:cNvPicPr>
-            <a:picLocks noGrp="1" noChangeAspect="1"/>
-          </p:cNvPicPr>
-          <p:nvPr>
-            <p:ph idx="1"/>
-          </p:nvPr>
-        </p:nvPicPr>
-        <p:blipFill>
-          <a:blip r:embed="rId3"/>
-          <a:stretch>
-            <a:fillRect/>
-          </a:stretch>
-        </p:blipFill>
-        <p:spPr>
-          <a:xfrm>
-            <a:off x="6096000" y="1482754"/>
-            <a:ext cx="3942690" cy="4351338"/>
-          </a:xfrm>
         </p:spPr>
       </p:pic>
     </p:spTree>
     <p:extLst>
       <p:ext uri="{BB962C8B-B14F-4D97-AF65-F5344CB8AC3E}">
-        <p14:creationId xmlns:p14="http://schemas.microsoft.com/office/powerpoint/2010/main" val="2482195594"/>
+        <p14:creationId xmlns:p14="http://schemas.microsoft.com/office/powerpoint/2010/main" val="2332205929"/>
       </p:ext>
     </p:extLst>
   </p:cSld>
@@ -3836,49 +5293,156 @@
           <a:chExt cx="0" cy="0"/>
         </a:xfrm>
       </p:grpSpPr>
+      <p:cxnSp>
+        <p:nvCxnSpPr>
+          <p:cNvPr id="3" name="직선 연결선 2">
+            <a:extLst>
+              <a:ext uri="{FF2B5EF4-FFF2-40B4-BE49-F238E27FC236}">
+                <a16:creationId xmlns:a16="http://schemas.microsoft.com/office/drawing/2014/main" id="{E3FBA607-E7FC-B7F8-2868-BC448F31F790}"/>
+              </a:ext>
+            </a:extLst>
+          </p:cNvPr>
+          <p:cNvCxnSpPr/>
+          <p:nvPr/>
+        </p:nvCxnSpPr>
+        <p:spPr>
+          <a:xfrm>
+            <a:off x="144378" y="160422"/>
+            <a:ext cx="12060000" cy="0"/>
+          </a:xfrm>
+          <a:prstGeom prst="line">
+            <a:avLst/>
+          </a:prstGeom>
+          <a:ln w="76200">
+            <a:solidFill>
+              <a:schemeClr val="accent1"/>
+            </a:solidFill>
+          </a:ln>
+        </p:spPr>
+        <p:style>
+          <a:lnRef idx="1">
+            <a:schemeClr val="accent1"/>
+          </a:lnRef>
+          <a:fillRef idx="0">
+            <a:schemeClr val="accent1"/>
+          </a:fillRef>
+          <a:effectRef idx="0">
+            <a:schemeClr val="accent1"/>
+          </a:effectRef>
+          <a:fontRef idx="minor">
+            <a:schemeClr val="tx1"/>
+          </a:fontRef>
+        </p:style>
+      </p:cxnSp>
       <p:sp>
         <p:nvSpPr>
-          <p:cNvPr id="2" name="제목 1">
-            <a:extLst>
-              <a:ext uri="{FF2B5EF4-FFF2-40B4-BE49-F238E27FC236}">
-                <a16:creationId xmlns:a16="http://schemas.microsoft.com/office/drawing/2014/main" id="{F7025355-108F-4BF0-A493-2C9AC5D34AA4}"/>
-              </a:ext>
-            </a:extLst>
-          </p:cNvPr>
-          <p:cNvSpPr>
-            <a:spLocks noGrp="1"/>
-          </p:cNvSpPr>
-          <p:nvPr>
-            <p:ph type="title"/>
-          </p:nvPr>
+          <p:cNvPr id="5" name="TextBox 4">
+            <a:extLst>
+              <a:ext uri="{FF2B5EF4-FFF2-40B4-BE49-F238E27FC236}">
+                <a16:creationId xmlns:a16="http://schemas.microsoft.com/office/drawing/2014/main" id="{3251639B-29EB-6E9D-733B-6F917838F571}"/>
+              </a:ext>
+            </a:extLst>
+          </p:cNvPr>
+          <p:cNvSpPr txBox="1"/>
+          <p:nvPr/>
         </p:nvSpPr>
-        <p:spPr/>
+        <p:spPr>
+          <a:xfrm>
+            <a:off x="1163052" y="272716"/>
+            <a:ext cx="4604146" cy="523220"/>
+          </a:xfrm>
+          <a:prstGeom prst="rect">
+            <a:avLst/>
+          </a:prstGeom>
+          <a:noFill/>
+        </p:spPr>
         <p:txBody>
-          <a:bodyPr/>
+          <a:bodyPr wrap="none" rtlCol="0">
+            <a:spAutoFit/>
+          </a:bodyPr>
           <a:lstStyle/>
           <a:p>
             <a:r>
-              <a:rPr lang="ko-KR" altLang="en-US" dirty="0"/>
+              <a:rPr lang="ko-KR" altLang="en-US" sz="2800" b="1" spc="-300" dirty="0">
+                <a:solidFill>
+                  <a:schemeClr val="accent1"/>
+                </a:solidFill>
+              </a:rPr>
+              <a:t>상관관계 확인 </a:t>
+            </a:r>
+            <a:r>
+              <a:rPr lang="en-US" altLang="ko-KR" sz="2800" b="1" spc="-300" dirty="0">
+                <a:solidFill>
+                  <a:schemeClr val="accent1"/>
+                </a:solidFill>
+              </a:rPr>
+              <a:t>&gt; </a:t>
+            </a:r>
+            <a:r>
+              <a:rPr lang="ko-KR" altLang="en-US" sz="2800" b="1" spc="-300" dirty="0">
+                <a:solidFill>
+                  <a:schemeClr val="accent1"/>
+                </a:solidFill>
+              </a:rPr>
               <a:t>데이터 시각화</a:t>
             </a:r>
           </a:p>
         </p:txBody>
       </p:sp>
+      <p:cxnSp>
+        <p:nvCxnSpPr>
+          <p:cNvPr id="6" name="직선 연결선 5">
+            <a:extLst>
+              <a:ext uri="{FF2B5EF4-FFF2-40B4-BE49-F238E27FC236}">
+                <a16:creationId xmlns:a16="http://schemas.microsoft.com/office/drawing/2014/main" id="{227D3D02-66A7-B0C0-2CF2-A0900C18861C}"/>
+              </a:ext>
+            </a:extLst>
+          </p:cNvPr>
+          <p:cNvCxnSpPr/>
+          <p:nvPr/>
+        </p:nvCxnSpPr>
+        <p:spPr>
+          <a:xfrm>
+            <a:off x="144378" y="6737685"/>
+            <a:ext cx="12060000" cy="0"/>
+          </a:xfrm>
+          <a:prstGeom prst="line">
+            <a:avLst/>
+          </a:prstGeom>
+          <a:ln w="3175">
+            <a:solidFill>
+              <a:schemeClr val="accent1"/>
+            </a:solidFill>
+          </a:ln>
+        </p:spPr>
+        <p:style>
+          <a:lnRef idx="1">
+            <a:schemeClr val="accent1"/>
+          </a:lnRef>
+          <a:fillRef idx="0">
+            <a:schemeClr val="accent1"/>
+          </a:fillRef>
+          <a:effectRef idx="0">
+            <a:schemeClr val="accent1"/>
+          </a:effectRef>
+          <a:fontRef idx="minor">
+            <a:schemeClr val="tx1"/>
+          </a:fontRef>
+        </p:style>
+      </p:cxnSp>
       <p:pic>
         <p:nvPicPr>
-          <p:cNvPr id="7" name="내용 개체 틀 6">
-            <a:extLst>
-              <a:ext uri="{FF2B5EF4-FFF2-40B4-BE49-F238E27FC236}">
-                <a16:creationId xmlns:a16="http://schemas.microsoft.com/office/drawing/2014/main" id="{DC91CC1A-E72B-8B80-8E8E-7E0DBD5E2279}"/>
+          <p:cNvPr id="4" name="내용 개체 틀 5">
+            <a:extLst>
+              <a:ext uri="{FF2B5EF4-FFF2-40B4-BE49-F238E27FC236}">
+                <a16:creationId xmlns:a16="http://schemas.microsoft.com/office/drawing/2014/main" id="{BAACB78E-DB7E-6F64-7E17-103F6E927DD6}"/>
               </a:ext>
             </a:extLst>
           </p:cNvPr>
           <p:cNvPicPr>
-            <a:picLocks noGrp="1" noChangeAspect="1"/>
+            <a:picLocks noChangeAspect="1"/>
           </p:cNvPicPr>
-          <p:nvPr>
-            <p:ph idx="1"/>
-          </p:nvPr>
+          <p:nvPr/>
         </p:nvPicPr>
         <p:blipFill>
           <a:blip r:embed="rId2"/>
@@ -3888,15 +5452,18 @@
         </p:blipFill>
         <p:spPr>
           <a:xfrm>
-            <a:off x="1893206" y="1939905"/>
-            <a:ext cx="8405588" cy="4122777"/>
-          </a:xfrm>
+            <a:off x="1914954" y="1842594"/>
+            <a:ext cx="7704488" cy="3848433"/>
+          </a:xfrm>
+          <a:prstGeom prst="rect">
+            <a:avLst/>
+          </a:prstGeom>
         </p:spPr>
       </p:pic>
     </p:spTree>
     <p:extLst>
       <p:ext uri="{BB962C8B-B14F-4D97-AF65-F5344CB8AC3E}">
-        <p14:creationId xmlns:p14="http://schemas.microsoft.com/office/powerpoint/2010/main" val="2620842292"/>
+        <p14:creationId xmlns:p14="http://schemas.microsoft.com/office/powerpoint/2010/main" val="88912513"/>
       </p:ext>
     </p:extLst>
   </p:cSld>
@@ -3923,49 +5490,156 @@
           <a:chExt cx="0" cy="0"/>
         </a:xfrm>
       </p:grpSpPr>
+      <p:cxnSp>
+        <p:nvCxnSpPr>
+          <p:cNvPr id="3" name="직선 연결선 2">
+            <a:extLst>
+              <a:ext uri="{FF2B5EF4-FFF2-40B4-BE49-F238E27FC236}">
+                <a16:creationId xmlns:a16="http://schemas.microsoft.com/office/drawing/2014/main" id="{E3FBA607-E7FC-B7F8-2868-BC448F31F790}"/>
+              </a:ext>
+            </a:extLst>
+          </p:cNvPr>
+          <p:cNvCxnSpPr/>
+          <p:nvPr/>
+        </p:nvCxnSpPr>
+        <p:spPr>
+          <a:xfrm>
+            <a:off x="144378" y="160422"/>
+            <a:ext cx="12060000" cy="0"/>
+          </a:xfrm>
+          <a:prstGeom prst="line">
+            <a:avLst/>
+          </a:prstGeom>
+          <a:ln w="76200">
+            <a:solidFill>
+              <a:schemeClr val="accent1"/>
+            </a:solidFill>
+          </a:ln>
+        </p:spPr>
+        <p:style>
+          <a:lnRef idx="1">
+            <a:schemeClr val="accent1"/>
+          </a:lnRef>
+          <a:fillRef idx="0">
+            <a:schemeClr val="accent1"/>
+          </a:fillRef>
+          <a:effectRef idx="0">
+            <a:schemeClr val="accent1"/>
+          </a:effectRef>
+          <a:fontRef idx="minor">
+            <a:schemeClr val="tx1"/>
+          </a:fontRef>
+        </p:style>
+      </p:cxnSp>
       <p:sp>
         <p:nvSpPr>
-          <p:cNvPr id="2" name="제목 1">
-            <a:extLst>
-              <a:ext uri="{FF2B5EF4-FFF2-40B4-BE49-F238E27FC236}">
-                <a16:creationId xmlns:a16="http://schemas.microsoft.com/office/drawing/2014/main" id="{F7025355-108F-4BF0-A493-2C9AC5D34AA4}"/>
-              </a:ext>
-            </a:extLst>
-          </p:cNvPr>
-          <p:cNvSpPr>
-            <a:spLocks noGrp="1"/>
-          </p:cNvSpPr>
-          <p:nvPr>
-            <p:ph type="title"/>
-          </p:nvPr>
+          <p:cNvPr id="5" name="TextBox 4">
+            <a:extLst>
+              <a:ext uri="{FF2B5EF4-FFF2-40B4-BE49-F238E27FC236}">
+                <a16:creationId xmlns:a16="http://schemas.microsoft.com/office/drawing/2014/main" id="{3251639B-29EB-6E9D-733B-6F917838F571}"/>
+              </a:ext>
+            </a:extLst>
+          </p:cNvPr>
+          <p:cNvSpPr txBox="1"/>
+          <p:nvPr/>
         </p:nvSpPr>
-        <p:spPr/>
+        <p:spPr>
+          <a:xfrm>
+            <a:off x="1163052" y="272716"/>
+            <a:ext cx="4604146" cy="523220"/>
+          </a:xfrm>
+          <a:prstGeom prst="rect">
+            <a:avLst/>
+          </a:prstGeom>
+          <a:noFill/>
+        </p:spPr>
         <p:txBody>
-          <a:bodyPr/>
+          <a:bodyPr wrap="none" rtlCol="0">
+            <a:spAutoFit/>
+          </a:bodyPr>
           <a:lstStyle/>
           <a:p>
             <a:r>
-              <a:rPr lang="ko-KR" altLang="en-US" dirty="0"/>
+              <a:rPr lang="ko-KR" altLang="en-US" sz="2800" b="1" spc="-300" dirty="0">
+                <a:solidFill>
+                  <a:schemeClr val="accent1"/>
+                </a:solidFill>
+              </a:rPr>
+              <a:t>상관관계 확인 </a:t>
+            </a:r>
+            <a:r>
+              <a:rPr lang="en-US" altLang="ko-KR" sz="2800" b="1" spc="-300" dirty="0">
+                <a:solidFill>
+                  <a:schemeClr val="accent1"/>
+                </a:solidFill>
+              </a:rPr>
+              <a:t>&gt; </a:t>
+            </a:r>
+            <a:r>
+              <a:rPr lang="ko-KR" altLang="en-US" sz="2800" b="1" spc="-300" dirty="0">
+                <a:solidFill>
+                  <a:schemeClr val="accent1"/>
+                </a:solidFill>
+              </a:rPr>
               <a:t>데이터 시각화</a:t>
             </a:r>
           </a:p>
         </p:txBody>
       </p:sp>
+      <p:cxnSp>
+        <p:nvCxnSpPr>
+          <p:cNvPr id="6" name="직선 연결선 5">
+            <a:extLst>
+              <a:ext uri="{FF2B5EF4-FFF2-40B4-BE49-F238E27FC236}">
+                <a16:creationId xmlns:a16="http://schemas.microsoft.com/office/drawing/2014/main" id="{227D3D02-66A7-B0C0-2CF2-A0900C18861C}"/>
+              </a:ext>
+            </a:extLst>
+          </p:cNvPr>
+          <p:cNvCxnSpPr/>
+          <p:nvPr/>
+        </p:nvCxnSpPr>
+        <p:spPr>
+          <a:xfrm>
+            <a:off x="144378" y="6737685"/>
+            <a:ext cx="12060000" cy="0"/>
+          </a:xfrm>
+          <a:prstGeom prst="line">
+            <a:avLst/>
+          </a:prstGeom>
+          <a:ln w="3175">
+            <a:solidFill>
+              <a:schemeClr val="accent1"/>
+            </a:solidFill>
+          </a:ln>
+        </p:spPr>
+        <p:style>
+          <a:lnRef idx="1">
+            <a:schemeClr val="accent1"/>
+          </a:lnRef>
+          <a:fillRef idx="0">
+            <a:schemeClr val="accent1"/>
+          </a:fillRef>
+          <a:effectRef idx="0">
+            <a:schemeClr val="accent1"/>
+          </a:effectRef>
+          <a:fontRef idx="minor">
+            <a:schemeClr val="tx1"/>
+          </a:fontRef>
+        </p:style>
+      </p:cxnSp>
       <p:pic>
         <p:nvPicPr>
-          <p:cNvPr id="7" name="내용 개체 틀 6">
-            <a:extLst>
-              <a:ext uri="{FF2B5EF4-FFF2-40B4-BE49-F238E27FC236}">
-                <a16:creationId xmlns:a16="http://schemas.microsoft.com/office/drawing/2014/main" id="{2AECBC3D-5AAA-EB23-82DE-79A37BB128D7}"/>
+          <p:cNvPr id="2" name="내용 개체 틀 6">
+            <a:extLst>
+              <a:ext uri="{FF2B5EF4-FFF2-40B4-BE49-F238E27FC236}">
+                <a16:creationId xmlns:a16="http://schemas.microsoft.com/office/drawing/2014/main" id="{F23EFACA-F9BC-51E8-ED57-A690A3B763AD}"/>
               </a:ext>
             </a:extLst>
           </p:cNvPr>
           <p:cNvPicPr>
-            <a:picLocks noGrp="1" noChangeAspect="1"/>
+            <a:picLocks noChangeAspect="1"/>
           </p:cNvPicPr>
-          <p:nvPr>
-            <p:ph idx="1"/>
-          </p:nvPr>
+          <p:nvPr/>
         </p:nvPicPr>
         <p:blipFill>
           <a:blip r:embed="rId2"/>
@@ -3975,15 +5649,18 @@
         </p:blipFill>
         <p:spPr>
           <a:xfrm>
-            <a:off x="3263685" y="1825625"/>
-            <a:ext cx="5664630" cy="4351338"/>
-          </a:xfrm>
+            <a:off x="1893206" y="1705422"/>
+            <a:ext cx="8405588" cy="4122777"/>
+          </a:xfrm>
+          <a:prstGeom prst="rect">
+            <a:avLst/>
+          </a:prstGeom>
         </p:spPr>
       </p:pic>
     </p:spTree>
     <p:extLst>
       <p:ext uri="{BB962C8B-B14F-4D97-AF65-F5344CB8AC3E}">
-        <p14:creationId xmlns:p14="http://schemas.microsoft.com/office/powerpoint/2010/main" val="271853091"/>
+        <p14:creationId xmlns:p14="http://schemas.microsoft.com/office/powerpoint/2010/main" val="3074277791"/>
       </p:ext>
     </p:extLst>
   </p:cSld>
@@ -4010,49 +5687,156 @@
           <a:chExt cx="0" cy="0"/>
         </a:xfrm>
       </p:grpSpPr>
+      <p:cxnSp>
+        <p:nvCxnSpPr>
+          <p:cNvPr id="3" name="직선 연결선 2">
+            <a:extLst>
+              <a:ext uri="{FF2B5EF4-FFF2-40B4-BE49-F238E27FC236}">
+                <a16:creationId xmlns:a16="http://schemas.microsoft.com/office/drawing/2014/main" id="{E3FBA607-E7FC-B7F8-2868-BC448F31F790}"/>
+              </a:ext>
+            </a:extLst>
+          </p:cNvPr>
+          <p:cNvCxnSpPr/>
+          <p:nvPr/>
+        </p:nvCxnSpPr>
+        <p:spPr>
+          <a:xfrm>
+            <a:off x="144378" y="160422"/>
+            <a:ext cx="12060000" cy="0"/>
+          </a:xfrm>
+          <a:prstGeom prst="line">
+            <a:avLst/>
+          </a:prstGeom>
+          <a:ln w="76200">
+            <a:solidFill>
+              <a:schemeClr val="accent1"/>
+            </a:solidFill>
+          </a:ln>
+        </p:spPr>
+        <p:style>
+          <a:lnRef idx="1">
+            <a:schemeClr val="accent1"/>
+          </a:lnRef>
+          <a:fillRef idx="0">
+            <a:schemeClr val="accent1"/>
+          </a:fillRef>
+          <a:effectRef idx="0">
+            <a:schemeClr val="accent1"/>
+          </a:effectRef>
+          <a:fontRef idx="minor">
+            <a:schemeClr val="tx1"/>
+          </a:fontRef>
+        </p:style>
+      </p:cxnSp>
       <p:sp>
         <p:nvSpPr>
-          <p:cNvPr id="2" name="제목 1">
-            <a:extLst>
-              <a:ext uri="{FF2B5EF4-FFF2-40B4-BE49-F238E27FC236}">
-                <a16:creationId xmlns:a16="http://schemas.microsoft.com/office/drawing/2014/main" id="{F7025355-108F-4BF0-A493-2C9AC5D34AA4}"/>
-              </a:ext>
-            </a:extLst>
-          </p:cNvPr>
-          <p:cNvSpPr>
-            <a:spLocks noGrp="1"/>
-          </p:cNvSpPr>
-          <p:nvPr>
-            <p:ph type="title"/>
-          </p:nvPr>
+          <p:cNvPr id="5" name="TextBox 4">
+            <a:extLst>
+              <a:ext uri="{FF2B5EF4-FFF2-40B4-BE49-F238E27FC236}">
+                <a16:creationId xmlns:a16="http://schemas.microsoft.com/office/drawing/2014/main" id="{3251639B-29EB-6E9D-733B-6F917838F571}"/>
+              </a:ext>
+            </a:extLst>
+          </p:cNvPr>
+          <p:cNvSpPr txBox="1"/>
+          <p:nvPr/>
         </p:nvSpPr>
-        <p:spPr/>
+        <p:spPr>
+          <a:xfrm>
+            <a:off x="1163052" y="272716"/>
+            <a:ext cx="4604146" cy="523220"/>
+          </a:xfrm>
+          <a:prstGeom prst="rect">
+            <a:avLst/>
+          </a:prstGeom>
+          <a:noFill/>
+        </p:spPr>
         <p:txBody>
-          <a:bodyPr/>
+          <a:bodyPr wrap="none" rtlCol="0">
+            <a:spAutoFit/>
+          </a:bodyPr>
           <a:lstStyle/>
           <a:p>
             <a:r>
-              <a:rPr lang="ko-KR" altLang="en-US" dirty="0"/>
+              <a:rPr lang="ko-KR" altLang="en-US" sz="2800" b="1" spc="-300" dirty="0">
+                <a:solidFill>
+                  <a:schemeClr val="accent1"/>
+                </a:solidFill>
+              </a:rPr>
+              <a:t>상관관계 확인 </a:t>
+            </a:r>
+            <a:r>
+              <a:rPr lang="en-US" altLang="ko-KR" sz="2800" b="1" spc="-300" dirty="0">
+                <a:solidFill>
+                  <a:schemeClr val="accent1"/>
+                </a:solidFill>
+              </a:rPr>
+              <a:t>&gt; </a:t>
+            </a:r>
+            <a:r>
+              <a:rPr lang="ko-KR" altLang="en-US" sz="2800" b="1" spc="-300" dirty="0">
+                <a:solidFill>
+                  <a:schemeClr val="accent1"/>
+                </a:solidFill>
+              </a:rPr>
               <a:t>데이터 시각화</a:t>
             </a:r>
           </a:p>
         </p:txBody>
       </p:sp>
+      <p:cxnSp>
+        <p:nvCxnSpPr>
+          <p:cNvPr id="6" name="직선 연결선 5">
+            <a:extLst>
+              <a:ext uri="{FF2B5EF4-FFF2-40B4-BE49-F238E27FC236}">
+                <a16:creationId xmlns:a16="http://schemas.microsoft.com/office/drawing/2014/main" id="{227D3D02-66A7-B0C0-2CF2-A0900C18861C}"/>
+              </a:ext>
+            </a:extLst>
+          </p:cNvPr>
+          <p:cNvCxnSpPr/>
+          <p:nvPr/>
+        </p:nvCxnSpPr>
+        <p:spPr>
+          <a:xfrm>
+            <a:off x="144378" y="6737685"/>
+            <a:ext cx="12060000" cy="0"/>
+          </a:xfrm>
+          <a:prstGeom prst="line">
+            <a:avLst/>
+          </a:prstGeom>
+          <a:ln w="3175">
+            <a:solidFill>
+              <a:schemeClr val="accent1"/>
+            </a:solidFill>
+          </a:ln>
+        </p:spPr>
+        <p:style>
+          <a:lnRef idx="1">
+            <a:schemeClr val="accent1"/>
+          </a:lnRef>
+          <a:fillRef idx="0">
+            <a:schemeClr val="accent1"/>
+          </a:fillRef>
+          <a:effectRef idx="0">
+            <a:schemeClr val="accent1"/>
+          </a:effectRef>
+          <a:fontRef idx="minor">
+            <a:schemeClr val="tx1"/>
+          </a:fontRef>
+        </p:style>
+      </p:cxnSp>
       <p:pic>
         <p:nvPicPr>
-          <p:cNvPr id="7" name="내용 개체 틀 6">
-            <a:extLst>
-              <a:ext uri="{FF2B5EF4-FFF2-40B4-BE49-F238E27FC236}">
-                <a16:creationId xmlns:a16="http://schemas.microsoft.com/office/drawing/2014/main" id="{045DBEC7-6CA1-A737-8DA7-CB8799DD408E}"/>
+          <p:cNvPr id="8" name="그림 7">
+            <a:extLst>
+              <a:ext uri="{FF2B5EF4-FFF2-40B4-BE49-F238E27FC236}">
+                <a16:creationId xmlns:a16="http://schemas.microsoft.com/office/drawing/2014/main" id="{DCFBBEC4-6BFC-7A1D-F459-BDC7A47AE7CC}"/>
               </a:ext>
             </a:extLst>
           </p:cNvPr>
           <p:cNvPicPr>
-            <a:picLocks noGrp="1" noChangeAspect="1"/>
+            <a:picLocks noChangeAspect="1"/>
           </p:cNvPicPr>
-          <p:nvPr>
-            <p:ph idx="1"/>
-          </p:nvPr>
+          <p:nvPr/>
         </p:nvPicPr>
         <p:blipFill>
           <a:blip r:embed="rId2"/>
@@ -4062,17 +5846,20 @@
         </p:blipFill>
         <p:spPr>
           <a:xfrm>
-            <a:off x="925664" y="2395259"/>
-            <a:ext cx="3825572" cy="2773920"/>
-          </a:xfrm>
+            <a:off x="733844" y="1560604"/>
+            <a:ext cx="4571794" cy="3674264"/>
+          </a:xfrm>
+          <a:prstGeom prst="rect">
+            <a:avLst/>
+          </a:prstGeom>
         </p:spPr>
       </p:pic>
       <p:pic>
         <p:nvPicPr>
-          <p:cNvPr id="9" name="그림 8">
-            <a:extLst>
-              <a:ext uri="{FF2B5EF4-FFF2-40B4-BE49-F238E27FC236}">
-                <a16:creationId xmlns:a16="http://schemas.microsoft.com/office/drawing/2014/main" id="{6BCFE5EE-0B97-BCF5-4F57-B79164B5EEE2}"/>
+          <p:cNvPr id="10" name="그림 9">
+            <a:extLst>
+              <a:ext uri="{FF2B5EF4-FFF2-40B4-BE49-F238E27FC236}">
+                <a16:creationId xmlns:a16="http://schemas.microsoft.com/office/drawing/2014/main" id="{0E727AED-F0E2-BFC8-2AE5-123FEEC1519C}"/>
               </a:ext>
             </a:extLst>
           </p:cNvPr>
@@ -4089,8 +5876,8 @@
         </p:blipFill>
         <p:spPr>
           <a:xfrm>
-            <a:off x="4838063" y="1688821"/>
-            <a:ext cx="7353937" cy="4099915"/>
+            <a:off x="5598367" y="1667905"/>
+            <a:ext cx="6035119" cy="3360940"/>
           </a:xfrm>
           <a:prstGeom prst="rect">
             <a:avLst/>
@@ -4100,7 +5887,7 @@
     </p:spTree>
     <p:extLst>
       <p:ext uri="{BB962C8B-B14F-4D97-AF65-F5344CB8AC3E}">
-        <p14:creationId xmlns:p14="http://schemas.microsoft.com/office/powerpoint/2010/main" val="681760079"/>
+        <p14:creationId xmlns:p14="http://schemas.microsoft.com/office/powerpoint/2010/main" val="1437317030"/>
       </p:ext>
     </p:extLst>
   </p:cSld>
@@ -4127,49 +5914,156 @@
           <a:chExt cx="0" cy="0"/>
         </a:xfrm>
       </p:grpSpPr>
+      <p:cxnSp>
+        <p:nvCxnSpPr>
+          <p:cNvPr id="3" name="직선 연결선 2">
+            <a:extLst>
+              <a:ext uri="{FF2B5EF4-FFF2-40B4-BE49-F238E27FC236}">
+                <a16:creationId xmlns:a16="http://schemas.microsoft.com/office/drawing/2014/main" id="{E3FBA607-E7FC-B7F8-2868-BC448F31F790}"/>
+              </a:ext>
+            </a:extLst>
+          </p:cNvPr>
+          <p:cNvCxnSpPr/>
+          <p:nvPr/>
+        </p:nvCxnSpPr>
+        <p:spPr>
+          <a:xfrm>
+            <a:off x="144378" y="160422"/>
+            <a:ext cx="12060000" cy="0"/>
+          </a:xfrm>
+          <a:prstGeom prst="line">
+            <a:avLst/>
+          </a:prstGeom>
+          <a:ln w="76200">
+            <a:solidFill>
+              <a:schemeClr val="accent1"/>
+            </a:solidFill>
+          </a:ln>
+        </p:spPr>
+        <p:style>
+          <a:lnRef idx="1">
+            <a:schemeClr val="accent1"/>
+          </a:lnRef>
+          <a:fillRef idx="0">
+            <a:schemeClr val="accent1"/>
+          </a:fillRef>
+          <a:effectRef idx="0">
+            <a:schemeClr val="accent1"/>
+          </a:effectRef>
+          <a:fontRef idx="minor">
+            <a:schemeClr val="tx1"/>
+          </a:fontRef>
+        </p:style>
+      </p:cxnSp>
       <p:sp>
         <p:nvSpPr>
-          <p:cNvPr id="2" name="제목 1">
-            <a:extLst>
-              <a:ext uri="{FF2B5EF4-FFF2-40B4-BE49-F238E27FC236}">
-                <a16:creationId xmlns:a16="http://schemas.microsoft.com/office/drawing/2014/main" id="{F7025355-108F-4BF0-A493-2C9AC5D34AA4}"/>
-              </a:ext>
-            </a:extLst>
-          </p:cNvPr>
-          <p:cNvSpPr>
-            <a:spLocks noGrp="1"/>
-          </p:cNvSpPr>
-          <p:nvPr>
-            <p:ph type="title"/>
-          </p:nvPr>
+          <p:cNvPr id="5" name="TextBox 4">
+            <a:extLst>
+              <a:ext uri="{FF2B5EF4-FFF2-40B4-BE49-F238E27FC236}">
+                <a16:creationId xmlns:a16="http://schemas.microsoft.com/office/drawing/2014/main" id="{3251639B-29EB-6E9D-733B-6F917838F571}"/>
+              </a:ext>
+            </a:extLst>
+          </p:cNvPr>
+          <p:cNvSpPr txBox="1"/>
+          <p:nvPr/>
         </p:nvSpPr>
-        <p:spPr/>
+        <p:spPr>
+          <a:xfrm>
+            <a:off x="1163052" y="272716"/>
+            <a:ext cx="4604146" cy="523220"/>
+          </a:xfrm>
+          <a:prstGeom prst="rect">
+            <a:avLst/>
+          </a:prstGeom>
+          <a:noFill/>
+        </p:spPr>
         <p:txBody>
-          <a:bodyPr/>
+          <a:bodyPr wrap="none" rtlCol="0">
+            <a:spAutoFit/>
+          </a:bodyPr>
           <a:lstStyle/>
           <a:p>
             <a:r>
-              <a:rPr lang="ko-KR" altLang="en-US" dirty="0"/>
+              <a:rPr lang="ko-KR" altLang="en-US" sz="2800" b="1" spc="-300" dirty="0">
+                <a:solidFill>
+                  <a:schemeClr val="accent1"/>
+                </a:solidFill>
+              </a:rPr>
+              <a:t>상관관계 확인 </a:t>
+            </a:r>
+            <a:r>
+              <a:rPr lang="en-US" altLang="ko-KR" sz="2800" b="1" spc="-300" dirty="0">
+                <a:solidFill>
+                  <a:schemeClr val="accent1"/>
+                </a:solidFill>
+              </a:rPr>
+              <a:t>&gt; </a:t>
+            </a:r>
+            <a:r>
+              <a:rPr lang="ko-KR" altLang="en-US" sz="2800" b="1" spc="-300" dirty="0">
+                <a:solidFill>
+                  <a:schemeClr val="accent1"/>
+                </a:solidFill>
+              </a:rPr>
               <a:t>데이터 시각화</a:t>
             </a:r>
           </a:p>
         </p:txBody>
       </p:sp>
+      <p:cxnSp>
+        <p:nvCxnSpPr>
+          <p:cNvPr id="6" name="직선 연결선 5">
+            <a:extLst>
+              <a:ext uri="{FF2B5EF4-FFF2-40B4-BE49-F238E27FC236}">
+                <a16:creationId xmlns:a16="http://schemas.microsoft.com/office/drawing/2014/main" id="{227D3D02-66A7-B0C0-2CF2-A0900C18861C}"/>
+              </a:ext>
+            </a:extLst>
+          </p:cNvPr>
+          <p:cNvCxnSpPr/>
+          <p:nvPr/>
+        </p:nvCxnSpPr>
+        <p:spPr>
+          <a:xfrm>
+            <a:off x="144378" y="6737685"/>
+            <a:ext cx="12060000" cy="0"/>
+          </a:xfrm>
+          <a:prstGeom prst="line">
+            <a:avLst/>
+          </a:prstGeom>
+          <a:ln w="3175">
+            <a:solidFill>
+              <a:schemeClr val="accent1"/>
+            </a:solidFill>
+          </a:ln>
+        </p:spPr>
+        <p:style>
+          <a:lnRef idx="1">
+            <a:schemeClr val="accent1"/>
+          </a:lnRef>
+          <a:fillRef idx="0">
+            <a:schemeClr val="accent1"/>
+          </a:fillRef>
+          <a:effectRef idx="0">
+            <a:schemeClr val="accent1"/>
+          </a:effectRef>
+          <a:fontRef idx="minor">
+            <a:schemeClr val="tx1"/>
+          </a:fontRef>
+        </p:style>
+      </p:cxnSp>
       <p:pic>
         <p:nvPicPr>
-          <p:cNvPr id="7" name="내용 개체 틀 6">
-            <a:extLst>
-              <a:ext uri="{FF2B5EF4-FFF2-40B4-BE49-F238E27FC236}">
-                <a16:creationId xmlns:a16="http://schemas.microsoft.com/office/drawing/2014/main" id="{7A50D2B0-78F2-CB8A-9DEF-BD6E672C6113}"/>
+          <p:cNvPr id="4" name="내용 개체 틀 6">
+            <a:extLst>
+              <a:ext uri="{FF2B5EF4-FFF2-40B4-BE49-F238E27FC236}">
+                <a16:creationId xmlns:a16="http://schemas.microsoft.com/office/drawing/2014/main" id="{6454AFB7-96A9-4798-972C-ECC44C9F1896}"/>
               </a:ext>
             </a:extLst>
           </p:cNvPr>
           <p:cNvPicPr>
-            <a:picLocks noGrp="1" noChangeAspect="1"/>
+            <a:picLocks noChangeAspect="1"/>
           </p:cNvPicPr>
-          <p:nvPr>
-            <p:ph idx="1"/>
-          </p:nvPr>
+          <p:nvPr/>
         </p:nvPicPr>
         <p:blipFill>
           <a:blip r:embed="rId2"/>
@@ -4179,15 +6073,48 @@
         </p:blipFill>
         <p:spPr>
           <a:xfrm>
-            <a:off x="2300911" y="2058025"/>
-            <a:ext cx="7590178" cy="3886537"/>
-          </a:xfrm>
+            <a:off x="683068" y="2042040"/>
+            <a:ext cx="3825572" cy="2773920"/>
+          </a:xfrm>
+          <a:prstGeom prst="rect">
+            <a:avLst/>
+          </a:prstGeom>
+        </p:spPr>
+      </p:pic>
+      <p:pic>
+        <p:nvPicPr>
+          <p:cNvPr id="7" name="그림 6">
+            <a:extLst>
+              <a:ext uri="{FF2B5EF4-FFF2-40B4-BE49-F238E27FC236}">
+                <a16:creationId xmlns:a16="http://schemas.microsoft.com/office/drawing/2014/main" id="{675207EE-DCCF-6B6E-5C14-D2F76D6FF632}"/>
+              </a:ext>
+            </a:extLst>
+          </p:cNvPr>
+          <p:cNvPicPr>
+            <a:picLocks noChangeAspect="1"/>
+          </p:cNvPicPr>
+          <p:nvPr/>
+        </p:nvPicPr>
+        <p:blipFill>
+          <a:blip r:embed="rId3"/>
+          <a:stretch>
+            <a:fillRect/>
+          </a:stretch>
+        </p:blipFill>
+        <p:spPr>
+          <a:xfrm>
+            <a:off x="4595467" y="1399096"/>
+            <a:ext cx="7353937" cy="4099915"/>
+          </a:xfrm>
+          <a:prstGeom prst="rect">
+            <a:avLst/>
+          </a:prstGeom>
         </p:spPr>
       </p:pic>
     </p:spTree>
     <p:extLst>
       <p:ext uri="{BB962C8B-B14F-4D97-AF65-F5344CB8AC3E}">
-        <p14:creationId xmlns:p14="http://schemas.microsoft.com/office/powerpoint/2010/main" val="1768075170"/>
+        <p14:creationId xmlns:p14="http://schemas.microsoft.com/office/powerpoint/2010/main" val="3295427371"/>
       </p:ext>
     </p:extLst>
   </p:cSld>
@@ -4214,49 +6141,156 @@
           <a:chExt cx="0" cy="0"/>
         </a:xfrm>
       </p:grpSpPr>
+      <p:cxnSp>
+        <p:nvCxnSpPr>
+          <p:cNvPr id="3" name="직선 연결선 2">
+            <a:extLst>
+              <a:ext uri="{FF2B5EF4-FFF2-40B4-BE49-F238E27FC236}">
+                <a16:creationId xmlns:a16="http://schemas.microsoft.com/office/drawing/2014/main" id="{E3FBA607-E7FC-B7F8-2868-BC448F31F790}"/>
+              </a:ext>
+            </a:extLst>
+          </p:cNvPr>
+          <p:cNvCxnSpPr/>
+          <p:nvPr/>
+        </p:nvCxnSpPr>
+        <p:spPr>
+          <a:xfrm>
+            <a:off x="144378" y="160422"/>
+            <a:ext cx="12060000" cy="0"/>
+          </a:xfrm>
+          <a:prstGeom prst="line">
+            <a:avLst/>
+          </a:prstGeom>
+          <a:ln w="76200">
+            <a:solidFill>
+              <a:schemeClr val="accent1"/>
+            </a:solidFill>
+          </a:ln>
+        </p:spPr>
+        <p:style>
+          <a:lnRef idx="1">
+            <a:schemeClr val="accent1"/>
+          </a:lnRef>
+          <a:fillRef idx="0">
+            <a:schemeClr val="accent1"/>
+          </a:fillRef>
+          <a:effectRef idx="0">
+            <a:schemeClr val="accent1"/>
+          </a:effectRef>
+          <a:fontRef idx="minor">
+            <a:schemeClr val="tx1"/>
+          </a:fontRef>
+        </p:style>
+      </p:cxnSp>
       <p:sp>
         <p:nvSpPr>
-          <p:cNvPr id="2" name="제목 1">
-            <a:extLst>
-              <a:ext uri="{FF2B5EF4-FFF2-40B4-BE49-F238E27FC236}">
-                <a16:creationId xmlns:a16="http://schemas.microsoft.com/office/drawing/2014/main" id="{F7025355-108F-4BF0-A493-2C9AC5D34AA4}"/>
-              </a:ext>
-            </a:extLst>
-          </p:cNvPr>
-          <p:cNvSpPr>
-            <a:spLocks noGrp="1"/>
-          </p:cNvSpPr>
-          <p:nvPr>
-            <p:ph type="title"/>
-          </p:nvPr>
+          <p:cNvPr id="5" name="TextBox 4">
+            <a:extLst>
+              <a:ext uri="{FF2B5EF4-FFF2-40B4-BE49-F238E27FC236}">
+                <a16:creationId xmlns:a16="http://schemas.microsoft.com/office/drawing/2014/main" id="{3251639B-29EB-6E9D-733B-6F917838F571}"/>
+              </a:ext>
+            </a:extLst>
+          </p:cNvPr>
+          <p:cNvSpPr txBox="1"/>
+          <p:nvPr/>
         </p:nvSpPr>
-        <p:spPr/>
+        <p:spPr>
+          <a:xfrm>
+            <a:off x="1163052" y="272716"/>
+            <a:ext cx="4604146" cy="523220"/>
+          </a:xfrm>
+          <a:prstGeom prst="rect">
+            <a:avLst/>
+          </a:prstGeom>
+          <a:noFill/>
+        </p:spPr>
         <p:txBody>
-          <a:bodyPr/>
+          <a:bodyPr wrap="none" rtlCol="0">
+            <a:spAutoFit/>
+          </a:bodyPr>
           <a:lstStyle/>
           <a:p>
             <a:r>
-              <a:rPr lang="ko-KR" altLang="en-US" dirty="0"/>
-              <a:t>상관관계 확인</a:t>
+              <a:rPr lang="ko-KR" altLang="en-US" sz="2800" b="1" spc="-300" dirty="0">
+                <a:solidFill>
+                  <a:schemeClr val="accent1"/>
+                </a:solidFill>
+              </a:rPr>
+              <a:t>상관관계 확인 </a:t>
+            </a:r>
+            <a:r>
+              <a:rPr lang="en-US" altLang="ko-KR" sz="2800" b="1" spc="-300" dirty="0">
+                <a:solidFill>
+                  <a:schemeClr val="accent1"/>
+                </a:solidFill>
+              </a:rPr>
+              <a:t>&gt; </a:t>
+            </a:r>
+            <a:r>
+              <a:rPr lang="ko-KR" altLang="en-US" sz="2800" b="1" spc="-300" dirty="0">
+                <a:solidFill>
+                  <a:schemeClr val="accent1"/>
+                </a:solidFill>
+              </a:rPr>
+              <a:t>데이터 시각화</a:t>
             </a:r>
           </a:p>
         </p:txBody>
       </p:sp>
+      <p:cxnSp>
+        <p:nvCxnSpPr>
+          <p:cNvPr id="6" name="직선 연결선 5">
+            <a:extLst>
+              <a:ext uri="{FF2B5EF4-FFF2-40B4-BE49-F238E27FC236}">
+                <a16:creationId xmlns:a16="http://schemas.microsoft.com/office/drawing/2014/main" id="{227D3D02-66A7-B0C0-2CF2-A0900C18861C}"/>
+              </a:ext>
+            </a:extLst>
+          </p:cNvPr>
+          <p:cNvCxnSpPr/>
+          <p:nvPr/>
+        </p:nvCxnSpPr>
+        <p:spPr>
+          <a:xfrm>
+            <a:off x="144378" y="6737685"/>
+            <a:ext cx="12060000" cy="0"/>
+          </a:xfrm>
+          <a:prstGeom prst="line">
+            <a:avLst/>
+          </a:prstGeom>
+          <a:ln w="3175">
+            <a:solidFill>
+              <a:schemeClr val="accent1"/>
+            </a:solidFill>
+          </a:ln>
+        </p:spPr>
+        <p:style>
+          <a:lnRef idx="1">
+            <a:schemeClr val="accent1"/>
+          </a:lnRef>
+          <a:fillRef idx="0">
+            <a:schemeClr val="accent1"/>
+          </a:fillRef>
+          <a:effectRef idx="0">
+            <a:schemeClr val="accent1"/>
+          </a:effectRef>
+          <a:fontRef idx="minor">
+            <a:schemeClr val="tx1"/>
+          </a:fontRef>
+        </p:style>
+      </p:cxnSp>
       <p:pic>
         <p:nvPicPr>
-          <p:cNvPr id="9" name="내용 개체 틀 8">
-            <a:extLst>
-              <a:ext uri="{FF2B5EF4-FFF2-40B4-BE49-F238E27FC236}">
-                <a16:creationId xmlns:a16="http://schemas.microsoft.com/office/drawing/2014/main" id="{CD84D69E-F7F4-9D7C-547E-856195713A03}"/>
+          <p:cNvPr id="4" name="내용 개체 틀 6">
+            <a:extLst>
+              <a:ext uri="{FF2B5EF4-FFF2-40B4-BE49-F238E27FC236}">
+                <a16:creationId xmlns:a16="http://schemas.microsoft.com/office/drawing/2014/main" id="{5F18FC04-2095-5DB7-B838-46F7080AB25C}"/>
               </a:ext>
             </a:extLst>
           </p:cNvPr>
           <p:cNvPicPr>
-            <a:picLocks noGrp="1" noChangeAspect="1"/>
+            <a:picLocks noChangeAspect="1"/>
           </p:cNvPicPr>
-          <p:nvPr>
-            <p:ph idx="1"/>
-          </p:nvPr>
+          <p:nvPr/>
         </p:nvPicPr>
         <p:blipFill>
           <a:blip r:embed="rId2"/>
@@ -4266,15 +6300,18 @@
         </p:blipFill>
         <p:spPr>
           <a:xfrm>
-            <a:off x="3314459" y="2526696"/>
-            <a:ext cx="5563082" cy="2949196"/>
-          </a:xfrm>
+            <a:off x="2300911" y="1823542"/>
+            <a:ext cx="7590178" cy="3886537"/>
+          </a:xfrm>
+          <a:prstGeom prst="rect">
+            <a:avLst/>
+          </a:prstGeom>
         </p:spPr>
       </p:pic>
     </p:spTree>
     <p:extLst>
       <p:ext uri="{BB962C8B-B14F-4D97-AF65-F5344CB8AC3E}">
-        <p14:creationId xmlns:p14="http://schemas.microsoft.com/office/powerpoint/2010/main" val="132684733"/>
+        <p14:creationId xmlns:p14="http://schemas.microsoft.com/office/powerpoint/2010/main" val="453318448"/>
       </p:ext>
     </p:extLst>
   </p:cSld>
@@ -4301,49 +6338,156 @@
           <a:chExt cx="0" cy="0"/>
         </a:xfrm>
       </p:grpSpPr>
+      <p:cxnSp>
+        <p:nvCxnSpPr>
+          <p:cNvPr id="3" name="직선 연결선 2">
+            <a:extLst>
+              <a:ext uri="{FF2B5EF4-FFF2-40B4-BE49-F238E27FC236}">
+                <a16:creationId xmlns:a16="http://schemas.microsoft.com/office/drawing/2014/main" id="{E3FBA607-E7FC-B7F8-2868-BC448F31F790}"/>
+              </a:ext>
+            </a:extLst>
+          </p:cNvPr>
+          <p:cNvCxnSpPr/>
+          <p:nvPr/>
+        </p:nvCxnSpPr>
+        <p:spPr>
+          <a:xfrm>
+            <a:off x="144378" y="160422"/>
+            <a:ext cx="12060000" cy="0"/>
+          </a:xfrm>
+          <a:prstGeom prst="line">
+            <a:avLst/>
+          </a:prstGeom>
+          <a:ln w="76200">
+            <a:solidFill>
+              <a:schemeClr val="accent1"/>
+            </a:solidFill>
+          </a:ln>
+        </p:spPr>
+        <p:style>
+          <a:lnRef idx="1">
+            <a:schemeClr val="accent1"/>
+          </a:lnRef>
+          <a:fillRef idx="0">
+            <a:schemeClr val="accent1"/>
+          </a:fillRef>
+          <a:effectRef idx="0">
+            <a:schemeClr val="accent1"/>
+          </a:effectRef>
+          <a:fontRef idx="minor">
+            <a:schemeClr val="tx1"/>
+          </a:fontRef>
+        </p:style>
+      </p:cxnSp>
       <p:sp>
         <p:nvSpPr>
-          <p:cNvPr id="2" name="제목 1">
-            <a:extLst>
-              <a:ext uri="{FF2B5EF4-FFF2-40B4-BE49-F238E27FC236}">
-                <a16:creationId xmlns:a16="http://schemas.microsoft.com/office/drawing/2014/main" id="{F7025355-108F-4BF0-A493-2C9AC5D34AA4}"/>
-              </a:ext>
-            </a:extLst>
-          </p:cNvPr>
-          <p:cNvSpPr>
-            <a:spLocks noGrp="1"/>
-          </p:cNvSpPr>
-          <p:nvPr>
-            <p:ph type="title"/>
-          </p:nvPr>
+          <p:cNvPr id="5" name="TextBox 4">
+            <a:extLst>
+              <a:ext uri="{FF2B5EF4-FFF2-40B4-BE49-F238E27FC236}">
+                <a16:creationId xmlns:a16="http://schemas.microsoft.com/office/drawing/2014/main" id="{3251639B-29EB-6E9D-733B-6F917838F571}"/>
+              </a:ext>
+            </a:extLst>
+          </p:cNvPr>
+          <p:cNvSpPr txBox="1"/>
+          <p:nvPr/>
         </p:nvSpPr>
-        <p:spPr/>
+        <p:spPr>
+          <a:xfrm>
+            <a:off x="1163052" y="272716"/>
+            <a:ext cx="4604146" cy="523220"/>
+          </a:xfrm>
+          <a:prstGeom prst="rect">
+            <a:avLst/>
+          </a:prstGeom>
+          <a:noFill/>
+        </p:spPr>
         <p:txBody>
-          <a:bodyPr/>
+          <a:bodyPr wrap="none" rtlCol="0">
+            <a:spAutoFit/>
+          </a:bodyPr>
           <a:lstStyle/>
           <a:p>
             <a:r>
-              <a:rPr lang="ko-KR" altLang="en-US" dirty="0"/>
-              <a:t>상관관계 확인</a:t>
+              <a:rPr lang="ko-KR" altLang="en-US" sz="2800" b="1" spc="-300" dirty="0">
+                <a:solidFill>
+                  <a:schemeClr val="accent1"/>
+                </a:solidFill>
+              </a:rPr>
+              <a:t>상관관계 확인 </a:t>
+            </a:r>
+            <a:r>
+              <a:rPr lang="en-US" altLang="ko-KR" sz="2800" b="1" spc="-300" dirty="0">
+                <a:solidFill>
+                  <a:schemeClr val="accent1"/>
+                </a:solidFill>
+              </a:rPr>
+              <a:t>&gt; </a:t>
+            </a:r>
+            <a:r>
+              <a:rPr lang="ko-KR" altLang="en-US" sz="2800" b="1" spc="-300" dirty="0">
+                <a:solidFill>
+                  <a:schemeClr val="accent1"/>
+                </a:solidFill>
+              </a:rPr>
+              <a:t>상관계수 확인</a:t>
             </a:r>
           </a:p>
         </p:txBody>
       </p:sp>
+      <p:cxnSp>
+        <p:nvCxnSpPr>
+          <p:cNvPr id="6" name="직선 연결선 5">
+            <a:extLst>
+              <a:ext uri="{FF2B5EF4-FFF2-40B4-BE49-F238E27FC236}">
+                <a16:creationId xmlns:a16="http://schemas.microsoft.com/office/drawing/2014/main" id="{227D3D02-66A7-B0C0-2CF2-A0900C18861C}"/>
+              </a:ext>
+            </a:extLst>
+          </p:cNvPr>
+          <p:cNvCxnSpPr/>
+          <p:nvPr/>
+        </p:nvCxnSpPr>
+        <p:spPr>
+          <a:xfrm>
+            <a:off x="144378" y="6737685"/>
+            <a:ext cx="12060000" cy="0"/>
+          </a:xfrm>
+          <a:prstGeom prst="line">
+            <a:avLst/>
+          </a:prstGeom>
+          <a:ln w="3175">
+            <a:solidFill>
+              <a:schemeClr val="accent1"/>
+            </a:solidFill>
+          </a:ln>
+        </p:spPr>
+        <p:style>
+          <a:lnRef idx="1">
+            <a:schemeClr val="accent1"/>
+          </a:lnRef>
+          <a:fillRef idx="0">
+            <a:schemeClr val="accent1"/>
+          </a:fillRef>
+          <a:effectRef idx="0">
+            <a:schemeClr val="accent1"/>
+          </a:effectRef>
+          <a:fontRef idx="minor">
+            <a:schemeClr val="tx1"/>
+          </a:fontRef>
+        </p:style>
+      </p:cxnSp>
       <p:pic>
         <p:nvPicPr>
-          <p:cNvPr id="13" name="내용 개체 틀 12">
-            <a:extLst>
-              <a:ext uri="{FF2B5EF4-FFF2-40B4-BE49-F238E27FC236}">
-                <a16:creationId xmlns:a16="http://schemas.microsoft.com/office/drawing/2014/main" id="{CB508828-BD5D-87A2-3FC2-73DD29E1ECDB}"/>
+          <p:cNvPr id="2" name="내용 개체 틀 8">
+            <a:extLst>
+              <a:ext uri="{FF2B5EF4-FFF2-40B4-BE49-F238E27FC236}">
+                <a16:creationId xmlns:a16="http://schemas.microsoft.com/office/drawing/2014/main" id="{60713344-E8EC-159B-28BC-C703FDA8E0A7}"/>
               </a:ext>
             </a:extLst>
           </p:cNvPr>
           <p:cNvPicPr>
-            <a:picLocks noGrp="1" noChangeAspect="1"/>
+            <a:picLocks noChangeAspect="1"/>
           </p:cNvPicPr>
-          <p:nvPr>
-            <p:ph idx="1"/>
-          </p:nvPr>
+          <p:nvPr/>
         </p:nvPicPr>
         <p:blipFill>
           <a:blip r:embed="rId2"/>
@@ -4353,35 +6497,8 @@
         </p:blipFill>
         <p:spPr>
           <a:xfrm>
-            <a:off x="1681956" y="2959187"/>
-            <a:ext cx="3665538" cy="1646063"/>
-          </a:xfrm>
-        </p:spPr>
-      </p:pic>
-      <p:pic>
-        <p:nvPicPr>
-          <p:cNvPr id="15" name="그림 14">
-            <a:extLst>
-              <a:ext uri="{FF2B5EF4-FFF2-40B4-BE49-F238E27FC236}">
-                <a16:creationId xmlns:a16="http://schemas.microsoft.com/office/drawing/2014/main" id="{B2C9603F-E204-328E-FBC7-5C22956E3863}"/>
-              </a:ext>
-            </a:extLst>
-          </p:cNvPr>
-          <p:cNvPicPr>
-            <a:picLocks noChangeAspect="1"/>
-          </p:cNvPicPr>
-          <p:nvPr/>
-        </p:nvPicPr>
-        <p:blipFill>
-          <a:blip r:embed="rId3"/>
-          <a:stretch>
-            <a:fillRect/>
-          </a:stretch>
-        </p:blipFill>
-        <p:spPr>
-          <a:xfrm>
-            <a:off x="5564268" y="1619045"/>
-            <a:ext cx="5464013" cy="4724809"/>
+            <a:off x="2485066" y="1514710"/>
+            <a:ext cx="7221868" cy="3828580"/>
           </a:xfrm>
           <a:prstGeom prst="rect">
             <a:avLst/>
@@ -4391,7 +6508,7 @@
     </p:spTree>
     <p:extLst>
       <p:ext uri="{BB962C8B-B14F-4D97-AF65-F5344CB8AC3E}">
-        <p14:creationId xmlns:p14="http://schemas.microsoft.com/office/powerpoint/2010/main" val="1179626575"/>
+        <p14:creationId xmlns:p14="http://schemas.microsoft.com/office/powerpoint/2010/main" val="1125949061"/>
       </p:ext>
     </p:extLst>
   </p:cSld>
@@ -4404,6 +6521,17 @@
 <file path=ppt/slides/slide2.xml><?xml version="1.0" encoding="utf-8"?>
 <p:sld xmlns:a="http://schemas.openxmlformats.org/drawingml/2006/main" xmlns:r="http://schemas.openxmlformats.org/officeDocument/2006/relationships" xmlns:p="http://schemas.openxmlformats.org/presentationml/2006/main">
   <p:cSld>
+    <p:bg>
+      <p:bgPr>
+        <a:solidFill>
+          <a:schemeClr val="accent3">
+            <a:lumMod val="20000"/>
+            <a:lumOff val="80000"/>
+          </a:schemeClr>
+        </a:solidFill>
+        <a:effectLst/>
+      </p:bgPr>
+    </p:bg>
     <p:spTree>
       <p:nvGrpSpPr>
         <p:cNvPr id="1" name=""/>
@@ -4418,120 +6546,771 @@
           <a:chExt cx="0" cy="0"/>
         </a:xfrm>
       </p:grpSpPr>
+      <p:cxnSp>
+        <p:nvCxnSpPr>
+          <p:cNvPr id="8" name="직선 연결선 7">
+            <a:extLst>
+              <a:ext uri="{FF2B5EF4-FFF2-40B4-BE49-F238E27FC236}">
+                <a16:creationId xmlns:a16="http://schemas.microsoft.com/office/drawing/2014/main" id="{E633DDF8-3BAF-1A37-9602-7601FFABECD2}"/>
+              </a:ext>
+            </a:extLst>
+          </p:cNvPr>
+          <p:cNvCxnSpPr/>
+          <p:nvPr/>
+        </p:nvCxnSpPr>
+        <p:spPr>
+          <a:xfrm>
+            <a:off x="267629" y="323385"/>
+            <a:ext cx="11924371" cy="0"/>
+          </a:xfrm>
+          <a:prstGeom prst="line">
+            <a:avLst/>
+          </a:prstGeom>
+          <a:ln>
+            <a:solidFill>
+              <a:schemeClr val="bg1"/>
+            </a:solidFill>
+          </a:ln>
+        </p:spPr>
+        <p:style>
+          <a:lnRef idx="1">
+            <a:schemeClr val="accent1"/>
+          </a:lnRef>
+          <a:fillRef idx="0">
+            <a:schemeClr val="accent1"/>
+          </a:fillRef>
+          <a:effectRef idx="0">
+            <a:schemeClr val="accent1"/>
+          </a:effectRef>
+          <a:fontRef idx="minor">
+            <a:schemeClr val="tx1"/>
+          </a:fontRef>
+        </p:style>
+      </p:cxnSp>
       <p:sp>
         <p:nvSpPr>
-          <p:cNvPr id="2" name="제목 1">
-            <a:extLst>
-              <a:ext uri="{FF2B5EF4-FFF2-40B4-BE49-F238E27FC236}">
-                <a16:creationId xmlns:a16="http://schemas.microsoft.com/office/drawing/2014/main" id="{CA6EC28D-F995-9EBC-F809-8A433CEF0EBC}"/>
-              </a:ext>
-            </a:extLst>
-          </p:cNvPr>
-          <p:cNvSpPr>
-            <a:spLocks noGrp="1"/>
-          </p:cNvSpPr>
-          <p:nvPr>
-            <p:ph type="title"/>
-          </p:nvPr>
+          <p:cNvPr id="6" name="TextBox 5">
+            <a:extLst>
+              <a:ext uri="{FF2B5EF4-FFF2-40B4-BE49-F238E27FC236}">
+                <a16:creationId xmlns:a16="http://schemas.microsoft.com/office/drawing/2014/main" id="{50D2F9E0-0DA1-C41D-002E-838EB6896537}"/>
+              </a:ext>
+            </a:extLst>
+          </p:cNvPr>
+          <p:cNvSpPr txBox="1"/>
+          <p:nvPr/>
         </p:nvSpPr>
-        <p:spPr/>
+        <p:spPr>
+          <a:xfrm>
+            <a:off x="3588795" y="1050893"/>
+            <a:ext cx="1059366" cy="707886"/>
+          </a:xfrm>
+          <a:prstGeom prst="rect">
+            <a:avLst/>
+          </a:prstGeom>
+          <a:noFill/>
+        </p:spPr>
         <p:txBody>
-          <a:bodyPr/>
+          <a:bodyPr wrap="square" rtlCol="0">
+            <a:spAutoFit/>
+          </a:bodyPr>
           <a:lstStyle/>
           <a:p>
-            <a:r>
-              <a:rPr lang="ko-KR" altLang="en-US" dirty="0"/>
-              <a:t>순서</a:t>
-            </a:r>
+            <a:pPr marL="0" marR="0" lvl="0" indent="0" algn="l" defTabSz="914400" rtl="0" eaLnBrk="1" fontAlgn="auto" latinLnBrk="1" hangingPunct="1">
+              <a:lnSpc>
+                <a:spcPct val="100000"/>
+              </a:lnSpc>
+              <a:spcBef>
+                <a:spcPts val="0"/>
+              </a:spcBef>
+              <a:spcAft>
+                <a:spcPts val="0"/>
+              </a:spcAft>
+              <a:buClrTx/>
+              <a:buSzTx/>
+              <a:buFontTx/>
+              <a:buNone/>
+              <a:tabLst/>
+              <a:defRPr/>
+            </a:pPr>
+            <a:r>
+              <a:rPr kumimoji="0" lang="en-US" altLang="ko-KR" sz="4000" b="1" i="0" u="none" strike="noStrike" kern="1200" cap="none" spc="0" normalizeH="0" baseline="0" noProof="0" dirty="0">
+                <a:ln>
+                  <a:noFill/>
+                </a:ln>
+                <a:solidFill>
+                  <a:prstClr val="black"/>
+                </a:solidFill>
+                <a:effectLst/>
+                <a:uLnTx/>
+                <a:uFillTx/>
+                <a:latin typeface="Pretendard"/>
+                <a:cs typeface="+mn-cs"/>
+              </a:rPr>
+              <a:t>1</a:t>
+            </a:r>
+            <a:endParaRPr kumimoji="0" lang="ko-KR" altLang="en-US" sz="4000" b="1" i="0" u="none" strike="noStrike" kern="1200" cap="none" spc="0" normalizeH="0" baseline="0" noProof="0" dirty="0">
+              <a:ln>
+                <a:noFill/>
+              </a:ln>
+              <a:solidFill>
+                <a:prstClr val="black"/>
+              </a:solidFill>
+              <a:effectLst/>
+              <a:uLnTx/>
+              <a:uFillTx/>
+              <a:latin typeface="Pretendard"/>
+              <a:cs typeface="+mn-cs"/>
+            </a:endParaRPr>
           </a:p>
         </p:txBody>
       </p:sp>
       <p:sp>
         <p:nvSpPr>
-          <p:cNvPr id="3" name="내용 개체 틀 2">
-            <a:extLst>
-              <a:ext uri="{FF2B5EF4-FFF2-40B4-BE49-F238E27FC236}">
-                <a16:creationId xmlns:a16="http://schemas.microsoft.com/office/drawing/2014/main" id="{14A41160-F0BA-417F-3C99-846BE42358DA}"/>
-              </a:ext>
-            </a:extLst>
-          </p:cNvPr>
-          <p:cNvSpPr>
-            <a:spLocks noGrp="1"/>
-          </p:cNvSpPr>
-          <p:nvPr>
-            <p:ph idx="1"/>
-          </p:nvPr>
+          <p:cNvPr id="11" name="TextBox 10">
+            <a:extLst>
+              <a:ext uri="{FF2B5EF4-FFF2-40B4-BE49-F238E27FC236}">
+                <a16:creationId xmlns:a16="http://schemas.microsoft.com/office/drawing/2014/main" id="{9E7CAD06-A827-FDD3-87F2-CD1E8DC148CF}"/>
+              </a:ext>
+            </a:extLst>
+          </p:cNvPr>
+          <p:cNvSpPr txBox="1"/>
+          <p:nvPr/>
         </p:nvSpPr>
-        <p:spPr/>
+        <p:spPr>
+          <a:xfrm>
+            <a:off x="5057040" y="1143226"/>
+            <a:ext cx="3527502" cy="523220"/>
+          </a:xfrm>
+          <a:prstGeom prst="rect">
+            <a:avLst/>
+          </a:prstGeom>
+          <a:noFill/>
+        </p:spPr>
         <p:txBody>
-          <a:bodyPr/>
+          <a:bodyPr wrap="square" rtlCol="0">
+            <a:spAutoFit/>
+          </a:bodyPr>
           <a:lstStyle/>
           <a:p>
-            <a:pPr marL="514350" indent="-514350">
-              <a:buAutoNum type="arabicPeriod"/>
+            <a:pPr marL="0" marR="0" lvl="0" indent="0" algn="l" defTabSz="914400" rtl="0" eaLnBrk="1" fontAlgn="auto" latinLnBrk="1" hangingPunct="1">
+              <a:lnSpc>
+                <a:spcPct val="100000"/>
+              </a:lnSpc>
+              <a:spcBef>
+                <a:spcPts val="0"/>
+              </a:spcBef>
+              <a:spcAft>
+                <a:spcPts val="0"/>
+              </a:spcAft>
+              <a:buClrTx/>
+              <a:buSzTx/>
+              <a:buFontTx/>
+              <a:buNone/>
+              <a:tabLst/>
+              <a:defRPr/>
             </a:pPr>
             <a:r>
-              <a:rPr lang="ko-KR" altLang="en-US" dirty="0"/>
+              <a:rPr kumimoji="0" lang="ko-KR" altLang="en-US" sz="2800" b="1" i="0" u="none" strike="noStrike" kern="1200" cap="none" spc="0" normalizeH="0" baseline="0" noProof="0" dirty="0">
+                <a:ln>
+                  <a:noFill/>
+                </a:ln>
+                <a:solidFill>
+                  <a:prstClr val="black"/>
+                </a:solidFill>
+                <a:effectLst/>
+                <a:uLnTx/>
+                <a:uFillTx/>
+                <a:latin typeface="Pretendard"/>
+                <a:cs typeface="+mn-cs"/>
+              </a:rPr>
               <a:t>주제선정</a:t>
             </a:r>
-            <a:endParaRPr lang="en-US" altLang="ko-KR" dirty="0"/>
-          </a:p>
-          <a:p>
-            <a:pPr marL="514350" indent="-514350">
-              <a:buAutoNum type="arabicPeriod"/>
+          </a:p>
+        </p:txBody>
+      </p:sp>
+      <p:sp>
+        <p:nvSpPr>
+          <p:cNvPr id="14" name="TextBox 13">
+            <a:extLst>
+              <a:ext uri="{FF2B5EF4-FFF2-40B4-BE49-F238E27FC236}">
+                <a16:creationId xmlns:a16="http://schemas.microsoft.com/office/drawing/2014/main" id="{261676F5-3CC8-E89D-FFD9-6521A3CCD591}"/>
+              </a:ext>
+            </a:extLst>
+          </p:cNvPr>
+          <p:cNvSpPr txBox="1"/>
+          <p:nvPr/>
+        </p:nvSpPr>
+        <p:spPr>
+          <a:xfrm>
+            <a:off x="3588795" y="2062975"/>
+            <a:ext cx="1059366" cy="707886"/>
+          </a:xfrm>
+          <a:prstGeom prst="rect">
+            <a:avLst/>
+          </a:prstGeom>
+          <a:noFill/>
+        </p:spPr>
+        <p:txBody>
+          <a:bodyPr wrap="square" rtlCol="0">
+            <a:spAutoFit/>
+          </a:bodyPr>
+          <a:lstStyle/>
+          <a:p>
+            <a:pPr marL="0" marR="0" lvl="0" indent="0" algn="l" defTabSz="914400" rtl="0" eaLnBrk="1" fontAlgn="auto" latinLnBrk="1" hangingPunct="1">
+              <a:lnSpc>
+                <a:spcPct val="100000"/>
+              </a:lnSpc>
+              <a:spcBef>
+                <a:spcPts val="0"/>
+              </a:spcBef>
+              <a:spcAft>
+                <a:spcPts val="0"/>
+              </a:spcAft>
+              <a:buClrTx/>
+              <a:buSzTx/>
+              <a:buFontTx/>
+              <a:buNone/>
+              <a:tabLst/>
+              <a:defRPr/>
             </a:pPr>
             <a:r>
-              <a:rPr lang="ko-KR" altLang="en-US" dirty="0"/>
+              <a:rPr kumimoji="0" lang="en-US" altLang="ko-KR" sz="4000" b="1" i="0" u="none" strike="noStrike" kern="1200" cap="none" spc="0" normalizeH="0" baseline="0" noProof="0" dirty="0">
+                <a:ln>
+                  <a:noFill/>
+                </a:ln>
+                <a:solidFill>
+                  <a:prstClr val="black"/>
+                </a:solidFill>
+                <a:effectLst/>
+                <a:uLnTx/>
+                <a:uFillTx/>
+                <a:latin typeface="Pretendard"/>
+                <a:cs typeface="+mn-cs"/>
+              </a:rPr>
+              <a:t>2</a:t>
+            </a:r>
+            <a:endParaRPr kumimoji="0" lang="ko-KR" altLang="en-US" sz="4000" b="1" i="0" u="none" strike="noStrike" kern="1200" cap="none" spc="0" normalizeH="0" baseline="0" noProof="0" dirty="0">
+              <a:ln>
+                <a:noFill/>
+              </a:ln>
+              <a:solidFill>
+                <a:prstClr val="black"/>
+              </a:solidFill>
+              <a:effectLst/>
+              <a:uLnTx/>
+              <a:uFillTx/>
+              <a:latin typeface="Pretendard"/>
+              <a:cs typeface="+mn-cs"/>
+            </a:endParaRPr>
+          </a:p>
+        </p:txBody>
+      </p:sp>
+      <p:sp>
+        <p:nvSpPr>
+          <p:cNvPr id="15" name="TextBox 14">
+            <a:extLst>
+              <a:ext uri="{FF2B5EF4-FFF2-40B4-BE49-F238E27FC236}">
+                <a16:creationId xmlns:a16="http://schemas.microsoft.com/office/drawing/2014/main" id="{E7C3592B-203B-2957-512B-BD0274291E8A}"/>
+              </a:ext>
+            </a:extLst>
+          </p:cNvPr>
+          <p:cNvSpPr txBox="1"/>
+          <p:nvPr/>
+        </p:nvSpPr>
+        <p:spPr>
+          <a:xfrm>
+            <a:off x="5057040" y="2155308"/>
+            <a:ext cx="3527502" cy="523220"/>
+          </a:xfrm>
+          <a:prstGeom prst="rect">
+            <a:avLst/>
+          </a:prstGeom>
+          <a:noFill/>
+        </p:spPr>
+        <p:txBody>
+          <a:bodyPr wrap="square" rtlCol="0">
+            <a:spAutoFit/>
+          </a:bodyPr>
+          <a:lstStyle/>
+          <a:p>
+            <a:pPr marL="0" marR="0" lvl="0" indent="0" algn="l" defTabSz="914400" rtl="0" eaLnBrk="1" fontAlgn="auto" latinLnBrk="1" hangingPunct="1">
+              <a:lnSpc>
+                <a:spcPct val="100000"/>
+              </a:lnSpc>
+              <a:spcBef>
+                <a:spcPts val="0"/>
+              </a:spcBef>
+              <a:spcAft>
+                <a:spcPts val="0"/>
+              </a:spcAft>
+              <a:buClrTx/>
+              <a:buSzTx/>
+              <a:buFontTx/>
+              <a:buNone/>
+              <a:tabLst/>
+              <a:defRPr/>
+            </a:pPr>
+            <a:r>
+              <a:rPr kumimoji="0" lang="ko-KR" altLang="en-US" sz="2800" b="1" i="0" u="none" strike="noStrike" kern="1200" cap="none" spc="0" normalizeH="0" baseline="0" noProof="0" dirty="0">
+                <a:ln>
+                  <a:noFill/>
+                </a:ln>
+                <a:solidFill>
+                  <a:prstClr val="black"/>
+                </a:solidFill>
+                <a:effectLst/>
+                <a:uLnTx/>
+                <a:uFillTx/>
+                <a:latin typeface="Pretendard"/>
+                <a:cs typeface="+mn-cs"/>
+              </a:rPr>
               <a:t>자료 수집</a:t>
             </a:r>
-            <a:endParaRPr lang="en-US" altLang="ko-KR" dirty="0"/>
-          </a:p>
-          <a:p>
-            <a:pPr marL="514350" indent="-514350">
-              <a:buAutoNum type="arabicPeriod"/>
+          </a:p>
+        </p:txBody>
+      </p:sp>
+      <p:sp>
+        <p:nvSpPr>
+          <p:cNvPr id="17" name="TextBox 16">
+            <a:extLst>
+              <a:ext uri="{FF2B5EF4-FFF2-40B4-BE49-F238E27FC236}">
+                <a16:creationId xmlns:a16="http://schemas.microsoft.com/office/drawing/2014/main" id="{13803813-2F39-F774-B6BF-6775C77AF2E3}"/>
+              </a:ext>
+            </a:extLst>
+          </p:cNvPr>
+          <p:cNvSpPr txBox="1"/>
+          <p:nvPr/>
+        </p:nvSpPr>
+        <p:spPr>
+          <a:xfrm>
+            <a:off x="3588795" y="3075057"/>
+            <a:ext cx="1059366" cy="707886"/>
+          </a:xfrm>
+          <a:prstGeom prst="rect">
+            <a:avLst/>
+          </a:prstGeom>
+          <a:noFill/>
+        </p:spPr>
+        <p:txBody>
+          <a:bodyPr wrap="square" rtlCol="0">
+            <a:spAutoFit/>
+          </a:bodyPr>
+          <a:lstStyle/>
+          <a:p>
+            <a:pPr marL="0" marR="0" lvl="0" indent="0" algn="l" defTabSz="914400" rtl="0" eaLnBrk="1" fontAlgn="auto" latinLnBrk="1" hangingPunct="1">
+              <a:lnSpc>
+                <a:spcPct val="100000"/>
+              </a:lnSpc>
+              <a:spcBef>
+                <a:spcPts val="0"/>
+              </a:spcBef>
+              <a:spcAft>
+                <a:spcPts val="0"/>
+              </a:spcAft>
+              <a:buClrTx/>
+              <a:buSzTx/>
+              <a:buFontTx/>
+              <a:buNone/>
+              <a:tabLst/>
+              <a:defRPr/>
             </a:pPr>
             <a:r>
-              <a:rPr lang="ko-KR" altLang="en-US" dirty="0" err="1"/>
+              <a:rPr kumimoji="0" lang="en-US" altLang="ko-KR" sz="4000" b="1" i="0" u="none" strike="noStrike" kern="1200" cap="none" spc="0" normalizeH="0" baseline="0" noProof="0" dirty="0">
+                <a:ln>
+                  <a:noFill/>
+                </a:ln>
+                <a:solidFill>
+                  <a:prstClr val="black"/>
+                </a:solidFill>
+                <a:effectLst/>
+                <a:uLnTx/>
+                <a:uFillTx/>
+                <a:latin typeface="Pretendard"/>
+                <a:cs typeface="+mn-cs"/>
+              </a:rPr>
+              <a:t>3</a:t>
+            </a:r>
+            <a:endParaRPr kumimoji="0" lang="ko-KR" altLang="en-US" sz="4000" b="1" i="0" u="none" strike="noStrike" kern="1200" cap="none" spc="0" normalizeH="0" baseline="0" noProof="0" dirty="0">
+              <a:ln>
+                <a:noFill/>
+              </a:ln>
+              <a:solidFill>
+                <a:prstClr val="black"/>
+              </a:solidFill>
+              <a:effectLst/>
+              <a:uLnTx/>
+              <a:uFillTx/>
+              <a:latin typeface="Pretendard"/>
+              <a:cs typeface="+mn-cs"/>
+            </a:endParaRPr>
+          </a:p>
+        </p:txBody>
+      </p:sp>
+      <p:sp>
+        <p:nvSpPr>
+          <p:cNvPr id="18" name="TextBox 17">
+            <a:extLst>
+              <a:ext uri="{FF2B5EF4-FFF2-40B4-BE49-F238E27FC236}">
+                <a16:creationId xmlns:a16="http://schemas.microsoft.com/office/drawing/2014/main" id="{0CEE2C22-3613-A6B6-A88F-456DEA907446}"/>
+              </a:ext>
+            </a:extLst>
+          </p:cNvPr>
+          <p:cNvSpPr txBox="1"/>
+          <p:nvPr/>
+        </p:nvSpPr>
+        <p:spPr>
+          <a:xfrm>
+            <a:off x="5057040" y="3167390"/>
+            <a:ext cx="3527502" cy="523220"/>
+          </a:xfrm>
+          <a:prstGeom prst="rect">
+            <a:avLst/>
+          </a:prstGeom>
+          <a:noFill/>
+        </p:spPr>
+        <p:txBody>
+          <a:bodyPr wrap="square" rtlCol="0">
+            <a:spAutoFit/>
+          </a:bodyPr>
+          <a:lstStyle/>
+          <a:p>
+            <a:pPr marL="0" marR="0" lvl="0" indent="0" algn="l" defTabSz="914400" rtl="0" eaLnBrk="1" fontAlgn="auto" latinLnBrk="1" hangingPunct="1">
+              <a:lnSpc>
+                <a:spcPct val="100000"/>
+              </a:lnSpc>
+              <a:spcBef>
+                <a:spcPts val="0"/>
+              </a:spcBef>
+              <a:spcAft>
+                <a:spcPts val="0"/>
+              </a:spcAft>
+              <a:buClrTx/>
+              <a:buSzTx/>
+              <a:buFontTx/>
+              <a:buNone/>
+              <a:tabLst/>
+              <a:defRPr/>
+            </a:pPr>
+            <a:r>
+              <a:rPr kumimoji="0" lang="ko-KR" altLang="en-US" sz="2800" b="1" i="0" u="none" strike="noStrike" kern="1200" cap="none" spc="0" normalizeH="0" baseline="0" noProof="0" dirty="0" err="1">
+                <a:ln>
+                  <a:noFill/>
+                </a:ln>
+                <a:solidFill>
+                  <a:prstClr val="black"/>
+                </a:solidFill>
+                <a:effectLst/>
+                <a:uLnTx/>
+                <a:uFillTx/>
+                <a:latin typeface="Pretendard"/>
+                <a:cs typeface="+mn-cs"/>
+              </a:rPr>
               <a:t>전처리</a:t>
             </a:r>
             <a:r>
-              <a:rPr lang="ko-KR" altLang="en-US" dirty="0"/>
+              <a:rPr kumimoji="0" lang="ko-KR" altLang="en-US" sz="2800" b="1" i="0" u="none" strike="noStrike" kern="1200" cap="none" spc="0" normalizeH="0" baseline="0" noProof="0" dirty="0">
+                <a:ln>
+                  <a:noFill/>
+                </a:ln>
+                <a:solidFill>
+                  <a:prstClr val="black"/>
+                </a:solidFill>
+                <a:effectLst/>
+                <a:uLnTx/>
+                <a:uFillTx/>
+                <a:latin typeface="Pretendard"/>
+                <a:cs typeface="+mn-cs"/>
+              </a:rPr>
               <a:t> 작업</a:t>
             </a:r>
-            <a:endParaRPr lang="en-US" altLang="ko-KR" dirty="0"/>
-          </a:p>
-          <a:p>
-            <a:pPr marL="514350" indent="-514350">
-              <a:buAutoNum type="arabicPeriod"/>
+          </a:p>
+        </p:txBody>
+      </p:sp>
+      <p:sp>
+        <p:nvSpPr>
+          <p:cNvPr id="20" name="TextBox 19">
+            <a:extLst>
+              <a:ext uri="{FF2B5EF4-FFF2-40B4-BE49-F238E27FC236}">
+                <a16:creationId xmlns:a16="http://schemas.microsoft.com/office/drawing/2014/main" id="{51CAE19A-94CD-005E-B8CF-7236DE00C2D5}"/>
+              </a:ext>
+            </a:extLst>
+          </p:cNvPr>
+          <p:cNvSpPr txBox="1"/>
+          <p:nvPr/>
+        </p:nvSpPr>
+        <p:spPr>
+          <a:xfrm>
+            <a:off x="3588795" y="4087139"/>
+            <a:ext cx="1059366" cy="707886"/>
+          </a:xfrm>
+          <a:prstGeom prst="rect">
+            <a:avLst/>
+          </a:prstGeom>
+          <a:noFill/>
+        </p:spPr>
+        <p:txBody>
+          <a:bodyPr wrap="square" rtlCol="0">
+            <a:spAutoFit/>
+          </a:bodyPr>
+          <a:lstStyle/>
+          <a:p>
+            <a:pPr marL="0" marR="0" lvl="0" indent="0" algn="l" defTabSz="914400" rtl="0" eaLnBrk="1" fontAlgn="auto" latinLnBrk="1" hangingPunct="1">
+              <a:lnSpc>
+                <a:spcPct val="100000"/>
+              </a:lnSpc>
+              <a:spcBef>
+                <a:spcPts val="0"/>
+              </a:spcBef>
+              <a:spcAft>
+                <a:spcPts val="0"/>
+              </a:spcAft>
+              <a:buClrTx/>
+              <a:buSzTx/>
+              <a:buFontTx/>
+              <a:buNone/>
+              <a:tabLst/>
+              <a:defRPr/>
             </a:pPr>
             <a:r>
-              <a:rPr lang="ko-KR" altLang="en-US" dirty="0"/>
+              <a:rPr kumimoji="0" lang="en-US" altLang="ko-KR" sz="4000" b="1" i="0" u="none" strike="noStrike" kern="1200" cap="none" spc="0" normalizeH="0" baseline="0" noProof="0" dirty="0">
+                <a:ln>
+                  <a:noFill/>
+                </a:ln>
+                <a:solidFill>
+                  <a:prstClr val="black"/>
+                </a:solidFill>
+                <a:effectLst/>
+                <a:uLnTx/>
+                <a:uFillTx/>
+                <a:latin typeface="Pretendard"/>
+                <a:cs typeface="+mn-cs"/>
+              </a:rPr>
+              <a:t>4</a:t>
+            </a:r>
+            <a:endParaRPr kumimoji="0" lang="ko-KR" altLang="en-US" sz="4000" b="1" i="0" u="none" strike="noStrike" kern="1200" cap="none" spc="0" normalizeH="0" baseline="0" noProof="0" dirty="0">
+              <a:ln>
+                <a:noFill/>
+              </a:ln>
+              <a:solidFill>
+                <a:prstClr val="black"/>
+              </a:solidFill>
+              <a:effectLst/>
+              <a:uLnTx/>
+              <a:uFillTx/>
+              <a:latin typeface="Pretendard"/>
+              <a:cs typeface="+mn-cs"/>
+            </a:endParaRPr>
+          </a:p>
+        </p:txBody>
+      </p:sp>
+      <p:sp>
+        <p:nvSpPr>
+          <p:cNvPr id="21" name="TextBox 20">
+            <a:extLst>
+              <a:ext uri="{FF2B5EF4-FFF2-40B4-BE49-F238E27FC236}">
+                <a16:creationId xmlns:a16="http://schemas.microsoft.com/office/drawing/2014/main" id="{288D5D80-326C-E5ED-0E91-990D8748579D}"/>
+              </a:ext>
+            </a:extLst>
+          </p:cNvPr>
+          <p:cNvSpPr txBox="1"/>
+          <p:nvPr/>
+        </p:nvSpPr>
+        <p:spPr>
+          <a:xfrm>
+            <a:off x="5057040" y="4179472"/>
+            <a:ext cx="3527502" cy="523220"/>
+          </a:xfrm>
+          <a:prstGeom prst="rect">
+            <a:avLst/>
+          </a:prstGeom>
+          <a:noFill/>
+        </p:spPr>
+        <p:txBody>
+          <a:bodyPr wrap="square" rtlCol="0">
+            <a:spAutoFit/>
+          </a:bodyPr>
+          <a:lstStyle/>
+          <a:p>
+            <a:pPr marL="0" marR="0" lvl="0" indent="0" algn="l" defTabSz="914400" rtl="0" eaLnBrk="1" fontAlgn="auto" latinLnBrk="1" hangingPunct="1">
+              <a:lnSpc>
+                <a:spcPct val="100000"/>
+              </a:lnSpc>
+              <a:spcBef>
+                <a:spcPts val="0"/>
+              </a:spcBef>
+              <a:spcAft>
+                <a:spcPts val="0"/>
+              </a:spcAft>
+              <a:buClrTx/>
+              <a:buSzTx/>
+              <a:buFontTx/>
+              <a:buNone/>
+              <a:tabLst/>
+              <a:defRPr/>
+            </a:pPr>
+            <a:r>
+              <a:rPr kumimoji="0" lang="ko-KR" altLang="en-US" sz="2800" b="1" i="0" u="none" strike="noStrike" kern="1200" cap="none" spc="0" normalizeH="0" baseline="0" noProof="0" dirty="0">
+                <a:ln>
+                  <a:noFill/>
+                </a:ln>
+                <a:solidFill>
+                  <a:prstClr val="black"/>
+                </a:solidFill>
+                <a:effectLst/>
+                <a:uLnTx/>
+                <a:uFillTx/>
+                <a:latin typeface="Pretendard"/>
+                <a:cs typeface="+mn-cs"/>
+              </a:rPr>
               <a:t>상관관계확인</a:t>
             </a:r>
-            <a:endParaRPr lang="en-US" altLang="ko-KR" dirty="0"/>
-          </a:p>
-          <a:p>
-            <a:pPr marL="514350" indent="-514350">
-              <a:buAutoNum type="arabicPeriod"/>
+          </a:p>
+        </p:txBody>
+      </p:sp>
+      <p:sp>
+        <p:nvSpPr>
+          <p:cNvPr id="3" name="TextBox 2">
+            <a:extLst>
+              <a:ext uri="{FF2B5EF4-FFF2-40B4-BE49-F238E27FC236}">
+                <a16:creationId xmlns:a16="http://schemas.microsoft.com/office/drawing/2014/main" id="{B0CFC5F5-A182-C12D-1E39-BCC1B140CE7F}"/>
+              </a:ext>
+            </a:extLst>
+          </p:cNvPr>
+          <p:cNvSpPr txBox="1"/>
+          <p:nvPr/>
+        </p:nvSpPr>
+        <p:spPr>
+          <a:xfrm>
+            <a:off x="3588795" y="5006888"/>
+            <a:ext cx="1059366" cy="707886"/>
+          </a:xfrm>
+          <a:prstGeom prst="rect">
+            <a:avLst/>
+          </a:prstGeom>
+          <a:noFill/>
+        </p:spPr>
+        <p:txBody>
+          <a:bodyPr wrap="square" rtlCol="0">
+            <a:spAutoFit/>
+          </a:bodyPr>
+          <a:lstStyle/>
+          <a:p>
+            <a:pPr marL="0" marR="0" lvl="0" indent="0" algn="l" defTabSz="914400" rtl="0" eaLnBrk="1" fontAlgn="auto" latinLnBrk="1" hangingPunct="1">
+              <a:lnSpc>
+                <a:spcPct val="100000"/>
+              </a:lnSpc>
+              <a:spcBef>
+                <a:spcPts val="0"/>
+              </a:spcBef>
+              <a:spcAft>
+                <a:spcPts val="0"/>
+              </a:spcAft>
+              <a:buClrTx/>
+              <a:buSzTx/>
+              <a:buFontTx/>
+              <a:buNone/>
+              <a:tabLst/>
+              <a:defRPr/>
             </a:pPr>
             <a:r>
-              <a:rPr lang="ko-KR" altLang="en-US" dirty="0"/>
-              <a:t>결과예측</a:t>
-            </a:r>
-            <a:endParaRPr lang="en-US" altLang="ko-KR" dirty="0"/>
-          </a:p>
-          <a:p>
-            <a:pPr marL="514350" indent="-514350">
-              <a:buAutoNum type="arabicPeriod"/>
+              <a:rPr lang="en-US" altLang="ko-KR" sz="4000" b="1" dirty="0">
+                <a:solidFill>
+                  <a:prstClr val="black"/>
+                </a:solidFill>
+                <a:latin typeface="Pretendard"/>
+              </a:rPr>
+              <a:t>5</a:t>
+            </a:r>
+            <a:endParaRPr kumimoji="0" lang="ko-KR" altLang="en-US" sz="4000" b="1" i="0" u="none" strike="noStrike" kern="1200" cap="none" spc="0" normalizeH="0" baseline="0" noProof="0" dirty="0">
+              <a:ln>
+                <a:noFill/>
+              </a:ln>
+              <a:solidFill>
+                <a:prstClr val="black"/>
+              </a:solidFill>
+              <a:effectLst/>
+              <a:uLnTx/>
+              <a:uFillTx/>
+              <a:latin typeface="Pretendard"/>
+              <a:cs typeface="+mn-cs"/>
+            </a:endParaRPr>
+          </a:p>
+        </p:txBody>
+      </p:sp>
+      <p:sp>
+        <p:nvSpPr>
+          <p:cNvPr id="4" name="TextBox 3">
+            <a:extLst>
+              <a:ext uri="{FF2B5EF4-FFF2-40B4-BE49-F238E27FC236}">
+                <a16:creationId xmlns:a16="http://schemas.microsoft.com/office/drawing/2014/main" id="{65FA52BC-99DE-36F5-F300-C59CC70CDE37}"/>
+              </a:ext>
+            </a:extLst>
+          </p:cNvPr>
+          <p:cNvSpPr txBox="1"/>
+          <p:nvPr/>
+        </p:nvSpPr>
+        <p:spPr>
+          <a:xfrm>
+            <a:off x="5057040" y="5099221"/>
+            <a:ext cx="3527502" cy="523220"/>
+          </a:xfrm>
+          <a:prstGeom prst="rect">
+            <a:avLst/>
+          </a:prstGeom>
+          <a:noFill/>
+        </p:spPr>
+        <p:txBody>
+          <a:bodyPr wrap="square" rtlCol="0">
+            <a:spAutoFit/>
+          </a:bodyPr>
+          <a:lstStyle/>
+          <a:p>
+            <a:pPr marL="0" marR="0" lvl="0" indent="0" algn="l" defTabSz="914400" rtl="0" eaLnBrk="1" fontAlgn="auto" latinLnBrk="1" hangingPunct="1">
+              <a:lnSpc>
+                <a:spcPct val="100000"/>
+              </a:lnSpc>
+              <a:spcBef>
+                <a:spcPts val="0"/>
+              </a:spcBef>
+              <a:spcAft>
+                <a:spcPts val="0"/>
+              </a:spcAft>
+              <a:buClrTx/>
+              <a:buSzTx/>
+              <a:buFontTx/>
+              <a:buNone/>
+              <a:tabLst/>
+              <a:defRPr/>
             </a:pPr>
-            <a:endParaRPr lang="ko-KR" altLang="en-US" dirty="0"/>
+            <a:r>
+              <a:rPr lang="ko-KR" altLang="en-US" sz="2800" b="1" dirty="0">
+                <a:solidFill>
+                  <a:prstClr val="black"/>
+                </a:solidFill>
+                <a:latin typeface="Pretendard"/>
+              </a:rPr>
+              <a:t>결과분석</a:t>
+            </a:r>
+            <a:endParaRPr kumimoji="0" lang="ko-KR" altLang="en-US" sz="2800" b="1" i="0" u="none" strike="noStrike" kern="1200" cap="none" spc="0" normalizeH="0" baseline="0" noProof="0" dirty="0">
+              <a:ln>
+                <a:noFill/>
+              </a:ln>
+              <a:solidFill>
+                <a:prstClr val="black"/>
+              </a:solidFill>
+              <a:effectLst/>
+              <a:uLnTx/>
+              <a:uFillTx/>
+              <a:latin typeface="Pretendard"/>
+              <a:cs typeface="+mn-cs"/>
+            </a:endParaRPr>
           </a:p>
         </p:txBody>
       </p:sp>
     </p:spTree>
     <p:extLst>
       <p:ext uri="{BB962C8B-B14F-4D97-AF65-F5344CB8AC3E}">
-        <p14:creationId xmlns:p14="http://schemas.microsoft.com/office/powerpoint/2010/main" val="2379087710"/>
+        <p14:creationId xmlns:p14="http://schemas.microsoft.com/office/powerpoint/2010/main" val="2363628476"/>
       </p:ext>
     </p:extLst>
   </p:cSld>
@@ -4558,63 +7337,388 @@
           <a:chExt cx="0" cy="0"/>
         </a:xfrm>
       </p:grpSpPr>
+      <p:cxnSp>
+        <p:nvCxnSpPr>
+          <p:cNvPr id="3" name="직선 연결선 2">
+            <a:extLst>
+              <a:ext uri="{FF2B5EF4-FFF2-40B4-BE49-F238E27FC236}">
+                <a16:creationId xmlns:a16="http://schemas.microsoft.com/office/drawing/2014/main" id="{E3FBA607-E7FC-B7F8-2868-BC448F31F790}"/>
+              </a:ext>
+            </a:extLst>
+          </p:cNvPr>
+          <p:cNvCxnSpPr/>
+          <p:nvPr/>
+        </p:nvCxnSpPr>
+        <p:spPr>
+          <a:xfrm>
+            <a:off x="144378" y="160422"/>
+            <a:ext cx="12060000" cy="0"/>
+          </a:xfrm>
+          <a:prstGeom prst="line">
+            <a:avLst/>
+          </a:prstGeom>
+          <a:ln w="76200">
+            <a:solidFill>
+              <a:schemeClr val="accent1"/>
+            </a:solidFill>
+          </a:ln>
+        </p:spPr>
+        <p:style>
+          <a:lnRef idx="1">
+            <a:schemeClr val="accent1"/>
+          </a:lnRef>
+          <a:fillRef idx="0">
+            <a:schemeClr val="accent1"/>
+          </a:fillRef>
+          <a:effectRef idx="0">
+            <a:schemeClr val="accent1"/>
+          </a:effectRef>
+          <a:fontRef idx="minor">
+            <a:schemeClr val="tx1"/>
+          </a:fontRef>
+        </p:style>
+      </p:cxnSp>
       <p:sp>
         <p:nvSpPr>
-          <p:cNvPr id="2" name="제목 1">
-            <a:extLst>
-              <a:ext uri="{FF2B5EF4-FFF2-40B4-BE49-F238E27FC236}">
-                <a16:creationId xmlns:a16="http://schemas.microsoft.com/office/drawing/2014/main" id="{5D462C53-EBA0-3237-CBCC-F5FD208AE9CD}"/>
-              </a:ext>
-            </a:extLst>
-          </p:cNvPr>
-          <p:cNvSpPr>
-            <a:spLocks noGrp="1"/>
-          </p:cNvSpPr>
-          <p:nvPr>
-            <p:ph type="title"/>
-          </p:nvPr>
+          <p:cNvPr id="5" name="TextBox 4">
+            <a:extLst>
+              <a:ext uri="{FF2B5EF4-FFF2-40B4-BE49-F238E27FC236}">
+                <a16:creationId xmlns:a16="http://schemas.microsoft.com/office/drawing/2014/main" id="{3251639B-29EB-6E9D-733B-6F917838F571}"/>
+              </a:ext>
+            </a:extLst>
+          </p:cNvPr>
+          <p:cNvSpPr txBox="1"/>
+          <p:nvPr/>
         </p:nvSpPr>
-        <p:spPr/>
+        <p:spPr>
+          <a:xfrm>
+            <a:off x="1163052" y="272716"/>
+            <a:ext cx="4924746" cy="523220"/>
+          </a:xfrm>
+          <a:prstGeom prst="rect">
+            <a:avLst/>
+          </a:prstGeom>
+          <a:noFill/>
+        </p:spPr>
         <p:txBody>
-          <a:bodyPr/>
+          <a:bodyPr wrap="none" rtlCol="0">
+            <a:spAutoFit/>
+          </a:bodyPr>
           <a:lstStyle/>
           <a:p>
             <a:r>
-              <a:rPr lang="ko-KR" altLang="en-US" dirty="0"/>
-              <a:t>질문</a:t>
+              <a:rPr lang="ko-KR" altLang="en-US" sz="2800" b="1" spc="-300" dirty="0">
+                <a:solidFill>
+                  <a:schemeClr val="accent1"/>
+                </a:solidFill>
+              </a:rPr>
+              <a:t>상관관계 확인 </a:t>
+            </a:r>
+            <a:r>
+              <a:rPr lang="en-US" altLang="ko-KR" sz="2800" b="1" spc="-300" dirty="0">
+                <a:solidFill>
+                  <a:schemeClr val="accent1"/>
+                </a:solidFill>
+              </a:rPr>
+              <a:t>&gt; </a:t>
+            </a:r>
+            <a:r>
+              <a:rPr lang="ko-KR" altLang="en-US" sz="2800" b="1" spc="-300" dirty="0">
+                <a:solidFill>
+                  <a:schemeClr val="accent1"/>
+                </a:solidFill>
+              </a:rPr>
+              <a:t>상관계수 시각화</a:t>
             </a:r>
           </a:p>
         </p:txBody>
       </p:sp>
-      <p:sp>
-        <p:nvSpPr>
-          <p:cNvPr id="3" name="내용 개체 틀 2">
-            <a:extLst>
-              <a:ext uri="{FF2B5EF4-FFF2-40B4-BE49-F238E27FC236}">
-                <a16:creationId xmlns:a16="http://schemas.microsoft.com/office/drawing/2014/main" id="{13CBAE3D-30F3-054A-754D-2B757350FE97}"/>
-              </a:ext>
-            </a:extLst>
-          </p:cNvPr>
-          <p:cNvSpPr>
-            <a:spLocks noGrp="1"/>
-          </p:cNvSpPr>
-          <p:nvPr>
-            <p:ph idx="1"/>
-          </p:nvPr>
-        </p:nvSpPr>
-        <p:spPr/>
-        <p:txBody>
-          <a:bodyPr/>
-          <a:lstStyle/>
-          <a:p>
-            <a:endParaRPr lang="ko-KR" altLang="en-US"/>
-          </a:p>
-        </p:txBody>
-      </p:sp>
+      <p:cxnSp>
+        <p:nvCxnSpPr>
+          <p:cNvPr id="6" name="직선 연결선 5">
+            <a:extLst>
+              <a:ext uri="{FF2B5EF4-FFF2-40B4-BE49-F238E27FC236}">
+                <a16:creationId xmlns:a16="http://schemas.microsoft.com/office/drawing/2014/main" id="{227D3D02-66A7-B0C0-2CF2-A0900C18861C}"/>
+              </a:ext>
+            </a:extLst>
+          </p:cNvPr>
+          <p:cNvCxnSpPr/>
+          <p:nvPr/>
+        </p:nvCxnSpPr>
+        <p:spPr>
+          <a:xfrm>
+            <a:off x="144378" y="6737685"/>
+            <a:ext cx="12060000" cy="0"/>
+          </a:xfrm>
+          <a:prstGeom prst="line">
+            <a:avLst/>
+          </a:prstGeom>
+          <a:ln w="3175">
+            <a:solidFill>
+              <a:schemeClr val="accent1"/>
+            </a:solidFill>
+          </a:ln>
+        </p:spPr>
+        <p:style>
+          <a:lnRef idx="1">
+            <a:schemeClr val="accent1"/>
+          </a:lnRef>
+          <a:fillRef idx="0">
+            <a:schemeClr val="accent1"/>
+          </a:fillRef>
+          <a:effectRef idx="0">
+            <a:schemeClr val="accent1"/>
+          </a:effectRef>
+          <a:fontRef idx="minor">
+            <a:schemeClr val="tx1"/>
+          </a:fontRef>
+        </p:style>
+      </p:cxnSp>
+      <p:pic>
+        <p:nvPicPr>
+          <p:cNvPr id="4" name="내용 개체 틀 12">
+            <a:extLst>
+              <a:ext uri="{FF2B5EF4-FFF2-40B4-BE49-F238E27FC236}">
+                <a16:creationId xmlns:a16="http://schemas.microsoft.com/office/drawing/2014/main" id="{8B7B5012-9343-EDB5-4AAA-78E743989812}"/>
+              </a:ext>
+            </a:extLst>
+          </p:cNvPr>
+          <p:cNvPicPr>
+            <a:picLocks noChangeAspect="1"/>
+          </p:cNvPicPr>
+          <p:nvPr/>
+        </p:nvPicPr>
+        <p:blipFill>
+          <a:blip r:embed="rId2"/>
+          <a:stretch>
+            <a:fillRect/>
+          </a:stretch>
+        </p:blipFill>
+        <p:spPr>
+          <a:xfrm>
+            <a:off x="827149" y="2247441"/>
+            <a:ext cx="4379725" cy="2403225"/>
+          </a:xfrm>
+          <a:prstGeom prst="rect">
+            <a:avLst/>
+          </a:prstGeom>
+        </p:spPr>
+      </p:pic>
+      <p:pic>
+        <p:nvPicPr>
+          <p:cNvPr id="7" name="그림 6">
+            <a:extLst>
+              <a:ext uri="{FF2B5EF4-FFF2-40B4-BE49-F238E27FC236}">
+                <a16:creationId xmlns:a16="http://schemas.microsoft.com/office/drawing/2014/main" id="{05844DD1-57EA-46D3-BD3E-57247E7E39F5}"/>
+              </a:ext>
+            </a:extLst>
+          </p:cNvPr>
+          <p:cNvPicPr>
+            <a:picLocks noChangeAspect="1"/>
+          </p:cNvPicPr>
+          <p:nvPr/>
+        </p:nvPicPr>
+        <p:blipFill>
+          <a:blip r:embed="rId3"/>
+          <a:stretch>
+            <a:fillRect/>
+          </a:stretch>
+        </p:blipFill>
+        <p:spPr>
+          <a:xfrm>
+            <a:off x="5582930" y="1327436"/>
+            <a:ext cx="5464013" cy="4724809"/>
+          </a:xfrm>
+          <a:prstGeom prst="rect">
+            <a:avLst/>
+          </a:prstGeom>
+        </p:spPr>
+      </p:pic>
     </p:spTree>
     <p:extLst>
       <p:ext uri="{BB962C8B-B14F-4D97-AF65-F5344CB8AC3E}">
-        <p14:creationId xmlns:p14="http://schemas.microsoft.com/office/powerpoint/2010/main" val="3563332793"/>
+        <p14:creationId xmlns:p14="http://schemas.microsoft.com/office/powerpoint/2010/main" val="3575798722"/>
+      </p:ext>
+    </p:extLst>
+  </p:cSld>
+  <p:clrMapOvr>
+    <a:masterClrMapping/>
+  </p:clrMapOvr>
+</p:sld>
+</file>
+
+<file path=ppt/slides/slide21.xml><?xml version="1.0" encoding="utf-8"?>
+<p:sld xmlns:a="http://schemas.openxmlformats.org/drawingml/2006/main" xmlns:r="http://schemas.openxmlformats.org/officeDocument/2006/relationships" xmlns:p="http://schemas.openxmlformats.org/presentationml/2006/main">
+  <p:cSld>
+    <p:spTree>
+      <p:nvGrpSpPr>
+        <p:cNvPr id="1" name=""/>
+        <p:cNvGrpSpPr/>
+        <p:nvPr/>
+      </p:nvGrpSpPr>
+      <p:grpSpPr>
+        <a:xfrm>
+          <a:off x="0" y="0"/>
+          <a:ext cx="0" cy="0"/>
+          <a:chOff x="0" y="0"/>
+          <a:chExt cx="0" cy="0"/>
+        </a:xfrm>
+      </p:grpSpPr>
+      <p:cxnSp>
+        <p:nvCxnSpPr>
+          <p:cNvPr id="3" name="직선 연결선 2">
+            <a:extLst>
+              <a:ext uri="{FF2B5EF4-FFF2-40B4-BE49-F238E27FC236}">
+                <a16:creationId xmlns:a16="http://schemas.microsoft.com/office/drawing/2014/main" id="{E3FBA607-E7FC-B7F8-2868-BC448F31F790}"/>
+              </a:ext>
+            </a:extLst>
+          </p:cNvPr>
+          <p:cNvCxnSpPr/>
+          <p:nvPr/>
+        </p:nvCxnSpPr>
+        <p:spPr>
+          <a:xfrm>
+            <a:off x="144378" y="160422"/>
+            <a:ext cx="12060000" cy="0"/>
+          </a:xfrm>
+          <a:prstGeom prst="line">
+            <a:avLst/>
+          </a:prstGeom>
+          <a:ln w="76200">
+            <a:solidFill>
+              <a:schemeClr val="accent1"/>
+            </a:solidFill>
+          </a:ln>
+        </p:spPr>
+        <p:style>
+          <a:lnRef idx="1">
+            <a:schemeClr val="accent1"/>
+          </a:lnRef>
+          <a:fillRef idx="0">
+            <a:schemeClr val="accent1"/>
+          </a:fillRef>
+          <a:effectRef idx="0">
+            <a:schemeClr val="accent1"/>
+          </a:effectRef>
+          <a:fontRef idx="minor">
+            <a:schemeClr val="tx1"/>
+          </a:fontRef>
+        </p:style>
+      </p:cxnSp>
+      <p:sp>
+        <p:nvSpPr>
+          <p:cNvPr id="5" name="TextBox 4">
+            <a:extLst>
+              <a:ext uri="{FF2B5EF4-FFF2-40B4-BE49-F238E27FC236}">
+                <a16:creationId xmlns:a16="http://schemas.microsoft.com/office/drawing/2014/main" id="{3251639B-29EB-6E9D-733B-6F917838F571}"/>
+              </a:ext>
+            </a:extLst>
+          </p:cNvPr>
+          <p:cNvSpPr txBox="1"/>
+          <p:nvPr/>
+        </p:nvSpPr>
+        <p:spPr>
+          <a:xfrm>
+            <a:off x="1163052" y="272716"/>
+            <a:ext cx="1467068" cy="523220"/>
+          </a:xfrm>
+          <a:prstGeom prst="rect">
+            <a:avLst/>
+          </a:prstGeom>
+          <a:noFill/>
+        </p:spPr>
+        <p:txBody>
+          <a:bodyPr wrap="none" rtlCol="0">
+            <a:spAutoFit/>
+          </a:bodyPr>
+          <a:lstStyle/>
+          <a:p>
+            <a:r>
+              <a:rPr lang="ko-KR" altLang="en-US" sz="2800" b="1" spc="-300" dirty="0">
+                <a:solidFill>
+                  <a:schemeClr val="accent1"/>
+                </a:solidFill>
+              </a:rPr>
+              <a:t>결과분석</a:t>
+            </a:r>
+          </a:p>
+        </p:txBody>
+      </p:sp>
+      <p:cxnSp>
+        <p:nvCxnSpPr>
+          <p:cNvPr id="6" name="직선 연결선 5">
+            <a:extLst>
+              <a:ext uri="{FF2B5EF4-FFF2-40B4-BE49-F238E27FC236}">
+                <a16:creationId xmlns:a16="http://schemas.microsoft.com/office/drawing/2014/main" id="{227D3D02-66A7-B0C0-2CF2-A0900C18861C}"/>
+              </a:ext>
+            </a:extLst>
+          </p:cNvPr>
+          <p:cNvCxnSpPr/>
+          <p:nvPr/>
+        </p:nvCxnSpPr>
+        <p:spPr>
+          <a:xfrm>
+            <a:off x="144378" y="6737685"/>
+            <a:ext cx="12060000" cy="0"/>
+          </a:xfrm>
+          <a:prstGeom prst="line">
+            <a:avLst/>
+          </a:prstGeom>
+          <a:ln w="3175">
+            <a:solidFill>
+              <a:schemeClr val="accent1"/>
+            </a:solidFill>
+          </a:ln>
+        </p:spPr>
+        <p:style>
+          <a:lnRef idx="1">
+            <a:schemeClr val="accent1"/>
+          </a:lnRef>
+          <a:fillRef idx="0">
+            <a:schemeClr val="accent1"/>
+          </a:fillRef>
+          <a:effectRef idx="0">
+            <a:schemeClr val="accent1"/>
+          </a:effectRef>
+          <a:fontRef idx="minor">
+            <a:schemeClr val="tx1"/>
+          </a:fontRef>
+        </p:style>
+      </p:cxnSp>
+      <p:pic>
+        <p:nvPicPr>
+          <p:cNvPr id="2" name="그림 1">
+            <a:extLst>
+              <a:ext uri="{FF2B5EF4-FFF2-40B4-BE49-F238E27FC236}">
+                <a16:creationId xmlns:a16="http://schemas.microsoft.com/office/drawing/2014/main" id="{EC5ABA9B-E662-7D35-4BCF-12939B1F4B22}"/>
+              </a:ext>
+            </a:extLst>
+          </p:cNvPr>
+          <p:cNvPicPr>
+            <a:picLocks noChangeAspect="1"/>
+          </p:cNvPicPr>
+          <p:nvPr/>
+        </p:nvPicPr>
+        <p:blipFill>
+          <a:blip r:embed="rId2"/>
+          <a:stretch>
+            <a:fillRect/>
+          </a:stretch>
+        </p:blipFill>
+        <p:spPr>
+          <a:xfrm>
+            <a:off x="3138310" y="1335375"/>
+            <a:ext cx="5464013" cy="4724809"/>
+          </a:xfrm>
+          <a:prstGeom prst="rect">
+            <a:avLst/>
+          </a:prstGeom>
+        </p:spPr>
+      </p:pic>
+    </p:spTree>
+    <p:extLst>
+      <p:ext uri="{BB962C8B-B14F-4D97-AF65-F5344CB8AC3E}">
+        <p14:creationId xmlns:p14="http://schemas.microsoft.com/office/powerpoint/2010/main" val="120382318"/>
       </p:ext>
     </p:extLst>
   </p:cSld>
@@ -4641,40 +7745,133 @@
           <a:chExt cx="0" cy="0"/>
         </a:xfrm>
       </p:grpSpPr>
+      <p:cxnSp>
+        <p:nvCxnSpPr>
+          <p:cNvPr id="3" name="직선 연결선 2">
+            <a:extLst>
+              <a:ext uri="{FF2B5EF4-FFF2-40B4-BE49-F238E27FC236}">
+                <a16:creationId xmlns:a16="http://schemas.microsoft.com/office/drawing/2014/main" id="{E3FBA607-E7FC-B7F8-2868-BC448F31F790}"/>
+              </a:ext>
+            </a:extLst>
+          </p:cNvPr>
+          <p:cNvCxnSpPr/>
+          <p:nvPr/>
+        </p:nvCxnSpPr>
+        <p:spPr>
+          <a:xfrm>
+            <a:off x="144378" y="160422"/>
+            <a:ext cx="12060000" cy="0"/>
+          </a:xfrm>
+          <a:prstGeom prst="line">
+            <a:avLst/>
+          </a:prstGeom>
+          <a:ln w="76200">
+            <a:solidFill>
+              <a:schemeClr val="accent1"/>
+            </a:solidFill>
+          </a:ln>
+        </p:spPr>
+        <p:style>
+          <a:lnRef idx="1">
+            <a:schemeClr val="accent1"/>
+          </a:lnRef>
+          <a:fillRef idx="0">
+            <a:schemeClr val="accent1"/>
+          </a:fillRef>
+          <a:effectRef idx="0">
+            <a:schemeClr val="accent1"/>
+          </a:effectRef>
+          <a:fontRef idx="minor">
+            <a:schemeClr val="tx1"/>
+          </a:fontRef>
+        </p:style>
+      </p:cxnSp>
       <p:sp>
         <p:nvSpPr>
-          <p:cNvPr id="2" name="제목 1">
-            <a:extLst>
-              <a:ext uri="{FF2B5EF4-FFF2-40B4-BE49-F238E27FC236}">
-                <a16:creationId xmlns:a16="http://schemas.microsoft.com/office/drawing/2014/main" id="{5D0A7683-8605-DC4C-49D9-DA924781FDB0}"/>
-              </a:ext>
-            </a:extLst>
-          </p:cNvPr>
-          <p:cNvSpPr>
-            <a:spLocks noGrp="1"/>
-          </p:cNvSpPr>
-          <p:nvPr>
-            <p:ph type="title"/>
-          </p:nvPr>
+          <p:cNvPr id="5" name="TextBox 4">
+            <a:extLst>
+              <a:ext uri="{FF2B5EF4-FFF2-40B4-BE49-F238E27FC236}">
+                <a16:creationId xmlns:a16="http://schemas.microsoft.com/office/drawing/2014/main" id="{3251639B-29EB-6E9D-733B-6F917838F571}"/>
+              </a:ext>
+            </a:extLst>
+          </p:cNvPr>
+          <p:cNvSpPr txBox="1"/>
+          <p:nvPr/>
         </p:nvSpPr>
-        <p:spPr/>
+        <p:spPr>
+          <a:xfrm>
+            <a:off x="1163052" y="272716"/>
+            <a:ext cx="1467068" cy="523220"/>
+          </a:xfrm>
+          <a:prstGeom prst="rect">
+            <a:avLst/>
+          </a:prstGeom>
+          <a:noFill/>
+        </p:spPr>
         <p:txBody>
-          <a:bodyPr/>
+          <a:bodyPr wrap="none" rtlCol="0">
+            <a:spAutoFit/>
+          </a:bodyPr>
           <a:lstStyle/>
           <a:p>
             <a:r>
-              <a:rPr lang="ko-KR" altLang="en-US" dirty="0"/>
+              <a:rPr lang="ko-KR" altLang="en-US" sz="2800" b="1" spc="-300" dirty="0">
+                <a:solidFill>
+                  <a:schemeClr val="accent1"/>
+                </a:solidFill>
+              </a:rPr>
               <a:t>주제선정</a:t>
             </a:r>
           </a:p>
         </p:txBody>
       </p:sp>
+      <p:cxnSp>
+        <p:nvCxnSpPr>
+          <p:cNvPr id="6" name="직선 연결선 5">
+            <a:extLst>
+              <a:ext uri="{FF2B5EF4-FFF2-40B4-BE49-F238E27FC236}">
+                <a16:creationId xmlns:a16="http://schemas.microsoft.com/office/drawing/2014/main" id="{227D3D02-66A7-B0C0-2CF2-A0900C18861C}"/>
+              </a:ext>
+            </a:extLst>
+          </p:cNvPr>
+          <p:cNvCxnSpPr/>
+          <p:nvPr/>
+        </p:nvCxnSpPr>
+        <p:spPr>
+          <a:xfrm>
+            <a:off x="144378" y="6737685"/>
+            <a:ext cx="12060000" cy="0"/>
+          </a:xfrm>
+          <a:prstGeom prst="line">
+            <a:avLst/>
+          </a:prstGeom>
+          <a:ln w="3175">
+            <a:solidFill>
+              <a:schemeClr val="accent1"/>
+            </a:solidFill>
+          </a:ln>
+        </p:spPr>
+        <p:style>
+          <a:lnRef idx="1">
+            <a:schemeClr val="accent1"/>
+          </a:lnRef>
+          <a:fillRef idx="0">
+            <a:schemeClr val="accent1"/>
+          </a:fillRef>
+          <a:effectRef idx="0">
+            <a:schemeClr val="accent1"/>
+          </a:effectRef>
+          <a:fontRef idx="minor">
+            <a:schemeClr val="tx1"/>
+          </a:fontRef>
+        </p:style>
+      </p:cxnSp>
       <p:graphicFrame>
         <p:nvGraphicFramePr>
-          <p:cNvPr id="4" name="내용 개체 틀 3">
-            <a:extLst>
-              <a:ext uri="{FF2B5EF4-FFF2-40B4-BE49-F238E27FC236}">
-                <a16:creationId xmlns:a16="http://schemas.microsoft.com/office/drawing/2014/main" id="{B248A6F8-840B-BD3D-CC53-ECB0E8E70738}"/>
+          <p:cNvPr id="2" name="표 7">
+            <a:extLst>
+              <a:ext uri="{FF2B5EF4-FFF2-40B4-BE49-F238E27FC236}">
+                <a16:creationId xmlns:a16="http://schemas.microsoft.com/office/drawing/2014/main" id="{EE901189-A3F0-994A-EDA1-98BFBC2BB17A}"/>
               </a:ext>
             </a:extLst>
           </p:cNvPr>
@@ -4682,43 +7879,47 @@
             <a:graphicFrameLocks noGrp="1"/>
           </p:cNvGraphicFramePr>
           <p:nvPr>
-            <p:ph idx="1"/>
+            <p:extLst>
+              <p:ext uri="{D42A27DB-BD31-4B8C-83A1-F6EECF244321}">
+                <p14:modId xmlns:p14="http://schemas.microsoft.com/office/powerpoint/2010/main" val="3970203193"/>
+              </p:ext>
+            </p:extLst>
           </p:nvPr>
         </p:nvGraphicFramePr>
         <p:xfrm>
-          <a:off x="2710180" y="3274440"/>
-          <a:ext cx="6771640" cy="1453708"/>
+          <a:off x="811715" y="2252606"/>
+          <a:ext cx="10568569" cy="2659077"/>
         </p:xfrm>
         <a:graphic>
           <a:graphicData uri="http://schemas.openxmlformats.org/drawingml/2006/table">
             <a:tbl>
-              <a:tblPr firstRow="1" firstCol="1" bandRow="1">
+              <a:tblPr firstRow="1" bandRow="1">
                 <a:tableStyleId>{5C22544A-7EE6-4342-B048-85BDC9FD1C3A}</a:tableStyleId>
               </a:tblPr>
               <a:tblGrid>
-                <a:gridCol w="2256790">
+                <a:gridCol w="3604891">
                   <a:extLst>
                     <a:ext uri="{9D8B030D-6E8A-4147-A177-3AD203B41FA5}">
-                      <a16:colId xmlns:a16="http://schemas.microsoft.com/office/drawing/2014/main" val="1986978976"/>
+                      <a16:colId xmlns:a16="http://schemas.microsoft.com/office/drawing/2014/main" val="388326904"/>
                     </a:ext>
                   </a:extLst>
                 </a:gridCol>
-                <a:gridCol w="782320">
+                <a:gridCol w="1144439">
                   <a:extLst>
                     <a:ext uri="{9D8B030D-6E8A-4147-A177-3AD203B41FA5}">
-                      <a16:colId xmlns:a16="http://schemas.microsoft.com/office/drawing/2014/main" val="1619725984"/>
+                      <a16:colId xmlns:a16="http://schemas.microsoft.com/office/drawing/2014/main" val="1172355626"/>
                     </a:ext>
                   </a:extLst>
                 </a:gridCol>
-                <a:gridCol w="3732530">
+                <a:gridCol w="5819239">
                   <a:extLst>
                     <a:ext uri="{9D8B030D-6E8A-4147-A177-3AD203B41FA5}">
-                      <a16:colId xmlns:a16="http://schemas.microsoft.com/office/drawing/2014/main" val="1617763706"/>
+                      <a16:colId xmlns:a16="http://schemas.microsoft.com/office/drawing/2014/main" val="1686686885"/>
                     </a:ext>
                   </a:extLst>
                 </a:gridCol>
               </a:tblGrid>
-              <a:tr h="0">
+              <a:tr h="538632">
                 <a:tc>
                   <a:txBody>
                     <a:bodyPr/>
@@ -4733,12 +7934,18 @@
                         </a:spcAft>
                       </a:pPr>
                       <a:r>
-                        <a:rPr lang="ko-KR" sz="1100" kern="100">
+                        <a:rPr lang="ko-KR" sz="2400" kern="100" dirty="0">
+                          <a:solidFill>
+                            <a:schemeClr val="tx1"/>
+                          </a:solidFill>
                           <a:effectLst/>
                         </a:rPr>
                         <a:t>주제</a:t>
                       </a:r>
-                      <a:endParaRPr lang="ko-KR" sz="1000" kern="100">
+                      <a:endParaRPr lang="ko-KR" sz="2400" kern="100" dirty="0">
+                        <a:solidFill>
+                          <a:schemeClr val="tx1"/>
+                        </a:solidFill>
                         <a:effectLst/>
                         <a:latin typeface="맑은 고딕" panose="020B0503020000020004" pitchFamily="50" charset="-127"/>
                         <a:ea typeface="맑은 고딕" panose="020B0503020000020004" pitchFamily="50" charset="-127"/>
@@ -4746,7 +7953,61 @@
                       </a:endParaRPr>
                     </a:p>
                   </a:txBody>
-                  <a:tcPr marL="68580" marR="68580" marT="0" marB="0"/>
+                  <a:tcPr marL="68580" marR="68580" marT="0" marB="0">
+                    <a:lnL w="12700" cmpd="sng">
+                      <a:noFill/>
+                    </a:lnL>
+                    <a:lnR w="9525" cap="flat" cmpd="sng" algn="ctr">
+                      <a:solidFill>
+                        <a:schemeClr val="tx1">
+                          <a:lumMod val="60000"/>
+                          <a:lumOff val="40000"/>
+                        </a:schemeClr>
+                      </a:solidFill>
+                      <a:prstDash val="solid"/>
+                      <a:round/>
+                      <a:headEnd type="none" w="med" len="med"/>
+                      <a:tailEnd type="none" w="med" len="med"/>
+                    </a:lnR>
+                    <a:lnT w="28575" cap="flat" cmpd="sng" algn="ctr">
+                      <a:solidFill>
+                        <a:schemeClr val="tx1">
+                          <a:lumMod val="60000"/>
+                          <a:lumOff val="40000"/>
+                        </a:schemeClr>
+                      </a:solidFill>
+                      <a:prstDash val="solid"/>
+                      <a:round/>
+                      <a:headEnd type="none" w="med" len="med"/>
+                      <a:tailEnd type="none" w="med" len="med"/>
+                    </a:lnT>
+                    <a:lnB w="9525" cap="flat" cmpd="sng" algn="ctr">
+                      <a:solidFill>
+                        <a:schemeClr val="tx1">
+                          <a:lumMod val="60000"/>
+                          <a:lumOff val="40000"/>
+                        </a:schemeClr>
+                      </a:solidFill>
+                      <a:prstDash val="solid"/>
+                      <a:round/>
+                      <a:headEnd type="none" w="med" len="med"/>
+                      <a:tailEnd type="none" w="med" len="med"/>
+                    </a:lnB>
+                    <a:lnTlToBr w="12700" cmpd="sng">
+                      <a:noFill/>
+                      <a:prstDash val="solid"/>
+                    </a:lnTlToBr>
+                    <a:lnBlToTr w="12700" cmpd="sng">
+                      <a:noFill/>
+                      <a:prstDash val="solid"/>
+                    </a:lnBlToTr>
+                    <a:solidFill>
+                      <a:schemeClr val="accent1">
+                        <a:lumMod val="20000"/>
+                        <a:lumOff val="80000"/>
+                      </a:schemeClr>
+                    </a:solidFill>
+                  </a:tcPr>
                 </a:tc>
                 <a:tc>
                   <a:txBody>
@@ -4762,12 +8023,18 @@
                         </a:spcAft>
                       </a:pPr>
                       <a:r>
-                        <a:rPr lang="ko-KR" sz="1100" kern="100">
+                        <a:rPr lang="ko-KR" sz="2400" kern="100" dirty="0">
+                          <a:solidFill>
+                            <a:schemeClr val="tx1"/>
+                          </a:solidFill>
                           <a:effectLst/>
                         </a:rPr>
                         <a:t>제안자</a:t>
                       </a:r>
-                      <a:endParaRPr lang="ko-KR" sz="1000" kern="100">
+                      <a:endParaRPr lang="ko-KR" sz="2400" kern="100" dirty="0">
+                        <a:solidFill>
+                          <a:schemeClr val="tx1"/>
+                        </a:solidFill>
                         <a:effectLst/>
                         <a:latin typeface="맑은 고딕" panose="020B0503020000020004" pitchFamily="50" charset="-127"/>
                         <a:ea typeface="맑은 고딕" panose="020B0503020000020004" pitchFamily="50" charset="-127"/>
@@ -4775,7 +8042,70 @@
                       </a:endParaRPr>
                     </a:p>
                   </a:txBody>
-                  <a:tcPr marL="68580" marR="68580" marT="0" marB="0"/>
+                  <a:tcPr marL="68580" marR="68580" marT="0" marB="0">
+                    <a:lnL w="9525" cap="flat" cmpd="sng" algn="ctr">
+                      <a:solidFill>
+                        <a:schemeClr val="tx1">
+                          <a:lumMod val="60000"/>
+                          <a:lumOff val="40000"/>
+                        </a:schemeClr>
+                      </a:solidFill>
+                      <a:prstDash val="solid"/>
+                      <a:round/>
+                      <a:headEnd type="none" w="med" len="med"/>
+                      <a:tailEnd type="none" w="med" len="med"/>
+                    </a:lnL>
+                    <a:lnR w="9525" cap="flat" cmpd="sng" algn="ctr">
+                      <a:solidFill>
+                        <a:schemeClr val="tx1">
+                          <a:lumMod val="60000"/>
+                          <a:lumOff val="40000"/>
+                        </a:schemeClr>
+                      </a:solidFill>
+                      <a:prstDash val="solid"/>
+                      <a:round/>
+                      <a:headEnd type="none" w="med" len="med"/>
+                      <a:tailEnd type="none" w="med" len="med"/>
+                    </a:lnR>
+                    <a:lnT w="28575" cap="flat" cmpd="sng" algn="ctr">
+                      <a:solidFill>
+                        <a:schemeClr val="tx1">
+                          <a:lumMod val="60000"/>
+                          <a:lumOff val="40000"/>
+                        </a:schemeClr>
+                      </a:solidFill>
+                      <a:prstDash val="solid"/>
+                      <a:round/>
+                      <a:headEnd type="none" w="med" len="med"/>
+                      <a:tailEnd type="none" w="med" len="med"/>
+                    </a:lnT>
+                    <a:lnB w="9525" cap="flat" cmpd="sng" algn="ctr">
+                      <a:solidFill>
+                        <a:schemeClr val="tx1">
+                          <a:lumMod val="60000"/>
+                          <a:lumOff val="40000"/>
+                        </a:schemeClr>
+                      </a:solidFill>
+                      <a:prstDash val="solid"/>
+                      <a:round/>
+                      <a:headEnd type="none" w="med" len="med"/>
+                      <a:tailEnd type="none" w="med" len="med"/>
+                    </a:lnB>
+                    <a:lnTlToBr w="12700" cmpd="sng">
+                      <a:noFill/>
+                      <a:prstDash val="solid"/>
+                    </a:lnTlToBr>
+                    <a:lnBlToTr w="12700" cmpd="sng">
+                      <a:noFill/>
+                      <a:prstDash val="solid"/>
+                    </a:lnBlToTr>
+                    <a:solidFill>
+                      <a:schemeClr val="accent1">
+                        <a:lumMod val="20000"/>
+                        <a:lumOff val="80000"/>
+                      </a:schemeClr>
+                    </a:solidFill>
+                  </a:tcPr>
                 </a:tc>
                 <a:tc>
                   <a:txBody>
@@ -4791,12 +8121,18 @@
                         </a:spcAft>
                       </a:pPr>
                       <a:r>
-                        <a:rPr lang="ko-KR" sz="1100" kern="100">
+                        <a:rPr lang="ko-KR" sz="2400" kern="100" dirty="0">
+                          <a:solidFill>
+                            <a:schemeClr val="tx1"/>
+                          </a:solidFill>
                           <a:effectLst/>
                         </a:rPr>
                         <a:t>제안 이유</a:t>
                       </a:r>
-                      <a:endParaRPr lang="ko-KR" sz="1000" kern="100">
+                      <a:endParaRPr lang="ko-KR" sz="2400" kern="100" dirty="0">
+                        <a:solidFill>
+                          <a:schemeClr val="tx1"/>
+                        </a:solidFill>
                         <a:effectLst/>
                         <a:latin typeface="맑은 고딕" panose="020B0503020000020004" pitchFamily="50" charset="-127"/>
                         <a:ea typeface="맑은 고딕" panose="020B0503020000020004" pitchFamily="50" charset="-127"/>
@@ -4804,15 +8140,69 @@
                       </a:endParaRPr>
                     </a:p>
                   </a:txBody>
-                  <a:tcPr marL="68580" marR="68580" marT="0" marB="0"/>
+                  <a:tcPr marL="68580" marR="68580" marT="0" marB="0">
+                    <a:lnL w="9525" cap="flat" cmpd="sng" algn="ctr">
+                      <a:solidFill>
+                        <a:schemeClr val="tx1">
+                          <a:lumMod val="60000"/>
+                          <a:lumOff val="40000"/>
+                        </a:schemeClr>
+                      </a:solidFill>
+                      <a:prstDash val="solid"/>
+                      <a:round/>
+                      <a:headEnd type="none" w="med" len="med"/>
+                      <a:tailEnd type="none" w="med" len="med"/>
+                    </a:lnL>
+                    <a:lnR w="12700" cmpd="sng">
+                      <a:noFill/>
+                    </a:lnR>
+                    <a:lnT w="28575" cap="flat" cmpd="sng" algn="ctr">
+                      <a:solidFill>
+                        <a:schemeClr val="tx1">
+                          <a:lumMod val="60000"/>
+                          <a:lumOff val="40000"/>
+                        </a:schemeClr>
+                      </a:solidFill>
+                      <a:prstDash val="solid"/>
+                      <a:round/>
+                      <a:headEnd type="none" w="med" len="med"/>
+                      <a:tailEnd type="none" w="med" len="med"/>
+                    </a:lnT>
+                    <a:lnB w="9525" cap="flat" cmpd="sng" algn="ctr">
+                      <a:solidFill>
+                        <a:schemeClr val="tx1">
+                          <a:lumMod val="60000"/>
+                          <a:lumOff val="40000"/>
+                        </a:schemeClr>
+                      </a:solidFill>
+                      <a:prstDash val="solid"/>
+                      <a:round/>
+                      <a:headEnd type="none" w="med" len="med"/>
+                      <a:tailEnd type="none" w="med" len="med"/>
+                    </a:lnB>
+                    <a:lnTlToBr w="12700" cmpd="sng">
+                      <a:noFill/>
+                      <a:prstDash val="solid"/>
+                    </a:lnTlToBr>
+                    <a:lnBlToTr w="12700" cmpd="sng">
+                      <a:noFill/>
+                      <a:prstDash val="solid"/>
+                    </a:lnBlToTr>
+                    <a:solidFill>
+                      <a:schemeClr val="accent1">
+                        <a:lumMod val="20000"/>
+                        <a:lumOff val="80000"/>
+                      </a:schemeClr>
+                    </a:solidFill>
+                  </a:tcPr>
                 </a:tc>
                 <a:extLst>
                   <a:ext uri="{0D108BD9-81ED-4DB2-BD59-A6C34878D82A}">
-                    <a16:rowId xmlns:a16="http://schemas.microsoft.com/office/drawing/2014/main" val="1498432596"/>
+                    <a16:rowId xmlns:a16="http://schemas.microsoft.com/office/drawing/2014/main" val="1440097032"/>
                   </a:ext>
                 </a:extLst>
               </a:tr>
-              <a:tr h="0">
+              <a:tr h="706815">
                 <a:tc>
                   <a:txBody>
                     <a:bodyPr/>
@@ -4827,12 +8217,18 @@
                         </a:spcAft>
                       </a:pPr>
                       <a:r>
-                        <a:rPr lang="ko-KR" sz="1150" kern="100">
+                        <a:rPr lang="ko-KR" sz="1600" kern="100" dirty="0" err="1">
                           <a:effectLst/>
                         </a:rPr>
-                        <a:t>노산과 장애의 상관관계</a:t>
+                        <a:t>노산과</a:t>
                       </a:r>
-                      <a:endParaRPr lang="ko-KR" sz="1000" kern="100">
+                      <a:r>
+                        <a:rPr lang="ko-KR" sz="1600" kern="100" dirty="0">
+                          <a:effectLst/>
+                        </a:rPr>
+                        <a:t> 장애의 상관관계</a:t>
+                      </a:r>
+                      <a:endParaRPr lang="ko-KR" sz="1600" kern="100" dirty="0">
                         <a:effectLst/>
                         <a:latin typeface="맑은 고딕" panose="020B0503020000020004" pitchFamily="50" charset="-127"/>
                         <a:ea typeface="맑은 고딕" panose="020B0503020000020004" pitchFamily="50" charset="-127"/>
@@ -4840,7 +8236,58 @@
                       </a:endParaRPr>
                     </a:p>
                   </a:txBody>
-                  <a:tcPr marL="68580" marR="68580" marT="0" marB="0"/>
+                  <a:tcPr marL="68580" marR="68580" marT="0" marB="0">
+                    <a:lnL w="12700" cmpd="sng">
+                      <a:noFill/>
+                    </a:lnL>
+                    <a:lnR w="9525" cap="flat" cmpd="sng" algn="ctr">
+                      <a:solidFill>
+                        <a:schemeClr val="tx1">
+                          <a:lumMod val="60000"/>
+                          <a:lumOff val="40000"/>
+                        </a:schemeClr>
+                      </a:solidFill>
+                      <a:prstDash val="solid"/>
+                      <a:round/>
+                      <a:headEnd type="none" w="med" len="med"/>
+                      <a:tailEnd type="none" w="med" len="med"/>
+                    </a:lnR>
+                    <a:lnT w="9525" cap="flat" cmpd="sng" algn="ctr">
+                      <a:solidFill>
+                        <a:schemeClr val="tx1">
+                          <a:lumMod val="60000"/>
+                          <a:lumOff val="40000"/>
+                        </a:schemeClr>
+                      </a:solidFill>
+                      <a:prstDash val="solid"/>
+                      <a:round/>
+                      <a:headEnd type="none" w="med" len="med"/>
+                      <a:tailEnd type="none" w="med" len="med"/>
+                    </a:lnT>
+                    <a:lnB w="9525" cap="flat" cmpd="sng" algn="ctr">
+                      <a:solidFill>
+                        <a:schemeClr val="tx1">
+                          <a:lumMod val="60000"/>
+                          <a:lumOff val="40000"/>
+                        </a:schemeClr>
+                      </a:solidFill>
+                      <a:prstDash val="solid"/>
+                      <a:round/>
+                      <a:headEnd type="none" w="med" len="med"/>
+                      <a:tailEnd type="none" w="med" len="med"/>
+                    </a:lnB>
+                    <a:lnTlToBr w="12700" cmpd="sng">
+                      <a:noFill/>
+                      <a:prstDash val="solid"/>
+                    </a:lnTlToBr>
+                    <a:lnBlToTr w="12700" cmpd="sng">
+                      <a:noFill/>
+                      <a:prstDash val="solid"/>
+                    </a:lnBlToTr>
+                    <a:solidFill>
+                      <a:schemeClr val="bg1"/>
+                    </a:solidFill>
+                  </a:tcPr>
                 </a:tc>
                 <a:tc>
                   <a:txBody>
@@ -4856,12 +8303,12 @@
                         </a:spcAft>
                       </a:pPr>
                       <a:r>
-                        <a:rPr lang="ko-KR" sz="1100" kern="100">
+                        <a:rPr lang="ko-KR" sz="1600" kern="100" dirty="0">
                           <a:effectLst/>
                         </a:rPr>
                         <a:t>정혜원</a:t>
                       </a:r>
-                      <a:endParaRPr lang="ko-KR" sz="1000" kern="100">
+                      <a:endParaRPr lang="ko-KR" sz="1600" kern="100" dirty="0">
                         <a:effectLst/>
                         <a:latin typeface="맑은 고딕" panose="020B0503020000020004" pitchFamily="50" charset="-127"/>
                         <a:ea typeface="맑은 고딕" panose="020B0503020000020004" pitchFamily="50" charset="-127"/>
@@ -4869,7 +8316,67 @@
                       </a:endParaRPr>
                     </a:p>
                   </a:txBody>
-                  <a:tcPr marL="68580" marR="68580" marT="0" marB="0"/>
+                  <a:tcPr marL="68580" marR="68580" marT="0" marB="0">
+                    <a:lnL w="9525" cap="flat" cmpd="sng" algn="ctr">
+                      <a:solidFill>
+                        <a:schemeClr val="tx1">
+                          <a:lumMod val="60000"/>
+                          <a:lumOff val="40000"/>
+                        </a:schemeClr>
+                      </a:solidFill>
+                      <a:prstDash val="solid"/>
+                      <a:round/>
+                      <a:headEnd type="none" w="med" len="med"/>
+                      <a:tailEnd type="none" w="med" len="med"/>
+                    </a:lnL>
+                    <a:lnR w="9525" cap="flat" cmpd="sng" algn="ctr">
+                      <a:solidFill>
+                        <a:schemeClr val="tx1">
+                          <a:lumMod val="60000"/>
+                          <a:lumOff val="40000"/>
+                        </a:schemeClr>
+                      </a:solidFill>
+                      <a:prstDash val="solid"/>
+                      <a:round/>
+                      <a:headEnd type="none" w="med" len="med"/>
+                      <a:tailEnd type="none" w="med" len="med"/>
+                    </a:lnR>
+                    <a:lnT w="9525" cap="flat" cmpd="sng" algn="ctr">
+                      <a:solidFill>
+                        <a:schemeClr val="tx1">
+                          <a:lumMod val="60000"/>
+                          <a:lumOff val="40000"/>
+                        </a:schemeClr>
+                      </a:solidFill>
+                      <a:prstDash val="solid"/>
+                      <a:round/>
+                      <a:headEnd type="none" w="med" len="med"/>
+                      <a:tailEnd type="none" w="med" len="med"/>
+                    </a:lnT>
+                    <a:lnB w="9525" cap="flat" cmpd="sng" algn="ctr">
+                      <a:solidFill>
+                        <a:schemeClr val="tx1">
+                          <a:lumMod val="60000"/>
+                          <a:lumOff val="40000"/>
+                        </a:schemeClr>
+                      </a:solidFill>
+                      <a:prstDash val="solid"/>
+                      <a:round/>
+                      <a:headEnd type="none" w="med" len="med"/>
+                      <a:tailEnd type="none" w="med" len="med"/>
+                    </a:lnB>
+                    <a:lnTlToBr w="12700" cmpd="sng">
+                      <a:noFill/>
+                      <a:prstDash val="solid"/>
+                    </a:lnTlToBr>
+                    <a:lnBlToTr w="12700" cmpd="sng">
+                      <a:noFill/>
+                      <a:prstDash val="solid"/>
+                    </a:lnBlToTr>
+                    <a:solidFill>
+                      <a:schemeClr val="bg1"/>
+                    </a:solidFill>
+                  </a:tcPr>
                 </a:tc>
                 <a:tc>
                   <a:txBody>
@@ -4885,18 +8392,49 @@
                         </a:spcAft>
                       </a:pPr>
                       <a:r>
-                        <a:rPr lang="ko-KR" sz="1100" kern="100">
+                        <a:rPr lang="ko-KR" sz="1600" kern="100" dirty="0">
                           <a:effectLst/>
                         </a:rPr>
-                        <a:t>남성의 노산에 대한 연구는 있음에도 통계로 정리 되어있지 않아 제안하게 되었다</a:t>
+                        <a:t>남성의 </a:t>
                       </a:r>
                       <a:r>
-                        <a:rPr lang="en-US" sz="1100" kern="100">
+                        <a:rPr lang="ko-KR" sz="1600" kern="100" dirty="0" err="1">
+                          <a:effectLst/>
+                        </a:rPr>
+                        <a:t>노산에</a:t>
+                      </a:r>
+                      <a:r>
+                        <a:rPr lang="ko-KR" sz="1600" kern="100" dirty="0">
+                          <a:effectLst/>
+                        </a:rPr>
+                        <a:t> 대한 연구는 있음에도 통계로 </a:t>
+                      </a:r>
+                      <a:endParaRPr lang="en-US" altLang="ko-KR" sz="1600" kern="100" dirty="0">
+                        <a:effectLst/>
+                      </a:endParaRPr>
+                    </a:p>
+                    <a:p>
+                      <a:pPr algn="ctr" latinLnBrk="1">
+                        <a:lnSpc>
+                          <a:spcPct val="115000"/>
+                        </a:lnSpc>
+                        <a:spcAft>
+                          <a:spcPts val="1000"/>
+                        </a:spcAft>
+                      </a:pPr>
+                      <a:r>
+                        <a:rPr lang="ko-KR" sz="1600" kern="100" dirty="0">
+                          <a:effectLst/>
+                        </a:rPr>
+                        <a:t>정리 되어있지 않아 제안하게 되었다</a:t>
+                      </a:r>
+                      <a:r>
+                        <a:rPr lang="en-US" sz="1600" kern="100" dirty="0">
                           <a:effectLst/>
                         </a:rPr>
                         <a:t>.</a:t>
                       </a:r>
-                      <a:endParaRPr lang="ko-KR" sz="1000" kern="100">
+                      <a:endParaRPr lang="ko-KR" sz="1600" kern="100" dirty="0">
                         <a:effectLst/>
                         <a:latin typeface="맑은 고딕" panose="020B0503020000020004" pitchFamily="50" charset="-127"/>
                         <a:ea typeface="맑은 고딕" panose="020B0503020000020004" pitchFamily="50" charset="-127"/>
@@ -4904,15 +8442,66 @@
                       </a:endParaRPr>
                     </a:p>
                   </a:txBody>
-                  <a:tcPr marL="68580" marR="68580" marT="0" marB="0"/>
+                  <a:tcPr marL="68580" marR="68580" marT="0" marB="0">
+                    <a:lnL w="9525" cap="flat" cmpd="sng" algn="ctr">
+                      <a:solidFill>
+                        <a:schemeClr val="tx1">
+                          <a:lumMod val="60000"/>
+                          <a:lumOff val="40000"/>
+                        </a:schemeClr>
+                      </a:solidFill>
+                      <a:prstDash val="solid"/>
+                      <a:round/>
+                      <a:headEnd type="none" w="med" len="med"/>
+                      <a:tailEnd type="none" w="med" len="med"/>
+                    </a:lnL>
+                    <a:lnR w="12700" cmpd="sng">
+                      <a:noFill/>
+                    </a:lnR>
+                    <a:lnT w="9525" cap="flat" cmpd="sng" algn="ctr">
+                      <a:solidFill>
+                        <a:schemeClr val="tx1">
+                          <a:lumMod val="60000"/>
+                          <a:lumOff val="40000"/>
+                        </a:schemeClr>
+                      </a:solidFill>
+                      <a:prstDash val="solid"/>
+                      <a:round/>
+                      <a:headEnd type="none" w="med" len="med"/>
+                      <a:tailEnd type="none" w="med" len="med"/>
+                    </a:lnT>
+                    <a:lnB w="9525" cap="flat" cmpd="sng" algn="ctr">
+                      <a:solidFill>
+                        <a:schemeClr val="tx1">
+                          <a:lumMod val="60000"/>
+                          <a:lumOff val="40000"/>
+                        </a:schemeClr>
+                      </a:solidFill>
+                      <a:prstDash val="solid"/>
+                      <a:round/>
+                      <a:headEnd type="none" w="med" len="med"/>
+                      <a:tailEnd type="none" w="med" len="med"/>
+                    </a:lnB>
+                    <a:lnTlToBr w="12700" cmpd="sng">
+                      <a:noFill/>
+                      <a:prstDash val="solid"/>
+                    </a:lnTlToBr>
+                    <a:lnBlToTr w="12700" cmpd="sng">
+                      <a:noFill/>
+                      <a:prstDash val="solid"/>
+                    </a:lnBlToTr>
+                    <a:solidFill>
+                      <a:schemeClr val="bg1"/>
+                    </a:solidFill>
+                  </a:tcPr>
                 </a:tc>
                 <a:extLst>
                   <a:ext uri="{0D108BD9-81ED-4DB2-BD59-A6C34878D82A}">
-                    <a16:rowId xmlns:a16="http://schemas.microsoft.com/office/drawing/2014/main" val="2389615840"/>
+                    <a16:rowId xmlns:a16="http://schemas.microsoft.com/office/drawing/2014/main" val="823122558"/>
                   </a:ext>
                 </a:extLst>
               </a:tr>
-              <a:tr h="0">
+              <a:tr h="706815">
                 <a:tc>
                   <a:txBody>
                     <a:bodyPr/>
@@ -4927,12 +8516,12 @@
                         </a:spcAft>
                       </a:pPr>
                       <a:r>
-                        <a:rPr lang="ko-KR" sz="1100" kern="100">
+                        <a:rPr lang="ko-KR" sz="1600" kern="100">
                           <a:effectLst/>
                         </a:rPr>
                         <a:t>현재 생활 형편에 따른 소비지출 전망</a:t>
                       </a:r>
-                      <a:endParaRPr lang="ko-KR" sz="1000" kern="100">
+                      <a:endParaRPr lang="ko-KR" sz="1600" kern="100">
                         <a:effectLst/>
                         <a:latin typeface="맑은 고딕" panose="020B0503020000020004" pitchFamily="50" charset="-127"/>
                         <a:ea typeface="맑은 고딕" panose="020B0503020000020004" pitchFamily="50" charset="-127"/>
@@ -4940,7 +8529,58 @@
                       </a:endParaRPr>
                     </a:p>
                   </a:txBody>
-                  <a:tcPr marL="68580" marR="68580" marT="0" marB="0"/>
+                  <a:tcPr marL="68580" marR="68580" marT="0" marB="0">
+                    <a:lnL w="12700" cmpd="sng">
+                      <a:noFill/>
+                    </a:lnL>
+                    <a:lnR w="9525" cap="flat" cmpd="sng" algn="ctr">
+                      <a:solidFill>
+                        <a:schemeClr val="tx1">
+                          <a:lumMod val="60000"/>
+                          <a:lumOff val="40000"/>
+                        </a:schemeClr>
+                      </a:solidFill>
+                      <a:prstDash val="solid"/>
+                      <a:round/>
+                      <a:headEnd type="none" w="med" len="med"/>
+                      <a:tailEnd type="none" w="med" len="med"/>
+                    </a:lnR>
+                    <a:lnT w="9525" cap="flat" cmpd="sng" algn="ctr">
+                      <a:solidFill>
+                        <a:schemeClr val="tx1">
+                          <a:lumMod val="60000"/>
+                          <a:lumOff val="40000"/>
+                        </a:schemeClr>
+                      </a:solidFill>
+                      <a:prstDash val="solid"/>
+                      <a:round/>
+                      <a:headEnd type="none" w="med" len="med"/>
+                      <a:tailEnd type="none" w="med" len="med"/>
+                    </a:lnT>
+                    <a:lnB w="9525" cap="flat" cmpd="sng" algn="ctr">
+                      <a:solidFill>
+                        <a:schemeClr val="tx1">
+                          <a:lumMod val="60000"/>
+                          <a:lumOff val="40000"/>
+                        </a:schemeClr>
+                      </a:solidFill>
+                      <a:prstDash val="solid"/>
+                      <a:round/>
+                      <a:headEnd type="none" w="med" len="med"/>
+                      <a:tailEnd type="none" w="med" len="med"/>
+                    </a:lnB>
+                    <a:lnTlToBr w="12700" cmpd="sng">
+                      <a:noFill/>
+                      <a:prstDash val="solid"/>
+                    </a:lnTlToBr>
+                    <a:lnBlToTr w="12700" cmpd="sng">
+                      <a:noFill/>
+                      <a:prstDash val="solid"/>
+                    </a:lnBlToTr>
+                    <a:solidFill>
+                      <a:schemeClr val="bg1"/>
+                    </a:solidFill>
+                  </a:tcPr>
                 </a:tc>
                 <a:tc>
                   <a:txBody>
@@ -4956,12 +8596,12 @@
                         </a:spcAft>
                       </a:pPr>
                       <a:r>
-                        <a:rPr lang="ko-KR" sz="1100" kern="100">
+                        <a:rPr lang="ko-KR" sz="1600" kern="100" dirty="0">
                           <a:effectLst/>
                         </a:rPr>
                         <a:t>박지현</a:t>
                       </a:r>
-                      <a:endParaRPr lang="ko-KR" sz="1000" kern="100">
+                      <a:endParaRPr lang="ko-KR" sz="1600" kern="100" dirty="0">
                         <a:effectLst/>
                         <a:latin typeface="맑은 고딕" panose="020B0503020000020004" pitchFamily="50" charset="-127"/>
                         <a:ea typeface="맑은 고딕" panose="020B0503020000020004" pitchFamily="50" charset="-127"/>
@@ -4969,7 +8609,67 @@
                       </a:endParaRPr>
                     </a:p>
                   </a:txBody>
-                  <a:tcPr marL="68580" marR="68580" marT="0" marB="0"/>
+                  <a:tcPr marL="68580" marR="68580" marT="0" marB="0">
+                    <a:lnL w="9525" cap="flat" cmpd="sng" algn="ctr">
+                      <a:solidFill>
+                        <a:schemeClr val="tx1">
+                          <a:lumMod val="60000"/>
+                          <a:lumOff val="40000"/>
+                        </a:schemeClr>
+                      </a:solidFill>
+                      <a:prstDash val="solid"/>
+                      <a:round/>
+                      <a:headEnd type="none" w="med" len="med"/>
+                      <a:tailEnd type="none" w="med" len="med"/>
+                    </a:lnL>
+                    <a:lnR w="9525" cap="flat" cmpd="sng" algn="ctr">
+                      <a:solidFill>
+                        <a:schemeClr val="tx1">
+                          <a:lumMod val="60000"/>
+                          <a:lumOff val="40000"/>
+                        </a:schemeClr>
+                      </a:solidFill>
+                      <a:prstDash val="solid"/>
+                      <a:round/>
+                      <a:headEnd type="none" w="med" len="med"/>
+                      <a:tailEnd type="none" w="med" len="med"/>
+                    </a:lnR>
+                    <a:lnT w="9525" cap="flat" cmpd="sng" algn="ctr">
+                      <a:solidFill>
+                        <a:schemeClr val="tx1">
+                          <a:lumMod val="60000"/>
+                          <a:lumOff val="40000"/>
+                        </a:schemeClr>
+                      </a:solidFill>
+                      <a:prstDash val="solid"/>
+                      <a:round/>
+                      <a:headEnd type="none" w="med" len="med"/>
+                      <a:tailEnd type="none" w="med" len="med"/>
+                    </a:lnT>
+                    <a:lnB w="9525" cap="flat" cmpd="sng" algn="ctr">
+                      <a:solidFill>
+                        <a:schemeClr val="tx1">
+                          <a:lumMod val="60000"/>
+                          <a:lumOff val="40000"/>
+                        </a:schemeClr>
+                      </a:solidFill>
+                      <a:prstDash val="solid"/>
+                      <a:round/>
+                      <a:headEnd type="none" w="med" len="med"/>
+                      <a:tailEnd type="none" w="med" len="med"/>
+                    </a:lnB>
+                    <a:lnTlToBr w="12700" cmpd="sng">
+                      <a:noFill/>
+                      <a:prstDash val="solid"/>
+                    </a:lnTlToBr>
+                    <a:lnBlToTr w="12700" cmpd="sng">
+                      <a:noFill/>
+                      <a:prstDash val="solid"/>
+                    </a:lnBlToTr>
+                    <a:solidFill>
+                      <a:schemeClr val="bg1"/>
+                    </a:solidFill>
+                  </a:tcPr>
                 </a:tc>
                 <a:tc>
                   <a:txBody>
@@ -4985,18 +8685,37 @@
                         </a:spcAft>
                       </a:pPr>
                       <a:r>
-                        <a:rPr lang="ko-KR" sz="1100" kern="100">
+                        <a:rPr lang="ko-KR" sz="1600" kern="100" dirty="0">
                           <a:effectLst/>
                         </a:rPr>
-                        <a:t>확실한 데이터와 다양한 자료가 있어 결과를 정확하게 도출할 수 있다</a:t>
+                        <a:t>확실한 데이터와 다양한 자료가 있어 결과를 </a:t>
+                      </a:r>
+                      <a:endParaRPr lang="en-US" altLang="ko-KR" sz="1600" kern="100" dirty="0">
+                        <a:effectLst/>
+                      </a:endParaRPr>
+                    </a:p>
+                    <a:p>
+                      <a:pPr algn="ctr" latinLnBrk="1">
+                        <a:lnSpc>
+                          <a:spcPct val="115000"/>
+                        </a:lnSpc>
+                        <a:spcAft>
+                          <a:spcPts val="1000"/>
+                        </a:spcAft>
+                      </a:pPr>
+                      <a:r>
+                        <a:rPr lang="ko-KR" sz="1600" kern="100" dirty="0">
+                          <a:effectLst/>
+                        </a:rPr>
+                        <a:t>정확하게 도출할 수 있다</a:t>
                       </a:r>
                       <a:r>
-                        <a:rPr lang="en-US" sz="1100" kern="100">
+                        <a:rPr lang="en-US" sz="1600" kern="100" dirty="0">
                           <a:effectLst/>
                         </a:rPr>
                         <a:t>.</a:t>
                       </a:r>
-                      <a:endParaRPr lang="ko-KR" sz="1000" kern="100">
+                      <a:endParaRPr lang="ko-KR" sz="1600" kern="100" dirty="0">
                         <a:effectLst/>
                         <a:latin typeface="맑은 고딕" panose="020B0503020000020004" pitchFamily="50" charset="-127"/>
                         <a:ea typeface="맑은 고딕" panose="020B0503020000020004" pitchFamily="50" charset="-127"/>
@@ -5004,15 +8723,66 @@
                       </a:endParaRPr>
                     </a:p>
                   </a:txBody>
-                  <a:tcPr marL="68580" marR="68580" marT="0" marB="0"/>
+                  <a:tcPr marL="68580" marR="68580" marT="0" marB="0">
+                    <a:lnL w="9525" cap="flat" cmpd="sng" algn="ctr">
+                      <a:solidFill>
+                        <a:schemeClr val="tx1">
+                          <a:lumMod val="60000"/>
+                          <a:lumOff val="40000"/>
+                        </a:schemeClr>
+                      </a:solidFill>
+                      <a:prstDash val="solid"/>
+                      <a:round/>
+                      <a:headEnd type="none" w="med" len="med"/>
+                      <a:tailEnd type="none" w="med" len="med"/>
+                    </a:lnL>
+                    <a:lnR w="12700" cmpd="sng">
+                      <a:noFill/>
+                    </a:lnR>
+                    <a:lnT w="9525" cap="flat" cmpd="sng" algn="ctr">
+                      <a:solidFill>
+                        <a:schemeClr val="tx1">
+                          <a:lumMod val="60000"/>
+                          <a:lumOff val="40000"/>
+                        </a:schemeClr>
+                      </a:solidFill>
+                      <a:prstDash val="solid"/>
+                      <a:round/>
+                      <a:headEnd type="none" w="med" len="med"/>
+                      <a:tailEnd type="none" w="med" len="med"/>
+                    </a:lnT>
+                    <a:lnB w="9525" cap="flat" cmpd="sng" algn="ctr">
+                      <a:solidFill>
+                        <a:schemeClr val="tx1">
+                          <a:lumMod val="60000"/>
+                          <a:lumOff val="40000"/>
+                        </a:schemeClr>
+                      </a:solidFill>
+                      <a:prstDash val="solid"/>
+                      <a:round/>
+                      <a:headEnd type="none" w="med" len="med"/>
+                      <a:tailEnd type="none" w="med" len="med"/>
+                    </a:lnB>
+                    <a:lnTlToBr w="12700" cmpd="sng">
+                      <a:noFill/>
+                      <a:prstDash val="solid"/>
+                    </a:lnTlToBr>
+                    <a:lnBlToTr w="12700" cmpd="sng">
+                      <a:noFill/>
+                      <a:prstDash val="solid"/>
+                    </a:lnBlToTr>
+                    <a:solidFill>
+                      <a:schemeClr val="bg1"/>
+                    </a:solidFill>
+                  </a:tcPr>
                 </a:tc>
                 <a:extLst>
                   <a:ext uri="{0D108BD9-81ED-4DB2-BD59-A6C34878D82A}">
-                    <a16:rowId xmlns:a16="http://schemas.microsoft.com/office/drawing/2014/main" val="1412475036"/>
+                    <a16:rowId xmlns:a16="http://schemas.microsoft.com/office/drawing/2014/main" val="1261126794"/>
                   </a:ext>
                 </a:extLst>
               </a:tr>
-              <a:tr h="0">
+              <a:tr h="706815">
                 <a:tc>
                   <a:txBody>
                     <a:bodyPr/>
@@ -5027,12 +8797,12 @@
                         </a:spcAft>
                       </a:pPr>
                       <a:r>
-                        <a:rPr lang="ko-KR" sz="1100" kern="100">
+                        <a:rPr lang="ko-KR" sz="1600" kern="100">
                           <a:effectLst/>
                         </a:rPr>
                         <a:t>지역별 월세 가격과 범죄율의 관계성</a:t>
                       </a:r>
-                      <a:endParaRPr lang="ko-KR" sz="1000" kern="100">
+                      <a:endParaRPr lang="ko-KR" sz="1600" kern="100">
                         <a:effectLst/>
                         <a:latin typeface="맑은 고딕" panose="020B0503020000020004" pitchFamily="50" charset="-127"/>
                         <a:ea typeface="맑은 고딕" panose="020B0503020000020004" pitchFamily="50" charset="-127"/>
@@ -5040,7 +8810,58 @@
                       </a:endParaRPr>
                     </a:p>
                   </a:txBody>
-                  <a:tcPr marL="68580" marR="68580" marT="0" marB="0"/>
+                  <a:tcPr marL="68580" marR="68580" marT="0" marB="0">
+                    <a:lnL w="12700" cmpd="sng">
+                      <a:noFill/>
+                    </a:lnL>
+                    <a:lnR w="9525" cap="flat" cmpd="sng" algn="ctr">
+                      <a:solidFill>
+                        <a:schemeClr val="tx1">
+                          <a:lumMod val="60000"/>
+                          <a:lumOff val="40000"/>
+                        </a:schemeClr>
+                      </a:solidFill>
+                      <a:prstDash val="solid"/>
+                      <a:round/>
+                      <a:headEnd type="none" w="med" len="med"/>
+                      <a:tailEnd type="none" w="med" len="med"/>
+                    </a:lnR>
+                    <a:lnT w="9525" cap="flat" cmpd="sng" algn="ctr">
+                      <a:solidFill>
+                        <a:schemeClr val="tx1">
+                          <a:lumMod val="60000"/>
+                          <a:lumOff val="40000"/>
+                        </a:schemeClr>
+                      </a:solidFill>
+                      <a:prstDash val="solid"/>
+                      <a:round/>
+                      <a:headEnd type="none" w="med" len="med"/>
+                      <a:tailEnd type="none" w="med" len="med"/>
+                    </a:lnT>
+                    <a:lnB w="9525" cap="flat" cmpd="sng" algn="ctr">
+                      <a:solidFill>
+                        <a:schemeClr val="tx1">
+                          <a:lumMod val="60000"/>
+                          <a:lumOff val="40000"/>
+                        </a:schemeClr>
+                      </a:solidFill>
+                      <a:prstDash val="solid"/>
+                      <a:round/>
+                      <a:headEnd type="none" w="med" len="med"/>
+                      <a:tailEnd type="none" w="med" len="med"/>
+                    </a:lnB>
+                    <a:lnTlToBr w="12700" cmpd="sng">
+                      <a:noFill/>
+                      <a:prstDash val="solid"/>
+                    </a:lnTlToBr>
+                    <a:lnBlToTr w="12700" cmpd="sng">
+                      <a:noFill/>
+                      <a:prstDash val="solid"/>
+                    </a:lnBlToTr>
+                    <a:solidFill>
+                      <a:schemeClr val="bg1"/>
+                    </a:solidFill>
+                  </a:tcPr>
                 </a:tc>
                 <a:tc>
                   <a:txBody>
@@ -5056,12 +8877,12 @@
                         </a:spcAft>
                       </a:pPr>
                       <a:r>
-                        <a:rPr lang="ko-KR" sz="1100" kern="100">
+                        <a:rPr lang="ko-KR" sz="1600" kern="100">
                           <a:effectLst/>
                         </a:rPr>
                         <a:t>이재민</a:t>
                       </a:r>
-                      <a:endParaRPr lang="ko-KR" sz="1000" kern="100">
+                      <a:endParaRPr lang="ko-KR" sz="1600" kern="100">
                         <a:effectLst/>
                         <a:latin typeface="맑은 고딕" panose="020B0503020000020004" pitchFamily="50" charset="-127"/>
                         <a:ea typeface="맑은 고딕" panose="020B0503020000020004" pitchFamily="50" charset="-127"/>
@@ -5069,7 +8890,67 @@
                       </a:endParaRPr>
                     </a:p>
                   </a:txBody>
-                  <a:tcPr marL="68580" marR="68580" marT="0" marB="0"/>
+                  <a:tcPr marL="68580" marR="68580" marT="0" marB="0">
+                    <a:lnL w="9525" cap="flat" cmpd="sng" algn="ctr">
+                      <a:solidFill>
+                        <a:schemeClr val="tx1">
+                          <a:lumMod val="60000"/>
+                          <a:lumOff val="40000"/>
+                        </a:schemeClr>
+                      </a:solidFill>
+                      <a:prstDash val="solid"/>
+                      <a:round/>
+                      <a:headEnd type="none" w="med" len="med"/>
+                      <a:tailEnd type="none" w="med" len="med"/>
+                    </a:lnL>
+                    <a:lnR w="9525" cap="flat" cmpd="sng" algn="ctr">
+                      <a:solidFill>
+                        <a:schemeClr val="tx1">
+                          <a:lumMod val="60000"/>
+                          <a:lumOff val="40000"/>
+                        </a:schemeClr>
+                      </a:solidFill>
+                      <a:prstDash val="solid"/>
+                      <a:round/>
+                      <a:headEnd type="none" w="med" len="med"/>
+                      <a:tailEnd type="none" w="med" len="med"/>
+                    </a:lnR>
+                    <a:lnT w="9525" cap="flat" cmpd="sng" algn="ctr">
+                      <a:solidFill>
+                        <a:schemeClr val="tx1">
+                          <a:lumMod val="60000"/>
+                          <a:lumOff val="40000"/>
+                        </a:schemeClr>
+                      </a:solidFill>
+                      <a:prstDash val="solid"/>
+                      <a:round/>
+                      <a:headEnd type="none" w="med" len="med"/>
+                      <a:tailEnd type="none" w="med" len="med"/>
+                    </a:lnT>
+                    <a:lnB w="9525" cap="flat" cmpd="sng" algn="ctr">
+                      <a:solidFill>
+                        <a:schemeClr val="tx1">
+                          <a:lumMod val="60000"/>
+                          <a:lumOff val="40000"/>
+                        </a:schemeClr>
+                      </a:solidFill>
+                      <a:prstDash val="solid"/>
+                      <a:round/>
+                      <a:headEnd type="none" w="med" len="med"/>
+                      <a:tailEnd type="none" w="med" len="med"/>
+                    </a:lnB>
+                    <a:lnTlToBr w="12700" cmpd="sng">
+                      <a:noFill/>
+                      <a:prstDash val="solid"/>
+                    </a:lnTlToBr>
+                    <a:lnBlToTr w="12700" cmpd="sng">
+                      <a:noFill/>
+                      <a:prstDash val="solid"/>
+                    </a:lnBlToTr>
+                    <a:solidFill>
+                      <a:schemeClr val="bg1"/>
+                    </a:solidFill>
+                  </a:tcPr>
                 </a:tc>
                 <a:tc>
                   <a:txBody>
@@ -5085,32 +8966,15 @@
                         </a:spcAft>
                       </a:pPr>
                       <a:r>
-                        <a:rPr lang="ko-KR" sz="1100" kern="100">
+                        <a:rPr lang="ko-KR" sz="1600" kern="100" dirty="0">
                           <a:effectLst/>
                         </a:rPr>
-                        <a:t>지역에 따른 범죄율이 월세와 같은 부동산 가격에 미치는 연관성 비교</a:t>
+                        <a:t>지역에 따른 범죄율이 월세와 같은 부동산 가격에 </a:t>
                       </a:r>
-                      <a:endParaRPr lang="ko-KR" sz="1000" kern="100">
+                      <a:endParaRPr lang="en-US" altLang="ko-KR" sz="1600" kern="100" dirty="0">
                         <a:effectLst/>
-                        <a:latin typeface="맑은 고딕" panose="020B0503020000020004" pitchFamily="50" charset="-127"/>
-                        <a:ea typeface="맑은 고딕" panose="020B0503020000020004" pitchFamily="50" charset="-127"/>
-                        <a:cs typeface="Times New Roman" panose="02020603050405020304" pitchFamily="18" charset="0"/>
                       </a:endParaRPr>
                     </a:p>
-                  </a:txBody>
-                  <a:tcPr marL="68580" marR="68580" marT="0" marB="0"/>
-                </a:tc>
-                <a:extLst>
-                  <a:ext uri="{0D108BD9-81ED-4DB2-BD59-A6C34878D82A}">
-                    <a16:rowId xmlns:a16="http://schemas.microsoft.com/office/drawing/2014/main" val="232662059"/>
-                  </a:ext>
-                </a:extLst>
-              </a:tr>
-              <a:tr h="0">
-                <a:tc>
-                  <a:txBody>
-                    <a:bodyPr/>
-                    <a:lstStyle/>
                     <a:p>
                       <a:pPr algn="ctr" latinLnBrk="1">
                         <a:lnSpc>
@@ -5121,12 +8985,12 @@
                         </a:spcAft>
                       </a:pPr>
                       <a:r>
-                        <a:rPr lang="en-US" sz="1100" kern="100">
+                        <a:rPr lang="ko-KR" sz="1600" kern="100" dirty="0">
                           <a:effectLst/>
                         </a:rPr>
-                        <a:t> </a:t>
+                        <a:t>미치는 연관성 비교</a:t>
                       </a:r>
-                      <a:endParaRPr lang="ko-KR" sz="1000" kern="100">
+                      <a:endParaRPr lang="ko-KR" sz="1600" kern="100" dirty="0">
                         <a:effectLst/>
                         <a:latin typeface="맑은 고딕" panose="020B0503020000020004" pitchFamily="50" charset="-127"/>
                         <a:ea typeface="맑은 고딕" panose="020B0503020000020004" pitchFamily="50" charset="-127"/>
@@ -5134,69 +8998,62 @@
                       </a:endParaRPr>
                     </a:p>
                   </a:txBody>
-                  <a:tcPr marL="68580" marR="68580" marT="0" marB="0"/>
-                </a:tc>
-                <a:tc>
-                  <a:txBody>
-                    <a:bodyPr/>
-                    <a:lstStyle/>
-                    <a:p>
-                      <a:pPr algn="ctr" latinLnBrk="1">
-                        <a:lnSpc>
-                          <a:spcPct val="115000"/>
-                        </a:lnSpc>
-                        <a:spcAft>
-                          <a:spcPts val="1000"/>
-                        </a:spcAft>
-                      </a:pPr>
-                      <a:r>
-                        <a:rPr lang="en-US" sz="1100" kern="100">
-                          <a:effectLst/>
-                        </a:rPr>
-                        <a:t> </a:t>
-                      </a:r>
-                      <a:endParaRPr lang="ko-KR" sz="1000" kern="100">
-                        <a:effectLst/>
-                        <a:latin typeface="맑은 고딕" panose="020B0503020000020004" pitchFamily="50" charset="-127"/>
-                        <a:ea typeface="맑은 고딕" panose="020B0503020000020004" pitchFamily="50" charset="-127"/>
-                        <a:cs typeface="Times New Roman" panose="02020603050405020304" pitchFamily="18" charset="0"/>
-                      </a:endParaRPr>
-                    </a:p>
-                  </a:txBody>
-                  <a:tcPr marL="68580" marR="68580" marT="0" marB="0"/>
-                </a:tc>
-                <a:tc>
-                  <a:txBody>
-                    <a:bodyPr/>
-                    <a:lstStyle/>
-                    <a:p>
-                      <a:pPr algn="ctr" latinLnBrk="1">
-                        <a:lnSpc>
-                          <a:spcPct val="115000"/>
-                        </a:lnSpc>
-                        <a:spcAft>
-                          <a:spcPts val="1000"/>
-                        </a:spcAft>
-                      </a:pPr>
-                      <a:r>
-                        <a:rPr lang="en-US" sz="1100" kern="100" dirty="0">
-                          <a:effectLst/>
-                        </a:rPr>
-                        <a:t> </a:t>
-                      </a:r>
-                      <a:endParaRPr lang="ko-KR" sz="1000" kern="100" dirty="0">
-                        <a:effectLst/>
-                        <a:latin typeface="맑은 고딕" panose="020B0503020000020004" pitchFamily="50" charset="-127"/>
-                        <a:ea typeface="맑은 고딕" panose="020B0503020000020004" pitchFamily="50" charset="-127"/>
-                        <a:cs typeface="Times New Roman" panose="02020603050405020304" pitchFamily="18" charset="0"/>
-                      </a:endParaRPr>
-                    </a:p>
-                  </a:txBody>
-                  <a:tcPr marL="68580" marR="68580" marT="0" marB="0"/>
+                  <a:tcPr marL="68580" marR="68580" marT="0" marB="0">
+                    <a:lnL w="9525" cap="flat" cmpd="sng" algn="ctr">
+                      <a:solidFill>
+                        <a:schemeClr val="tx1">
+                          <a:lumMod val="60000"/>
+                          <a:lumOff val="40000"/>
+                        </a:schemeClr>
+                      </a:solidFill>
+                      <a:prstDash val="solid"/>
+                      <a:round/>
+                      <a:headEnd type="none" w="med" len="med"/>
+                      <a:tailEnd type="none" w="med" len="med"/>
+                    </a:lnL>
+                    <a:lnR w="12700" cmpd="sng">
+                      <a:noFill/>
+                    </a:lnR>
+                    <a:lnT w="9525" cap="flat" cmpd="sng" algn="ctr">
+                      <a:solidFill>
+                        <a:schemeClr val="tx1">
+                          <a:lumMod val="60000"/>
+                          <a:lumOff val="40000"/>
+                        </a:schemeClr>
+                      </a:solidFill>
+                      <a:prstDash val="solid"/>
+                      <a:round/>
+                      <a:headEnd type="none" w="med" len="med"/>
+                      <a:tailEnd type="none" w="med" len="med"/>
+                    </a:lnT>
+                    <a:lnB w="9525" cap="flat" cmpd="sng" algn="ctr">
+                      <a:solidFill>
+                        <a:schemeClr val="tx1">
+                          <a:lumMod val="60000"/>
+                          <a:lumOff val="40000"/>
+                        </a:schemeClr>
+                      </a:solidFill>
+                      <a:prstDash val="solid"/>
+                      <a:round/>
+                      <a:headEnd type="none" w="med" len="med"/>
+                      <a:tailEnd type="none" w="med" len="med"/>
+                    </a:lnB>
+                    <a:lnTlToBr w="12700" cmpd="sng">
+                      <a:noFill/>
+                      <a:prstDash val="solid"/>
+                    </a:lnTlToBr>
+                    <a:lnBlToTr w="12700" cmpd="sng">
+                      <a:noFill/>
+                      <a:prstDash val="solid"/>
+                    </a:lnBlToTr>
+                    <a:solidFill>
+                      <a:schemeClr val="bg1"/>
+                    </a:solidFill>
+                  </a:tcPr>
                 </a:tc>
                 <a:extLst>
                   <a:ext uri="{0D108BD9-81ED-4DB2-BD59-A6C34878D82A}">
-                    <a16:rowId xmlns:a16="http://schemas.microsoft.com/office/drawing/2014/main" val="2007996900"/>
+                    <a16:rowId xmlns:a16="http://schemas.microsoft.com/office/drawing/2014/main" val="1439682185"/>
                   </a:ext>
                 </a:extLst>
               </a:tr>
@@ -5204,79 +9061,10 @@
           </a:graphicData>
         </a:graphic>
       </p:graphicFrame>
-      <p:sp>
-        <p:nvSpPr>
-          <p:cNvPr id="5" name="Rectangle 1">
-            <a:extLst>
-              <a:ext uri="{FF2B5EF4-FFF2-40B4-BE49-F238E27FC236}">
-                <a16:creationId xmlns:a16="http://schemas.microsoft.com/office/drawing/2014/main" id="{6C6C3E34-D843-B32C-4343-82D77D49F209}"/>
-              </a:ext>
-            </a:extLst>
-          </p:cNvPr>
-          <p:cNvSpPr>
-            <a:spLocks noChangeArrowheads="1"/>
-          </p:cNvSpPr>
-          <p:nvPr/>
-        </p:nvSpPr>
-        <p:spPr bwMode="auto">
-          <a:xfrm>
-            <a:off x="0" y="0"/>
-            <a:ext cx="12192000" cy="457200"/>
-          </a:xfrm>
-          <a:prstGeom prst="rect">
-            <a:avLst/>
-          </a:prstGeom>
-          <a:noFill/>
-          <a:ln>
-            <a:noFill/>
-          </a:ln>
-          <a:effectLst/>
-          <a:extLst>
-            <a:ext uri="{909E8E84-426E-40DD-AFC4-6F175D3DCCD1}">
-              <a14:hiddenFill xmlns:a14="http://schemas.microsoft.com/office/drawing/2010/main">
-                <a:solidFill>
-                  <a:schemeClr val="accent1"/>
-                </a:solidFill>
-              </a14:hiddenFill>
-            </a:ext>
-            <a:ext uri="{91240B29-F687-4F45-9708-019B960494DF}">
-              <a14:hiddenLine xmlns:a14="http://schemas.microsoft.com/office/drawing/2010/main" w="9525">
-                <a:solidFill>
-                  <a:schemeClr val="tx1"/>
-                </a:solidFill>
-                <a:miter lim="800000"/>
-                <a:headEnd/>
-                <a:tailEnd/>
-              </a14:hiddenLine>
-            </a:ext>
-            <a:ext uri="{AF507438-7753-43E0-B8FC-AC1667EBCBE1}">
-              <a14:hiddenEffects xmlns:a14="http://schemas.microsoft.com/office/drawing/2010/main">
-                <a:effectLst>
-                  <a:outerShdw dist="35921" dir="2700000" algn="ctr" rotWithShape="0">
-                    <a:schemeClr val="bg2"/>
-                  </a:outerShdw>
-                </a:effectLst>
-              </a14:hiddenEffects>
-            </a:ext>
-          </a:extLst>
-        </p:spPr>
-        <p:txBody>
-          <a:bodyPr vert="horz" wrap="none" lIns="91440" tIns="45720" rIns="91440" bIns="45720" numCol="1" anchor="ctr" anchorCtr="0" compatLnSpc="1">
-            <a:prstTxWarp prst="textNoShape">
-              <a:avLst/>
-            </a:prstTxWarp>
-            <a:spAutoFit/>
-          </a:bodyPr>
-          <a:lstStyle/>
-          <a:p>
-            <a:endParaRPr lang="ko-KR" altLang="en-US"/>
-          </a:p>
-        </p:txBody>
-      </p:sp>
     </p:spTree>
     <p:extLst>
       <p:ext uri="{BB962C8B-B14F-4D97-AF65-F5344CB8AC3E}">
-        <p14:creationId xmlns:p14="http://schemas.microsoft.com/office/powerpoint/2010/main" val="3822854704"/>
+        <p14:creationId xmlns:p14="http://schemas.microsoft.com/office/powerpoint/2010/main" val="1093036882"/>
       </p:ext>
     </p:extLst>
   </p:cSld>
@@ -5303,494 +9091,309 @@
           <a:chExt cx="0" cy="0"/>
         </a:xfrm>
       </p:grpSpPr>
+      <p:cxnSp>
+        <p:nvCxnSpPr>
+          <p:cNvPr id="3" name="직선 연결선 2">
+            <a:extLst>
+              <a:ext uri="{FF2B5EF4-FFF2-40B4-BE49-F238E27FC236}">
+                <a16:creationId xmlns:a16="http://schemas.microsoft.com/office/drawing/2014/main" id="{E3FBA607-E7FC-B7F8-2868-BC448F31F790}"/>
+              </a:ext>
+            </a:extLst>
+          </p:cNvPr>
+          <p:cNvCxnSpPr/>
+          <p:nvPr/>
+        </p:nvCxnSpPr>
+        <p:spPr>
+          <a:xfrm>
+            <a:off x="144378" y="160422"/>
+            <a:ext cx="12060000" cy="0"/>
+          </a:xfrm>
+          <a:prstGeom prst="line">
+            <a:avLst/>
+          </a:prstGeom>
+          <a:ln w="76200">
+            <a:solidFill>
+              <a:schemeClr val="accent1"/>
+            </a:solidFill>
+          </a:ln>
+        </p:spPr>
+        <p:style>
+          <a:lnRef idx="1">
+            <a:schemeClr val="accent1"/>
+          </a:lnRef>
+          <a:fillRef idx="0">
+            <a:schemeClr val="accent1"/>
+          </a:fillRef>
+          <a:effectRef idx="0">
+            <a:schemeClr val="accent1"/>
+          </a:effectRef>
+          <a:fontRef idx="minor">
+            <a:schemeClr val="tx1"/>
+          </a:fontRef>
+        </p:style>
+      </p:cxnSp>
       <p:sp>
         <p:nvSpPr>
-          <p:cNvPr id="2" name="제목 1">
-            <a:extLst>
-              <a:ext uri="{FF2B5EF4-FFF2-40B4-BE49-F238E27FC236}">
-                <a16:creationId xmlns:a16="http://schemas.microsoft.com/office/drawing/2014/main" id="{66D4E9E8-B80E-18EF-831B-1A9679289783}"/>
-              </a:ext>
-            </a:extLst>
-          </p:cNvPr>
-          <p:cNvSpPr>
-            <a:spLocks noGrp="1"/>
-          </p:cNvSpPr>
-          <p:nvPr>
-            <p:ph type="title"/>
-          </p:nvPr>
+          <p:cNvPr id="5" name="TextBox 4">
+            <a:extLst>
+              <a:ext uri="{FF2B5EF4-FFF2-40B4-BE49-F238E27FC236}">
+                <a16:creationId xmlns:a16="http://schemas.microsoft.com/office/drawing/2014/main" id="{3251639B-29EB-6E9D-733B-6F917838F571}"/>
+              </a:ext>
+            </a:extLst>
+          </p:cNvPr>
+          <p:cNvSpPr txBox="1"/>
+          <p:nvPr/>
         </p:nvSpPr>
-        <p:spPr/>
+        <p:spPr>
+          <a:xfrm>
+            <a:off x="1163052" y="272716"/>
+            <a:ext cx="5012911" cy="523220"/>
+          </a:xfrm>
+          <a:prstGeom prst="rect">
+            <a:avLst/>
+          </a:prstGeom>
+          <a:noFill/>
+        </p:spPr>
         <p:txBody>
-          <a:bodyPr/>
+          <a:bodyPr wrap="none" rtlCol="0">
+            <a:spAutoFit/>
+          </a:bodyPr>
           <a:lstStyle/>
           <a:p>
             <a:r>
-              <a:rPr lang="ko-KR" altLang="en-US" dirty="0"/>
+              <a:rPr lang="ko-KR" altLang="en-US" sz="2800" b="1" spc="-300" dirty="0">
+                <a:solidFill>
+                  <a:schemeClr val="accent1"/>
+                </a:solidFill>
+              </a:rPr>
+              <a:t>주제선정 </a:t>
+            </a:r>
+            <a:r>
+              <a:rPr lang="en-US" altLang="ko-KR" sz="2800" b="1" spc="-300" dirty="0">
+                <a:solidFill>
+                  <a:schemeClr val="accent1"/>
+                </a:solidFill>
+              </a:rPr>
+              <a:t>&gt; </a:t>
+            </a:r>
+            <a:r>
+              <a:rPr lang="ko-KR" altLang="en-US" sz="2800" b="1" spc="-300" dirty="0">
+                <a:solidFill>
+                  <a:schemeClr val="accent1"/>
+                </a:solidFill>
+              </a:rPr>
               <a:t>프로젝트 개요 및 목표</a:t>
             </a:r>
           </a:p>
         </p:txBody>
       </p:sp>
+      <p:cxnSp>
+        <p:nvCxnSpPr>
+          <p:cNvPr id="6" name="직선 연결선 5">
+            <a:extLst>
+              <a:ext uri="{FF2B5EF4-FFF2-40B4-BE49-F238E27FC236}">
+                <a16:creationId xmlns:a16="http://schemas.microsoft.com/office/drawing/2014/main" id="{227D3D02-66A7-B0C0-2CF2-A0900C18861C}"/>
+              </a:ext>
+            </a:extLst>
+          </p:cNvPr>
+          <p:cNvCxnSpPr/>
+          <p:nvPr/>
+        </p:nvCxnSpPr>
+        <p:spPr>
+          <a:xfrm>
+            <a:off x="144378" y="6737685"/>
+            <a:ext cx="12060000" cy="0"/>
+          </a:xfrm>
+          <a:prstGeom prst="line">
+            <a:avLst/>
+          </a:prstGeom>
+          <a:ln w="3175">
+            <a:solidFill>
+              <a:schemeClr val="accent1"/>
+            </a:solidFill>
+          </a:ln>
+        </p:spPr>
+        <p:style>
+          <a:lnRef idx="1">
+            <a:schemeClr val="accent1"/>
+          </a:lnRef>
+          <a:fillRef idx="0">
+            <a:schemeClr val="accent1"/>
+          </a:fillRef>
+          <a:effectRef idx="0">
+            <a:schemeClr val="accent1"/>
+          </a:effectRef>
+          <a:fontRef idx="minor">
+            <a:schemeClr val="tx1"/>
+          </a:fontRef>
+        </p:style>
+      </p:cxnSp>
       <p:sp>
         <p:nvSpPr>
-          <p:cNvPr id="3" name="내용 개체 틀 2">
-            <a:extLst>
-              <a:ext uri="{FF2B5EF4-FFF2-40B4-BE49-F238E27FC236}">
-                <a16:creationId xmlns:a16="http://schemas.microsoft.com/office/drawing/2014/main" id="{3731EC6B-EB88-01D0-4225-76D8E0CDAE21}"/>
-              </a:ext>
-            </a:extLst>
-          </p:cNvPr>
-          <p:cNvSpPr>
-            <a:spLocks noGrp="1"/>
-          </p:cNvSpPr>
-          <p:nvPr>
-            <p:ph idx="1"/>
-          </p:nvPr>
+          <p:cNvPr id="4" name="TextBox 3">
+            <a:extLst>
+              <a:ext uri="{FF2B5EF4-FFF2-40B4-BE49-F238E27FC236}">
+                <a16:creationId xmlns:a16="http://schemas.microsoft.com/office/drawing/2014/main" id="{8827C9F7-F6C2-6483-4C68-8395E27DC396}"/>
+              </a:ext>
+            </a:extLst>
+          </p:cNvPr>
+          <p:cNvSpPr txBox="1"/>
+          <p:nvPr/>
         </p:nvSpPr>
-        <p:spPr/>
+        <p:spPr>
+          <a:xfrm>
+            <a:off x="3359020" y="2705878"/>
+            <a:ext cx="4180115" cy="2031325"/>
+          </a:xfrm>
+          <a:prstGeom prst="rect">
+            <a:avLst/>
+          </a:prstGeom>
+          <a:noFill/>
+        </p:spPr>
         <p:txBody>
-          <a:bodyPr/>
+          <a:bodyPr wrap="square" rtlCol="0">
+            <a:spAutoFit/>
+          </a:bodyPr>
           <a:lstStyle/>
           <a:p>
-            <a:pPr algn="just" latinLnBrk="1">
-              <a:lnSpc>
-                <a:spcPct val="115000"/>
-              </a:lnSpc>
-              <a:spcAft>
-                <a:spcPts val="1000"/>
-              </a:spcAft>
-            </a:pPr>
-            <a:r>
-              <a:rPr lang="ko-KR" altLang="ko-KR" sz="1800" kern="100" dirty="0">
+            <a:r>
+              <a:rPr lang="ko-KR" altLang="en-US" b="0" i="0">
+                <a:solidFill>
+                  <a:srgbClr val="DBDEE1"/>
+                </a:solidFill>
                 <a:effectLst/>
-                <a:latin typeface="맑은 고딕" panose="020B0503020000020004" pitchFamily="50" charset="-127"/>
-                <a:ea typeface="맑은 고딕" panose="020B0503020000020004" pitchFamily="50" charset="-127"/>
-                <a:cs typeface="Times New Roman" panose="02020603050405020304" pitchFamily="18" charset="0"/>
+                <a:latin typeface="gg sans"/>
               </a:rPr>
-              <a:t>부모의 출산 나이와 아기의 장애 </a:t>
-            </a:r>
-            <a:r>
-              <a:rPr lang="ko-KR" altLang="ko-KR" sz="1800" kern="100" dirty="0" err="1">
+              <a:t>개요 노산과 장애의 상관관계를 도출하고자 연도별 출산한 부</a:t>
+            </a:r>
+            <a:r>
+              <a:rPr lang="en-US" altLang="ko-KR" b="0" i="0">
+                <a:solidFill>
+                  <a:srgbClr val="DBDEE1"/>
+                </a:solidFill>
                 <a:effectLst/>
-                <a:latin typeface="맑은 고딕" panose="020B0503020000020004" pitchFamily="50" charset="-127"/>
-                <a:ea typeface="맑은 고딕" panose="020B0503020000020004" pitchFamily="50" charset="-127"/>
-                <a:cs typeface="Times New Roman" panose="02020603050405020304" pitchFamily="18" charset="0"/>
-              </a:rPr>
-              <a:t>발생율</a:t>
-            </a:r>
-            <a:r>
-              <a:rPr lang="ko-KR" altLang="ko-KR" sz="1800" kern="100" dirty="0">
-                <a:effectLst/>
-                <a:latin typeface="맑은 고딕" panose="020B0503020000020004" pitchFamily="50" charset="-127"/>
-                <a:ea typeface="맑은 고딕" panose="020B0503020000020004" pitchFamily="50" charset="-127"/>
-                <a:cs typeface="Times New Roman" panose="02020603050405020304" pitchFamily="18" charset="0"/>
-              </a:rPr>
-              <a:t> 데이터를 가지고 상관관계를 확인해 부</a:t>
-            </a:r>
-            <a:r>
-              <a:rPr lang="en-US" altLang="ko-KR" sz="1800" kern="100" dirty="0">
-                <a:effectLst/>
-                <a:latin typeface="맑은 고딕" panose="020B0503020000020004" pitchFamily="50" charset="-127"/>
-                <a:ea typeface="맑은 고딕" panose="020B0503020000020004" pitchFamily="50" charset="-127"/>
-                <a:cs typeface="Times New Roman" panose="02020603050405020304" pitchFamily="18" charset="0"/>
+                <a:latin typeface="gg sans"/>
               </a:rPr>
               <a:t>, </a:t>
             </a:r>
             <a:r>
-              <a:rPr lang="ko-KR" altLang="ko-KR" sz="1800" kern="100" dirty="0">
+              <a:rPr lang="ko-KR" altLang="en-US" b="0" i="0">
+                <a:solidFill>
+                  <a:srgbClr val="DBDEE1"/>
+                </a:solidFill>
                 <a:effectLst/>
-                <a:latin typeface="맑은 고딕" panose="020B0503020000020004" pitchFamily="50" charset="-127"/>
-                <a:ea typeface="맑은 고딕" panose="020B0503020000020004" pitchFamily="50" charset="-127"/>
-                <a:cs typeface="Times New Roman" panose="02020603050405020304" pitchFamily="18" charset="0"/>
+                <a:latin typeface="gg sans"/>
               </a:rPr>
-              <a:t>모의 나이가 아기의 장애 발</a:t>
-            </a:r>
-          </a:p>
-          <a:p>
-            <a:pPr algn="just" latinLnBrk="1">
-              <a:lnSpc>
-                <a:spcPct val="115000"/>
-              </a:lnSpc>
-              <a:spcAft>
-                <a:spcPts val="1000"/>
-              </a:spcAft>
-            </a:pPr>
-            <a:r>
-              <a:rPr lang="ko-KR" altLang="ko-KR" sz="1800" kern="100" dirty="0">
+              <a:t>모의 나이 중 출산이 많은 </a:t>
+            </a:r>
+            <a:r>
+              <a:rPr lang="en-US" altLang="ko-KR" b="0" i="0">
+                <a:solidFill>
+                  <a:srgbClr val="DBDEE1"/>
+                </a:solidFill>
                 <a:effectLst/>
-                <a:latin typeface="맑은 고딕" panose="020B0503020000020004" pitchFamily="50" charset="-127"/>
-                <a:ea typeface="맑은 고딕" panose="020B0503020000020004" pitchFamily="50" charset="-127"/>
-                <a:cs typeface="Times New Roman" panose="02020603050405020304" pitchFamily="18" charset="0"/>
+                <a:latin typeface="gg sans"/>
               </a:rPr>
-              <a:t>생사이에 연관성이 있는지 확인할 수 있다</a:t>
-            </a:r>
-            <a:r>
-              <a:rPr lang="en-US" altLang="ko-KR" sz="1800" kern="100" dirty="0">
+              <a:t>20</a:t>
+            </a:r>
+            <a:r>
+              <a:rPr lang="ko-KR" altLang="en-US" b="0" i="0">
+                <a:solidFill>
+                  <a:srgbClr val="DBDEE1"/>
+                </a:solidFill>
                 <a:effectLst/>
-                <a:latin typeface="맑은 고딕" panose="020B0503020000020004" pitchFamily="50" charset="-127"/>
-                <a:ea typeface="맑은 고딕" panose="020B0503020000020004" pitchFamily="50" charset="-127"/>
-                <a:cs typeface="Times New Roman" panose="02020603050405020304" pitchFamily="18" charset="0"/>
+                <a:latin typeface="gg sans"/>
               </a:rPr>
-              <a:t>.</a:t>
-            </a:r>
-            <a:endParaRPr lang="ko-KR" altLang="ko-KR" sz="1800" kern="100" dirty="0">
-              <a:effectLst/>
-              <a:latin typeface="맑은 고딕" panose="020B0503020000020004" pitchFamily="50" charset="-127"/>
-              <a:ea typeface="맑은 고딕" panose="020B0503020000020004" pitchFamily="50" charset="-127"/>
-              <a:cs typeface="Times New Roman" panose="02020603050405020304" pitchFamily="18" charset="0"/>
-            </a:endParaRPr>
-          </a:p>
-          <a:p>
+              <a:t>대부터 </a:t>
+            </a:r>
+            <a:r>
+              <a:rPr lang="en-US" altLang="ko-KR" b="0" i="0">
+                <a:solidFill>
+                  <a:srgbClr val="DBDEE1"/>
+                </a:solidFill>
+                <a:effectLst/>
+                <a:latin typeface="gg sans"/>
+              </a:rPr>
+              <a:t>40</a:t>
+            </a:r>
+            <a:r>
+              <a:rPr lang="ko-KR" altLang="en-US" b="0" i="0">
+                <a:solidFill>
+                  <a:srgbClr val="DBDEE1"/>
+                </a:solidFill>
+                <a:effectLst/>
+                <a:latin typeface="gg sans"/>
+              </a:rPr>
+              <a:t>대까지의 출산율과 장애아동 발생율을 비교해보았다</a:t>
+            </a:r>
+            <a:r>
+              <a:rPr lang="en-US" altLang="ko-KR" b="0" i="0">
+                <a:solidFill>
+                  <a:srgbClr val="DBDEE1"/>
+                </a:solidFill>
+                <a:effectLst/>
+                <a:latin typeface="gg sans"/>
+              </a:rPr>
+              <a:t>. </a:t>
+            </a:r>
+            <a:r>
+              <a:rPr lang="ko-KR" altLang="en-US" b="0" i="0">
+                <a:solidFill>
+                  <a:srgbClr val="DBDEE1"/>
+                </a:solidFill>
+                <a:effectLst/>
+                <a:latin typeface="gg sans"/>
+              </a:rPr>
+              <a:t>목적 부</a:t>
+            </a:r>
+            <a:r>
+              <a:rPr lang="en-US" altLang="ko-KR" b="0" i="0">
+                <a:solidFill>
+                  <a:srgbClr val="DBDEE1"/>
+                </a:solidFill>
+                <a:effectLst/>
+                <a:latin typeface="gg sans"/>
+              </a:rPr>
+              <a:t>, </a:t>
+            </a:r>
+            <a:r>
+              <a:rPr lang="ko-KR" altLang="en-US" b="0" i="0">
+                <a:solidFill>
+                  <a:srgbClr val="DBDEE1"/>
+                </a:solidFill>
+                <a:effectLst/>
+                <a:latin typeface="gg sans"/>
+              </a:rPr>
+              <a:t>모의 출산 나이를 장애아동 발생율과 각각 비교하여 부</a:t>
+            </a:r>
+            <a:r>
+              <a:rPr lang="en-US" altLang="ko-KR" b="0" i="0">
+                <a:solidFill>
+                  <a:srgbClr val="DBDEE1"/>
+                </a:solidFill>
+                <a:effectLst/>
+                <a:latin typeface="gg sans"/>
+              </a:rPr>
+              <a:t>, </a:t>
+            </a:r>
+            <a:r>
+              <a:rPr lang="ko-KR" altLang="en-US" b="0" i="0">
+                <a:solidFill>
+                  <a:srgbClr val="DBDEE1"/>
+                </a:solidFill>
+                <a:effectLst/>
+                <a:latin typeface="gg sans"/>
+              </a:rPr>
+              <a:t>모의 나이가 장애아동 발생에 영향을 주는 지 확인</a:t>
+            </a:r>
             <a:endParaRPr lang="ko-KR" altLang="en-US" dirty="0"/>
           </a:p>
         </p:txBody>
       </p:sp>
-      <p:graphicFrame>
-        <p:nvGraphicFramePr>
-          <p:cNvPr id="4" name="표 3">
-            <a:extLst>
-              <a:ext uri="{FF2B5EF4-FFF2-40B4-BE49-F238E27FC236}">
-                <a16:creationId xmlns:a16="http://schemas.microsoft.com/office/drawing/2014/main" id="{E257A4CE-F78D-AF44-7BA7-3DFB85B515EF}"/>
-              </a:ext>
-            </a:extLst>
-          </p:cNvPr>
-          <p:cNvGraphicFramePr>
-            <a:graphicFrameLocks noGrp="1"/>
-          </p:cNvGraphicFramePr>
-          <p:nvPr>
-            <p:extLst>
-              <p:ext uri="{D42A27DB-BD31-4B8C-83A1-F6EECF244321}">
-                <p14:modId xmlns:p14="http://schemas.microsoft.com/office/powerpoint/2010/main" val="1295987273"/>
-              </p:ext>
-            </p:extLst>
-          </p:nvPr>
-        </p:nvGraphicFramePr>
-        <p:xfrm>
-          <a:off x="3329623" y="2058541"/>
-          <a:ext cx="4347528" cy="4078288"/>
-        </p:xfrm>
-        <a:graphic>
-          <a:graphicData uri="http://schemas.openxmlformats.org/drawingml/2006/table">
-            <a:tbl>
-              <a:tblPr firstRow="1" firstCol="1" bandRow="1">
-                <a:tableStyleId>{5C22544A-7EE6-4342-B048-85BDC9FD1C3A}</a:tableStyleId>
-              </a:tblPr>
-              <a:tblGrid>
-                <a:gridCol w="4347528">
-                  <a:extLst>
-                    <a:ext uri="{9D8B030D-6E8A-4147-A177-3AD203B41FA5}">
-                      <a16:colId xmlns:a16="http://schemas.microsoft.com/office/drawing/2014/main" val="2022671373"/>
-                    </a:ext>
-                  </a:extLst>
-                </a:gridCol>
-              </a:tblGrid>
-              <a:tr h="2088705">
-                <a:tc>
-                  <a:txBody>
-                    <a:bodyPr/>
-                    <a:lstStyle/>
-                    <a:p>
-                      <a:pPr algn="l" latinLnBrk="1">
-                        <a:lnSpc>
-                          <a:spcPct val="115000"/>
-                        </a:lnSpc>
-                        <a:spcAft>
-                          <a:spcPts val="1000"/>
-                        </a:spcAft>
-                      </a:pPr>
-                      <a:r>
-                        <a:rPr lang="ko-KR" sz="1100" kern="100" dirty="0">
-                          <a:effectLst/>
-                        </a:rPr>
-                        <a:t>■ 제안 배경</a:t>
-                      </a:r>
-                      <a:endParaRPr lang="ko-KR" sz="1000" kern="100" dirty="0">
-                        <a:effectLst/>
-                      </a:endParaRPr>
-                    </a:p>
-                    <a:p>
-                      <a:pPr algn="l" latinLnBrk="1">
-                        <a:lnSpc>
-                          <a:spcPct val="115000"/>
-                        </a:lnSpc>
-                        <a:spcAft>
-                          <a:spcPts val="1000"/>
-                        </a:spcAft>
-                      </a:pPr>
-                      <a:r>
-                        <a:rPr lang="en-US" sz="1100" kern="100" dirty="0">
-                          <a:effectLst/>
-                        </a:rPr>
-                        <a:t>- </a:t>
-                      </a:r>
-                      <a:r>
-                        <a:rPr lang="ko-KR" sz="1100" kern="100" dirty="0">
-                          <a:effectLst/>
-                        </a:rPr>
-                        <a:t>저출산 문제와 더불어 사회적 문제가 되는 </a:t>
-                      </a:r>
-                      <a:r>
-                        <a:rPr lang="ko-KR" sz="1100" kern="100" dirty="0" err="1">
-                          <a:effectLst/>
-                        </a:rPr>
-                        <a:t>노산이</a:t>
-                      </a:r>
-                      <a:r>
-                        <a:rPr lang="ko-KR" sz="1100" kern="100" dirty="0">
-                          <a:effectLst/>
-                        </a:rPr>
-                        <a:t> 끼치는 영향</a:t>
-                      </a:r>
-                      <a:endParaRPr lang="ko-KR" sz="1000" kern="100" dirty="0">
-                        <a:effectLst/>
-                      </a:endParaRPr>
-                    </a:p>
-                    <a:p>
-                      <a:pPr algn="l" latinLnBrk="1">
-                        <a:lnSpc>
-                          <a:spcPct val="115000"/>
-                        </a:lnSpc>
-                        <a:spcAft>
-                          <a:spcPts val="1000"/>
-                        </a:spcAft>
-                      </a:pPr>
-                      <a:r>
-                        <a:rPr lang="en-US" sz="1100" kern="100" dirty="0">
-                          <a:effectLst/>
-                        </a:rPr>
-                        <a:t>- </a:t>
-                      </a:r>
-                      <a:endParaRPr lang="ko-KR" sz="1000" kern="100" dirty="0">
-                        <a:effectLst/>
-                      </a:endParaRPr>
-                    </a:p>
-                    <a:p>
-                      <a:pPr algn="l" latinLnBrk="1">
-                        <a:lnSpc>
-                          <a:spcPct val="115000"/>
-                        </a:lnSpc>
-                        <a:spcAft>
-                          <a:spcPts val="1000"/>
-                        </a:spcAft>
-                      </a:pPr>
-                      <a:r>
-                        <a:rPr lang="en-US" sz="1100" kern="100" dirty="0">
-                          <a:effectLst/>
-                        </a:rPr>
-                        <a:t>-</a:t>
-                      </a:r>
-                      <a:endParaRPr lang="ko-KR" sz="1000" kern="100" dirty="0">
-                        <a:effectLst/>
-                      </a:endParaRPr>
-                    </a:p>
-                    <a:p>
-                      <a:pPr algn="l" latinLnBrk="1">
-                        <a:lnSpc>
-                          <a:spcPct val="115000"/>
-                        </a:lnSpc>
-                        <a:spcAft>
-                          <a:spcPts val="1000"/>
-                        </a:spcAft>
-                      </a:pPr>
-                      <a:r>
-                        <a:rPr lang="en-US" sz="1100" kern="100" dirty="0">
-                          <a:effectLst/>
-                        </a:rPr>
-                        <a:t> </a:t>
-                      </a:r>
-                      <a:endParaRPr lang="ko-KR" sz="1000" kern="100" dirty="0">
-                        <a:effectLst/>
-                      </a:endParaRPr>
-                    </a:p>
-                    <a:p>
-                      <a:pPr algn="l" latinLnBrk="1">
-                        <a:lnSpc>
-                          <a:spcPct val="115000"/>
-                        </a:lnSpc>
-                        <a:spcAft>
-                          <a:spcPts val="1000"/>
-                        </a:spcAft>
-                      </a:pPr>
-                      <a:r>
-                        <a:rPr lang="ko-KR" sz="1100" kern="100" dirty="0">
-                          <a:effectLst/>
-                        </a:rPr>
-                        <a:t>■ 필요성 및 차별성</a:t>
-                      </a:r>
-                      <a:endParaRPr lang="ko-KR" sz="1000" kern="100" dirty="0">
-                        <a:effectLst/>
-                      </a:endParaRPr>
-                    </a:p>
-                    <a:p>
-                      <a:pPr algn="l" latinLnBrk="1">
-                        <a:lnSpc>
-                          <a:spcPct val="115000"/>
-                        </a:lnSpc>
-                        <a:spcAft>
-                          <a:spcPts val="1000"/>
-                        </a:spcAft>
-                      </a:pPr>
-                      <a:r>
-                        <a:rPr lang="en-US" sz="1100" kern="100" dirty="0">
-                          <a:effectLst/>
-                        </a:rPr>
-                        <a:t>- </a:t>
-                      </a:r>
-                      <a:r>
-                        <a:rPr lang="ko-KR" sz="1100" kern="100" dirty="0" err="1">
-                          <a:effectLst/>
-                        </a:rPr>
-                        <a:t>노산이</a:t>
-                      </a:r>
-                      <a:r>
-                        <a:rPr lang="ko-KR" sz="1100" kern="100" dirty="0">
-                          <a:effectLst/>
-                        </a:rPr>
-                        <a:t> 실질적으로 장애아동의 출생에 영향을 미치는지에 대한 지표 확인</a:t>
-                      </a:r>
-                      <a:endParaRPr lang="ko-KR" sz="1000" kern="100" dirty="0">
-                        <a:effectLst/>
-                      </a:endParaRPr>
-                    </a:p>
-                    <a:p>
-                      <a:pPr algn="l" latinLnBrk="1">
-                        <a:lnSpc>
-                          <a:spcPct val="115000"/>
-                        </a:lnSpc>
-                        <a:spcAft>
-                          <a:spcPts val="1000"/>
-                        </a:spcAft>
-                      </a:pPr>
-                      <a:r>
-                        <a:rPr lang="en-US" sz="1100" kern="100" dirty="0">
-                          <a:effectLst/>
-                        </a:rPr>
-                        <a:t>- </a:t>
-                      </a:r>
-                      <a:r>
-                        <a:rPr lang="ko-KR" sz="1100" kern="100" dirty="0">
-                          <a:effectLst/>
-                        </a:rPr>
-                        <a:t>여성과 남성의 </a:t>
-                      </a:r>
-                      <a:r>
-                        <a:rPr lang="ko-KR" sz="1100" kern="100" dirty="0" err="1">
-                          <a:effectLst/>
-                        </a:rPr>
-                        <a:t>노산을</a:t>
-                      </a:r>
-                      <a:r>
-                        <a:rPr lang="ko-KR" sz="1100" kern="100" dirty="0">
-                          <a:effectLst/>
-                        </a:rPr>
-                        <a:t> 따로 비교함으로써 두 집단 모두 출산에 영향을 미치고 있음을 확인한다</a:t>
-                      </a:r>
-                      <a:r>
-                        <a:rPr lang="en-US" sz="1100" kern="100" dirty="0">
-                          <a:effectLst/>
-                        </a:rPr>
-                        <a:t>.</a:t>
-                      </a:r>
-                      <a:endParaRPr lang="ko-KR" sz="1000" kern="100" dirty="0">
-                        <a:effectLst/>
-                      </a:endParaRPr>
-                    </a:p>
-                    <a:p>
-                      <a:pPr algn="l" latinLnBrk="1">
-                        <a:lnSpc>
-                          <a:spcPct val="115000"/>
-                        </a:lnSpc>
-                        <a:spcAft>
-                          <a:spcPts val="1000"/>
-                        </a:spcAft>
-                      </a:pPr>
-                      <a:r>
-                        <a:rPr lang="en-US" sz="1100" kern="100" dirty="0">
-                          <a:effectLst/>
-                        </a:rPr>
-                        <a:t>-</a:t>
-                      </a:r>
-                      <a:endParaRPr lang="ko-KR" sz="1000" kern="100" dirty="0">
-                        <a:effectLst/>
-                      </a:endParaRPr>
-                    </a:p>
-                    <a:p>
-                      <a:pPr algn="l" latinLnBrk="1">
-                        <a:lnSpc>
-                          <a:spcPct val="115000"/>
-                        </a:lnSpc>
-                        <a:spcAft>
-                          <a:spcPts val="1000"/>
-                        </a:spcAft>
-                      </a:pPr>
-                      <a:r>
-                        <a:rPr lang="en-US" sz="1100" kern="100" dirty="0">
-                          <a:effectLst/>
-                        </a:rPr>
-                        <a:t>-</a:t>
-                      </a:r>
-                      <a:endParaRPr lang="ko-KR" sz="1000" kern="100" dirty="0">
-                        <a:effectLst/>
-                      </a:endParaRPr>
-                    </a:p>
-                    <a:p>
-                      <a:pPr algn="l" latinLnBrk="1">
-                        <a:lnSpc>
-                          <a:spcPct val="115000"/>
-                        </a:lnSpc>
-                        <a:spcAft>
-                          <a:spcPts val="1000"/>
-                        </a:spcAft>
-                      </a:pPr>
-                      <a:r>
-                        <a:rPr lang="en-US" sz="1100" kern="100" dirty="0">
-                          <a:effectLst/>
-                        </a:rPr>
-                        <a:t>-</a:t>
-                      </a:r>
-                      <a:endParaRPr lang="ko-KR" sz="1000" kern="100" dirty="0">
-                        <a:effectLst/>
-                      </a:endParaRPr>
-                    </a:p>
-                    <a:p>
-                      <a:pPr algn="l" latinLnBrk="1">
-                        <a:lnSpc>
-                          <a:spcPct val="115000"/>
-                        </a:lnSpc>
-                        <a:spcAft>
-                          <a:spcPts val="1000"/>
-                        </a:spcAft>
-                      </a:pPr>
-                      <a:r>
-                        <a:rPr lang="en-US" sz="1100" kern="100" dirty="0">
-                          <a:effectLst/>
-                        </a:rPr>
-                        <a:t> </a:t>
-                      </a:r>
-                      <a:endParaRPr lang="ko-KR" sz="1000" kern="100" dirty="0">
-                        <a:effectLst/>
-                        <a:latin typeface="맑은 고딕" panose="020B0503020000020004" pitchFamily="50" charset="-127"/>
-                        <a:ea typeface="맑은 고딕" panose="020B0503020000020004" pitchFamily="50" charset="-127"/>
-                        <a:cs typeface="Times New Roman" panose="02020603050405020304" pitchFamily="18" charset="0"/>
-                      </a:endParaRPr>
-                    </a:p>
-                  </a:txBody>
-                  <a:tcPr marL="68580" marR="68580" marT="0" marB="0"/>
-                </a:tc>
-                <a:extLst>
-                  <a:ext uri="{0D108BD9-81ED-4DB2-BD59-A6C34878D82A}">
-                    <a16:rowId xmlns:a16="http://schemas.microsoft.com/office/drawing/2014/main" val="3301143381"/>
-                  </a:ext>
-                </a:extLst>
-              </a:tr>
-            </a:tbl>
-          </a:graphicData>
-        </a:graphic>
-      </p:graphicFrame>
     </p:spTree>
     <p:extLst>
       <p:ext uri="{BB962C8B-B14F-4D97-AF65-F5344CB8AC3E}">
-        <p14:creationId xmlns:p14="http://schemas.microsoft.com/office/powerpoint/2010/main" val="3583632940"/>
+        <p14:creationId xmlns:p14="http://schemas.microsoft.com/office/powerpoint/2010/main" val="84696046"/>
       </p:ext>
     </p:extLst>
   </p:cSld>
@@ -5817,568 +9420,1431 @@
           <a:chExt cx="0" cy="0"/>
         </a:xfrm>
       </p:grpSpPr>
+      <p:cxnSp>
+        <p:nvCxnSpPr>
+          <p:cNvPr id="3" name="직선 연결선 2">
+            <a:extLst>
+              <a:ext uri="{FF2B5EF4-FFF2-40B4-BE49-F238E27FC236}">
+                <a16:creationId xmlns:a16="http://schemas.microsoft.com/office/drawing/2014/main" id="{E3FBA607-E7FC-B7F8-2868-BC448F31F790}"/>
+              </a:ext>
+            </a:extLst>
+          </p:cNvPr>
+          <p:cNvCxnSpPr/>
+          <p:nvPr/>
+        </p:nvCxnSpPr>
+        <p:spPr>
+          <a:xfrm>
+            <a:off x="144378" y="160422"/>
+            <a:ext cx="12060000" cy="0"/>
+          </a:xfrm>
+          <a:prstGeom prst="line">
+            <a:avLst/>
+          </a:prstGeom>
+          <a:ln w="76200">
+            <a:solidFill>
+              <a:schemeClr val="accent1"/>
+            </a:solidFill>
+          </a:ln>
+        </p:spPr>
+        <p:style>
+          <a:lnRef idx="1">
+            <a:schemeClr val="accent1"/>
+          </a:lnRef>
+          <a:fillRef idx="0">
+            <a:schemeClr val="accent1"/>
+          </a:fillRef>
+          <a:effectRef idx="0">
+            <a:schemeClr val="accent1"/>
+          </a:effectRef>
+          <a:fontRef idx="minor">
+            <a:schemeClr val="tx1"/>
+          </a:fontRef>
+        </p:style>
+      </p:cxnSp>
       <p:sp>
         <p:nvSpPr>
-          <p:cNvPr id="2" name="제목 1">
-            <a:extLst>
-              <a:ext uri="{FF2B5EF4-FFF2-40B4-BE49-F238E27FC236}">
-                <a16:creationId xmlns:a16="http://schemas.microsoft.com/office/drawing/2014/main" id="{E7BA84EE-82EA-294A-1425-FDA0D7BB0A41}"/>
-              </a:ext>
-            </a:extLst>
-          </p:cNvPr>
-          <p:cNvSpPr>
-            <a:spLocks noGrp="1"/>
-          </p:cNvSpPr>
-          <p:nvPr>
-            <p:ph type="title"/>
-          </p:nvPr>
+          <p:cNvPr id="5" name="TextBox 4">
+            <a:extLst>
+              <a:ext uri="{FF2B5EF4-FFF2-40B4-BE49-F238E27FC236}">
+                <a16:creationId xmlns:a16="http://schemas.microsoft.com/office/drawing/2014/main" id="{3251639B-29EB-6E9D-733B-6F917838F571}"/>
+              </a:ext>
+            </a:extLst>
+          </p:cNvPr>
+          <p:cNvSpPr txBox="1"/>
+          <p:nvPr/>
         </p:nvSpPr>
-        <p:spPr/>
+        <p:spPr>
+          <a:xfrm>
+            <a:off x="1163052" y="272716"/>
+            <a:ext cx="1467068" cy="523220"/>
+          </a:xfrm>
+          <a:prstGeom prst="rect">
+            <a:avLst/>
+          </a:prstGeom>
+          <a:noFill/>
+        </p:spPr>
         <p:txBody>
-          <a:bodyPr/>
+          <a:bodyPr wrap="none" rtlCol="0">
+            <a:spAutoFit/>
+          </a:bodyPr>
           <a:lstStyle/>
           <a:p>
             <a:r>
-              <a:rPr lang="ko-KR" altLang="en-US" dirty="0"/>
-              <a:t>자료 수집</a:t>
+              <a:rPr lang="ko-KR" altLang="en-US" sz="2800" b="1" spc="-300" dirty="0">
+                <a:solidFill>
+                  <a:schemeClr val="accent1"/>
+                </a:solidFill>
+              </a:rPr>
+              <a:t>자료수집</a:t>
             </a:r>
           </a:p>
         </p:txBody>
       </p:sp>
+      <p:cxnSp>
+        <p:nvCxnSpPr>
+          <p:cNvPr id="6" name="직선 연결선 5">
+            <a:extLst>
+              <a:ext uri="{FF2B5EF4-FFF2-40B4-BE49-F238E27FC236}">
+                <a16:creationId xmlns:a16="http://schemas.microsoft.com/office/drawing/2014/main" id="{227D3D02-66A7-B0C0-2CF2-A0900C18861C}"/>
+              </a:ext>
+            </a:extLst>
+          </p:cNvPr>
+          <p:cNvCxnSpPr/>
+          <p:nvPr/>
+        </p:nvCxnSpPr>
+        <p:spPr>
+          <a:xfrm>
+            <a:off x="144378" y="6737685"/>
+            <a:ext cx="12060000" cy="0"/>
+          </a:xfrm>
+          <a:prstGeom prst="line">
+            <a:avLst/>
+          </a:prstGeom>
+          <a:ln w="3175">
+            <a:solidFill>
+              <a:schemeClr val="accent1"/>
+            </a:solidFill>
+          </a:ln>
+        </p:spPr>
+        <p:style>
+          <a:lnRef idx="1">
+            <a:schemeClr val="accent1"/>
+          </a:lnRef>
+          <a:fillRef idx="0">
+            <a:schemeClr val="accent1"/>
+          </a:fillRef>
+          <a:effectRef idx="0">
+            <a:schemeClr val="accent1"/>
+          </a:effectRef>
+          <a:fontRef idx="minor">
+            <a:schemeClr val="tx1"/>
+          </a:fontRef>
+        </p:style>
+      </p:cxnSp>
+      <p:graphicFrame>
+        <p:nvGraphicFramePr>
+          <p:cNvPr id="2" name="표 7">
+            <a:extLst>
+              <a:ext uri="{FF2B5EF4-FFF2-40B4-BE49-F238E27FC236}">
+                <a16:creationId xmlns:a16="http://schemas.microsoft.com/office/drawing/2014/main" id="{EE901189-A3F0-994A-EDA1-98BFBC2BB17A}"/>
+              </a:ext>
+            </a:extLst>
+          </p:cNvPr>
+          <p:cNvGraphicFramePr>
+            <a:graphicFrameLocks noGrp="1"/>
+          </p:cNvGraphicFramePr>
+          <p:nvPr>
+            <p:extLst>
+              <p:ext uri="{D42A27DB-BD31-4B8C-83A1-F6EECF244321}">
+                <p14:modId xmlns:p14="http://schemas.microsoft.com/office/powerpoint/2010/main" val="4280783513"/>
+              </p:ext>
+            </p:extLst>
+          </p:nvPr>
+        </p:nvGraphicFramePr>
+        <p:xfrm>
+          <a:off x="1319317" y="1936596"/>
+          <a:ext cx="9424130" cy="2984808"/>
+        </p:xfrm>
+        <a:graphic>
+          <a:graphicData uri="http://schemas.openxmlformats.org/drawingml/2006/table">
+            <a:tbl>
+              <a:tblPr firstRow="1" bandRow="1">
+                <a:tableStyleId>{5C22544A-7EE6-4342-B048-85BDC9FD1C3A}</a:tableStyleId>
+              </a:tblPr>
+              <a:tblGrid>
+                <a:gridCol w="4704348">
+                  <a:extLst>
+                    <a:ext uri="{9D8B030D-6E8A-4147-A177-3AD203B41FA5}">
+                      <a16:colId xmlns:a16="http://schemas.microsoft.com/office/drawing/2014/main" val="388326904"/>
+                    </a:ext>
+                  </a:extLst>
+                </a:gridCol>
+                <a:gridCol w="4719782">
+                  <a:extLst>
+                    <a:ext uri="{9D8B030D-6E8A-4147-A177-3AD203B41FA5}">
+                      <a16:colId xmlns:a16="http://schemas.microsoft.com/office/drawing/2014/main" val="1686686885"/>
+                    </a:ext>
+                  </a:extLst>
+                </a:gridCol>
+              </a:tblGrid>
+              <a:tr h="477848">
+                <a:tc>
+                  <a:txBody>
+                    <a:bodyPr/>
+                    <a:lstStyle/>
+                    <a:p>
+                      <a:pPr algn="ctr" latinLnBrk="1"/>
+                      <a:r>
+                        <a:rPr lang="ko-KR" altLang="en-US" sz="1900" dirty="0">
+                          <a:solidFill>
+                            <a:schemeClr val="tx1"/>
+                          </a:solidFill>
+                        </a:rPr>
+                        <a:t>자료</a:t>
+                      </a:r>
+                    </a:p>
+                  </a:txBody>
+                  <a:tcPr anchor="ctr">
+                    <a:lnL w="12700" cmpd="sng">
+                      <a:noFill/>
+                    </a:lnL>
+                    <a:lnR w="9525" cap="flat" cmpd="sng" algn="ctr">
+                      <a:solidFill>
+                        <a:schemeClr val="tx1">
+                          <a:lumMod val="60000"/>
+                          <a:lumOff val="40000"/>
+                        </a:schemeClr>
+                      </a:solidFill>
+                      <a:prstDash val="solid"/>
+                      <a:round/>
+                      <a:headEnd type="none" w="med" len="med"/>
+                      <a:tailEnd type="none" w="med" len="med"/>
+                    </a:lnR>
+                    <a:lnT w="28575" cap="flat" cmpd="sng" algn="ctr">
+                      <a:solidFill>
+                        <a:schemeClr val="tx1">
+                          <a:lumMod val="60000"/>
+                          <a:lumOff val="40000"/>
+                        </a:schemeClr>
+                      </a:solidFill>
+                      <a:prstDash val="solid"/>
+                      <a:round/>
+                      <a:headEnd type="none" w="med" len="med"/>
+                      <a:tailEnd type="none" w="med" len="med"/>
+                    </a:lnT>
+                    <a:lnB w="9525" cap="flat" cmpd="sng" algn="ctr">
+                      <a:solidFill>
+                        <a:schemeClr val="tx1">
+                          <a:lumMod val="60000"/>
+                          <a:lumOff val="40000"/>
+                        </a:schemeClr>
+                      </a:solidFill>
+                      <a:prstDash val="solid"/>
+                      <a:round/>
+                      <a:headEnd type="none" w="med" len="med"/>
+                      <a:tailEnd type="none" w="med" len="med"/>
+                    </a:lnB>
+                    <a:lnTlToBr w="12700" cmpd="sng">
+                      <a:noFill/>
+                      <a:prstDash val="solid"/>
+                    </a:lnTlToBr>
+                    <a:lnBlToTr w="12700" cmpd="sng">
+                      <a:noFill/>
+                      <a:prstDash val="solid"/>
+                    </a:lnBlToTr>
+                    <a:solidFill>
+                      <a:schemeClr val="accent3">
+                        <a:lumMod val="20000"/>
+                        <a:lumOff val="80000"/>
+                      </a:schemeClr>
+                    </a:solidFill>
+                  </a:tcPr>
+                </a:tc>
+                <a:tc>
+                  <a:txBody>
+                    <a:bodyPr/>
+                    <a:lstStyle/>
+                    <a:p>
+                      <a:pPr algn="ctr" latinLnBrk="1">
+                        <a:lnSpc>
+                          <a:spcPct val="115000"/>
+                        </a:lnSpc>
+                        <a:spcAft>
+                          <a:spcPts val="1000"/>
+                        </a:spcAft>
+                      </a:pPr>
+                      <a:r>
+                        <a:rPr lang="ko-KR" altLang="en-US" sz="1900" kern="100" dirty="0">
+                          <a:solidFill>
+                            <a:schemeClr val="tx1"/>
+                          </a:solidFill>
+                          <a:effectLst/>
+                        </a:rPr>
+                        <a:t>선정</a:t>
+                      </a:r>
+                      <a:r>
+                        <a:rPr lang="ko-KR" sz="1900" kern="100" dirty="0">
+                          <a:solidFill>
+                            <a:schemeClr val="tx1"/>
+                          </a:solidFill>
+                          <a:effectLst/>
+                        </a:rPr>
+                        <a:t> 이유</a:t>
+                      </a:r>
+                      <a:endParaRPr lang="ko-KR" sz="1900" kern="100" dirty="0">
+                        <a:solidFill>
+                          <a:schemeClr val="tx1"/>
+                        </a:solidFill>
+                        <a:effectLst/>
+                        <a:latin typeface="맑은 고딕" panose="020B0503020000020004" pitchFamily="50" charset="-127"/>
+                        <a:ea typeface="맑은 고딕" panose="020B0503020000020004" pitchFamily="50" charset="-127"/>
+                        <a:cs typeface="Times New Roman" panose="02020603050405020304" pitchFamily="18" charset="0"/>
+                      </a:endParaRPr>
+                    </a:p>
+                  </a:txBody>
+                  <a:tcPr marL="68580" marR="68580" marT="0" marB="0" anchor="ctr">
+                    <a:lnL w="9525" cap="flat" cmpd="sng" algn="ctr">
+                      <a:solidFill>
+                        <a:schemeClr val="tx1">
+                          <a:lumMod val="60000"/>
+                          <a:lumOff val="40000"/>
+                        </a:schemeClr>
+                      </a:solidFill>
+                      <a:prstDash val="solid"/>
+                      <a:round/>
+                      <a:headEnd type="none" w="med" len="med"/>
+                      <a:tailEnd type="none" w="med" len="med"/>
+                    </a:lnL>
+                    <a:lnR w="12700" cmpd="sng">
+                      <a:noFill/>
+                    </a:lnR>
+                    <a:lnT w="28575" cap="flat" cmpd="sng" algn="ctr">
+                      <a:solidFill>
+                        <a:schemeClr val="tx1">
+                          <a:lumMod val="60000"/>
+                          <a:lumOff val="40000"/>
+                        </a:schemeClr>
+                      </a:solidFill>
+                      <a:prstDash val="solid"/>
+                      <a:round/>
+                      <a:headEnd type="none" w="med" len="med"/>
+                      <a:tailEnd type="none" w="med" len="med"/>
+                    </a:lnT>
+                    <a:lnB w="9525" cap="flat" cmpd="sng" algn="ctr">
+                      <a:solidFill>
+                        <a:schemeClr val="tx1">
+                          <a:lumMod val="60000"/>
+                          <a:lumOff val="40000"/>
+                        </a:schemeClr>
+                      </a:solidFill>
+                      <a:prstDash val="solid"/>
+                      <a:round/>
+                      <a:headEnd type="none" w="med" len="med"/>
+                      <a:tailEnd type="none" w="med" len="med"/>
+                    </a:lnB>
+                    <a:lnTlToBr w="12700" cmpd="sng">
+                      <a:noFill/>
+                      <a:prstDash val="solid"/>
+                    </a:lnTlToBr>
+                    <a:lnBlToTr w="12700" cmpd="sng">
+                      <a:noFill/>
+                      <a:prstDash val="solid"/>
+                    </a:lnBlToTr>
+                    <a:solidFill>
+                      <a:schemeClr val="accent3">
+                        <a:lumMod val="20000"/>
+                        <a:lumOff val="80000"/>
+                      </a:schemeClr>
+                    </a:solidFill>
+                  </a:tcPr>
+                </a:tc>
+                <a:extLst>
+                  <a:ext uri="{0D108BD9-81ED-4DB2-BD59-A6C34878D82A}">
+                    <a16:rowId xmlns:a16="http://schemas.microsoft.com/office/drawing/2014/main" val="1440097032"/>
+                  </a:ext>
+                </a:extLst>
+              </a:tr>
+              <a:tr h="477848">
+                <a:tc>
+                  <a:txBody>
+                    <a:bodyPr/>
+                    <a:lstStyle/>
+                    <a:p>
+                      <a:pPr algn="just" latinLnBrk="1">
+                        <a:lnSpc>
+                          <a:spcPct val="115000"/>
+                        </a:lnSpc>
+                        <a:spcAft>
+                          <a:spcPts val="1000"/>
+                        </a:spcAft>
+                      </a:pPr>
+                      <a:r>
+                        <a:rPr lang="ko-KR" altLang="en-US" sz="1600" kern="100" dirty="0">
+                          <a:effectLst/>
+                          <a:latin typeface="맑은 고딕" panose="020B0503020000020004" pitchFamily="50" charset="-127"/>
+                          <a:ea typeface="+mn-ea"/>
+                          <a:cs typeface="Times New Roman" panose="02020603050405020304" pitchFamily="18" charset="0"/>
+                        </a:rPr>
+                        <a:t>시도부의 연령</a:t>
+                      </a:r>
+                      <a:r>
+                        <a:rPr lang="en-US" altLang="ko-KR" sz="1600" kern="100" dirty="0">
+                          <a:effectLst/>
+                          <a:latin typeface="맑은 고딕" panose="020B0503020000020004" pitchFamily="50" charset="-127"/>
+                          <a:ea typeface="+mn-ea"/>
+                          <a:cs typeface="Times New Roman" panose="02020603050405020304" pitchFamily="18" charset="0"/>
+                        </a:rPr>
+                        <a:t>(5</a:t>
+                      </a:r>
+                      <a:r>
+                        <a:rPr lang="ko-KR" altLang="en-US" sz="1600" kern="100" dirty="0" err="1">
+                          <a:effectLst/>
+                          <a:latin typeface="맑은 고딕" panose="020B0503020000020004" pitchFamily="50" charset="-127"/>
+                          <a:ea typeface="+mn-ea"/>
+                          <a:cs typeface="Times New Roman" panose="02020603050405020304" pitchFamily="18" charset="0"/>
+                        </a:rPr>
+                        <a:t>세계급</a:t>
+                      </a:r>
+                      <a:r>
+                        <a:rPr lang="en-US" altLang="ko-KR" sz="1600" kern="100" dirty="0">
+                          <a:effectLst/>
+                          <a:latin typeface="맑은 고딕" panose="020B0503020000020004" pitchFamily="50" charset="-127"/>
+                          <a:ea typeface="+mn-ea"/>
+                          <a:cs typeface="Times New Roman" panose="02020603050405020304" pitchFamily="18" charset="0"/>
+                        </a:rPr>
+                        <a:t>)</a:t>
+                      </a:r>
+                      <a:r>
+                        <a:rPr lang="ko-KR" altLang="en-US" sz="1600" kern="100" dirty="0">
+                          <a:effectLst/>
+                          <a:latin typeface="맑은 고딕" panose="020B0503020000020004" pitchFamily="50" charset="-127"/>
+                          <a:ea typeface="+mn-ea"/>
+                          <a:cs typeface="Times New Roman" panose="02020603050405020304" pitchFamily="18" charset="0"/>
+                        </a:rPr>
+                        <a:t>부의 </a:t>
+                      </a:r>
+                      <a:r>
+                        <a:rPr lang="ko-KR" altLang="en-US" sz="1600" kern="100" dirty="0" err="1">
+                          <a:effectLst/>
+                          <a:latin typeface="맑은 고딕" panose="020B0503020000020004" pitchFamily="50" charset="-127"/>
+                          <a:ea typeface="+mn-ea"/>
+                          <a:cs typeface="Times New Roman" panose="02020603050405020304" pitchFamily="18" charset="0"/>
+                        </a:rPr>
+                        <a:t>교육정도별</a:t>
+                      </a:r>
+                      <a:r>
+                        <a:rPr lang="ko-KR" altLang="en-US" sz="1600" kern="100" dirty="0">
+                          <a:effectLst/>
+                          <a:latin typeface="맑은 고딕" panose="020B0503020000020004" pitchFamily="50" charset="-127"/>
+                          <a:ea typeface="+mn-ea"/>
+                          <a:cs typeface="Times New Roman" panose="02020603050405020304" pitchFamily="18" charset="0"/>
+                        </a:rPr>
+                        <a:t> 출생</a:t>
+                      </a:r>
+                      <a:r>
+                        <a:rPr lang="en-US" altLang="ko-KR" sz="1600" kern="100" dirty="0">
+                          <a:effectLst/>
+                          <a:latin typeface="맑은 고딕" panose="020B0503020000020004" pitchFamily="50" charset="-127"/>
+                          <a:ea typeface="+mn-ea"/>
+                          <a:cs typeface="Times New Roman" panose="02020603050405020304" pitchFamily="18" charset="0"/>
+                        </a:rPr>
+                        <a:t>(2008_2021).</a:t>
+                      </a:r>
+                      <a:r>
+                        <a:rPr lang="en-US" altLang="ko-KR" sz="1600" kern="100" dirty="0">
+                          <a:latin typeface="맑은 고딕" panose="020B0503020000020004" pitchFamily="50" charset="-127"/>
+                          <a:ea typeface="+mn-ea"/>
+                          <a:cs typeface="Times New Roman" panose="02020603050405020304" pitchFamily="18" charset="0"/>
+                        </a:rPr>
+                        <a:t>csv</a:t>
+                      </a:r>
+                    </a:p>
+                  </a:txBody>
+                  <a:tcPr anchor="ctr">
+                    <a:lnL w="12700" cmpd="sng">
+                      <a:noFill/>
+                    </a:lnL>
+                    <a:lnR w="9525" cap="flat" cmpd="sng" algn="ctr">
+                      <a:solidFill>
+                        <a:schemeClr val="tx1">
+                          <a:lumMod val="60000"/>
+                          <a:lumOff val="40000"/>
+                        </a:schemeClr>
+                      </a:solidFill>
+                      <a:prstDash val="solid"/>
+                      <a:round/>
+                      <a:headEnd type="none" w="med" len="med"/>
+                      <a:tailEnd type="none" w="med" len="med"/>
+                    </a:lnR>
+                    <a:lnT w="9525" cap="flat" cmpd="sng" algn="ctr">
+                      <a:solidFill>
+                        <a:schemeClr val="tx1">
+                          <a:lumMod val="60000"/>
+                          <a:lumOff val="40000"/>
+                        </a:schemeClr>
+                      </a:solidFill>
+                      <a:prstDash val="solid"/>
+                      <a:round/>
+                      <a:headEnd type="none" w="med" len="med"/>
+                      <a:tailEnd type="none" w="med" len="med"/>
+                    </a:lnT>
+                    <a:lnB w="9525" cap="flat" cmpd="sng" algn="ctr">
+                      <a:solidFill>
+                        <a:schemeClr val="tx1">
+                          <a:lumMod val="60000"/>
+                          <a:lumOff val="40000"/>
+                        </a:schemeClr>
+                      </a:solidFill>
+                      <a:prstDash val="solid"/>
+                      <a:round/>
+                      <a:headEnd type="none" w="med" len="med"/>
+                      <a:tailEnd type="none" w="med" len="med"/>
+                    </a:lnB>
+                    <a:lnTlToBr w="12700" cmpd="sng">
+                      <a:noFill/>
+                      <a:prstDash val="solid"/>
+                    </a:lnTlToBr>
+                    <a:lnBlToTr w="12700" cmpd="sng">
+                      <a:noFill/>
+                      <a:prstDash val="solid"/>
+                    </a:lnBlToTr>
+                    <a:solidFill>
+                      <a:schemeClr val="bg1"/>
+                    </a:solidFill>
+                  </a:tcPr>
+                </a:tc>
+                <a:tc>
+                  <a:txBody>
+                    <a:bodyPr/>
+                    <a:lstStyle/>
+                    <a:p>
+                      <a:pPr algn="ctr" latinLnBrk="1">
+                        <a:lnSpc>
+                          <a:spcPct val="115000"/>
+                        </a:lnSpc>
+                        <a:spcAft>
+                          <a:spcPts val="1000"/>
+                        </a:spcAft>
+                      </a:pPr>
+                      <a:r>
+                        <a:rPr lang="ko-KR" altLang="en-US" sz="1400" kern="100" dirty="0" err="1">
+                          <a:solidFill>
+                            <a:schemeClr val="tx1"/>
+                          </a:solidFill>
+                          <a:effectLst/>
+                          <a:latin typeface="맑은 고딕" panose="020B0503020000020004" pitchFamily="50" charset="-127"/>
+                          <a:ea typeface="맑은 고딕" panose="020B0503020000020004" pitchFamily="50" charset="-127"/>
+                          <a:cs typeface="Times New Roman" panose="02020603050405020304" pitchFamily="18" charset="0"/>
+                        </a:rPr>
+                        <a:t>년도별</a:t>
+                      </a:r>
+                      <a:r>
+                        <a:rPr lang="ko-KR" altLang="en-US" sz="1400" kern="100" dirty="0">
+                          <a:solidFill>
+                            <a:schemeClr val="tx1"/>
+                          </a:solidFill>
+                          <a:effectLst/>
+                          <a:latin typeface="맑은 고딕" panose="020B0503020000020004" pitchFamily="50" charset="-127"/>
+                          <a:ea typeface="맑은 고딕" panose="020B0503020000020004" pitchFamily="50" charset="-127"/>
+                          <a:cs typeface="Times New Roman" panose="02020603050405020304" pitchFamily="18" charset="0"/>
+                        </a:rPr>
+                        <a:t> </a:t>
+                      </a:r>
+                      <a:r>
+                        <a:rPr lang="ko-KR" altLang="en-US" sz="1400" kern="100" dirty="0" err="1">
+                          <a:solidFill>
+                            <a:schemeClr val="tx1"/>
+                          </a:solidFill>
+                          <a:effectLst/>
+                          <a:latin typeface="맑은 고딕" panose="020B0503020000020004" pitchFamily="50" charset="-127"/>
+                          <a:ea typeface="맑은 고딕" panose="020B0503020000020004" pitchFamily="50" charset="-127"/>
+                          <a:cs typeface="Times New Roman" panose="02020603050405020304" pitchFamily="18" charset="0"/>
+                        </a:rPr>
+                        <a:t>출생아의</a:t>
+                      </a:r>
+                      <a:r>
+                        <a:rPr lang="ko-KR" altLang="en-US" sz="1400" kern="100" dirty="0">
+                          <a:solidFill>
+                            <a:schemeClr val="tx1"/>
+                          </a:solidFill>
+                          <a:effectLst/>
+                          <a:latin typeface="맑은 고딕" panose="020B0503020000020004" pitchFamily="50" charset="-127"/>
+                          <a:ea typeface="맑은 고딕" panose="020B0503020000020004" pitchFamily="50" charset="-127"/>
+                          <a:cs typeface="Times New Roman" panose="02020603050405020304" pitchFamily="18" charset="0"/>
+                        </a:rPr>
+                        <a:t> 부의 연령 비율을 확인하기 위해 선정</a:t>
+                      </a:r>
+                      <a:endParaRPr lang="ko-KR" sz="1400" kern="100" dirty="0">
+                        <a:solidFill>
+                          <a:schemeClr val="tx1"/>
+                        </a:solidFill>
+                        <a:effectLst/>
+                        <a:latin typeface="맑은 고딕" panose="020B0503020000020004" pitchFamily="50" charset="-127"/>
+                        <a:ea typeface="맑은 고딕" panose="020B0503020000020004" pitchFamily="50" charset="-127"/>
+                        <a:cs typeface="Times New Roman" panose="02020603050405020304" pitchFamily="18" charset="0"/>
+                      </a:endParaRPr>
+                    </a:p>
+                  </a:txBody>
+                  <a:tcPr marL="68580" marR="68580" marT="0" marB="0" anchor="ctr">
+                    <a:lnL w="9525" cap="flat" cmpd="sng" algn="ctr">
+                      <a:solidFill>
+                        <a:schemeClr val="tx1">
+                          <a:lumMod val="60000"/>
+                          <a:lumOff val="40000"/>
+                        </a:schemeClr>
+                      </a:solidFill>
+                      <a:prstDash val="solid"/>
+                      <a:round/>
+                      <a:headEnd type="none" w="med" len="med"/>
+                      <a:tailEnd type="none" w="med" len="med"/>
+                    </a:lnL>
+                    <a:lnR w="12700" cmpd="sng">
+                      <a:noFill/>
+                    </a:lnR>
+                    <a:lnT w="9525" cap="flat" cmpd="sng" algn="ctr">
+                      <a:solidFill>
+                        <a:schemeClr val="tx1">
+                          <a:lumMod val="60000"/>
+                          <a:lumOff val="40000"/>
+                        </a:schemeClr>
+                      </a:solidFill>
+                      <a:prstDash val="solid"/>
+                      <a:round/>
+                      <a:headEnd type="none" w="med" len="med"/>
+                      <a:tailEnd type="none" w="med" len="med"/>
+                    </a:lnT>
+                    <a:lnB w="9525" cap="flat" cmpd="sng" algn="ctr">
+                      <a:solidFill>
+                        <a:schemeClr val="tx1">
+                          <a:lumMod val="60000"/>
+                          <a:lumOff val="40000"/>
+                        </a:schemeClr>
+                      </a:solidFill>
+                      <a:prstDash val="solid"/>
+                      <a:round/>
+                      <a:headEnd type="none" w="med" len="med"/>
+                      <a:tailEnd type="none" w="med" len="med"/>
+                    </a:lnB>
+                    <a:lnTlToBr w="12700" cmpd="sng">
+                      <a:noFill/>
+                      <a:prstDash val="solid"/>
+                    </a:lnTlToBr>
+                    <a:lnBlToTr w="12700" cmpd="sng">
+                      <a:noFill/>
+                      <a:prstDash val="solid"/>
+                    </a:lnBlToTr>
+                    <a:solidFill>
+                      <a:schemeClr val="bg1"/>
+                    </a:solidFill>
+                  </a:tcPr>
+                </a:tc>
+                <a:extLst>
+                  <a:ext uri="{0D108BD9-81ED-4DB2-BD59-A6C34878D82A}">
+                    <a16:rowId xmlns:a16="http://schemas.microsoft.com/office/drawing/2014/main" val="4178595260"/>
+                  </a:ext>
+                </a:extLst>
+              </a:tr>
+              <a:tr h="477848">
+                <a:tc>
+                  <a:txBody>
+                    <a:bodyPr/>
+                    <a:lstStyle/>
+                    <a:p>
+                      <a:pPr algn="just" latinLnBrk="1">
+                        <a:lnSpc>
+                          <a:spcPct val="115000"/>
+                        </a:lnSpc>
+                        <a:spcAft>
+                          <a:spcPts val="1000"/>
+                        </a:spcAft>
+                      </a:pPr>
+                      <a:r>
+                        <a:rPr lang="ko-KR" altLang="en-US" sz="1600" dirty="0"/>
+                        <a:t>시도모의 연령</a:t>
+                      </a:r>
+                      <a:r>
+                        <a:rPr lang="en-US" altLang="ko-KR" sz="1600" dirty="0"/>
+                        <a:t>(5</a:t>
+                      </a:r>
+                      <a:r>
+                        <a:rPr lang="ko-KR" altLang="en-US" sz="1600" dirty="0" err="1"/>
+                        <a:t>세계급</a:t>
+                      </a:r>
+                      <a:r>
+                        <a:rPr lang="en-US" altLang="ko-KR" sz="1600" dirty="0"/>
+                        <a:t>)</a:t>
+                      </a:r>
+                      <a:r>
+                        <a:rPr lang="ko-KR" altLang="en-US" sz="1600" dirty="0"/>
+                        <a:t>모의 </a:t>
+                      </a:r>
+                      <a:r>
+                        <a:rPr lang="ko-KR" altLang="en-US" sz="1600" dirty="0" err="1"/>
+                        <a:t>교육정도별</a:t>
+                      </a:r>
+                      <a:r>
+                        <a:rPr lang="ko-KR" altLang="en-US" sz="1600" dirty="0"/>
+                        <a:t> 출생</a:t>
+                      </a:r>
+                      <a:r>
+                        <a:rPr lang="en-US" altLang="ko-KR" sz="1600" dirty="0"/>
+                        <a:t>(2008_2021).csv</a:t>
+                      </a:r>
+                    </a:p>
+                  </a:txBody>
+                  <a:tcPr anchor="ctr">
+                    <a:lnL w="12700" cmpd="sng">
+                      <a:noFill/>
+                    </a:lnL>
+                    <a:lnR w="9525" cap="flat" cmpd="sng" algn="ctr">
+                      <a:solidFill>
+                        <a:schemeClr val="tx1">
+                          <a:lumMod val="60000"/>
+                          <a:lumOff val="40000"/>
+                        </a:schemeClr>
+                      </a:solidFill>
+                      <a:prstDash val="solid"/>
+                      <a:round/>
+                      <a:headEnd type="none" w="med" len="med"/>
+                      <a:tailEnd type="none" w="med" len="med"/>
+                    </a:lnR>
+                    <a:lnT w="9525" cap="flat" cmpd="sng" algn="ctr">
+                      <a:solidFill>
+                        <a:schemeClr val="tx1">
+                          <a:lumMod val="60000"/>
+                          <a:lumOff val="40000"/>
+                        </a:schemeClr>
+                      </a:solidFill>
+                      <a:prstDash val="solid"/>
+                      <a:round/>
+                      <a:headEnd type="none" w="med" len="med"/>
+                      <a:tailEnd type="none" w="med" len="med"/>
+                    </a:lnT>
+                    <a:lnB w="9525" cap="flat" cmpd="sng" algn="ctr">
+                      <a:solidFill>
+                        <a:schemeClr val="tx1">
+                          <a:lumMod val="60000"/>
+                          <a:lumOff val="40000"/>
+                        </a:schemeClr>
+                      </a:solidFill>
+                      <a:prstDash val="solid"/>
+                      <a:round/>
+                      <a:headEnd type="none" w="med" len="med"/>
+                      <a:tailEnd type="none" w="med" len="med"/>
+                    </a:lnB>
+                    <a:lnTlToBr w="12700" cmpd="sng">
+                      <a:noFill/>
+                      <a:prstDash val="solid"/>
+                    </a:lnTlToBr>
+                    <a:lnBlToTr w="12700" cmpd="sng">
+                      <a:noFill/>
+                      <a:prstDash val="solid"/>
+                    </a:lnBlToTr>
+                    <a:solidFill>
+                      <a:schemeClr val="bg1"/>
+                    </a:solidFill>
+                  </a:tcPr>
+                </a:tc>
+                <a:tc>
+                  <a:txBody>
+                    <a:bodyPr/>
+                    <a:lstStyle/>
+                    <a:p>
+                      <a:pPr marL="0" marR="0" lvl="0" indent="0" algn="ctr" defTabSz="914400" rtl="0" eaLnBrk="1" fontAlgn="auto" latinLnBrk="1" hangingPunct="1">
+                        <a:lnSpc>
+                          <a:spcPct val="115000"/>
+                        </a:lnSpc>
+                        <a:spcBef>
+                          <a:spcPts val="0"/>
+                        </a:spcBef>
+                        <a:spcAft>
+                          <a:spcPts val="1000"/>
+                        </a:spcAft>
+                        <a:buClrTx/>
+                        <a:buSzTx/>
+                        <a:buFontTx/>
+                        <a:buNone/>
+                        <a:tabLst/>
+                        <a:defRPr/>
+                      </a:pPr>
+                      <a:r>
+                        <a:rPr lang="ko-KR" altLang="en-US" sz="1400" kern="100" dirty="0" err="1">
+                          <a:solidFill>
+                            <a:schemeClr val="tx1"/>
+                          </a:solidFill>
+                          <a:effectLst/>
+                          <a:latin typeface="맑은 고딕" panose="020B0503020000020004" pitchFamily="50" charset="-127"/>
+                          <a:ea typeface="+mn-ea"/>
+                          <a:cs typeface="Times New Roman" panose="02020603050405020304" pitchFamily="18" charset="0"/>
+                        </a:rPr>
+                        <a:t>년도별</a:t>
+                      </a:r>
+                      <a:r>
+                        <a:rPr lang="ko-KR" altLang="en-US" sz="1400" kern="100" dirty="0">
+                          <a:solidFill>
+                            <a:schemeClr val="tx1"/>
+                          </a:solidFill>
+                          <a:effectLst/>
+                          <a:latin typeface="맑은 고딕" panose="020B0503020000020004" pitchFamily="50" charset="-127"/>
+                          <a:ea typeface="+mn-ea"/>
+                          <a:cs typeface="Times New Roman" panose="02020603050405020304" pitchFamily="18" charset="0"/>
+                        </a:rPr>
+                        <a:t> </a:t>
+                      </a:r>
+                      <a:r>
+                        <a:rPr lang="ko-KR" altLang="en-US" sz="1400" kern="100" dirty="0" err="1">
+                          <a:solidFill>
+                            <a:schemeClr val="tx1"/>
+                          </a:solidFill>
+                          <a:effectLst/>
+                          <a:latin typeface="맑은 고딕" panose="020B0503020000020004" pitchFamily="50" charset="-127"/>
+                          <a:ea typeface="+mn-ea"/>
+                          <a:cs typeface="Times New Roman" panose="02020603050405020304" pitchFamily="18" charset="0"/>
+                        </a:rPr>
+                        <a:t>출생아의</a:t>
+                      </a:r>
+                      <a:r>
+                        <a:rPr lang="ko-KR" altLang="en-US" sz="1400" kern="100" dirty="0">
+                          <a:solidFill>
+                            <a:schemeClr val="tx1"/>
+                          </a:solidFill>
+                          <a:effectLst/>
+                          <a:latin typeface="맑은 고딕" panose="020B0503020000020004" pitchFamily="50" charset="-127"/>
+                          <a:ea typeface="+mn-ea"/>
+                          <a:cs typeface="Times New Roman" panose="02020603050405020304" pitchFamily="18" charset="0"/>
+                        </a:rPr>
+                        <a:t> 모의 연령 비율을 확인하기 위해 선정</a:t>
+                      </a:r>
+                      <a:endParaRPr lang="ko-KR" altLang="ko-KR" sz="1400" kern="100" dirty="0">
+                        <a:solidFill>
+                          <a:schemeClr val="tx1"/>
+                        </a:solidFill>
+                        <a:effectLst/>
+                        <a:latin typeface="맑은 고딕" panose="020B0503020000020004" pitchFamily="50" charset="-127"/>
+                        <a:ea typeface="+mn-ea"/>
+                        <a:cs typeface="Times New Roman" panose="02020603050405020304" pitchFamily="18" charset="0"/>
+                      </a:endParaRPr>
+                    </a:p>
+                  </a:txBody>
+                  <a:tcPr marL="68580" marR="68580" marT="0" marB="0" anchor="ctr">
+                    <a:lnL w="9525" cap="flat" cmpd="sng" algn="ctr">
+                      <a:solidFill>
+                        <a:schemeClr val="tx1">
+                          <a:lumMod val="60000"/>
+                          <a:lumOff val="40000"/>
+                        </a:schemeClr>
+                      </a:solidFill>
+                      <a:prstDash val="solid"/>
+                      <a:round/>
+                      <a:headEnd type="none" w="med" len="med"/>
+                      <a:tailEnd type="none" w="med" len="med"/>
+                    </a:lnL>
+                    <a:lnR w="12700" cmpd="sng">
+                      <a:noFill/>
+                    </a:lnR>
+                    <a:lnT w="9525" cap="flat" cmpd="sng" algn="ctr">
+                      <a:solidFill>
+                        <a:schemeClr val="tx1">
+                          <a:lumMod val="60000"/>
+                          <a:lumOff val="40000"/>
+                        </a:schemeClr>
+                      </a:solidFill>
+                      <a:prstDash val="solid"/>
+                      <a:round/>
+                      <a:headEnd type="none" w="med" len="med"/>
+                      <a:tailEnd type="none" w="med" len="med"/>
+                    </a:lnT>
+                    <a:lnB w="9525" cap="flat" cmpd="sng" algn="ctr">
+                      <a:solidFill>
+                        <a:schemeClr val="tx1">
+                          <a:lumMod val="60000"/>
+                          <a:lumOff val="40000"/>
+                        </a:schemeClr>
+                      </a:solidFill>
+                      <a:prstDash val="solid"/>
+                      <a:round/>
+                      <a:headEnd type="none" w="med" len="med"/>
+                      <a:tailEnd type="none" w="med" len="med"/>
+                    </a:lnB>
+                    <a:lnTlToBr w="12700" cmpd="sng">
+                      <a:noFill/>
+                      <a:prstDash val="solid"/>
+                    </a:lnTlToBr>
+                    <a:lnBlToTr w="12700" cmpd="sng">
+                      <a:noFill/>
+                      <a:prstDash val="solid"/>
+                    </a:lnBlToTr>
+                    <a:solidFill>
+                      <a:schemeClr val="bg1"/>
+                    </a:solidFill>
+                  </a:tcPr>
+                </a:tc>
+                <a:extLst>
+                  <a:ext uri="{0D108BD9-81ED-4DB2-BD59-A6C34878D82A}">
+                    <a16:rowId xmlns:a16="http://schemas.microsoft.com/office/drawing/2014/main" val="1643887498"/>
+                  </a:ext>
+                </a:extLst>
+              </a:tr>
+              <a:tr h="627052">
+                <a:tc>
+                  <a:txBody>
+                    <a:bodyPr/>
+                    <a:lstStyle/>
+                    <a:p>
+                      <a:pPr algn="just" latinLnBrk="1">
+                        <a:lnSpc>
+                          <a:spcPct val="115000"/>
+                        </a:lnSpc>
+                        <a:spcAft>
+                          <a:spcPts val="1000"/>
+                        </a:spcAft>
+                      </a:pPr>
+                      <a:r>
+                        <a:rPr lang="ko-KR" altLang="en-US" sz="1600" dirty="0"/>
+                        <a:t>행정구역</a:t>
+                      </a:r>
+                      <a:r>
+                        <a:rPr lang="en-US" altLang="ko-KR" sz="1600" dirty="0"/>
+                        <a:t>(</a:t>
+                      </a:r>
+                      <a:r>
+                        <a:rPr lang="ko-KR" altLang="en-US" sz="1600" dirty="0" err="1"/>
+                        <a:t>시군구</a:t>
+                      </a:r>
+                      <a:r>
+                        <a:rPr lang="en-US" altLang="ko-KR" sz="1600" dirty="0"/>
+                        <a:t>)</a:t>
+                      </a:r>
+                      <a:r>
+                        <a:rPr lang="ko-KR" altLang="en-US" sz="1600" dirty="0"/>
+                        <a:t>별</a:t>
+                      </a:r>
+                      <a:r>
+                        <a:rPr lang="en-US" altLang="ko-KR" sz="1600" dirty="0"/>
+                        <a:t>1</a:t>
+                      </a:r>
+                      <a:r>
+                        <a:rPr lang="ko-KR" altLang="en-US" sz="1600" dirty="0"/>
+                        <a:t>세별 주민등록인구</a:t>
+                      </a:r>
+                      <a:r>
+                        <a:rPr lang="en-US" altLang="ko-KR" sz="1600" dirty="0"/>
+                        <a:t>(2008_2021).csv</a:t>
+                      </a:r>
+                    </a:p>
+                  </a:txBody>
+                  <a:tcPr anchor="ctr">
+                    <a:lnL w="12700" cmpd="sng">
+                      <a:noFill/>
+                    </a:lnL>
+                    <a:lnR w="9525" cap="flat" cmpd="sng" algn="ctr">
+                      <a:solidFill>
+                        <a:schemeClr val="tx1">
+                          <a:lumMod val="60000"/>
+                          <a:lumOff val="40000"/>
+                        </a:schemeClr>
+                      </a:solidFill>
+                      <a:prstDash val="solid"/>
+                      <a:round/>
+                      <a:headEnd type="none" w="med" len="med"/>
+                      <a:tailEnd type="none" w="med" len="med"/>
+                    </a:lnR>
+                    <a:lnT w="9525" cap="flat" cmpd="sng" algn="ctr">
+                      <a:solidFill>
+                        <a:schemeClr val="tx1">
+                          <a:lumMod val="60000"/>
+                          <a:lumOff val="40000"/>
+                        </a:schemeClr>
+                      </a:solidFill>
+                      <a:prstDash val="solid"/>
+                      <a:round/>
+                      <a:headEnd type="none" w="med" len="med"/>
+                      <a:tailEnd type="none" w="med" len="med"/>
+                    </a:lnT>
+                    <a:lnB w="9525" cap="flat" cmpd="sng" algn="ctr">
+                      <a:solidFill>
+                        <a:schemeClr val="tx1">
+                          <a:lumMod val="60000"/>
+                          <a:lumOff val="40000"/>
+                        </a:schemeClr>
+                      </a:solidFill>
+                      <a:prstDash val="solid"/>
+                      <a:round/>
+                      <a:headEnd type="none" w="med" len="med"/>
+                      <a:tailEnd type="none" w="med" len="med"/>
+                    </a:lnB>
+                    <a:lnTlToBr w="12700" cmpd="sng">
+                      <a:noFill/>
+                      <a:prstDash val="solid"/>
+                    </a:lnTlToBr>
+                    <a:lnBlToTr w="12700" cmpd="sng">
+                      <a:noFill/>
+                      <a:prstDash val="solid"/>
+                    </a:lnBlToTr>
+                    <a:solidFill>
+                      <a:schemeClr val="bg1"/>
+                    </a:solidFill>
+                  </a:tcPr>
+                </a:tc>
+                <a:tc>
+                  <a:txBody>
+                    <a:bodyPr/>
+                    <a:lstStyle/>
+                    <a:p>
+                      <a:pPr algn="ctr" latinLnBrk="1">
+                        <a:lnSpc>
+                          <a:spcPct val="115000"/>
+                        </a:lnSpc>
+                        <a:spcAft>
+                          <a:spcPts val="1000"/>
+                        </a:spcAft>
+                      </a:pPr>
+                      <a:r>
+                        <a:rPr lang="ko-KR" altLang="en-US" sz="1400" kern="100" dirty="0" err="1">
+                          <a:effectLst/>
+                          <a:latin typeface="맑은 고딕" panose="020B0503020000020004" pitchFamily="50" charset="-127"/>
+                          <a:ea typeface="맑은 고딕" panose="020B0503020000020004" pitchFamily="50" charset="-127"/>
+                          <a:cs typeface="Times New Roman" panose="02020603050405020304" pitchFamily="18" charset="0"/>
+                        </a:rPr>
+                        <a:t>년도별</a:t>
+                      </a:r>
+                      <a:r>
+                        <a:rPr lang="ko-KR" altLang="en-US" sz="1400" kern="100" dirty="0">
+                          <a:effectLst/>
+                          <a:latin typeface="맑은 고딕" panose="020B0503020000020004" pitchFamily="50" charset="-127"/>
+                          <a:ea typeface="맑은 고딕" panose="020B0503020000020004" pitchFamily="50" charset="-127"/>
+                          <a:cs typeface="Times New Roman" panose="02020603050405020304" pitchFamily="18" charset="0"/>
+                        </a:rPr>
+                        <a:t> </a:t>
+                      </a:r>
+                      <a:r>
+                        <a:rPr lang="en-US" altLang="ko-KR" sz="1400" kern="100" dirty="0">
+                          <a:effectLst/>
+                          <a:latin typeface="맑은 고딕" panose="020B0503020000020004" pitchFamily="50" charset="-127"/>
+                          <a:ea typeface="맑은 고딕" panose="020B0503020000020004" pitchFamily="50" charset="-127"/>
+                          <a:cs typeface="Times New Roman" panose="02020603050405020304" pitchFamily="18" charset="0"/>
+                        </a:rPr>
+                        <a:t>1</a:t>
+                      </a:r>
+                      <a:r>
+                        <a:rPr lang="ko-KR" altLang="en-US" sz="1400" kern="100" dirty="0">
+                          <a:effectLst/>
+                          <a:latin typeface="맑은 고딕" panose="020B0503020000020004" pitchFamily="50" charset="-127"/>
+                          <a:ea typeface="맑은 고딕" panose="020B0503020000020004" pitchFamily="50" charset="-127"/>
+                          <a:cs typeface="Times New Roman" panose="02020603050405020304" pitchFamily="18" charset="0"/>
+                        </a:rPr>
+                        <a:t>세</a:t>
+                      </a:r>
+                      <a:r>
+                        <a:rPr lang="en-US" altLang="ko-KR" sz="1400" kern="100" dirty="0">
+                          <a:effectLst/>
+                          <a:latin typeface="맑은 고딕" panose="020B0503020000020004" pitchFamily="50" charset="-127"/>
+                          <a:ea typeface="맑은 고딕" panose="020B0503020000020004" pitchFamily="50" charset="-127"/>
+                          <a:cs typeface="Times New Roman" panose="02020603050405020304" pitchFamily="18" charset="0"/>
+                        </a:rPr>
+                        <a:t>~10</a:t>
+                      </a:r>
+                      <a:r>
+                        <a:rPr lang="ko-KR" altLang="en-US" sz="1400" kern="100" dirty="0">
+                          <a:effectLst/>
+                          <a:latin typeface="맑은 고딕" panose="020B0503020000020004" pitchFamily="50" charset="-127"/>
+                          <a:ea typeface="맑은 고딕" panose="020B0503020000020004" pitchFamily="50" charset="-127"/>
+                          <a:cs typeface="Times New Roman" panose="02020603050405020304" pitchFamily="18" charset="0"/>
+                        </a:rPr>
+                        <a:t>세의 총 인구대비 장애인 비율 </a:t>
+                      </a:r>
+                      <a:endParaRPr lang="en-US" altLang="ko-KR" sz="1400" kern="100" dirty="0">
+                        <a:effectLst/>
+                        <a:latin typeface="맑은 고딕" panose="020B0503020000020004" pitchFamily="50" charset="-127"/>
+                        <a:ea typeface="맑은 고딕" panose="020B0503020000020004" pitchFamily="50" charset="-127"/>
+                        <a:cs typeface="Times New Roman" panose="02020603050405020304" pitchFamily="18" charset="0"/>
+                      </a:endParaRPr>
+                    </a:p>
+                    <a:p>
+                      <a:pPr algn="ctr" latinLnBrk="1">
+                        <a:lnSpc>
+                          <a:spcPct val="115000"/>
+                        </a:lnSpc>
+                        <a:spcAft>
+                          <a:spcPts val="1000"/>
+                        </a:spcAft>
+                      </a:pPr>
+                      <a:r>
+                        <a:rPr lang="ko-KR" altLang="en-US" sz="1400" kern="100" dirty="0">
+                          <a:effectLst/>
+                          <a:latin typeface="맑은 고딕" panose="020B0503020000020004" pitchFamily="50" charset="-127"/>
+                          <a:ea typeface="맑은 고딕" panose="020B0503020000020004" pitchFamily="50" charset="-127"/>
+                          <a:cs typeface="Times New Roman" panose="02020603050405020304" pitchFamily="18" charset="0"/>
+                        </a:rPr>
+                        <a:t>데이터를 얻기 위해 선정</a:t>
+                      </a:r>
+                      <a:endParaRPr lang="ko-KR" sz="1400" kern="100" dirty="0">
+                        <a:effectLst/>
+                        <a:latin typeface="맑은 고딕" panose="020B0503020000020004" pitchFamily="50" charset="-127"/>
+                        <a:ea typeface="맑은 고딕" panose="020B0503020000020004" pitchFamily="50" charset="-127"/>
+                        <a:cs typeface="Times New Roman" panose="02020603050405020304" pitchFamily="18" charset="0"/>
+                      </a:endParaRPr>
+                    </a:p>
+                  </a:txBody>
+                  <a:tcPr marL="68580" marR="68580" marT="0" marB="0" anchor="ctr">
+                    <a:lnL w="9525" cap="flat" cmpd="sng" algn="ctr">
+                      <a:solidFill>
+                        <a:schemeClr val="tx1">
+                          <a:lumMod val="60000"/>
+                          <a:lumOff val="40000"/>
+                        </a:schemeClr>
+                      </a:solidFill>
+                      <a:prstDash val="solid"/>
+                      <a:round/>
+                      <a:headEnd type="none" w="med" len="med"/>
+                      <a:tailEnd type="none" w="med" len="med"/>
+                    </a:lnL>
+                    <a:lnR w="12700" cmpd="sng">
+                      <a:noFill/>
+                    </a:lnR>
+                    <a:lnT w="9525" cap="flat" cmpd="sng" algn="ctr">
+                      <a:solidFill>
+                        <a:schemeClr val="tx1">
+                          <a:lumMod val="60000"/>
+                          <a:lumOff val="40000"/>
+                        </a:schemeClr>
+                      </a:solidFill>
+                      <a:prstDash val="solid"/>
+                      <a:round/>
+                      <a:headEnd type="none" w="med" len="med"/>
+                      <a:tailEnd type="none" w="med" len="med"/>
+                    </a:lnT>
+                    <a:lnB w="9525" cap="flat" cmpd="sng" algn="ctr">
+                      <a:solidFill>
+                        <a:schemeClr val="tx1">
+                          <a:lumMod val="60000"/>
+                          <a:lumOff val="40000"/>
+                        </a:schemeClr>
+                      </a:solidFill>
+                      <a:prstDash val="solid"/>
+                      <a:round/>
+                      <a:headEnd type="none" w="med" len="med"/>
+                      <a:tailEnd type="none" w="med" len="med"/>
+                    </a:lnB>
+                    <a:lnTlToBr w="12700" cmpd="sng">
+                      <a:noFill/>
+                      <a:prstDash val="solid"/>
+                    </a:lnTlToBr>
+                    <a:lnBlToTr w="12700" cmpd="sng">
+                      <a:noFill/>
+                      <a:prstDash val="solid"/>
+                    </a:lnBlToTr>
+                    <a:solidFill>
+                      <a:schemeClr val="bg1"/>
+                    </a:solidFill>
+                  </a:tcPr>
+                </a:tc>
+                <a:extLst>
+                  <a:ext uri="{0D108BD9-81ED-4DB2-BD59-A6C34878D82A}">
+                    <a16:rowId xmlns:a16="http://schemas.microsoft.com/office/drawing/2014/main" val="823122558"/>
+                  </a:ext>
+                </a:extLst>
+              </a:tr>
+              <a:tr h="627052">
+                <a:tc>
+                  <a:txBody>
+                    <a:bodyPr/>
+                    <a:lstStyle/>
+                    <a:p>
+                      <a:pPr algn="just" latinLnBrk="1">
+                        <a:lnSpc>
+                          <a:spcPct val="115000"/>
+                        </a:lnSpc>
+                        <a:spcAft>
+                          <a:spcPts val="1000"/>
+                        </a:spcAft>
+                      </a:pPr>
+                      <a:r>
+                        <a:rPr lang="ko-KR" altLang="en-US" sz="1600" dirty="0"/>
+                        <a:t>전국 연령별</a:t>
+                      </a:r>
+                      <a:r>
+                        <a:rPr lang="en-US" altLang="ko-KR" sz="1600" dirty="0"/>
+                        <a:t>,</a:t>
+                      </a:r>
+                      <a:r>
+                        <a:rPr lang="ko-KR" altLang="en-US" sz="1600" dirty="0"/>
+                        <a:t>장애유형별</a:t>
+                      </a:r>
+                      <a:r>
+                        <a:rPr lang="en-US" altLang="ko-KR" sz="1600" dirty="0"/>
+                        <a:t>,</a:t>
+                      </a:r>
+                      <a:r>
+                        <a:rPr lang="ko-KR" altLang="en-US" sz="1600" dirty="0"/>
+                        <a:t>성별 등록장애인수</a:t>
+                      </a:r>
+                      <a:r>
+                        <a:rPr lang="en-US" altLang="ko-KR" sz="1600" dirty="0"/>
+                        <a:t>(2008_2021).csv</a:t>
+                      </a:r>
+                    </a:p>
+                  </a:txBody>
+                  <a:tcPr anchor="ctr">
+                    <a:lnL w="12700" cmpd="sng">
+                      <a:noFill/>
+                    </a:lnL>
+                    <a:lnR w="9525" cap="flat" cmpd="sng" algn="ctr">
+                      <a:solidFill>
+                        <a:schemeClr val="tx1">
+                          <a:lumMod val="60000"/>
+                          <a:lumOff val="40000"/>
+                        </a:schemeClr>
+                      </a:solidFill>
+                      <a:prstDash val="solid"/>
+                      <a:round/>
+                      <a:headEnd type="none" w="med" len="med"/>
+                      <a:tailEnd type="none" w="med" len="med"/>
+                    </a:lnR>
+                    <a:lnT w="9525" cap="flat" cmpd="sng" algn="ctr">
+                      <a:solidFill>
+                        <a:schemeClr val="tx1">
+                          <a:lumMod val="60000"/>
+                          <a:lumOff val="40000"/>
+                        </a:schemeClr>
+                      </a:solidFill>
+                      <a:prstDash val="solid"/>
+                      <a:round/>
+                      <a:headEnd type="none" w="med" len="med"/>
+                      <a:tailEnd type="none" w="med" len="med"/>
+                    </a:lnT>
+                    <a:lnB w="9525" cap="flat" cmpd="sng" algn="ctr">
+                      <a:solidFill>
+                        <a:schemeClr val="tx1">
+                          <a:lumMod val="60000"/>
+                          <a:lumOff val="40000"/>
+                        </a:schemeClr>
+                      </a:solidFill>
+                      <a:prstDash val="solid"/>
+                      <a:round/>
+                      <a:headEnd type="none" w="med" len="med"/>
+                      <a:tailEnd type="none" w="med" len="med"/>
+                    </a:lnB>
+                    <a:lnTlToBr w="12700" cmpd="sng">
+                      <a:noFill/>
+                      <a:prstDash val="solid"/>
+                    </a:lnTlToBr>
+                    <a:lnBlToTr w="12700" cmpd="sng">
+                      <a:noFill/>
+                      <a:prstDash val="solid"/>
+                    </a:lnBlToTr>
+                    <a:solidFill>
+                      <a:schemeClr val="bg1"/>
+                    </a:solidFill>
+                  </a:tcPr>
+                </a:tc>
+                <a:tc>
+                  <a:txBody>
+                    <a:bodyPr/>
+                    <a:lstStyle/>
+                    <a:p>
+                      <a:pPr algn="ctr" latinLnBrk="1">
+                        <a:lnSpc>
+                          <a:spcPct val="115000"/>
+                        </a:lnSpc>
+                        <a:spcAft>
+                          <a:spcPts val="1000"/>
+                        </a:spcAft>
+                      </a:pPr>
+                      <a:r>
+                        <a:rPr lang="ko-KR" altLang="en-US" sz="1400" kern="100" dirty="0" err="1">
+                          <a:effectLst/>
+                          <a:latin typeface="맑은 고딕" panose="020B0503020000020004" pitchFamily="50" charset="-127"/>
+                          <a:ea typeface="+mn-ea"/>
+                          <a:cs typeface="Times New Roman" panose="02020603050405020304" pitchFamily="18" charset="0"/>
+                        </a:rPr>
+                        <a:t>년도별</a:t>
+                      </a:r>
+                      <a:r>
+                        <a:rPr lang="ko-KR" altLang="en-US" sz="1400" kern="100" dirty="0">
+                          <a:effectLst/>
+                          <a:latin typeface="맑은 고딕" panose="020B0503020000020004" pitchFamily="50" charset="-127"/>
+                          <a:ea typeface="+mn-ea"/>
+                          <a:cs typeface="Times New Roman" panose="02020603050405020304" pitchFamily="18" charset="0"/>
+                        </a:rPr>
+                        <a:t> </a:t>
+                      </a:r>
+                      <a:r>
+                        <a:rPr lang="en-US" altLang="ko-KR" sz="1400" kern="100" dirty="0">
+                          <a:effectLst/>
+                          <a:latin typeface="맑은 고딕" panose="020B0503020000020004" pitchFamily="50" charset="-127"/>
+                          <a:ea typeface="+mn-ea"/>
+                          <a:cs typeface="Times New Roman" panose="02020603050405020304" pitchFamily="18" charset="0"/>
+                        </a:rPr>
+                        <a:t>1</a:t>
+                      </a:r>
+                      <a:r>
+                        <a:rPr lang="ko-KR" altLang="en-US" sz="1400" kern="100" dirty="0">
+                          <a:effectLst/>
+                          <a:latin typeface="맑은 고딕" panose="020B0503020000020004" pitchFamily="50" charset="-127"/>
+                          <a:ea typeface="+mn-ea"/>
+                          <a:cs typeface="Times New Roman" panose="02020603050405020304" pitchFamily="18" charset="0"/>
+                        </a:rPr>
+                        <a:t>세</a:t>
+                      </a:r>
+                      <a:r>
+                        <a:rPr lang="en-US" altLang="ko-KR" sz="1400" kern="100" dirty="0">
+                          <a:effectLst/>
+                          <a:latin typeface="맑은 고딕" panose="020B0503020000020004" pitchFamily="50" charset="-127"/>
+                          <a:ea typeface="+mn-ea"/>
+                          <a:cs typeface="Times New Roman" panose="02020603050405020304" pitchFamily="18" charset="0"/>
+                        </a:rPr>
+                        <a:t>~10</a:t>
+                      </a:r>
+                      <a:r>
+                        <a:rPr lang="ko-KR" altLang="en-US" sz="1400" kern="100" dirty="0">
+                          <a:effectLst/>
+                          <a:latin typeface="맑은 고딕" panose="020B0503020000020004" pitchFamily="50" charset="-127"/>
+                          <a:ea typeface="+mn-ea"/>
+                          <a:cs typeface="Times New Roman" panose="02020603050405020304" pitchFamily="18" charset="0"/>
+                        </a:rPr>
+                        <a:t>세의 총 인구대비 장애인 비율 </a:t>
+                      </a:r>
+                      <a:endParaRPr lang="en-US" altLang="ko-KR" sz="1400" kern="100" dirty="0">
+                        <a:effectLst/>
+                        <a:latin typeface="맑은 고딕" panose="020B0503020000020004" pitchFamily="50" charset="-127"/>
+                        <a:ea typeface="+mn-ea"/>
+                        <a:cs typeface="Times New Roman" panose="02020603050405020304" pitchFamily="18" charset="0"/>
+                      </a:endParaRPr>
+                    </a:p>
+                    <a:p>
+                      <a:pPr algn="ctr" latinLnBrk="1">
+                        <a:lnSpc>
+                          <a:spcPct val="115000"/>
+                        </a:lnSpc>
+                        <a:spcAft>
+                          <a:spcPts val="1000"/>
+                        </a:spcAft>
+                      </a:pPr>
+                      <a:r>
+                        <a:rPr lang="ko-KR" altLang="en-US" sz="1400" kern="100" dirty="0">
+                          <a:effectLst/>
+                          <a:latin typeface="맑은 고딕" panose="020B0503020000020004" pitchFamily="50" charset="-127"/>
+                          <a:ea typeface="+mn-ea"/>
+                          <a:cs typeface="Times New Roman" panose="02020603050405020304" pitchFamily="18" charset="0"/>
+                        </a:rPr>
+                        <a:t>데이터를 얻기 위해 선정</a:t>
+                      </a:r>
+                      <a:endParaRPr lang="ko-KR" altLang="ko-KR" sz="1400" kern="100" dirty="0">
+                        <a:effectLst/>
+                        <a:latin typeface="맑은 고딕" panose="020B0503020000020004" pitchFamily="50" charset="-127"/>
+                        <a:ea typeface="+mn-ea"/>
+                        <a:cs typeface="Times New Roman" panose="02020603050405020304" pitchFamily="18" charset="0"/>
+                      </a:endParaRPr>
+                    </a:p>
+                  </a:txBody>
+                  <a:tcPr marL="68580" marR="68580" marT="0" marB="0" anchor="ctr">
+                    <a:lnL w="9525" cap="flat" cmpd="sng" algn="ctr">
+                      <a:solidFill>
+                        <a:schemeClr val="tx1">
+                          <a:lumMod val="60000"/>
+                          <a:lumOff val="40000"/>
+                        </a:schemeClr>
+                      </a:solidFill>
+                      <a:prstDash val="solid"/>
+                      <a:round/>
+                      <a:headEnd type="none" w="med" len="med"/>
+                      <a:tailEnd type="none" w="med" len="med"/>
+                    </a:lnL>
+                    <a:lnR w="12700" cmpd="sng">
+                      <a:noFill/>
+                    </a:lnR>
+                    <a:lnT w="9525" cap="flat" cmpd="sng" algn="ctr">
+                      <a:solidFill>
+                        <a:schemeClr val="tx1">
+                          <a:lumMod val="60000"/>
+                          <a:lumOff val="40000"/>
+                        </a:schemeClr>
+                      </a:solidFill>
+                      <a:prstDash val="solid"/>
+                      <a:round/>
+                      <a:headEnd type="none" w="med" len="med"/>
+                      <a:tailEnd type="none" w="med" len="med"/>
+                    </a:lnT>
+                    <a:lnB w="9525" cap="flat" cmpd="sng" algn="ctr">
+                      <a:solidFill>
+                        <a:schemeClr val="tx1">
+                          <a:lumMod val="60000"/>
+                          <a:lumOff val="40000"/>
+                        </a:schemeClr>
+                      </a:solidFill>
+                      <a:prstDash val="solid"/>
+                      <a:round/>
+                      <a:headEnd type="none" w="med" len="med"/>
+                      <a:tailEnd type="none" w="med" len="med"/>
+                    </a:lnB>
+                    <a:lnTlToBr w="12700" cmpd="sng">
+                      <a:noFill/>
+                      <a:prstDash val="solid"/>
+                    </a:lnTlToBr>
+                    <a:lnBlToTr w="12700" cmpd="sng">
+                      <a:noFill/>
+                      <a:prstDash val="solid"/>
+                    </a:lnBlToTr>
+                    <a:solidFill>
+                      <a:schemeClr val="bg1"/>
+                    </a:solidFill>
+                  </a:tcPr>
+                </a:tc>
+                <a:extLst>
+                  <a:ext uri="{0D108BD9-81ED-4DB2-BD59-A6C34878D82A}">
+                    <a16:rowId xmlns:a16="http://schemas.microsoft.com/office/drawing/2014/main" val="1261126794"/>
+                  </a:ext>
+                </a:extLst>
+              </a:tr>
+            </a:tbl>
+          </a:graphicData>
+        </a:graphic>
+      </p:graphicFrame>
       <p:sp>
         <p:nvSpPr>
-          <p:cNvPr id="3" name="내용 개체 틀 2">
-            <a:extLst>
-              <a:ext uri="{FF2B5EF4-FFF2-40B4-BE49-F238E27FC236}">
-                <a16:creationId xmlns:a16="http://schemas.microsoft.com/office/drawing/2014/main" id="{B4341100-C2C7-AC9A-7C8B-2E50E8470C7C}"/>
-              </a:ext>
-            </a:extLst>
-          </p:cNvPr>
-          <p:cNvSpPr>
-            <a:spLocks noGrp="1"/>
-          </p:cNvSpPr>
-          <p:nvPr>
-            <p:ph idx="1"/>
-          </p:nvPr>
+          <p:cNvPr id="4" name="TextBox 3">
+            <a:extLst>
+              <a:ext uri="{FF2B5EF4-FFF2-40B4-BE49-F238E27FC236}">
+                <a16:creationId xmlns:a16="http://schemas.microsoft.com/office/drawing/2014/main" id="{1EA57132-EF62-AE5C-B60F-B0C8FC3877BB}"/>
+              </a:ext>
+            </a:extLst>
+          </p:cNvPr>
+          <p:cNvSpPr txBox="1"/>
+          <p:nvPr/>
         </p:nvSpPr>
-        <p:spPr/>
+        <p:spPr>
+          <a:xfrm>
+            <a:off x="5206482" y="5180293"/>
+            <a:ext cx="5536965" cy="369332"/>
+          </a:xfrm>
+          <a:prstGeom prst="rect">
+            <a:avLst/>
+          </a:prstGeom>
+          <a:noFill/>
+        </p:spPr>
         <p:txBody>
-          <a:bodyPr/>
+          <a:bodyPr wrap="none" rtlCol="0">
+            <a:spAutoFit/>
+          </a:bodyPr>
           <a:lstStyle/>
           <a:p>
-            <a:pPr algn="just" latinLnBrk="1">
-              <a:lnSpc>
-                <a:spcPct val="115000"/>
-              </a:lnSpc>
-              <a:spcAft>
-                <a:spcPts val="1000"/>
-              </a:spcAft>
-            </a:pPr>
-            <a:r>
-              <a:rPr lang="en-US" altLang="ko-KR" sz="1800" kern="100" dirty="0">
-                <a:effectLst/>
-                <a:latin typeface="맑은 고딕" panose="020B0503020000020004" pitchFamily="50" charset="-127"/>
-                <a:ea typeface="맑은 고딕" panose="020B0503020000020004" pitchFamily="50" charset="-127"/>
-                <a:cs typeface="Times New Roman" panose="02020603050405020304" pitchFamily="18" charset="0"/>
-              </a:rPr>
-              <a:t>‘</a:t>
-            </a:r>
-            <a:r>
-              <a:rPr lang="ko-KR" altLang="ko-KR" sz="1800" kern="100" dirty="0">
-                <a:solidFill>
-                  <a:srgbClr val="1F2328"/>
-                </a:solidFill>
-                <a:effectLst/>
-                <a:latin typeface="맑은 고딕" panose="020B0503020000020004" pitchFamily="50" charset="-127"/>
-                <a:ea typeface="맑은 고딕" panose="020B0503020000020004" pitchFamily="50" charset="-127"/>
-                <a:cs typeface="Segoe UI" panose="020B0502040204020203" pitchFamily="34" charset="0"/>
-              </a:rPr>
-              <a:t>모의</a:t>
-            </a:r>
-            <a:r>
-              <a:rPr lang="en-US" altLang="ko-KR" sz="1800" kern="100" dirty="0">
-                <a:solidFill>
-                  <a:srgbClr val="1F2328"/>
-                </a:solidFill>
-                <a:effectLst/>
-                <a:latin typeface="맑은 고딕" panose="020B0503020000020004" pitchFamily="50" charset="-127"/>
-                <a:ea typeface="맑은 고딕" panose="020B0503020000020004" pitchFamily="50" charset="-127"/>
-                <a:cs typeface="Segoe UI" panose="020B0502040204020203" pitchFamily="34" charset="0"/>
-              </a:rPr>
-              <a:t>_</a:t>
-            </a:r>
-            <a:r>
-              <a:rPr lang="ko-KR" altLang="ko-KR" sz="1800" kern="100" dirty="0">
-                <a:solidFill>
-                  <a:srgbClr val="1F2328"/>
-                </a:solidFill>
-                <a:effectLst/>
-                <a:latin typeface="맑은 고딕" panose="020B0503020000020004" pitchFamily="50" charset="-127"/>
-                <a:ea typeface="맑은 고딕" panose="020B0503020000020004" pitchFamily="50" charset="-127"/>
-                <a:cs typeface="Segoe UI" panose="020B0502040204020203" pitchFamily="34" charset="0"/>
-              </a:rPr>
-              <a:t>연령</a:t>
-            </a:r>
-            <a:r>
-              <a:rPr lang="en-US" altLang="ko-KR" sz="1800" kern="100" dirty="0">
-                <a:solidFill>
-                  <a:srgbClr val="1F2328"/>
-                </a:solidFill>
-                <a:effectLst/>
-                <a:latin typeface="맑은 고딕" panose="020B0503020000020004" pitchFamily="50" charset="-127"/>
-                <a:ea typeface="맑은 고딕" panose="020B0503020000020004" pitchFamily="50" charset="-127"/>
-                <a:cs typeface="Segoe UI" panose="020B0502040204020203" pitchFamily="34" charset="0"/>
-              </a:rPr>
-              <a:t>_5</a:t>
-            </a:r>
-            <a:r>
-              <a:rPr lang="ko-KR" altLang="ko-KR" sz="1800" kern="100" dirty="0" err="1">
-                <a:solidFill>
-                  <a:srgbClr val="1F2328"/>
-                </a:solidFill>
-                <a:effectLst/>
-                <a:latin typeface="맑은 고딕" panose="020B0503020000020004" pitchFamily="50" charset="-127"/>
-                <a:ea typeface="맑은 고딕" panose="020B0503020000020004" pitchFamily="50" charset="-127"/>
-                <a:cs typeface="Segoe UI" panose="020B0502040204020203" pitchFamily="34" charset="0"/>
-              </a:rPr>
-              <a:t>세계급</a:t>
-            </a:r>
-            <a:r>
-              <a:rPr lang="en-US" altLang="ko-KR" sz="1800" kern="100" dirty="0">
-                <a:solidFill>
-                  <a:srgbClr val="1F2328"/>
-                </a:solidFill>
-                <a:effectLst/>
-                <a:latin typeface="맑은 고딕" panose="020B0503020000020004" pitchFamily="50" charset="-127"/>
-                <a:ea typeface="맑은 고딕" panose="020B0503020000020004" pitchFamily="50" charset="-127"/>
-                <a:cs typeface="Segoe UI" panose="020B0502040204020203" pitchFamily="34" charset="0"/>
-              </a:rPr>
-              <a:t>__</a:t>
-            </a:r>
-            <a:r>
-              <a:rPr lang="ko-KR" altLang="ko-KR" sz="1800" kern="100" dirty="0">
-                <a:solidFill>
-                  <a:srgbClr val="1F2328"/>
-                </a:solidFill>
-                <a:effectLst/>
-                <a:latin typeface="맑은 고딕" panose="020B0503020000020004" pitchFamily="50" charset="-127"/>
-                <a:ea typeface="맑은 고딕" panose="020B0503020000020004" pitchFamily="50" charset="-127"/>
-                <a:cs typeface="Segoe UI" panose="020B0502040204020203" pitchFamily="34" charset="0"/>
-              </a:rPr>
-              <a:t>모의</a:t>
-            </a:r>
-            <a:r>
-              <a:rPr lang="en-US" altLang="ko-KR" sz="1800" kern="100" dirty="0">
-                <a:solidFill>
-                  <a:srgbClr val="1F2328"/>
-                </a:solidFill>
-                <a:effectLst/>
-                <a:latin typeface="맑은 고딕" panose="020B0503020000020004" pitchFamily="50" charset="-127"/>
-                <a:ea typeface="맑은 고딕" panose="020B0503020000020004" pitchFamily="50" charset="-127"/>
-                <a:cs typeface="Segoe UI" panose="020B0502040204020203" pitchFamily="34" charset="0"/>
-              </a:rPr>
-              <a:t>_</a:t>
-            </a:r>
-            <a:r>
-              <a:rPr lang="ko-KR" altLang="ko-KR" sz="1800" kern="100" dirty="0" err="1">
-                <a:solidFill>
-                  <a:srgbClr val="1F2328"/>
-                </a:solidFill>
-                <a:effectLst/>
-                <a:latin typeface="맑은 고딕" panose="020B0503020000020004" pitchFamily="50" charset="-127"/>
-                <a:ea typeface="맑은 고딕" panose="020B0503020000020004" pitchFamily="50" charset="-127"/>
-                <a:cs typeface="Segoe UI" panose="020B0502040204020203" pitchFamily="34" charset="0"/>
-              </a:rPr>
-              <a:t>교육정도별</a:t>
-            </a:r>
-            <a:r>
-              <a:rPr lang="en-US" altLang="ko-KR" sz="1800" kern="100" dirty="0">
-                <a:solidFill>
-                  <a:srgbClr val="1F2328"/>
-                </a:solidFill>
-                <a:effectLst/>
-                <a:latin typeface="맑은 고딕" panose="020B0503020000020004" pitchFamily="50" charset="-127"/>
-                <a:ea typeface="맑은 고딕" panose="020B0503020000020004" pitchFamily="50" charset="-127"/>
-                <a:cs typeface="Segoe UI" panose="020B0502040204020203" pitchFamily="34" charset="0"/>
-              </a:rPr>
-              <a:t>_</a:t>
-            </a:r>
-            <a:r>
-              <a:rPr lang="ko-KR" altLang="ko-KR" sz="1800" kern="100" dirty="0">
-                <a:solidFill>
-                  <a:srgbClr val="1F2328"/>
-                </a:solidFill>
-                <a:effectLst/>
-                <a:latin typeface="맑은 고딕" panose="020B0503020000020004" pitchFamily="50" charset="-127"/>
-                <a:ea typeface="맑은 고딕" panose="020B0503020000020004" pitchFamily="50" charset="-127"/>
-                <a:cs typeface="Segoe UI" panose="020B0502040204020203" pitchFamily="34" charset="0"/>
-              </a:rPr>
-              <a:t>출생</a:t>
-            </a:r>
-            <a:r>
-              <a:rPr lang="en-US" altLang="ko-KR" sz="1800" kern="100" dirty="0">
-                <a:solidFill>
-                  <a:srgbClr val="1F2328"/>
-                </a:solidFill>
-                <a:effectLst/>
-                <a:latin typeface="맑은 고딕" panose="020B0503020000020004" pitchFamily="50" charset="-127"/>
-                <a:ea typeface="맑은 고딕" panose="020B0503020000020004" pitchFamily="50" charset="-127"/>
-                <a:cs typeface="Segoe UI" panose="020B0502040204020203" pitchFamily="34" charset="0"/>
-              </a:rPr>
-              <a:t>_20230515174731.xlsx’, ‘</a:t>
-            </a:r>
-            <a:r>
-              <a:rPr lang="ko-KR" altLang="ko-KR" sz="1800" kern="100" dirty="0">
-                <a:solidFill>
-                  <a:srgbClr val="1F2328"/>
-                </a:solidFill>
-                <a:effectLst/>
-                <a:latin typeface="맑은 고딕" panose="020B0503020000020004" pitchFamily="50" charset="-127"/>
-                <a:ea typeface="맑은 고딕" panose="020B0503020000020004" pitchFamily="50" charset="-127"/>
-                <a:cs typeface="Segoe UI" panose="020B0502040204020203" pitchFamily="34" charset="0"/>
-              </a:rPr>
-              <a:t>부의</a:t>
-            </a:r>
-            <a:r>
-              <a:rPr lang="en-US" altLang="ko-KR" sz="1800" kern="100" dirty="0">
-                <a:solidFill>
-                  <a:srgbClr val="1F2328"/>
-                </a:solidFill>
-                <a:effectLst/>
-                <a:latin typeface="맑은 고딕" panose="020B0503020000020004" pitchFamily="50" charset="-127"/>
-                <a:ea typeface="맑은 고딕" panose="020B0503020000020004" pitchFamily="50" charset="-127"/>
-                <a:cs typeface="Segoe UI" panose="020B0502040204020203" pitchFamily="34" charset="0"/>
-              </a:rPr>
-              <a:t>_</a:t>
-            </a:r>
-            <a:r>
-              <a:rPr lang="ko-KR" altLang="ko-KR" sz="1800" kern="100" dirty="0">
-                <a:solidFill>
-                  <a:srgbClr val="1F2328"/>
-                </a:solidFill>
-                <a:effectLst/>
-                <a:latin typeface="맑은 고딕" panose="020B0503020000020004" pitchFamily="50" charset="-127"/>
-                <a:ea typeface="맑은 고딕" panose="020B0503020000020004" pitchFamily="50" charset="-127"/>
-                <a:cs typeface="Segoe UI" panose="020B0502040204020203" pitchFamily="34" charset="0"/>
-              </a:rPr>
-              <a:t>연령</a:t>
-            </a:r>
-            <a:r>
-              <a:rPr lang="en-US" altLang="ko-KR" sz="1800" kern="100" dirty="0">
-                <a:solidFill>
-                  <a:srgbClr val="1F2328"/>
-                </a:solidFill>
-                <a:effectLst/>
-                <a:latin typeface="맑은 고딕" panose="020B0503020000020004" pitchFamily="50" charset="-127"/>
-                <a:ea typeface="맑은 고딕" panose="020B0503020000020004" pitchFamily="50" charset="-127"/>
-                <a:cs typeface="Segoe UI" panose="020B0502040204020203" pitchFamily="34" charset="0"/>
-              </a:rPr>
-              <a:t>_</a:t>
-            </a:r>
-            <a:r>
-              <a:rPr lang="ko-KR" altLang="ko-KR" sz="1800" kern="100" dirty="0">
-                <a:solidFill>
-                  <a:srgbClr val="1F2328"/>
-                </a:solidFill>
-                <a:effectLst/>
-                <a:latin typeface="맑은 고딕" panose="020B0503020000020004" pitchFamily="50" charset="-127"/>
-                <a:ea typeface="맑은 고딕" panose="020B0503020000020004" pitchFamily="50" charset="-127"/>
-                <a:cs typeface="Segoe UI" panose="020B0502040204020203" pitchFamily="34" charset="0"/>
-              </a:rPr>
-              <a:t>부의</a:t>
-            </a:r>
-            <a:r>
-              <a:rPr lang="en-US" altLang="ko-KR" sz="1800" kern="100" dirty="0">
-                <a:solidFill>
-                  <a:srgbClr val="1F2328"/>
-                </a:solidFill>
-                <a:effectLst/>
-                <a:latin typeface="맑은 고딕" panose="020B0503020000020004" pitchFamily="50" charset="-127"/>
-                <a:ea typeface="맑은 고딕" panose="020B0503020000020004" pitchFamily="50" charset="-127"/>
-                <a:cs typeface="Segoe UI" panose="020B0502040204020203" pitchFamily="34" charset="0"/>
-              </a:rPr>
-              <a:t>_</a:t>
-            </a:r>
-            <a:r>
-              <a:rPr lang="ko-KR" altLang="ko-KR" sz="1800" kern="100" dirty="0" err="1">
-                <a:solidFill>
-                  <a:srgbClr val="1F2328"/>
-                </a:solidFill>
-                <a:effectLst/>
-                <a:latin typeface="맑은 고딕" panose="020B0503020000020004" pitchFamily="50" charset="-127"/>
-                <a:ea typeface="맑은 고딕" panose="020B0503020000020004" pitchFamily="50" charset="-127"/>
-                <a:cs typeface="Segoe UI" panose="020B0502040204020203" pitchFamily="34" charset="0"/>
-              </a:rPr>
-              <a:t>교육정</a:t>
-            </a:r>
-            <a:endParaRPr lang="ko-KR" altLang="ko-KR" sz="1800" kern="100" dirty="0">
-              <a:effectLst/>
-              <a:latin typeface="맑은 고딕" panose="020B0503020000020004" pitchFamily="50" charset="-127"/>
-              <a:ea typeface="맑은 고딕" panose="020B0503020000020004" pitchFamily="50" charset="-127"/>
-              <a:cs typeface="Times New Roman" panose="02020603050405020304" pitchFamily="18" charset="0"/>
-            </a:endParaRPr>
-          </a:p>
-          <a:p>
-            <a:pPr algn="just" latinLnBrk="1">
-              <a:lnSpc>
-                <a:spcPct val="115000"/>
-              </a:lnSpc>
-              <a:spcAft>
-                <a:spcPts val="1000"/>
-              </a:spcAft>
-            </a:pPr>
-            <a:r>
-              <a:rPr lang="ko-KR" altLang="ko-KR" sz="1800" kern="100" dirty="0">
-                <a:solidFill>
-                  <a:srgbClr val="1F2328"/>
-                </a:solidFill>
-                <a:effectLst/>
-                <a:latin typeface="맑은 고딕" panose="020B0503020000020004" pitchFamily="50" charset="-127"/>
-                <a:ea typeface="맑은 고딕" panose="020B0503020000020004" pitchFamily="50" charset="-127"/>
-                <a:cs typeface="Segoe UI" panose="020B0502040204020203" pitchFamily="34" charset="0"/>
-              </a:rPr>
-              <a:t>도별</a:t>
-            </a:r>
-            <a:r>
-              <a:rPr lang="en-US" altLang="ko-KR" sz="1800" kern="100" dirty="0">
-                <a:solidFill>
-                  <a:srgbClr val="1F2328"/>
-                </a:solidFill>
-                <a:effectLst/>
-                <a:latin typeface="맑은 고딕" panose="020B0503020000020004" pitchFamily="50" charset="-127"/>
-                <a:ea typeface="맑은 고딕" panose="020B0503020000020004" pitchFamily="50" charset="-127"/>
-                <a:cs typeface="Segoe UI" panose="020B0502040204020203" pitchFamily="34" charset="0"/>
-              </a:rPr>
-              <a:t>_</a:t>
-            </a:r>
-            <a:r>
-              <a:rPr lang="ko-KR" altLang="ko-KR" sz="1800" kern="100" dirty="0">
-                <a:solidFill>
-                  <a:srgbClr val="1F2328"/>
-                </a:solidFill>
-                <a:effectLst/>
-                <a:latin typeface="맑은 고딕" panose="020B0503020000020004" pitchFamily="50" charset="-127"/>
-                <a:ea typeface="맑은 고딕" panose="020B0503020000020004" pitchFamily="50" charset="-127"/>
-                <a:cs typeface="Segoe UI" panose="020B0502040204020203" pitchFamily="34" charset="0"/>
-              </a:rPr>
-              <a:t>출생</a:t>
-            </a:r>
-            <a:r>
-              <a:rPr lang="en-US" altLang="ko-KR" sz="1800" kern="100" dirty="0">
-                <a:solidFill>
-                  <a:srgbClr val="1F2328"/>
-                </a:solidFill>
-                <a:effectLst/>
-                <a:latin typeface="맑은 고딕" panose="020B0503020000020004" pitchFamily="50" charset="-127"/>
-                <a:ea typeface="맑은 고딕" panose="020B0503020000020004" pitchFamily="50" charset="-127"/>
-                <a:cs typeface="Segoe UI" panose="020B0502040204020203" pitchFamily="34" charset="0"/>
-              </a:rPr>
-              <a:t>_20230515171225.xlsx’, ‘</a:t>
-            </a:r>
-            <a:r>
-              <a:rPr lang="ko-KR" altLang="ko-KR" sz="1800" kern="100" dirty="0">
-                <a:solidFill>
-                  <a:srgbClr val="1F2328"/>
-                </a:solidFill>
-                <a:effectLst/>
-                <a:latin typeface="맑은 고딕" panose="020B0503020000020004" pitchFamily="50" charset="-127"/>
-                <a:ea typeface="맑은 고딕" panose="020B0503020000020004" pitchFamily="50" charset="-127"/>
-                <a:cs typeface="Segoe UI" panose="020B0502040204020203" pitchFamily="34" charset="0"/>
-              </a:rPr>
-              <a:t>전국</a:t>
-            </a:r>
-            <a:r>
-              <a:rPr lang="en-US" altLang="ko-KR" sz="1800" kern="100" dirty="0">
-                <a:solidFill>
-                  <a:srgbClr val="1F2328"/>
-                </a:solidFill>
-                <a:effectLst/>
-                <a:latin typeface="맑은 고딕" panose="020B0503020000020004" pitchFamily="50" charset="-127"/>
-                <a:ea typeface="맑은 고딕" panose="020B0503020000020004" pitchFamily="50" charset="-127"/>
-                <a:cs typeface="Segoe UI" panose="020B0502040204020203" pitchFamily="34" charset="0"/>
-              </a:rPr>
-              <a:t>_</a:t>
-            </a:r>
-            <a:r>
-              <a:rPr lang="ko-KR" altLang="ko-KR" sz="1800" kern="100" dirty="0">
-                <a:solidFill>
-                  <a:srgbClr val="1F2328"/>
-                </a:solidFill>
-                <a:effectLst/>
-                <a:latin typeface="맑은 고딕" panose="020B0503020000020004" pitchFamily="50" charset="-127"/>
-                <a:ea typeface="맑은 고딕" panose="020B0503020000020004" pitchFamily="50" charset="-127"/>
-                <a:cs typeface="Segoe UI" panose="020B0502040204020203" pitchFamily="34" charset="0"/>
-              </a:rPr>
-              <a:t>연령별</a:t>
-            </a:r>
-            <a:r>
-              <a:rPr lang="en-US" altLang="ko-KR" sz="1800" kern="100" dirty="0">
-                <a:solidFill>
-                  <a:srgbClr val="1F2328"/>
-                </a:solidFill>
-                <a:effectLst/>
-                <a:latin typeface="맑은 고딕" panose="020B0503020000020004" pitchFamily="50" charset="-127"/>
-                <a:ea typeface="맑은 고딕" panose="020B0503020000020004" pitchFamily="50" charset="-127"/>
-                <a:cs typeface="Segoe UI" panose="020B0502040204020203" pitchFamily="34" charset="0"/>
-              </a:rPr>
-              <a:t>_</a:t>
-            </a:r>
-            <a:r>
-              <a:rPr lang="ko-KR" altLang="ko-KR" sz="1800" kern="100" dirty="0">
-                <a:solidFill>
-                  <a:srgbClr val="1F2328"/>
-                </a:solidFill>
-                <a:effectLst/>
-                <a:latin typeface="맑은 고딕" panose="020B0503020000020004" pitchFamily="50" charset="-127"/>
-                <a:ea typeface="맑은 고딕" panose="020B0503020000020004" pitchFamily="50" charset="-127"/>
-                <a:cs typeface="Segoe UI" panose="020B0502040204020203" pitchFamily="34" charset="0"/>
-              </a:rPr>
-              <a:t>장애유형별</a:t>
-            </a:r>
-            <a:r>
-              <a:rPr lang="en-US" altLang="ko-KR" sz="1800" kern="100" dirty="0">
-                <a:solidFill>
-                  <a:srgbClr val="1F2328"/>
-                </a:solidFill>
-                <a:effectLst/>
-                <a:latin typeface="맑은 고딕" panose="020B0503020000020004" pitchFamily="50" charset="-127"/>
-                <a:ea typeface="맑은 고딕" panose="020B0503020000020004" pitchFamily="50" charset="-127"/>
-                <a:cs typeface="Segoe UI" panose="020B0502040204020203" pitchFamily="34" charset="0"/>
-              </a:rPr>
-              <a:t>_</a:t>
-            </a:r>
-            <a:r>
-              <a:rPr lang="ko-KR" altLang="ko-KR" sz="1800" kern="100" dirty="0">
-                <a:solidFill>
-                  <a:srgbClr val="1F2328"/>
-                </a:solidFill>
-                <a:effectLst/>
-                <a:latin typeface="맑은 고딕" panose="020B0503020000020004" pitchFamily="50" charset="-127"/>
-                <a:ea typeface="맑은 고딕" panose="020B0503020000020004" pitchFamily="50" charset="-127"/>
-                <a:cs typeface="Segoe UI" panose="020B0502040204020203" pitchFamily="34" charset="0"/>
-              </a:rPr>
-              <a:t>성별</a:t>
-            </a:r>
-            <a:r>
-              <a:rPr lang="en-US" altLang="ko-KR" sz="1800" kern="100" dirty="0">
-                <a:solidFill>
-                  <a:srgbClr val="1F2328"/>
-                </a:solidFill>
-                <a:effectLst/>
-                <a:latin typeface="맑은 고딕" panose="020B0503020000020004" pitchFamily="50" charset="-127"/>
-                <a:ea typeface="맑은 고딕" panose="020B0503020000020004" pitchFamily="50" charset="-127"/>
-                <a:cs typeface="Segoe UI" panose="020B0502040204020203" pitchFamily="34" charset="0"/>
-              </a:rPr>
-              <a:t>_</a:t>
-            </a:r>
-            <a:r>
-              <a:rPr lang="ko-KR" altLang="ko-KR" sz="1800" kern="100" dirty="0">
-                <a:solidFill>
-                  <a:srgbClr val="1F2328"/>
-                </a:solidFill>
-                <a:effectLst/>
-                <a:latin typeface="맑은 고딕" panose="020B0503020000020004" pitchFamily="50" charset="-127"/>
-                <a:ea typeface="맑은 고딕" panose="020B0503020000020004" pitchFamily="50" charset="-127"/>
-                <a:cs typeface="Segoe UI" panose="020B0502040204020203" pitchFamily="34" charset="0"/>
-              </a:rPr>
-              <a:t>등록장애인수</a:t>
-            </a:r>
-            <a:r>
-              <a:rPr lang="en-US" altLang="ko-KR" sz="1800" kern="100" dirty="0">
-                <a:solidFill>
-                  <a:srgbClr val="1F2328"/>
-                </a:solidFill>
-                <a:effectLst/>
-                <a:latin typeface="맑은 고딕" panose="020B0503020000020004" pitchFamily="50" charset="-127"/>
-                <a:ea typeface="맑은 고딕" panose="020B0503020000020004" pitchFamily="50" charset="-127"/>
-                <a:cs typeface="Segoe UI" panose="020B0502040204020203" pitchFamily="34" charset="0"/>
-              </a:rPr>
-              <a:t>_2023051503</a:t>
-            </a:r>
-            <a:endParaRPr lang="ko-KR" altLang="ko-KR" sz="1800" kern="100" dirty="0">
-              <a:effectLst/>
-              <a:latin typeface="맑은 고딕" panose="020B0503020000020004" pitchFamily="50" charset="-127"/>
-              <a:ea typeface="맑은 고딕" panose="020B0503020000020004" pitchFamily="50" charset="-127"/>
-              <a:cs typeface="Times New Roman" panose="02020603050405020304" pitchFamily="18" charset="0"/>
-            </a:endParaRPr>
-          </a:p>
-          <a:p>
-            <a:pPr algn="just" latinLnBrk="1">
-              <a:lnSpc>
-                <a:spcPct val="115000"/>
-              </a:lnSpc>
-              <a:spcAft>
-                <a:spcPts val="1000"/>
-              </a:spcAft>
-            </a:pPr>
-            <a:r>
-              <a:rPr lang="en-US" altLang="ko-KR" sz="1800" kern="100" dirty="0">
-                <a:solidFill>
-                  <a:srgbClr val="1F2328"/>
-                </a:solidFill>
-                <a:effectLst/>
-                <a:latin typeface="맑은 고딕" panose="020B0503020000020004" pitchFamily="50" charset="-127"/>
-                <a:ea typeface="맑은 고딕" panose="020B0503020000020004" pitchFamily="50" charset="-127"/>
-                <a:cs typeface="Segoe UI" panose="020B0502040204020203" pitchFamily="34" charset="0"/>
-              </a:rPr>
-              <a:t>4425.xlsx’(</a:t>
-            </a:r>
-            <a:r>
-              <a:rPr lang="ko-KR" altLang="ko-KR" sz="1800" kern="100" dirty="0">
-                <a:solidFill>
-                  <a:srgbClr val="1F2328"/>
-                </a:solidFill>
-                <a:effectLst/>
-                <a:latin typeface="맑은 고딕" panose="020B0503020000020004" pitchFamily="50" charset="-127"/>
-                <a:ea typeface="맑은 고딕" panose="020B0503020000020004" pitchFamily="50" charset="-127"/>
-                <a:cs typeface="Segoe UI" panose="020B0502040204020203" pitchFamily="34" charset="0"/>
-              </a:rPr>
-              <a:t>출처</a:t>
-            </a:r>
-            <a:r>
-              <a:rPr lang="en-US" altLang="ko-KR" sz="1800" kern="100" dirty="0">
-                <a:solidFill>
-                  <a:srgbClr val="1F2328"/>
-                </a:solidFill>
-                <a:effectLst/>
-                <a:latin typeface="맑은 고딕" panose="020B0503020000020004" pitchFamily="50" charset="-127"/>
-                <a:ea typeface="맑은 고딕" panose="020B0503020000020004" pitchFamily="50" charset="-127"/>
-                <a:cs typeface="Segoe UI" panose="020B0502040204020203" pitchFamily="34" charset="0"/>
-              </a:rPr>
+            <a:r>
+              <a:rPr lang="ko-KR" altLang="en-US" dirty="0"/>
+              <a:t>출처 </a:t>
+            </a:r>
+            <a:r>
+              <a:rPr lang="en-US" altLang="ko-KR" dirty="0"/>
               <a:t>: </a:t>
             </a:r>
             <a:r>
-              <a:rPr lang="ko-KR" altLang="ko-KR" sz="1800" kern="100" dirty="0" err="1">
-                <a:solidFill>
-                  <a:srgbClr val="1F2328"/>
-                </a:solidFill>
-                <a:effectLst/>
-                <a:latin typeface="맑은 고딕" panose="020B0503020000020004" pitchFamily="50" charset="-127"/>
-                <a:ea typeface="맑은 고딕" panose="020B0503020000020004" pitchFamily="50" charset="-127"/>
-                <a:cs typeface="Segoe UI" panose="020B0502040204020203" pitchFamily="34" charset="0"/>
-              </a:rPr>
-              <a:t>국가통계포탈</a:t>
-            </a:r>
-            <a:r>
-              <a:rPr lang="en-US" altLang="ko-KR" sz="1800" kern="100" dirty="0">
-                <a:solidFill>
-                  <a:srgbClr val="1F2328"/>
-                </a:solidFill>
-                <a:effectLst/>
-                <a:latin typeface="맑은 고딕" panose="020B0503020000020004" pitchFamily="50" charset="-127"/>
-                <a:ea typeface="맑은 고딕" panose="020B0503020000020004" pitchFamily="50" charset="-127"/>
-                <a:cs typeface="Segoe UI" panose="020B0502040204020203" pitchFamily="34" charset="0"/>
-              </a:rPr>
-              <a:t>)</a:t>
-            </a:r>
-            <a:endParaRPr lang="ko-KR" altLang="ko-KR" sz="1800" kern="100" dirty="0">
-              <a:effectLst/>
-              <a:latin typeface="맑은 고딕" panose="020B0503020000020004" pitchFamily="50" charset="-127"/>
-              <a:ea typeface="맑은 고딕" panose="020B0503020000020004" pitchFamily="50" charset="-127"/>
-              <a:cs typeface="Times New Roman" panose="02020603050405020304" pitchFamily="18" charset="0"/>
-            </a:endParaRPr>
-          </a:p>
-          <a:p>
+              <a:rPr lang="ko-KR" altLang="en-US" dirty="0" err="1"/>
+              <a:t>국가통계포털</a:t>
+            </a:r>
+            <a:r>
+              <a:rPr lang="en-US" altLang="ko-KR" dirty="0"/>
+              <a:t>(https://kosis.kr/index/index.do)</a:t>
+            </a:r>
             <a:endParaRPr lang="ko-KR" altLang="en-US" dirty="0"/>
           </a:p>
         </p:txBody>
@@ -6386,7 +10852,7 @@
     </p:spTree>
     <p:extLst>
       <p:ext uri="{BB962C8B-B14F-4D97-AF65-F5344CB8AC3E}">
-        <p14:creationId xmlns:p14="http://schemas.microsoft.com/office/powerpoint/2010/main" val="2480485181"/>
+        <p14:creationId xmlns:p14="http://schemas.microsoft.com/office/powerpoint/2010/main" val="477383714"/>
       </p:ext>
     </p:extLst>
   </p:cSld>
@@ -6413,54 +10879,164 @@
           <a:chExt cx="0" cy="0"/>
         </a:xfrm>
       </p:grpSpPr>
+      <p:cxnSp>
+        <p:nvCxnSpPr>
+          <p:cNvPr id="3" name="직선 연결선 2">
+            <a:extLst>
+              <a:ext uri="{FF2B5EF4-FFF2-40B4-BE49-F238E27FC236}">
+                <a16:creationId xmlns:a16="http://schemas.microsoft.com/office/drawing/2014/main" id="{E3FBA607-E7FC-B7F8-2868-BC448F31F790}"/>
+              </a:ext>
+            </a:extLst>
+          </p:cNvPr>
+          <p:cNvCxnSpPr/>
+          <p:nvPr/>
+        </p:nvCxnSpPr>
+        <p:spPr>
+          <a:xfrm>
+            <a:off x="144378" y="160422"/>
+            <a:ext cx="12060000" cy="0"/>
+          </a:xfrm>
+          <a:prstGeom prst="line">
+            <a:avLst/>
+          </a:prstGeom>
+          <a:ln w="76200">
+            <a:solidFill>
+              <a:schemeClr val="accent1"/>
+            </a:solidFill>
+          </a:ln>
+        </p:spPr>
+        <p:style>
+          <a:lnRef idx="1">
+            <a:schemeClr val="accent1"/>
+          </a:lnRef>
+          <a:fillRef idx="0">
+            <a:schemeClr val="accent1"/>
+          </a:fillRef>
+          <a:effectRef idx="0">
+            <a:schemeClr val="accent1"/>
+          </a:effectRef>
+          <a:fontRef idx="minor">
+            <a:schemeClr val="tx1"/>
+          </a:fontRef>
+        </p:style>
+      </p:cxnSp>
       <p:sp>
         <p:nvSpPr>
-          <p:cNvPr id="2" name="제목 1">
-            <a:extLst>
-              <a:ext uri="{FF2B5EF4-FFF2-40B4-BE49-F238E27FC236}">
-                <a16:creationId xmlns:a16="http://schemas.microsoft.com/office/drawing/2014/main" id="{F7025355-108F-4BF0-A493-2C9AC5D34AA4}"/>
-              </a:ext>
-            </a:extLst>
-          </p:cNvPr>
-          <p:cNvSpPr>
-            <a:spLocks noGrp="1"/>
-          </p:cNvSpPr>
-          <p:nvPr>
-            <p:ph type="title"/>
-          </p:nvPr>
+          <p:cNvPr id="5" name="TextBox 4">
+            <a:extLst>
+              <a:ext uri="{FF2B5EF4-FFF2-40B4-BE49-F238E27FC236}">
+                <a16:creationId xmlns:a16="http://schemas.microsoft.com/office/drawing/2014/main" id="{3251639B-29EB-6E9D-733B-6F917838F571}"/>
+              </a:ext>
+            </a:extLst>
+          </p:cNvPr>
+          <p:cNvSpPr txBox="1"/>
+          <p:nvPr/>
         </p:nvSpPr>
-        <p:spPr/>
+        <p:spPr>
+          <a:xfrm>
+            <a:off x="1163052" y="272716"/>
+            <a:ext cx="4371710" cy="523220"/>
+          </a:xfrm>
+          <a:prstGeom prst="rect">
+            <a:avLst/>
+          </a:prstGeom>
+          <a:noFill/>
+        </p:spPr>
         <p:txBody>
-          <a:bodyPr/>
+          <a:bodyPr wrap="none" rtlCol="0">
+            <a:spAutoFit/>
+          </a:bodyPr>
           <a:lstStyle/>
           <a:p>
             <a:r>
-              <a:rPr lang="ko-KR" altLang="en-US" dirty="0"/>
-              <a:t>데이터 </a:t>
-            </a:r>
-            <a:r>
-              <a:rPr lang="ko-KR" altLang="en-US" dirty="0" err="1"/>
+              <a:rPr lang="ko-KR" altLang="en-US" sz="2800" b="1" spc="-300" dirty="0" err="1">
+                <a:solidFill>
+                  <a:schemeClr val="accent1"/>
+                </a:solidFill>
+              </a:rPr>
               <a:t>전처리</a:t>
             </a:r>
-            <a:endParaRPr lang="ko-KR" altLang="en-US" dirty="0"/>
+            <a:r>
+              <a:rPr lang="ko-KR" altLang="en-US" sz="2800" b="1" spc="-300" dirty="0">
+                <a:solidFill>
+                  <a:schemeClr val="accent1"/>
+                </a:solidFill>
+              </a:rPr>
+              <a:t> 작업 </a:t>
+            </a:r>
+            <a:r>
+              <a:rPr lang="en-US" altLang="ko-KR" sz="2800" b="1" spc="-300" dirty="0">
+                <a:solidFill>
+                  <a:schemeClr val="accent1"/>
+                </a:solidFill>
+              </a:rPr>
+              <a:t>&gt; </a:t>
+            </a:r>
+            <a:r>
+              <a:rPr lang="ko-KR" altLang="en-US" sz="2800" b="1" spc="-300" dirty="0">
+                <a:solidFill>
+                  <a:schemeClr val="accent1"/>
+                </a:solidFill>
+              </a:rPr>
+              <a:t>작업 환경 설정</a:t>
+            </a:r>
           </a:p>
         </p:txBody>
       </p:sp>
+      <p:cxnSp>
+        <p:nvCxnSpPr>
+          <p:cNvPr id="6" name="직선 연결선 5">
+            <a:extLst>
+              <a:ext uri="{FF2B5EF4-FFF2-40B4-BE49-F238E27FC236}">
+                <a16:creationId xmlns:a16="http://schemas.microsoft.com/office/drawing/2014/main" id="{227D3D02-66A7-B0C0-2CF2-A0900C18861C}"/>
+              </a:ext>
+            </a:extLst>
+          </p:cNvPr>
+          <p:cNvCxnSpPr/>
+          <p:nvPr/>
+        </p:nvCxnSpPr>
+        <p:spPr>
+          <a:xfrm>
+            <a:off x="144378" y="6737685"/>
+            <a:ext cx="12060000" cy="0"/>
+          </a:xfrm>
+          <a:prstGeom prst="line">
+            <a:avLst/>
+          </a:prstGeom>
+          <a:ln w="3175">
+            <a:solidFill>
+              <a:schemeClr val="accent1"/>
+            </a:solidFill>
+          </a:ln>
+        </p:spPr>
+        <p:style>
+          <a:lnRef idx="1">
+            <a:schemeClr val="accent1"/>
+          </a:lnRef>
+          <a:fillRef idx="0">
+            <a:schemeClr val="accent1"/>
+          </a:fillRef>
+          <a:effectRef idx="0">
+            <a:schemeClr val="accent1"/>
+          </a:effectRef>
+          <a:fontRef idx="minor">
+            <a:schemeClr val="tx1"/>
+          </a:fontRef>
+        </p:style>
+      </p:cxnSp>
       <p:pic>
         <p:nvPicPr>
-          <p:cNvPr id="5" name="내용 개체 틀 4">
-            <a:extLst>
-              <a:ext uri="{FF2B5EF4-FFF2-40B4-BE49-F238E27FC236}">
-                <a16:creationId xmlns:a16="http://schemas.microsoft.com/office/drawing/2014/main" id="{1C18D84F-7E82-BE3B-B11C-A231A96BE4DE}"/>
+          <p:cNvPr id="4" name="내용 개체 틀 4">
+            <a:extLst>
+              <a:ext uri="{FF2B5EF4-FFF2-40B4-BE49-F238E27FC236}">
+                <a16:creationId xmlns:a16="http://schemas.microsoft.com/office/drawing/2014/main" id="{1BC30DD5-E6D4-43F5-E00B-66E15E3F7F35}"/>
               </a:ext>
             </a:extLst>
           </p:cNvPr>
           <p:cNvPicPr>
-            <a:picLocks noGrp="1" noChangeAspect="1"/>
+            <a:picLocks noChangeAspect="1"/>
           </p:cNvPicPr>
-          <p:nvPr>
-            <p:ph idx="1"/>
-          </p:nvPr>
+          <p:nvPr/>
         </p:nvPicPr>
         <p:blipFill>
           <a:blip r:embed="rId2"/>
@@ -6470,15 +11046,18 @@
         </p:blipFill>
         <p:spPr>
           <a:xfrm>
-            <a:off x="2875722" y="1825625"/>
+            <a:off x="2875722" y="1253331"/>
             <a:ext cx="6440556" cy="4351338"/>
           </a:xfrm>
+          <a:prstGeom prst="rect">
+            <a:avLst/>
+          </a:prstGeom>
         </p:spPr>
       </p:pic>
     </p:spTree>
     <p:extLst>
       <p:ext uri="{BB962C8B-B14F-4D97-AF65-F5344CB8AC3E}">
-        <p14:creationId xmlns:p14="http://schemas.microsoft.com/office/powerpoint/2010/main" val="2816350599"/>
+        <p14:creationId xmlns:p14="http://schemas.microsoft.com/office/powerpoint/2010/main" val="639791983"/>
       </p:ext>
     </p:extLst>
   </p:cSld>
@@ -6505,45 +11084,178 @@
           <a:chExt cx="0" cy="0"/>
         </a:xfrm>
       </p:grpSpPr>
+      <p:cxnSp>
+        <p:nvCxnSpPr>
+          <p:cNvPr id="3" name="직선 연결선 2">
+            <a:extLst>
+              <a:ext uri="{FF2B5EF4-FFF2-40B4-BE49-F238E27FC236}">
+                <a16:creationId xmlns:a16="http://schemas.microsoft.com/office/drawing/2014/main" id="{E3FBA607-E7FC-B7F8-2868-BC448F31F790}"/>
+              </a:ext>
+            </a:extLst>
+          </p:cNvPr>
+          <p:cNvCxnSpPr/>
+          <p:nvPr/>
+        </p:nvCxnSpPr>
+        <p:spPr>
+          <a:xfrm>
+            <a:off x="144378" y="160422"/>
+            <a:ext cx="12060000" cy="0"/>
+          </a:xfrm>
+          <a:prstGeom prst="line">
+            <a:avLst/>
+          </a:prstGeom>
+          <a:ln w="76200">
+            <a:solidFill>
+              <a:schemeClr val="accent1"/>
+            </a:solidFill>
+          </a:ln>
+        </p:spPr>
+        <p:style>
+          <a:lnRef idx="1">
+            <a:schemeClr val="accent1"/>
+          </a:lnRef>
+          <a:fillRef idx="0">
+            <a:schemeClr val="accent1"/>
+          </a:fillRef>
+          <a:effectRef idx="0">
+            <a:schemeClr val="accent1"/>
+          </a:effectRef>
+          <a:fontRef idx="minor">
+            <a:schemeClr val="tx1"/>
+          </a:fontRef>
+        </p:style>
+      </p:cxnSp>
       <p:sp>
         <p:nvSpPr>
-          <p:cNvPr id="2" name="제목 1">
-            <a:extLst>
-              <a:ext uri="{FF2B5EF4-FFF2-40B4-BE49-F238E27FC236}">
-                <a16:creationId xmlns:a16="http://schemas.microsoft.com/office/drawing/2014/main" id="{F7025355-108F-4BF0-A493-2C9AC5D34AA4}"/>
-              </a:ext>
-            </a:extLst>
-          </p:cNvPr>
-          <p:cNvSpPr>
-            <a:spLocks noGrp="1"/>
-          </p:cNvSpPr>
-          <p:nvPr>
-            <p:ph type="title"/>
-          </p:nvPr>
+          <p:cNvPr id="5" name="TextBox 4">
+            <a:extLst>
+              <a:ext uri="{FF2B5EF4-FFF2-40B4-BE49-F238E27FC236}">
+                <a16:creationId xmlns:a16="http://schemas.microsoft.com/office/drawing/2014/main" id="{3251639B-29EB-6E9D-733B-6F917838F571}"/>
+              </a:ext>
+            </a:extLst>
+          </p:cNvPr>
+          <p:cNvSpPr txBox="1"/>
+          <p:nvPr/>
         </p:nvSpPr>
-        <p:spPr/>
+        <p:spPr>
+          <a:xfrm>
+            <a:off x="1163052" y="272716"/>
+            <a:ext cx="6062878" cy="523220"/>
+          </a:xfrm>
+          <a:prstGeom prst="rect">
+            <a:avLst/>
+          </a:prstGeom>
+          <a:noFill/>
+        </p:spPr>
         <p:txBody>
-          <a:bodyPr/>
+          <a:bodyPr wrap="none" rtlCol="0">
+            <a:spAutoFit/>
+          </a:bodyPr>
           <a:lstStyle/>
           <a:p>
             <a:r>
-              <a:rPr lang="ko-KR" altLang="en-US" dirty="0"/>
-              <a:t>데이터 </a:t>
-            </a:r>
-            <a:r>
-              <a:rPr lang="ko-KR" altLang="en-US" dirty="0" err="1"/>
+              <a:rPr lang="ko-KR" altLang="en-US" sz="2800" b="1" spc="-300" dirty="0" err="1">
+                <a:solidFill>
+                  <a:schemeClr val="accent1"/>
+                </a:solidFill>
+              </a:rPr>
               <a:t>전처리</a:t>
             </a:r>
-            <a:endParaRPr lang="ko-KR" altLang="en-US" dirty="0"/>
+            <a:r>
+              <a:rPr lang="ko-KR" altLang="en-US" sz="2800" b="1" spc="-300" dirty="0">
+                <a:solidFill>
+                  <a:schemeClr val="accent1"/>
+                </a:solidFill>
+              </a:rPr>
+              <a:t> 작업 </a:t>
+            </a:r>
+            <a:r>
+              <a:rPr lang="en-US" altLang="ko-KR" sz="2800" b="1" spc="-300" dirty="0">
+                <a:solidFill>
+                  <a:schemeClr val="accent1"/>
+                </a:solidFill>
+              </a:rPr>
+              <a:t>&gt; </a:t>
+            </a:r>
+            <a:r>
+              <a:rPr lang="ko-KR" altLang="en-US" sz="2800" b="1" spc="-300" dirty="0" err="1">
+                <a:solidFill>
+                  <a:schemeClr val="accent1"/>
+                </a:solidFill>
+              </a:rPr>
+              <a:t>년도별</a:t>
+            </a:r>
+            <a:r>
+              <a:rPr lang="ko-KR" altLang="en-US" sz="2800" b="1" spc="-300" dirty="0">
+                <a:solidFill>
+                  <a:schemeClr val="accent1"/>
+                </a:solidFill>
+              </a:rPr>
+              <a:t> 모의 데이터 </a:t>
+            </a:r>
+            <a:r>
+              <a:rPr lang="ko-KR" altLang="en-US" sz="2800" b="1" spc="-300" dirty="0" err="1">
+                <a:solidFill>
+                  <a:schemeClr val="accent1"/>
+                </a:solidFill>
+              </a:rPr>
+              <a:t>전처리</a:t>
+            </a:r>
+            <a:endParaRPr lang="ko-KR" altLang="en-US" sz="2800" b="1" spc="-300" dirty="0">
+              <a:solidFill>
+                <a:schemeClr val="accent1"/>
+              </a:solidFill>
+            </a:endParaRPr>
           </a:p>
         </p:txBody>
       </p:sp>
+      <p:cxnSp>
+        <p:nvCxnSpPr>
+          <p:cNvPr id="6" name="직선 연결선 5">
+            <a:extLst>
+              <a:ext uri="{FF2B5EF4-FFF2-40B4-BE49-F238E27FC236}">
+                <a16:creationId xmlns:a16="http://schemas.microsoft.com/office/drawing/2014/main" id="{227D3D02-66A7-B0C0-2CF2-A0900C18861C}"/>
+              </a:ext>
+            </a:extLst>
+          </p:cNvPr>
+          <p:cNvCxnSpPr/>
+          <p:nvPr/>
+        </p:nvCxnSpPr>
+        <p:spPr>
+          <a:xfrm>
+            <a:off x="144378" y="6737685"/>
+            <a:ext cx="12060000" cy="0"/>
+          </a:xfrm>
+          <a:prstGeom prst="line">
+            <a:avLst/>
+          </a:prstGeom>
+          <a:ln w="3175">
+            <a:solidFill>
+              <a:schemeClr val="accent1"/>
+            </a:solidFill>
+          </a:ln>
+        </p:spPr>
+        <p:style>
+          <a:lnRef idx="1">
+            <a:schemeClr val="accent1"/>
+          </a:lnRef>
+          <a:fillRef idx="0">
+            <a:schemeClr val="accent1"/>
+          </a:fillRef>
+          <a:effectRef idx="0">
+            <a:schemeClr val="accent1"/>
+          </a:effectRef>
+          <a:fontRef idx="minor">
+            <a:schemeClr val="tx1"/>
+          </a:fontRef>
+        </p:style>
+      </p:cxnSp>
       <p:pic>
         <p:nvPicPr>
-          <p:cNvPr id="4" name="그림 3">
-            <a:extLst>
-              <a:ext uri="{FF2B5EF4-FFF2-40B4-BE49-F238E27FC236}">
-                <a16:creationId xmlns:a16="http://schemas.microsoft.com/office/drawing/2014/main" id="{57905B1E-F618-2D19-540A-6B4A8BC98E68}"/>
+          <p:cNvPr id="7" name="내용 개체 틀 8">
+            <a:extLst>
+              <a:ext uri="{FF2B5EF4-FFF2-40B4-BE49-F238E27FC236}">
+                <a16:creationId xmlns:a16="http://schemas.microsoft.com/office/drawing/2014/main" id="{84693117-7A2C-D5CF-A27D-26C4BB8B9920}"/>
               </a:ext>
             </a:extLst>
           </p:cNvPr>
@@ -6560,8 +11272,8 @@
         </p:blipFill>
         <p:spPr>
           <a:xfrm>
-            <a:off x="1138929" y="2030569"/>
-            <a:ext cx="6027942" cy="3711262"/>
+            <a:off x="8041877" y="1490830"/>
+            <a:ext cx="2700324" cy="4351338"/>
           </a:xfrm>
           <a:prstGeom prst="rect">
             <a:avLst/>
@@ -6570,19 +11282,17 @@
       </p:pic>
       <p:pic>
         <p:nvPicPr>
-          <p:cNvPr id="9" name="내용 개체 틀 8">
-            <a:extLst>
-              <a:ext uri="{FF2B5EF4-FFF2-40B4-BE49-F238E27FC236}">
-                <a16:creationId xmlns:a16="http://schemas.microsoft.com/office/drawing/2014/main" id="{8866C96C-6160-281E-D169-3ECF0E583B7D}"/>
+          <p:cNvPr id="9" name="그림 8">
+            <a:extLst>
+              <a:ext uri="{FF2B5EF4-FFF2-40B4-BE49-F238E27FC236}">
+                <a16:creationId xmlns:a16="http://schemas.microsoft.com/office/drawing/2014/main" id="{1B502733-328C-1828-606F-EB9B149DAA31}"/>
               </a:ext>
             </a:extLst>
           </p:cNvPr>
           <p:cNvPicPr>
-            <a:picLocks noGrp="1" noChangeAspect="1"/>
+            <a:picLocks noChangeAspect="1"/>
           </p:cNvPicPr>
-          <p:nvPr>
-            <p:ph idx="1"/>
-          </p:nvPr>
+          <p:nvPr/>
         </p:nvPicPr>
         <p:blipFill>
           <a:blip r:embed="rId3"/>
@@ -6592,15 +11302,18 @@
         </p:blipFill>
         <p:spPr>
           <a:xfrm>
-            <a:off x="8060538" y="1710531"/>
-            <a:ext cx="2700324" cy="4351338"/>
-          </a:xfrm>
+            <a:off x="947661" y="1710531"/>
+            <a:ext cx="6523187" cy="4131637"/>
+          </a:xfrm>
+          <a:prstGeom prst="rect">
+            <a:avLst/>
+          </a:prstGeom>
         </p:spPr>
       </p:pic>
     </p:spTree>
     <p:extLst>
       <p:ext uri="{BB962C8B-B14F-4D97-AF65-F5344CB8AC3E}">
-        <p14:creationId xmlns:p14="http://schemas.microsoft.com/office/powerpoint/2010/main" val="2939689945"/>
+        <p14:creationId xmlns:p14="http://schemas.microsoft.com/office/powerpoint/2010/main" val="4281992060"/>
       </p:ext>
     </p:extLst>
   </p:cSld>
@@ -6627,54 +11340,185 @@
           <a:chExt cx="0" cy="0"/>
         </a:xfrm>
       </p:grpSpPr>
+      <p:cxnSp>
+        <p:nvCxnSpPr>
+          <p:cNvPr id="3" name="직선 연결선 2">
+            <a:extLst>
+              <a:ext uri="{FF2B5EF4-FFF2-40B4-BE49-F238E27FC236}">
+                <a16:creationId xmlns:a16="http://schemas.microsoft.com/office/drawing/2014/main" id="{E3FBA607-E7FC-B7F8-2868-BC448F31F790}"/>
+              </a:ext>
+            </a:extLst>
+          </p:cNvPr>
+          <p:cNvCxnSpPr/>
+          <p:nvPr/>
+        </p:nvCxnSpPr>
+        <p:spPr>
+          <a:xfrm>
+            <a:off x="144378" y="160422"/>
+            <a:ext cx="12060000" cy="0"/>
+          </a:xfrm>
+          <a:prstGeom prst="line">
+            <a:avLst/>
+          </a:prstGeom>
+          <a:ln w="76200">
+            <a:solidFill>
+              <a:schemeClr val="accent1"/>
+            </a:solidFill>
+          </a:ln>
+        </p:spPr>
+        <p:style>
+          <a:lnRef idx="1">
+            <a:schemeClr val="accent1"/>
+          </a:lnRef>
+          <a:fillRef idx="0">
+            <a:schemeClr val="accent1"/>
+          </a:fillRef>
+          <a:effectRef idx="0">
+            <a:schemeClr val="accent1"/>
+          </a:effectRef>
+          <a:fontRef idx="minor">
+            <a:schemeClr val="tx1"/>
+          </a:fontRef>
+        </p:style>
+      </p:cxnSp>
       <p:sp>
         <p:nvSpPr>
-          <p:cNvPr id="2" name="제목 1">
-            <a:extLst>
-              <a:ext uri="{FF2B5EF4-FFF2-40B4-BE49-F238E27FC236}">
-                <a16:creationId xmlns:a16="http://schemas.microsoft.com/office/drawing/2014/main" id="{F7025355-108F-4BF0-A493-2C9AC5D34AA4}"/>
-              </a:ext>
-            </a:extLst>
-          </p:cNvPr>
-          <p:cNvSpPr>
-            <a:spLocks noGrp="1"/>
-          </p:cNvSpPr>
-          <p:nvPr>
-            <p:ph type="title"/>
-          </p:nvPr>
+          <p:cNvPr id="5" name="TextBox 4">
+            <a:extLst>
+              <a:ext uri="{FF2B5EF4-FFF2-40B4-BE49-F238E27FC236}">
+                <a16:creationId xmlns:a16="http://schemas.microsoft.com/office/drawing/2014/main" id="{3251639B-29EB-6E9D-733B-6F917838F571}"/>
+              </a:ext>
+            </a:extLst>
+          </p:cNvPr>
+          <p:cNvSpPr txBox="1"/>
+          <p:nvPr/>
         </p:nvSpPr>
-        <p:spPr/>
+        <p:spPr>
+          <a:xfrm>
+            <a:off x="1163052" y="272716"/>
+            <a:ext cx="6062878" cy="523220"/>
+          </a:xfrm>
+          <a:prstGeom prst="rect">
+            <a:avLst/>
+          </a:prstGeom>
+          <a:noFill/>
+        </p:spPr>
         <p:txBody>
-          <a:bodyPr/>
+          <a:bodyPr wrap="none" rtlCol="0">
+            <a:spAutoFit/>
+          </a:bodyPr>
           <a:lstStyle/>
           <a:p>
             <a:r>
-              <a:rPr lang="ko-KR" altLang="en-US" dirty="0"/>
-              <a:t>데이터 </a:t>
-            </a:r>
-            <a:r>
-              <a:rPr lang="ko-KR" altLang="en-US" dirty="0" err="1"/>
+              <a:rPr lang="ko-KR" altLang="en-US" sz="2800" b="1" spc="-300" dirty="0" err="1">
+                <a:solidFill>
+                  <a:schemeClr val="accent1"/>
+                </a:solidFill>
+              </a:rPr>
               <a:t>전처리</a:t>
             </a:r>
-            <a:endParaRPr lang="ko-KR" altLang="en-US" dirty="0"/>
+            <a:r>
+              <a:rPr lang="ko-KR" altLang="en-US" sz="2800" b="1" spc="-300" dirty="0">
+                <a:solidFill>
+                  <a:schemeClr val="accent1"/>
+                </a:solidFill>
+              </a:rPr>
+              <a:t> 작업 </a:t>
+            </a:r>
+            <a:r>
+              <a:rPr lang="en-US" altLang="ko-KR" sz="2800" b="1" spc="-300" dirty="0">
+                <a:solidFill>
+                  <a:schemeClr val="accent1"/>
+                </a:solidFill>
+              </a:rPr>
+              <a:t>&gt; </a:t>
+            </a:r>
+            <a:r>
+              <a:rPr lang="ko-KR" altLang="en-US" sz="2800" b="1" spc="-300" dirty="0" err="1">
+                <a:solidFill>
+                  <a:schemeClr val="accent1"/>
+                </a:solidFill>
+              </a:rPr>
+              <a:t>년도별</a:t>
+            </a:r>
+            <a:r>
+              <a:rPr lang="ko-KR" altLang="en-US" sz="2800" b="1" spc="-300" dirty="0">
+                <a:solidFill>
+                  <a:schemeClr val="accent1"/>
+                </a:solidFill>
+              </a:rPr>
+              <a:t> 부의 데이터 </a:t>
+            </a:r>
+            <a:r>
+              <a:rPr lang="ko-KR" altLang="en-US" sz="2800" b="1" spc="-300" dirty="0" err="1">
+                <a:solidFill>
+                  <a:schemeClr val="accent1"/>
+                </a:solidFill>
+              </a:rPr>
+              <a:t>전처리</a:t>
+            </a:r>
+            <a:endParaRPr lang="ko-KR" altLang="en-US" sz="2800" b="1" spc="-300" dirty="0">
+              <a:solidFill>
+                <a:schemeClr val="accent1"/>
+              </a:solidFill>
+            </a:endParaRPr>
           </a:p>
         </p:txBody>
       </p:sp>
+      <p:cxnSp>
+        <p:nvCxnSpPr>
+          <p:cNvPr id="6" name="직선 연결선 5">
+            <a:extLst>
+              <a:ext uri="{FF2B5EF4-FFF2-40B4-BE49-F238E27FC236}">
+                <a16:creationId xmlns:a16="http://schemas.microsoft.com/office/drawing/2014/main" id="{227D3D02-66A7-B0C0-2CF2-A0900C18861C}"/>
+              </a:ext>
+            </a:extLst>
+          </p:cNvPr>
+          <p:cNvCxnSpPr/>
+          <p:nvPr/>
+        </p:nvCxnSpPr>
+        <p:spPr>
+          <a:xfrm>
+            <a:off x="144378" y="6737685"/>
+            <a:ext cx="12060000" cy="0"/>
+          </a:xfrm>
+          <a:prstGeom prst="line">
+            <a:avLst/>
+          </a:prstGeom>
+          <a:ln w="3175">
+            <a:solidFill>
+              <a:schemeClr val="accent1"/>
+            </a:solidFill>
+          </a:ln>
+        </p:spPr>
+        <p:style>
+          <a:lnRef idx="1">
+            <a:schemeClr val="accent1"/>
+          </a:lnRef>
+          <a:fillRef idx="0">
+            <a:schemeClr val="accent1"/>
+          </a:fillRef>
+          <a:effectRef idx="0">
+            <a:schemeClr val="accent1"/>
+          </a:effectRef>
+          <a:fontRef idx="minor">
+            <a:schemeClr val="tx1"/>
+          </a:fontRef>
+        </p:style>
+      </p:cxnSp>
       <p:pic>
         <p:nvPicPr>
-          <p:cNvPr id="7" name="내용 개체 틀 6">
-            <a:extLst>
-              <a:ext uri="{FF2B5EF4-FFF2-40B4-BE49-F238E27FC236}">
-                <a16:creationId xmlns:a16="http://schemas.microsoft.com/office/drawing/2014/main" id="{404003BA-8955-35DC-BCEF-EA0C9AC97AA5}"/>
+          <p:cNvPr id="4" name="내용 개체 틀 6">
+            <a:extLst>
+              <a:ext uri="{FF2B5EF4-FFF2-40B4-BE49-F238E27FC236}">
+                <a16:creationId xmlns:a16="http://schemas.microsoft.com/office/drawing/2014/main" id="{DD0E96A4-B458-2B00-806D-3DFEBBE13B90}"/>
               </a:ext>
             </a:extLst>
           </p:cNvPr>
           <p:cNvPicPr>
-            <a:picLocks noGrp="1" noChangeAspect="1"/>
+            <a:picLocks noChangeAspect="1"/>
           </p:cNvPicPr>
-          <p:nvPr>
-            <p:ph idx="1"/>
-          </p:nvPr>
+          <p:nvPr/>
         </p:nvPicPr>
         <p:blipFill>
           <a:blip r:embed="rId2"/>
@@ -6684,17 +11528,20 @@
         </p:blipFill>
         <p:spPr>
           <a:xfrm>
-            <a:off x="933067" y="2096291"/>
+            <a:off x="1163052" y="1673124"/>
             <a:ext cx="5243014" cy="3673158"/>
           </a:xfrm>
+          <a:prstGeom prst="rect">
+            <a:avLst/>
+          </a:prstGeom>
         </p:spPr>
       </p:pic>
       <p:pic>
         <p:nvPicPr>
-          <p:cNvPr id="9" name="그림 8">
-            <a:extLst>
-              <a:ext uri="{FF2B5EF4-FFF2-40B4-BE49-F238E27FC236}">
-                <a16:creationId xmlns:a16="http://schemas.microsoft.com/office/drawing/2014/main" id="{5A3BB41B-9FBE-92E4-167E-BE23EDBB90B5}"/>
+          <p:cNvPr id="8" name="그림 7">
+            <a:extLst>
+              <a:ext uri="{FF2B5EF4-FFF2-40B4-BE49-F238E27FC236}">
+                <a16:creationId xmlns:a16="http://schemas.microsoft.com/office/drawing/2014/main" id="{560E4BAA-4E92-DA81-F58D-142C7CC0D896}"/>
               </a:ext>
             </a:extLst>
           </p:cNvPr>
@@ -6711,7 +11558,7 @@
         </p:blipFill>
         <p:spPr>
           <a:xfrm>
-            <a:off x="7341483" y="1620097"/>
+            <a:off x="7863998" y="1241870"/>
             <a:ext cx="2644369" cy="4374259"/>
           </a:xfrm>
           <a:prstGeom prst="rect">
@@ -6722,7 +11569,7 @@
     </p:spTree>
     <p:extLst>
       <p:ext uri="{BB962C8B-B14F-4D97-AF65-F5344CB8AC3E}">
-        <p14:creationId xmlns:p14="http://schemas.microsoft.com/office/powerpoint/2010/main" val="3019738721"/>
+        <p14:creationId xmlns:p14="http://schemas.microsoft.com/office/powerpoint/2010/main" val="2957865628"/>
       </p:ext>
     </p:extLst>
   </p:cSld>
@@ -6749,54 +11596,185 @@
           <a:chExt cx="0" cy="0"/>
         </a:xfrm>
       </p:grpSpPr>
+      <p:cxnSp>
+        <p:nvCxnSpPr>
+          <p:cNvPr id="3" name="직선 연결선 2">
+            <a:extLst>
+              <a:ext uri="{FF2B5EF4-FFF2-40B4-BE49-F238E27FC236}">
+                <a16:creationId xmlns:a16="http://schemas.microsoft.com/office/drawing/2014/main" id="{E3FBA607-E7FC-B7F8-2868-BC448F31F790}"/>
+              </a:ext>
+            </a:extLst>
+          </p:cNvPr>
+          <p:cNvCxnSpPr/>
+          <p:nvPr/>
+        </p:nvCxnSpPr>
+        <p:spPr>
+          <a:xfrm>
+            <a:off x="144378" y="160422"/>
+            <a:ext cx="12060000" cy="0"/>
+          </a:xfrm>
+          <a:prstGeom prst="line">
+            <a:avLst/>
+          </a:prstGeom>
+          <a:ln w="76200">
+            <a:solidFill>
+              <a:schemeClr val="accent1"/>
+            </a:solidFill>
+          </a:ln>
+        </p:spPr>
+        <p:style>
+          <a:lnRef idx="1">
+            <a:schemeClr val="accent1"/>
+          </a:lnRef>
+          <a:fillRef idx="0">
+            <a:schemeClr val="accent1"/>
+          </a:fillRef>
+          <a:effectRef idx="0">
+            <a:schemeClr val="accent1"/>
+          </a:effectRef>
+          <a:fontRef idx="minor">
+            <a:schemeClr val="tx1"/>
+          </a:fontRef>
+        </p:style>
+      </p:cxnSp>
       <p:sp>
         <p:nvSpPr>
-          <p:cNvPr id="2" name="제목 1">
-            <a:extLst>
-              <a:ext uri="{FF2B5EF4-FFF2-40B4-BE49-F238E27FC236}">
-                <a16:creationId xmlns:a16="http://schemas.microsoft.com/office/drawing/2014/main" id="{F7025355-108F-4BF0-A493-2C9AC5D34AA4}"/>
-              </a:ext>
-            </a:extLst>
-          </p:cNvPr>
-          <p:cNvSpPr>
-            <a:spLocks noGrp="1"/>
-          </p:cNvSpPr>
-          <p:nvPr>
-            <p:ph type="title"/>
-          </p:nvPr>
+          <p:cNvPr id="5" name="TextBox 4">
+            <a:extLst>
+              <a:ext uri="{FF2B5EF4-FFF2-40B4-BE49-F238E27FC236}">
+                <a16:creationId xmlns:a16="http://schemas.microsoft.com/office/drawing/2014/main" id="{3251639B-29EB-6E9D-733B-6F917838F571}"/>
+              </a:ext>
+            </a:extLst>
+          </p:cNvPr>
+          <p:cNvSpPr txBox="1"/>
+          <p:nvPr/>
         </p:nvSpPr>
-        <p:spPr/>
+        <p:spPr>
+          <a:xfrm>
+            <a:off x="1163052" y="272716"/>
+            <a:ext cx="8483413" cy="523220"/>
+          </a:xfrm>
+          <a:prstGeom prst="rect">
+            <a:avLst/>
+          </a:prstGeom>
+          <a:noFill/>
+        </p:spPr>
         <p:txBody>
-          <a:bodyPr/>
+          <a:bodyPr wrap="none" rtlCol="0">
+            <a:spAutoFit/>
+          </a:bodyPr>
           <a:lstStyle/>
           <a:p>
             <a:r>
-              <a:rPr lang="ko-KR" altLang="en-US" dirty="0"/>
-              <a:t>데이터 </a:t>
-            </a:r>
-            <a:r>
-              <a:rPr lang="ko-KR" altLang="en-US" dirty="0" err="1"/>
+              <a:rPr lang="ko-KR" altLang="en-US" sz="2800" b="1" spc="-300" dirty="0" err="1">
+                <a:solidFill>
+                  <a:schemeClr val="accent1"/>
+                </a:solidFill>
+              </a:rPr>
               <a:t>전처리</a:t>
             </a:r>
-            <a:endParaRPr lang="ko-KR" altLang="en-US" dirty="0"/>
+            <a:r>
+              <a:rPr lang="ko-KR" altLang="en-US" sz="2800" b="1" spc="-300" dirty="0">
+                <a:solidFill>
+                  <a:schemeClr val="accent1"/>
+                </a:solidFill>
+              </a:rPr>
+              <a:t> 작업 </a:t>
+            </a:r>
+            <a:r>
+              <a:rPr lang="en-US" altLang="ko-KR" sz="2800" b="1" spc="-300" dirty="0">
+                <a:solidFill>
+                  <a:schemeClr val="accent1"/>
+                </a:solidFill>
+              </a:rPr>
+              <a:t>&gt; </a:t>
+            </a:r>
+            <a:r>
+              <a:rPr lang="ko-KR" altLang="en-US" sz="2800" b="1" spc="-300" dirty="0" err="1">
+                <a:solidFill>
+                  <a:schemeClr val="accent1"/>
+                </a:solidFill>
+              </a:rPr>
+              <a:t>년도별</a:t>
+            </a:r>
+            <a:r>
+              <a:rPr lang="ko-KR" altLang="en-US" sz="2800" b="1" spc="-300" dirty="0">
+                <a:solidFill>
+                  <a:schemeClr val="accent1"/>
+                </a:solidFill>
+              </a:rPr>
+              <a:t> 인구대비 장애인 비율 데이터 </a:t>
+            </a:r>
+            <a:r>
+              <a:rPr lang="ko-KR" altLang="en-US" sz="2800" b="1" spc="-300" dirty="0" err="1">
+                <a:solidFill>
+                  <a:schemeClr val="accent1"/>
+                </a:solidFill>
+              </a:rPr>
+              <a:t>전처리</a:t>
+            </a:r>
+            <a:endParaRPr lang="ko-KR" altLang="en-US" sz="2800" b="1" spc="-300" dirty="0">
+              <a:solidFill>
+                <a:schemeClr val="accent1"/>
+              </a:solidFill>
+            </a:endParaRPr>
           </a:p>
         </p:txBody>
       </p:sp>
+      <p:cxnSp>
+        <p:nvCxnSpPr>
+          <p:cNvPr id="6" name="직선 연결선 5">
+            <a:extLst>
+              <a:ext uri="{FF2B5EF4-FFF2-40B4-BE49-F238E27FC236}">
+                <a16:creationId xmlns:a16="http://schemas.microsoft.com/office/drawing/2014/main" id="{227D3D02-66A7-B0C0-2CF2-A0900C18861C}"/>
+              </a:ext>
+            </a:extLst>
+          </p:cNvPr>
+          <p:cNvCxnSpPr/>
+          <p:nvPr/>
+        </p:nvCxnSpPr>
+        <p:spPr>
+          <a:xfrm>
+            <a:off x="144378" y="6737685"/>
+            <a:ext cx="12060000" cy="0"/>
+          </a:xfrm>
+          <a:prstGeom prst="line">
+            <a:avLst/>
+          </a:prstGeom>
+          <a:ln w="3175">
+            <a:solidFill>
+              <a:schemeClr val="accent1"/>
+            </a:solidFill>
+          </a:ln>
+        </p:spPr>
+        <p:style>
+          <a:lnRef idx="1">
+            <a:schemeClr val="accent1"/>
+          </a:lnRef>
+          <a:fillRef idx="0">
+            <a:schemeClr val="accent1"/>
+          </a:fillRef>
+          <a:effectRef idx="0">
+            <a:schemeClr val="accent1"/>
+          </a:effectRef>
+          <a:fontRef idx="minor">
+            <a:schemeClr val="tx1"/>
+          </a:fontRef>
+        </p:style>
+      </p:cxnSp>
       <p:pic>
         <p:nvPicPr>
-          <p:cNvPr id="7" name="내용 개체 틀 6">
-            <a:extLst>
-              <a:ext uri="{FF2B5EF4-FFF2-40B4-BE49-F238E27FC236}">
-                <a16:creationId xmlns:a16="http://schemas.microsoft.com/office/drawing/2014/main" id="{83522F66-7E0B-1054-CAF0-2B5D75349CB7}"/>
+          <p:cNvPr id="2" name="내용 개체 틀 6">
+            <a:extLst>
+              <a:ext uri="{FF2B5EF4-FFF2-40B4-BE49-F238E27FC236}">
+                <a16:creationId xmlns:a16="http://schemas.microsoft.com/office/drawing/2014/main" id="{C00550DC-71E6-6A40-C28B-8ADB25DCB39E}"/>
               </a:ext>
             </a:extLst>
           </p:cNvPr>
           <p:cNvPicPr>
-            <a:picLocks noGrp="1" noChangeAspect="1"/>
+            <a:picLocks noChangeAspect="1"/>
           </p:cNvPicPr>
-          <p:nvPr>
-            <p:ph idx="1"/>
-          </p:nvPr>
+          <p:nvPr/>
         </p:nvPicPr>
         <p:blipFill>
           <a:blip r:embed="rId2"/>
@@ -6806,17 +11784,20 @@
         </p:blipFill>
         <p:spPr>
           <a:xfrm>
-            <a:off x="1310458" y="1998979"/>
+            <a:off x="1347781" y="1926421"/>
             <a:ext cx="4198984" cy="3680779"/>
           </a:xfrm>
+          <a:prstGeom prst="rect">
+            <a:avLst/>
+          </a:prstGeom>
         </p:spPr>
       </p:pic>
       <p:pic>
         <p:nvPicPr>
-          <p:cNvPr id="9" name="그림 8">
-            <a:extLst>
-              <a:ext uri="{FF2B5EF4-FFF2-40B4-BE49-F238E27FC236}">
-                <a16:creationId xmlns:a16="http://schemas.microsoft.com/office/drawing/2014/main" id="{5ADE9282-447A-5575-F0D5-29DF766D2FB2}"/>
+          <p:cNvPr id="7" name="그림 6">
+            <a:extLst>
+              <a:ext uri="{FF2B5EF4-FFF2-40B4-BE49-F238E27FC236}">
+                <a16:creationId xmlns:a16="http://schemas.microsoft.com/office/drawing/2014/main" id="{5A79B777-F04B-8260-FF25-801C6640F25D}"/>
               </a:ext>
             </a:extLst>
           </p:cNvPr>
@@ -6833,7 +11814,7 @@
         </p:blipFill>
         <p:spPr>
           <a:xfrm>
-            <a:off x="6314947" y="2006600"/>
+            <a:off x="6949429" y="1926421"/>
             <a:ext cx="3143377" cy="3673158"/>
           </a:xfrm>
           <a:prstGeom prst="rect">
@@ -6844,7 +11825,7 @@
     </p:spTree>
     <p:extLst>
       <p:ext uri="{BB962C8B-B14F-4D97-AF65-F5344CB8AC3E}">
-        <p14:creationId xmlns:p14="http://schemas.microsoft.com/office/powerpoint/2010/main" val="161285942"/>
+        <p14:creationId xmlns:p14="http://schemas.microsoft.com/office/powerpoint/2010/main" val="1427626132"/>
       </p:ext>
     </p:extLst>
   </p:cSld>
@@ -7147,4 +12128,205 @@
     </a:ext>
   </a:extLst>
 </a:theme>
+</file>
+
+<file path=ppt/theme/theme2.xml><?xml version="1.0" encoding="utf-8"?>
+<a:theme xmlns:a="http://schemas.openxmlformats.org/drawingml/2006/main" name="1_Office 테마">
+  <a:themeElements>
+    <a:clrScheme name="210722_지루함은파란색으로덮자">
+      <a:dk1>
+        <a:sysClr val="windowText" lastClr="000000"/>
+      </a:dk1>
+      <a:lt1>
+        <a:sysClr val="window" lastClr="FFFFFF"/>
+      </a:lt1>
+      <a:dk2>
+        <a:srgbClr val="44546A"/>
+      </a:dk2>
+      <a:lt2>
+        <a:srgbClr val="E7E6E6"/>
+      </a:lt2>
+      <a:accent1>
+        <a:srgbClr val="00314F"/>
+      </a:accent1>
+      <a:accent2>
+        <a:srgbClr val="0F429D"/>
+      </a:accent2>
+      <a:accent3>
+        <a:srgbClr val="1973C5"/>
+      </a:accent3>
+      <a:accent4>
+        <a:srgbClr val="F3EFE9"/>
+      </a:accent4>
+      <a:accent5>
+        <a:srgbClr val="017993"/>
+      </a:accent5>
+      <a:accent6>
+        <a:srgbClr val="035777"/>
+      </a:accent6>
+      <a:hlink>
+        <a:srgbClr val="262626"/>
+      </a:hlink>
+      <a:folHlink>
+        <a:srgbClr val="262626"/>
+      </a:folHlink>
+    </a:clrScheme>
+    <a:fontScheme name="12-1">
+      <a:majorFont>
+        <a:latin typeface="Pretendard ExtraBold"/>
+        <a:ea typeface="Pretendard ExtraBold"/>
+        <a:cs typeface=""/>
+      </a:majorFont>
+      <a:minorFont>
+        <a:latin typeface="Pretendard"/>
+        <a:ea typeface="Pretendard"/>
+        <a:cs typeface=""/>
+      </a:minorFont>
+    </a:fontScheme>
+    <a:fmtScheme name="Office">
+      <a:fillStyleLst>
+        <a:solidFill>
+          <a:schemeClr val="phClr"/>
+        </a:solidFill>
+        <a:gradFill rotWithShape="1">
+          <a:gsLst>
+            <a:gs pos="0">
+              <a:schemeClr val="phClr">
+                <a:lumMod val="110000"/>
+                <a:satMod val="105000"/>
+                <a:tint val="67000"/>
+              </a:schemeClr>
+            </a:gs>
+            <a:gs pos="50000">
+              <a:schemeClr val="phClr">
+                <a:lumMod val="105000"/>
+                <a:satMod val="103000"/>
+                <a:tint val="73000"/>
+              </a:schemeClr>
+            </a:gs>
+            <a:gs pos="100000">
+              <a:schemeClr val="phClr">
+                <a:lumMod val="105000"/>
+                <a:satMod val="109000"/>
+                <a:tint val="81000"/>
+              </a:schemeClr>
+            </a:gs>
+          </a:gsLst>
+          <a:lin ang="5400000" scaled="0"/>
+        </a:gradFill>
+        <a:gradFill rotWithShape="1">
+          <a:gsLst>
+            <a:gs pos="0">
+              <a:schemeClr val="phClr">
+                <a:satMod val="103000"/>
+                <a:lumMod val="102000"/>
+                <a:tint val="94000"/>
+              </a:schemeClr>
+            </a:gs>
+            <a:gs pos="50000">
+              <a:schemeClr val="phClr">
+                <a:satMod val="110000"/>
+                <a:lumMod val="100000"/>
+                <a:shade val="100000"/>
+              </a:schemeClr>
+            </a:gs>
+            <a:gs pos="100000">
+              <a:schemeClr val="phClr">
+                <a:lumMod val="99000"/>
+                <a:satMod val="120000"/>
+                <a:shade val="78000"/>
+              </a:schemeClr>
+            </a:gs>
+          </a:gsLst>
+          <a:lin ang="5400000" scaled="0"/>
+        </a:gradFill>
+      </a:fillStyleLst>
+      <a:lnStyleLst>
+        <a:ln w="6350" cap="flat" cmpd="sng" algn="ctr">
+          <a:solidFill>
+            <a:schemeClr val="phClr"/>
+          </a:solidFill>
+          <a:prstDash val="solid"/>
+          <a:miter lim="800000"/>
+        </a:ln>
+        <a:ln w="12700" cap="flat" cmpd="sng" algn="ctr">
+          <a:solidFill>
+            <a:schemeClr val="phClr"/>
+          </a:solidFill>
+          <a:prstDash val="solid"/>
+          <a:miter lim="800000"/>
+        </a:ln>
+        <a:ln w="19050" cap="flat" cmpd="sng" algn="ctr">
+          <a:solidFill>
+            <a:schemeClr val="phClr"/>
+          </a:solidFill>
+          <a:prstDash val="solid"/>
+          <a:miter lim="800000"/>
+        </a:ln>
+      </a:lnStyleLst>
+      <a:effectStyleLst>
+        <a:effectStyle>
+          <a:effectLst/>
+        </a:effectStyle>
+        <a:effectStyle>
+          <a:effectLst/>
+        </a:effectStyle>
+        <a:effectStyle>
+          <a:effectLst>
+            <a:outerShdw blurRad="57150" dist="19050" dir="5400000" algn="ctr" rotWithShape="0">
+              <a:srgbClr val="000000">
+                <a:alpha val="63000"/>
+              </a:srgbClr>
+            </a:outerShdw>
+          </a:effectLst>
+        </a:effectStyle>
+      </a:effectStyleLst>
+      <a:bgFillStyleLst>
+        <a:solidFill>
+          <a:schemeClr val="phClr"/>
+        </a:solidFill>
+        <a:solidFill>
+          <a:schemeClr val="phClr">
+            <a:tint val="95000"/>
+            <a:satMod val="170000"/>
+          </a:schemeClr>
+        </a:solidFill>
+        <a:gradFill rotWithShape="1">
+          <a:gsLst>
+            <a:gs pos="0">
+              <a:schemeClr val="phClr">
+                <a:tint val="93000"/>
+                <a:satMod val="150000"/>
+                <a:shade val="98000"/>
+                <a:lumMod val="102000"/>
+              </a:schemeClr>
+            </a:gs>
+            <a:gs pos="50000">
+              <a:schemeClr val="phClr">
+                <a:tint val="98000"/>
+                <a:satMod val="130000"/>
+                <a:shade val="90000"/>
+                <a:lumMod val="103000"/>
+              </a:schemeClr>
+            </a:gs>
+            <a:gs pos="100000">
+              <a:schemeClr val="phClr">
+                <a:shade val="63000"/>
+                <a:satMod val="120000"/>
+              </a:schemeClr>
+            </a:gs>
+          </a:gsLst>
+          <a:lin ang="5400000" scaled="0"/>
+        </a:gradFill>
+      </a:bgFillStyleLst>
+    </a:fmtScheme>
+  </a:themeElements>
+  <a:objectDefaults/>
+  <a:extraClrSchemeLst/>
+  <a:extLst>
+    <a:ext uri="{05A4C25C-085E-4340-85A3-A5531E510DB2}">
+      <thm15:themeFamily xmlns:thm15="http://schemas.microsoft.com/office/thememl/2012/main" name="Office Theme" id="{62F939B6-93AF-4DB8-9C6B-D6C7DFDC589F}" vid="{4A3C46E8-61CC-4603-A589-7422A47A8E4A}"/>
+    </a:ext>
+  </a:extLst>
+</a:theme>
 </file>